--- a/dsm2/presentations/DSM2 Installation.pptx
+++ b/dsm2/presentations/DSM2 Installation.pptx
@@ -5,7 +5,7 @@
     <p:sldMasterId id="2147483648" r:id="rId1"/>
   </p:sldMasterIdLst>
   <p:notesMasterIdLst>
-    <p:notesMasterId r:id="rId18"/>
+    <p:notesMasterId r:id="rId19"/>
   </p:notesMasterIdLst>
   <p:sldIdLst>
     <p:sldId id="256" r:id="rId2"/>
@@ -16,14 +16,15 @@
     <p:sldId id="267" r:id="rId7"/>
     <p:sldId id="268" r:id="rId8"/>
     <p:sldId id="270" r:id="rId9"/>
-    <p:sldId id="260" r:id="rId10"/>
-    <p:sldId id="275" r:id="rId11"/>
-    <p:sldId id="273" r:id="rId12"/>
-    <p:sldId id="272" r:id="rId13"/>
-    <p:sldId id="276" r:id="rId14"/>
-    <p:sldId id="277" r:id="rId15"/>
-    <p:sldId id="262" r:id="rId16"/>
-    <p:sldId id="269" r:id="rId17"/>
+    <p:sldId id="278" r:id="rId10"/>
+    <p:sldId id="260" r:id="rId11"/>
+    <p:sldId id="275" r:id="rId12"/>
+    <p:sldId id="273" r:id="rId13"/>
+    <p:sldId id="272" r:id="rId14"/>
+    <p:sldId id="276" r:id="rId15"/>
+    <p:sldId id="277" r:id="rId16"/>
+    <p:sldId id="262" r:id="rId17"/>
+    <p:sldId id="269" r:id="rId18"/>
   </p:sldIdLst>
   <p:sldSz cx="9144000" cy="6858000" type="screen4x3"/>
   <p:notesSz cx="6858000" cy="9144000"/>
@@ -684,20 +685,7 @@
           </a:bodyPr>
           <a:lstStyle/>
           <a:p>
-            <a:r>
-              <a:rPr lang="en-US" sz="1200" kern="1200" dirty="0" smtClean="0">
-                <a:solidFill>
-                  <a:schemeClr val="tx1"/>
-                </a:solidFill>
-                <a:latin typeface="+mn-lt"/>
-                <a:ea typeface="+mn-ea"/>
-                <a:cs typeface="+mn-cs"/>
-              </a:rPr>
-              <a:t>Eli will cover this in detail.</a:t>
-            </a:r>
-          </a:p>
-          <a:p>
-            <a:endParaRPr lang="en-US" dirty="0"/>
+            <a:endParaRPr lang="en-US"/>
           </a:p>
         </p:txBody>
       </p:sp>
@@ -792,67 +780,6 @@
             </a:r>
           </a:p>
           <a:p>
-            <a:endParaRPr lang="en-US" sz="1200" kern="1200" dirty="0" smtClean="0">
-              <a:solidFill>
-                <a:schemeClr val="tx1"/>
-              </a:solidFill>
-              <a:latin typeface="+mn-lt"/>
-              <a:ea typeface="+mn-ea"/>
-              <a:cs typeface="+mn-cs"/>
-            </a:endParaRPr>
-          </a:p>
-          <a:p>
-            <a:pPr lvl="1"/>
-            <a:r>
-              <a:rPr lang="en-US" sz="2400" dirty="0" smtClean="0"/>
-              <a:t>Hydro.exe and Qual.exe overwritten</a:t>
-            </a:r>
-          </a:p>
-          <a:p>
-            <a:pPr lvl="1"/>
-            <a:r>
-              <a:rPr lang="en-US" sz="2400" dirty="0" smtClean="0"/>
-              <a:t>/</a:t>
-            </a:r>
-            <a:r>
-              <a:rPr lang="en-US" sz="2400" dirty="0" err="1" smtClean="0"/>
-              <a:t>common_input</a:t>
-            </a:r>
-            <a:r>
-              <a:rPr lang="en-US" sz="2400" dirty="0" smtClean="0"/>
-              <a:t> augmented, nothing will be changed</a:t>
-            </a:r>
-          </a:p>
-          <a:p>
-            <a:pPr lvl="1"/>
-            <a:r>
-              <a:rPr lang="en-US" sz="2400" dirty="0" smtClean="0"/>
-              <a:t>/scripts replaced</a:t>
-            </a:r>
-          </a:p>
-          <a:p>
-            <a:pPr lvl="1"/>
-            <a:r>
-              <a:rPr lang="en-US" sz="2400" dirty="0" smtClean="0"/>
-              <a:t>/</a:t>
-            </a:r>
-            <a:r>
-              <a:rPr lang="en-US" sz="2400" dirty="0" err="1" smtClean="0"/>
-              <a:t>study_templates</a:t>
-            </a:r>
-            <a:r>
-              <a:rPr lang="en-US" sz="2400" dirty="0" smtClean="0"/>
-              <a:t> replaced</a:t>
-            </a:r>
-          </a:p>
-          <a:p>
-            <a:pPr lvl="1"/>
-            <a:r>
-              <a:rPr lang="en-US" sz="2400" dirty="0" smtClean="0"/>
-              <a:t>/study unchanged</a:t>
-            </a:r>
-          </a:p>
-          <a:p>
             <a:endParaRPr lang="en-US" dirty="0"/>
           </a:p>
         </p:txBody>
@@ -944,41 +871,71 @@
                 <a:ea typeface="+mn-ea"/>
                 <a:cs typeface="+mn-cs"/>
               </a:rPr>
-              <a:t>New input files are added</a:t>
-            </a:r>
-            <a:r>
-              <a:rPr lang="en-US" sz="1200" kern="1200" baseline="0" dirty="0" smtClean="0">
-                <a:solidFill>
-                  <a:schemeClr val="tx1"/>
-                </a:solidFill>
-                <a:latin typeface="+mn-lt"/>
-                <a:ea typeface="+mn-ea"/>
-                <a:cs typeface="+mn-cs"/>
-              </a:rPr>
-              <a:t> but old files are not changed. </a:t>
-            </a:r>
-            <a:r>
-              <a:rPr lang="en-US" sz="1200" kern="1200" dirty="0" smtClean="0">
-                <a:solidFill>
-                  <a:schemeClr val="tx1"/>
-                </a:solidFill>
-                <a:latin typeface="+mn-lt"/>
-                <a:ea typeface="+mn-ea"/>
-                <a:cs typeface="+mn-cs"/>
-              </a:rPr>
-              <a:t>Eli </a:t>
-            </a:r>
-            <a:r>
-              <a:rPr lang="en-US" sz="1200" kern="1200" dirty="0" smtClean="0">
-                <a:solidFill>
-                  <a:schemeClr val="tx1"/>
-                </a:solidFill>
-                <a:latin typeface="+mn-lt"/>
-                <a:ea typeface="+mn-ea"/>
-                <a:cs typeface="+mn-cs"/>
-              </a:rPr>
-              <a:t>is going to talk about archiving and multiple installation strategies later and this version stuff is going to come up again</a:t>
-            </a:r>
+              <a:t>Eli will cover this in detail.</a:t>
+            </a:r>
+          </a:p>
+          <a:p>
+            <a:endParaRPr lang="en-US" sz="1200" kern="1200" dirty="0" smtClean="0">
+              <a:solidFill>
+                <a:schemeClr val="tx1"/>
+              </a:solidFill>
+              <a:latin typeface="+mn-lt"/>
+              <a:ea typeface="+mn-ea"/>
+              <a:cs typeface="+mn-cs"/>
+            </a:endParaRPr>
+          </a:p>
+          <a:p>
+            <a:pPr lvl="1"/>
+            <a:r>
+              <a:rPr lang="en-US" sz="2400" dirty="0" smtClean="0"/>
+              <a:t>Hydro.exe and Qual.exe overwritten</a:t>
+            </a:r>
+          </a:p>
+          <a:p>
+            <a:pPr lvl="1"/>
+            <a:r>
+              <a:rPr lang="en-US" sz="2400" dirty="0" smtClean="0"/>
+              <a:t>/</a:t>
+            </a:r>
+            <a:r>
+              <a:rPr lang="en-US" sz="2400" dirty="0" err="1" smtClean="0"/>
+              <a:t>common_input</a:t>
+            </a:r>
+            <a:r>
+              <a:rPr lang="en-US" sz="2400" dirty="0" smtClean="0"/>
+              <a:t> augmented, nothing will be changed</a:t>
+            </a:r>
+          </a:p>
+          <a:p>
+            <a:pPr lvl="1"/>
+            <a:r>
+              <a:rPr lang="en-US" sz="2400" dirty="0" smtClean="0"/>
+              <a:t>/scripts replaced</a:t>
+            </a:r>
+          </a:p>
+          <a:p>
+            <a:pPr lvl="1"/>
+            <a:r>
+              <a:rPr lang="en-US" sz="2400" dirty="0" smtClean="0"/>
+              <a:t>/</a:t>
+            </a:r>
+            <a:r>
+              <a:rPr lang="en-US" sz="2400" dirty="0" err="1" smtClean="0"/>
+              <a:t>study_templates</a:t>
+            </a:r>
+            <a:r>
+              <a:rPr lang="en-US" sz="2400" dirty="0" smtClean="0"/>
+              <a:t> replaced</a:t>
+            </a:r>
+          </a:p>
+          <a:p>
+            <a:pPr lvl="1"/>
+            <a:r>
+              <a:rPr lang="en-US" sz="2400" dirty="0" smtClean="0"/>
+              <a:t>/study unchanged</a:t>
+            </a:r>
+          </a:p>
+          <a:p>
             <a:endParaRPr lang="en-US" dirty="0"/>
           </a:p>
         </p:txBody>
@@ -1061,7 +1018,40 @@
           </a:bodyPr>
           <a:lstStyle/>
           <a:p>
-            <a:endParaRPr lang="en-US"/>
+            <a:r>
+              <a:rPr lang="en-US" sz="1200" kern="1200" dirty="0" smtClean="0">
+                <a:solidFill>
+                  <a:schemeClr val="tx1"/>
+                </a:solidFill>
+                <a:latin typeface="+mn-lt"/>
+                <a:ea typeface="+mn-ea"/>
+                <a:cs typeface="+mn-cs"/>
+              </a:rPr>
+              <a:t>New input files are added</a:t>
+            </a:r>
+            <a:r>
+              <a:rPr lang="en-US" sz="1200" kern="1200" baseline="0" dirty="0" smtClean="0">
+                <a:solidFill>
+                  <a:schemeClr val="tx1"/>
+                </a:solidFill>
+                <a:latin typeface="+mn-lt"/>
+                <a:ea typeface="+mn-ea"/>
+                <a:cs typeface="+mn-cs"/>
+              </a:rPr>
+              <a:t> but old files are not changed. </a:t>
+            </a:r>
+            <a:r>
+              <a:rPr lang="en-US" sz="1200" kern="1200" dirty="0" smtClean="0">
+                <a:solidFill>
+                  <a:schemeClr val="tx1"/>
+                </a:solidFill>
+                <a:latin typeface="+mn-lt"/>
+                <a:ea typeface="+mn-ea"/>
+                <a:cs typeface="+mn-cs"/>
+              </a:rPr>
+              <a:t>Eli is going to talk about archiving and multiple installation strategies later and this version stuff is going to come up again</a:t>
+            </a:r>
+            <a:endParaRPr lang="en-US" dirty="0"/>
           </a:p>
         </p:txBody>
       </p:sp>
@@ -1225,6 +1215,88 @@
           </a:bodyPr>
           <a:lstStyle/>
           <a:p>
+            <a:endParaRPr lang="en-US"/>
+          </a:p>
+        </p:txBody>
+      </p:sp>
+      <p:sp>
+        <p:nvSpPr>
+          <p:cNvPr id="4" name="Slide Number Placeholder 3"/>
+          <p:cNvSpPr>
+            <a:spLocks noGrp="1"/>
+          </p:cNvSpPr>
+          <p:nvPr>
+            <p:ph type="sldNum" sz="quarter" idx="10"/>
+          </p:nvPr>
+        </p:nvSpPr>
+        <p:spPr/>
+        <p:txBody>
+          <a:bodyPr/>
+          <a:lstStyle/>
+          <a:p>
+            <a:fld id="{2711E83A-B2A6-4A88-A3A1-5D9650D03813}" type="slidenum">
+              <a:rPr lang="en-US" smtClean="0"/>
+              <a:pPr/>
+              <a:t>16</a:t>
+            </a:fld>
+            <a:endParaRPr lang="en-US"/>
+          </a:p>
+        </p:txBody>
+      </p:sp>
+    </p:spTree>
+  </p:cSld>
+  <p:clrMapOvr>
+    <a:masterClrMapping/>
+  </p:clrMapOvr>
+</p:notes>
+</file>
+
+<file path=ppt/notesSlides/notesSlide17.xml><?xml version="1.0" encoding="utf-8"?>
+<p:notes xmlns:a="http://schemas.openxmlformats.org/drawingml/2006/main" xmlns:r="http://schemas.openxmlformats.org/officeDocument/2006/relationships" xmlns:p="http://schemas.openxmlformats.org/presentationml/2006/main">
+  <p:cSld>
+    <p:spTree>
+      <p:nvGrpSpPr>
+        <p:cNvPr id="1" name=""/>
+        <p:cNvGrpSpPr/>
+        <p:nvPr/>
+      </p:nvGrpSpPr>
+      <p:grpSpPr>
+        <a:xfrm>
+          <a:off x="0" y="0"/>
+          <a:ext cx="0" cy="0"/>
+          <a:chOff x="0" y="0"/>
+          <a:chExt cx="0" cy="0"/>
+        </a:xfrm>
+      </p:grpSpPr>
+      <p:sp>
+        <p:nvSpPr>
+          <p:cNvPr id="2" name="Slide Image Placeholder 1"/>
+          <p:cNvSpPr>
+            <a:spLocks noGrp="1" noRot="1" noChangeAspect="1"/>
+          </p:cNvSpPr>
+          <p:nvPr>
+            <p:ph type="sldImg"/>
+          </p:nvPr>
+        </p:nvSpPr>
+        <p:spPr/>
+      </p:sp>
+      <p:sp>
+        <p:nvSpPr>
+          <p:cNvPr id="3" name="Notes Placeholder 2"/>
+          <p:cNvSpPr>
+            <a:spLocks noGrp="1"/>
+          </p:cNvSpPr>
+          <p:nvPr>
+            <p:ph type="body" idx="1"/>
+          </p:nvPr>
+        </p:nvSpPr>
+        <p:spPr/>
+        <p:txBody>
+          <a:bodyPr>
+            <a:normAutofit/>
+          </a:bodyPr>
+          <a:lstStyle/>
+          <a:p>
             <a:pPr lvl="0"/>
             <a:r>
               <a:rPr lang="en-US" sz="1200" kern="1200" dirty="0" smtClean="0">
@@ -1448,7 +1520,7 @@
             <a:fld id="{2711E83A-B2A6-4A88-A3A1-5D9650D03813}" type="slidenum">
               <a:rPr lang="en-US" smtClean="0"/>
               <a:pPr/>
-              <a:t>16</a:t>
+              <a:t>17</a:t>
             </a:fld>
             <a:endParaRPr lang="en-US"/>
           </a:p>
@@ -5189,6 +5261,13 @@
   <p:clrMapOvr>
     <a:masterClrMapping/>
   </p:clrMapOvr>
+  <p:timing>
+    <p:tnLst>
+      <p:par>
+        <p:cTn id="1" dur="indefinite" restart="never" nodeType="tmRoot"/>
+      </p:par>
+    </p:tnLst>
+  </p:timing>
 </p:sld>
 </file>
 
@@ -5216,17 +5295,49 @@
             <a:spLocks noGrp="1"/>
           </p:cNvSpPr>
           <p:nvPr>
-            <p:ph type="ctrTitle"/>
-          </p:nvPr>
-        </p:nvSpPr>
-        <p:spPr/>
+            <p:ph type="title"/>
+          </p:nvPr>
+        </p:nvSpPr>
+        <p:spPr/>
+        <p:txBody>
+          <a:bodyPr>
+            <a:normAutofit/>
+          </a:bodyPr>
+          <a:lstStyle/>
+          <a:p>
+            <a:r>
+              <a:rPr lang="en-US" dirty="0" smtClean="0"/>
+              <a:t>Notepad</a:t>
+            </a:r>
+            <a:r>
+              <a:rPr lang="en-US" dirty="0"/>
+              <a:t>++ syntax highlighting </a:t>
+            </a:r>
+          </a:p>
+        </p:txBody>
+      </p:sp>
+      <p:sp>
+        <p:nvSpPr>
+          <p:cNvPr id="5" name="Content Placeholder 4"/>
+          <p:cNvSpPr>
+            <a:spLocks noGrp="1"/>
+          </p:cNvSpPr>
+          <p:nvPr>
+            <p:ph idx="1"/>
+          </p:nvPr>
+        </p:nvSpPr>
+        <p:spPr>
+          <a:solidFill>
+            <a:srgbClr val="FF0000"/>
+          </a:solidFill>
+        </p:spPr>
         <p:txBody>
           <a:bodyPr/>
           <a:lstStyle/>
           <a:p>
             <a:r>
               <a:rPr lang="en-US" dirty="0" smtClean="0"/>
-              <a:t>FAQ</a:t>
+              <a:t>Add directions here</a:t>
             </a:r>
             <a:endParaRPr lang="en-US" dirty="0"/>
           </a:p>
@@ -5241,6 +5352,54 @@
 </file>
 
 <file path=ppt/slides/slide11.xml><?xml version="1.0" encoding="utf-8"?>
+<p:sld xmlns:a="http://schemas.openxmlformats.org/drawingml/2006/main" xmlns:r="http://schemas.openxmlformats.org/officeDocument/2006/relationships" xmlns:p="http://schemas.openxmlformats.org/presentationml/2006/main">
+  <p:cSld>
+    <p:spTree>
+      <p:nvGrpSpPr>
+        <p:cNvPr id="1" name=""/>
+        <p:cNvGrpSpPr/>
+        <p:nvPr/>
+      </p:nvGrpSpPr>
+      <p:grpSpPr>
+        <a:xfrm>
+          <a:off x="0" y="0"/>
+          <a:ext cx="0" cy="0"/>
+          <a:chOff x="0" y="0"/>
+          <a:chExt cx="0" cy="0"/>
+        </a:xfrm>
+      </p:grpSpPr>
+      <p:sp>
+        <p:nvSpPr>
+          <p:cNvPr id="2" name="Title 1"/>
+          <p:cNvSpPr>
+            <a:spLocks noGrp="1"/>
+          </p:cNvSpPr>
+          <p:nvPr>
+            <p:ph type="ctrTitle"/>
+          </p:nvPr>
+        </p:nvSpPr>
+        <p:spPr/>
+        <p:txBody>
+          <a:bodyPr/>
+          <a:lstStyle/>
+          <a:p>
+            <a:r>
+              <a:rPr lang="en-US" dirty="0" smtClean="0"/>
+              <a:t>FAQ</a:t>
+            </a:r>
+            <a:endParaRPr lang="en-US" dirty="0"/>
+          </a:p>
+        </p:txBody>
+      </p:sp>
+    </p:spTree>
+  </p:cSld>
+  <p:clrMapOvr>
+    <a:masterClrMapping/>
+  </p:clrMapOvr>
+</p:sld>
+</file>
+
+<file path=ppt/slides/slide12.xml><?xml version="1.0" encoding="utf-8"?>
 <p:sld xmlns:a="http://schemas.openxmlformats.org/drawingml/2006/main" xmlns:r="http://schemas.openxmlformats.org/officeDocument/2006/relationships" xmlns:p="http://schemas.openxmlformats.org/presentationml/2006/main">
   <p:cSld>
     <p:spTree>
@@ -5435,11 +5594,7 @@
           <a:p>
             <a:r>
               <a:rPr lang="en-US" sz="2000" dirty="0" smtClean="0"/>
-              <a:t>%DSM2_HOME%\</a:t>
-            </a:r>
-            <a:r>
-              <a:rPr lang="en-US" sz="2000" dirty="0" smtClean="0"/>
-              <a:t>vista\bin</a:t>
+              <a:t>%DSM2_HOME%\vista\bin</a:t>
             </a:r>
           </a:p>
           <a:p>
@@ -5447,7 +5602,38 @@
               <a:rPr lang="en-US" sz="2000" dirty="0" smtClean="0"/>
               <a:t>%VISTA_HOME%</a:t>
             </a:r>
-            <a:endParaRPr lang="en-US" sz="2000" dirty="0" smtClean="0"/>
+          </a:p>
+        </p:txBody>
+      </p:sp>
+      <p:sp>
+        <p:nvSpPr>
+          <p:cNvPr id="7" name="TextBox 6"/>
+          <p:cNvSpPr txBox="1"/>
+          <p:nvPr/>
+        </p:nvSpPr>
+        <p:spPr>
+          <a:xfrm>
+            <a:off x="4572000" y="990600"/>
+            <a:ext cx="4117730" cy="1200329"/>
+          </a:xfrm>
+          <a:prstGeom prst="rect">
+            <a:avLst/>
+          </a:prstGeom>
+          <a:noFill/>
+        </p:spPr>
+        <p:txBody>
+          <a:bodyPr wrap="square" rtlCol="0">
+            <a:spAutoFit/>
+          </a:bodyPr>
+          <a:lstStyle/>
+          <a:p>
+            <a:r>
+              <a:rPr lang="en-US" sz="2400" dirty="0" smtClean="0"/>
+              <a:t>Yes, but you will have to change some Environment variables.</a:t>
+            </a:r>
+          </a:p>
+          <a:p>
+            <a:endParaRPr lang="en-US" sz="2400" dirty="0"/>
           </a:p>
         </p:txBody>
       </p:sp>
@@ -5456,10 +5642,244 @@
   <p:clrMapOvr>
     <a:masterClrMapping/>
   </p:clrMapOvr>
+  <p:timing>
+    <p:tnLst>
+      <p:par>
+        <p:cTn id="1" dur="indefinite" restart="never" nodeType="tmRoot">
+          <p:childTnLst>
+            <p:seq concurrent="1" nextAc="seek">
+              <p:cTn id="2" dur="indefinite" nodeType="mainSeq">
+                <p:childTnLst>
+                  <p:par>
+                    <p:cTn id="3" fill="hold">
+                      <p:stCondLst>
+                        <p:cond delay="indefinite"/>
+                      </p:stCondLst>
+                      <p:childTnLst>
+                        <p:par>
+                          <p:cTn id="4" fill="hold">
+                            <p:stCondLst>
+                              <p:cond delay="0"/>
+                            </p:stCondLst>
+                            <p:childTnLst>
+                              <p:par>
+                                <p:cTn id="5" presetID="1" presetClass="entr" presetSubtype="0" fill="hold" grpId="0" nodeType="clickEffect">
+                                  <p:stCondLst>
+                                    <p:cond delay="0"/>
+                                  </p:stCondLst>
+                                  <p:childTnLst>
+                                    <p:set>
+                                      <p:cBhvr>
+                                        <p:cTn id="6" dur="1" fill="hold">
+                                          <p:stCondLst>
+                                            <p:cond delay="0"/>
+                                          </p:stCondLst>
+                                        </p:cTn>
+                                        <p:tgtEl>
+                                          <p:spTgt spid="7"/>
+                                        </p:tgtEl>
+                                        <p:attrNameLst>
+                                          <p:attrName>style.visibility</p:attrName>
+                                        </p:attrNameLst>
+                                      </p:cBhvr>
+                                      <p:to>
+                                        <p:strVal val="visible"/>
+                                      </p:to>
+                                    </p:set>
+                                  </p:childTnLst>
+                                </p:cTn>
+                              </p:par>
+                            </p:childTnLst>
+                          </p:cTn>
+                        </p:par>
+                      </p:childTnLst>
+                    </p:cTn>
+                  </p:par>
+                  <p:par>
+                    <p:cTn id="7" fill="hold">
+                      <p:stCondLst>
+                        <p:cond delay="indefinite"/>
+                      </p:stCondLst>
+                      <p:childTnLst>
+                        <p:par>
+                          <p:cTn id="8" fill="hold">
+                            <p:stCondLst>
+                              <p:cond delay="0"/>
+                            </p:stCondLst>
+                            <p:childTnLst>
+                              <p:par>
+                                <p:cTn id="9" presetID="1" presetClass="entr" presetSubtype="0" fill="hold" grpId="1" nodeType="clickEffect">
+                                  <p:stCondLst>
+                                    <p:cond delay="0"/>
+                                  </p:stCondLst>
+                                  <p:childTnLst>
+                                    <p:set>
+                                      <p:cBhvr>
+                                        <p:cTn id="10" dur="1" fill="hold">
+                                          <p:stCondLst>
+                                            <p:cond delay="0"/>
+                                          </p:stCondLst>
+                                        </p:cTn>
+                                        <p:tgtEl>
+                                          <p:spTgt spid="7"/>
+                                        </p:tgtEl>
+                                        <p:attrNameLst>
+                                          <p:attrName>style.visibility</p:attrName>
+                                        </p:attrNameLst>
+                                      </p:cBhvr>
+                                      <p:to>
+                                        <p:strVal val="visible"/>
+                                      </p:to>
+                                    </p:set>
+                                  </p:childTnLst>
+                                </p:cTn>
+                              </p:par>
+                              <p:par>
+                                <p:cTn id="11" presetID="1" presetClass="entr" presetSubtype="0" fill="hold" nodeType="withEffect">
+                                  <p:stCondLst>
+                                    <p:cond delay="0"/>
+                                  </p:stCondLst>
+                                  <p:childTnLst>
+                                    <p:set>
+                                      <p:cBhvr>
+                                        <p:cTn id="12" dur="1" fill="hold">
+                                          <p:stCondLst>
+                                            <p:cond delay="0"/>
+                                          </p:stCondLst>
+                                        </p:cTn>
+                                        <p:tgtEl>
+                                          <p:spTgt spid="19"/>
+                                        </p:tgtEl>
+                                        <p:attrNameLst>
+                                          <p:attrName>style.visibility</p:attrName>
+                                        </p:attrNameLst>
+                                      </p:cBhvr>
+                                      <p:to>
+                                        <p:strVal val="visible"/>
+                                      </p:to>
+                                    </p:set>
+                                  </p:childTnLst>
+                                </p:cTn>
+                              </p:par>
+                              <p:par>
+                                <p:cTn id="13" presetID="1" presetClass="entr" presetSubtype="0" fill="hold" nodeType="withEffect">
+                                  <p:stCondLst>
+                                    <p:cond delay="0"/>
+                                  </p:stCondLst>
+                                  <p:childTnLst>
+                                    <p:set>
+                                      <p:cBhvr>
+                                        <p:cTn id="14" dur="1" fill="hold">
+                                          <p:stCondLst>
+                                            <p:cond delay="0"/>
+                                          </p:stCondLst>
+                                        </p:cTn>
+                                        <p:tgtEl>
+                                          <p:spTgt spid="22"/>
+                                        </p:tgtEl>
+                                        <p:attrNameLst>
+                                          <p:attrName>style.visibility</p:attrName>
+                                        </p:attrNameLst>
+                                      </p:cBhvr>
+                                      <p:to>
+                                        <p:strVal val="visible"/>
+                                      </p:to>
+                                    </p:set>
+                                  </p:childTnLst>
+                                </p:cTn>
+                              </p:par>
+                              <p:par>
+                                <p:cTn id="15" presetID="1" presetClass="entr" presetSubtype="0" fill="hold" grpId="0" nodeType="withEffect">
+                                  <p:stCondLst>
+                                    <p:cond delay="0"/>
+                                  </p:stCondLst>
+                                  <p:childTnLst>
+                                    <p:set>
+                                      <p:cBhvr>
+                                        <p:cTn id="16" dur="1" fill="hold">
+                                          <p:stCondLst>
+                                            <p:cond delay="0"/>
+                                          </p:stCondLst>
+                                        </p:cTn>
+                                        <p:tgtEl>
+                                          <p:spTgt spid="23"/>
+                                        </p:tgtEl>
+                                        <p:attrNameLst>
+                                          <p:attrName>style.visibility</p:attrName>
+                                        </p:attrNameLst>
+                                      </p:cBhvr>
+                                      <p:to>
+                                        <p:strVal val="visible"/>
+                                      </p:to>
+                                    </p:set>
+                                  </p:childTnLst>
+                                </p:cTn>
+                              </p:par>
+                              <p:par>
+                                <p:cTn id="17" presetID="1" presetClass="entr" presetSubtype="0" fill="hold" grpId="0" nodeType="withEffect">
+                                  <p:stCondLst>
+                                    <p:cond delay="0"/>
+                                  </p:stCondLst>
+                                  <p:childTnLst>
+                                    <p:set>
+                                      <p:cBhvr>
+                                        <p:cTn id="18" dur="1" fill="hold">
+                                          <p:stCondLst>
+                                            <p:cond delay="0"/>
+                                          </p:stCondLst>
+                                        </p:cTn>
+                                        <p:tgtEl>
+                                          <p:spTgt spid="20"/>
+                                        </p:tgtEl>
+                                        <p:attrNameLst>
+                                          <p:attrName>style.visibility</p:attrName>
+                                        </p:attrNameLst>
+                                      </p:cBhvr>
+                                      <p:to>
+                                        <p:strVal val="visible"/>
+                                      </p:to>
+                                    </p:set>
+                                  </p:childTnLst>
+                                </p:cTn>
+                              </p:par>
+                            </p:childTnLst>
+                          </p:cTn>
+                        </p:par>
+                      </p:childTnLst>
+                    </p:cTn>
+                  </p:par>
+                </p:childTnLst>
+              </p:cTn>
+              <p:prevCondLst>
+                <p:cond evt="onPrev" delay="0">
+                  <p:tgtEl>
+                    <p:sldTgt/>
+                  </p:tgtEl>
+                </p:cond>
+              </p:prevCondLst>
+              <p:nextCondLst>
+                <p:cond evt="onNext" delay="0">
+                  <p:tgtEl>
+                    <p:sldTgt/>
+                  </p:tgtEl>
+                </p:cond>
+              </p:nextCondLst>
+            </p:seq>
+          </p:childTnLst>
+        </p:cTn>
+      </p:par>
+    </p:tnLst>
+    <p:bldLst>
+      <p:bldP spid="20" grpId="0" animBg="1"/>
+      <p:bldP spid="23" grpId="0" animBg="1"/>
+      <p:bldP spid="7" grpId="0"/>
+      <p:bldP spid="7" grpId="1"/>
+    </p:bldLst>
+  </p:timing>
 </p:sld>
 </file>
 
-<file path=ppt/slides/slide12.xml><?xml version="1.0" encoding="utf-8"?>
+<file path=ppt/slides/slide13.xml><?xml version="1.0" encoding="utf-8"?>
 <p:sld xmlns:a="http://schemas.openxmlformats.org/drawingml/2006/main" xmlns:r="http://schemas.openxmlformats.org/officeDocument/2006/relationships" xmlns:p="http://schemas.openxmlformats.org/presentationml/2006/main">
   <p:cSld>
     <p:spTree>
@@ -5545,8 +5965,8 @@
         </p:nvSpPr>
         <p:spPr>
           <a:xfrm>
-            <a:off x="4267200" y="2209800"/>
-            <a:ext cx="4423327" cy="461665"/>
+            <a:off x="4191000" y="1981200"/>
+            <a:ext cx="4423327" cy="830997"/>
           </a:xfrm>
           <a:prstGeom prst="rect">
             <a:avLst/>
@@ -5558,7 +5978,7 @@
           </a:ln>
         </p:spPr>
         <p:txBody>
-          <a:bodyPr wrap="none">
+          <a:bodyPr wrap="square">
             <a:spAutoFit/>
           </a:bodyPr>
           <a:lstStyle/>
@@ -5569,7 +5989,17 @@
             </a:r>
             <a:r>
               <a:rPr lang="en-US" sz="2400" dirty="0" smtClean="0"/>
-              <a:t>ydro.exe &amp; Qual.exe overwritten</a:t>
+              <a:t>ydro.exe &amp; Qual.exe </a:t>
+            </a:r>
+            <a:r>
+              <a:rPr lang="en-US" sz="2400" dirty="0" smtClean="0"/>
+              <a:t>overwritten</a:t>
+            </a:r>
+          </a:p>
+          <a:p>
+            <a:r>
+              <a:rPr lang="en-US" sz="2400" dirty="0" smtClean="0"/>
+              <a:t>Version control exe retained</a:t>
             </a:r>
             <a:endParaRPr lang="en-US" sz="2400" dirty="0"/>
           </a:p>
@@ -5671,7 +6101,11 @@
           <a:p>
             <a:r>
               <a:rPr lang="en-US" sz="2400" dirty="0" smtClean="0"/>
-              <a:t>User’s studies unchanged</a:t>
+              <a:t>User’s studies </a:t>
+            </a:r>
+            <a:r>
+              <a:rPr lang="en-US" sz="2400" dirty="0" smtClean="0"/>
+              <a:t>unchanged</a:t>
             </a:r>
             <a:endParaRPr lang="en-US" sz="2400" dirty="0"/>
           </a:p>
@@ -6054,10 +6488,17 @@
   <p:clrMapOvr>
     <a:masterClrMapping/>
   </p:clrMapOvr>
+  <p:timing>
+    <p:tnLst>
+      <p:par>
+        <p:cTn id="1" dur="indefinite" restart="never" nodeType="tmRoot"/>
+      </p:par>
+    </p:tnLst>
+  </p:timing>
 </p:sld>
 </file>
 
-<file path=ppt/slides/slide13.xml><?xml version="1.0" encoding="utf-8"?>
+<file path=ppt/slides/slide14.xml><?xml version="1.0" encoding="utf-8"?>
 <p:sld xmlns:a="http://schemas.openxmlformats.org/drawingml/2006/main" xmlns:r="http://schemas.openxmlformats.org/officeDocument/2006/relationships" xmlns:p="http://schemas.openxmlformats.org/presentationml/2006/main">
   <p:cSld>
     <p:spTree>
@@ -6251,10 +6692,17 @@
   <p:clrMapOvr>
     <a:masterClrMapping/>
   </p:clrMapOvr>
+  <p:timing>
+    <p:tnLst>
+      <p:par>
+        <p:cTn id="1" dur="indefinite" restart="never" nodeType="tmRoot"/>
+      </p:par>
+    </p:tnLst>
+  </p:timing>
 </p:sld>
 </file>
 
-<file path=ppt/slides/slide14.xml><?xml version="1.0" encoding="utf-8"?>
+<file path=ppt/slides/slide15.xml><?xml version="1.0" encoding="utf-8"?>
 <p:sld xmlns:a="http://schemas.openxmlformats.org/drawingml/2006/main" xmlns:r="http://schemas.openxmlformats.org/officeDocument/2006/relationships" xmlns:p="http://schemas.openxmlformats.org/presentationml/2006/main">
   <p:cSld>
     <p:spTree>
@@ -6440,10 +6888,17 @@
   <p:clrMapOvr>
     <a:masterClrMapping/>
   </p:clrMapOvr>
+  <p:timing>
+    <p:tnLst>
+      <p:par>
+        <p:cTn id="1" dur="indefinite" restart="never" nodeType="tmRoot"/>
+      </p:par>
+    </p:tnLst>
+  </p:timing>
 </p:sld>
 </file>
 
-<file path=ppt/slides/slide15.xml><?xml version="1.0" encoding="utf-8"?>
+<file path=ppt/slides/slide16.xml><?xml version="1.0" encoding="utf-8"?>
 <p:sld xmlns:a="http://schemas.openxmlformats.org/drawingml/2006/main" xmlns:r="http://schemas.openxmlformats.org/officeDocument/2006/relationships" xmlns:p="http://schemas.openxmlformats.org/presentationml/2006/main">
   <p:cSld>
     <p:spTree>
@@ -6581,10 +7036,17 @@
   <p:clrMapOvr>
     <a:masterClrMapping/>
   </p:clrMapOvr>
+  <p:timing>
+    <p:tnLst>
+      <p:par>
+        <p:cTn id="1" dur="indefinite" restart="never" nodeType="tmRoot"/>
+      </p:par>
+    </p:tnLst>
+  </p:timing>
 </p:sld>
 </file>
 
-<file path=ppt/slides/slide16.xml><?xml version="1.0" encoding="utf-8"?>
+<file path=ppt/slides/slide17.xml><?xml version="1.0" encoding="utf-8"?>
 <p:sld xmlns:a="http://schemas.openxmlformats.org/drawingml/2006/main" xmlns:r="http://schemas.openxmlformats.org/officeDocument/2006/relationships" xmlns:p="http://schemas.openxmlformats.org/presentationml/2006/main">
   <p:cSld>
     <p:spTree>
@@ -6692,6 +7154,13 @@
   <p:clrMapOvr>
     <a:masterClrMapping/>
   </p:clrMapOvr>
+  <p:timing>
+    <p:tnLst>
+      <p:par>
+        <p:cTn id="1" dur="indefinite" restart="never" nodeType="tmRoot"/>
+      </p:par>
+    </p:tnLst>
+  </p:timing>
 </p:sld>
 </file>
 
@@ -6997,6 +7466,13 @@
   <p:clrMapOvr>
     <a:masterClrMapping/>
   </p:clrMapOvr>
+  <p:timing>
+    <p:tnLst>
+      <p:par>
+        <p:cTn id="1" dur="indefinite" restart="never" nodeType="tmRoot"/>
+      </p:par>
+    </p:tnLst>
+  </p:timing>
 </p:sld>
 </file>
 
@@ -7192,6 +7668,13 @@
   <p:clrMapOvr>
     <a:masterClrMapping/>
   </p:clrMapOvr>
+  <p:timing>
+    <p:tnLst>
+      <p:par>
+        <p:cTn id="1" dur="indefinite" restart="never" nodeType="tmRoot"/>
+      </p:par>
+    </p:tnLst>
+  </p:timing>
 </p:sld>
 </file>
 
@@ -7306,6 +7789,13 @@
   <p:clrMapOvr>
     <a:masterClrMapping/>
   </p:clrMapOvr>
+  <p:timing>
+    <p:tnLst>
+      <p:par>
+        <p:cTn id="1" dur="indefinite" restart="never" nodeType="tmRoot"/>
+      </p:par>
+    </p:tnLst>
+  </p:timing>
 </p:sld>
 </file>
 
@@ -7362,6 +7852,13 @@
   <p:clrMapOvr>
     <a:masterClrMapping/>
   </p:clrMapOvr>
+  <p:timing>
+    <p:tnLst>
+      <p:par>
+        <p:cTn id="1" dur="indefinite" restart="never" nodeType="tmRoot"/>
+      </p:par>
+    </p:tnLst>
+  </p:timing>
 </p:sld>
 </file>
 
@@ -7730,13 +8227,11 @@
       </p:sp>
       <p:pic>
         <p:nvPicPr>
-          <p:cNvPr id="3075" name="Picture 3"/>
+          <p:cNvPr id="3076" name="Picture 4"/>
           <p:cNvPicPr>
-            <a:picLocks noGrp="1" noChangeAspect="1" noChangeArrowheads="1"/>
+            <a:picLocks noChangeAspect="1" noChangeArrowheads="1"/>
           </p:cNvPicPr>
-          <p:nvPr>
-            <p:ph idx="1"/>
-          </p:nvPr>
+          <p:nvPr/>
         </p:nvPicPr>
         <p:blipFill>
           <a:blip r:embed="rId3" cstate="print"/>
@@ -7747,8 +8242,8 @@
         </p:blipFill>
         <p:spPr bwMode="auto">
           <a:xfrm>
-            <a:off x="228600" y="1524000"/>
-            <a:ext cx="6009524" cy="3990476"/>
+            <a:off x="0" y="1295400"/>
+            <a:ext cx="6010275" cy="3990975"/>
           </a:xfrm>
           <a:prstGeom prst="rect">
             <a:avLst/>
@@ -7764,11 +8259,13 @@
       </p:pic>
       <p:pic>
         <p:nvPicPr>
-          <p:cNvPr id="3076" name="Picture 4"/>
+          <p:cNvPr id="3075" name="Picture 3"/>
           <p:cNvPicPr>
-            <a:picLocks noChangeAspect="1" noChangeArrowheads="1"/>
+            <a:picLocks noGrp="1" noChangeAspect="1" noChangeArrowheads="1"/>
           </p:cNvPicPr>
-          <p:nvPr/>
+          <p:nvPr>
+            <p:ph idx="1"/>
+          </p:nvPr>
         </p:nvPicPr>
         <p:blipFill>
           <a:blip r:embed="rId4" cstate="print"/>
@@ -7779,8 +8276,8 @@
         </p:blipFill>
         <p:spPr bwMode="auto">
           <a:xfrm>
-            <a:off x="2971800" y="2743200"/>
-            <a:ext cx="6010275" cy="3990975"/>
+            <a:off x="3134476" y="2667000"/>
+            <a:ext cx="6009524" cy="3990476"/>
           </a:xfrm>
           <a:prstGeom prst="rect">
             <a:avLst/>

--- a/dsm2/presentations/DSM2 Installation.pptx
+++ b/dsm2/presentations/DSM2 Installation.pptx
@@ -5,26 +5,28 @@
     <p:sldMasterId id="2147483648" r:id="rId1"/>
   </p:sldMasterIdLst>
   <p:notesMasterIdLst>
-    <p:notesMasterId r:id="rId19"/>
+    <p:notesMasterId r:id="rId21"/>
   </p:notesMasterIdLst>
   <p:sldIdLst>
     <p:sldId id="256" r:id="rId2"/>
     <p:sldId id="263" r:id="rId3"/>
     <p:sldId id="257" r:id="rId4"/>
-    <p:sldId id="261" r:id="rId5"/>
-    <p:sldId id="259" r:id="rId6"/>
-    <p:sldId id="267" r:id="rId7"/>
-    <p:sldId id="268" r:id="rId8"/>
-    <p:sldId id="270" r:id="rId9"/>
-    <p:sldId id="278" r:id="rId10"/>
-    <p:sldId id="260" r:id="rId11"/>
-    <p:sldId id="275" r:id="rId12"/>
-    <p:sldId id="273" r:id="rId13"/>
-    <p:sldId id="272" r:id="rId14"/>
-    <p:sldId id="276" r:id="rId15"/>
-    <p:sldId id="277" r:id="rId16"/>
-    <p:sldId id="262" r:id="rId17"/>
-    <p:sldId id="269" r:id="rId18"/>
+    <p:sldId id="280" r:id="rId5"/>
+    <p:sldId id="279" r:id="rId6"/>
+    <p:sldId id="261" r:id="rId7"/>
+    <p:sldId id="259" r:id="rId8"/>
+    <p:sldId id="267" r:id="rId9"/>
+    <p:sldId id="268" r:id="rId10"/>
+    <p:sldId id="270" r:id="rId11"/>
+    <p:sldId id="278" r:id="rId12"/>
+    <p:sldId id="260" r:id="rId13"/>
+    <p:sldId id="275" r:id="rId14"/>
+    <p:sldId id="273" r:id="rId15"/>
+    <p:sldId id="272" r:id="rId16"/>
+    <p:sldId id="276" r:id="rId17"/>
+    <p:sldId id="277" r:id="rId18"/>
+    <p:sldId id="262" r:id="rId19"/>
+    <p:sldId id="269" r:id="rId20"/>
   </p:sldIdLst>
   <p:sldSz cx="9144000" cy="6858000" type="screen4x3"/>
   <p:notesSz cx="6858000" cy="9144000"/>
@@ -767,20 +769,7 @@
           </a:bodyPr>
           <a:lstStyle/>
           <a:p>
-            <a:r>
-              <a:rPr lang="en-US" sz="1200" kern="1200" dirty="0" smtClean="0">
-                <a:solidFill>
-                  <a:schemeClr val="tx1"/>
-                </a:solidFill>
-                <a:latin typeface="+mn-lt"/>
-                <a:ea typeface="+mn-ea"/>
-                <a:cs typeface="+mn-cs"/>
-              </a:rPr>
-              <a:t>Eli will cover this in detail.</a:t>
-            </a:r>
-          </a:p>
-          <a:p>
-            <a:endParaRPr lang="en-US" dirty="0"/>
+            <a:endParaRPr lang="en-US"/>
           </a:p>
         </p:txBody>
       </p:sp>
@@ -862,81 +851,7 @@
           </a:bodyPr>
           <a:lstStyle/>
           <a:p>
-            <a:r>
-              <a:rPr lang="en-US" sz="1200" kern="1200" dirty="0" smtClean="0">
-                <a:solidFill>
-                  <a:schemeClr val="tx1"/>
-                </a:solidFill>
-                <a:latin typeface="+mn-lt"/>
-                <a:ea typeface="+mn-ea"/>
-                <a:cs typeface="+mn-cs"/>
-              </a:rPr>
-              <a:t>Eli will cover this in detail.</a:t>
-            </a:r>
-          </a:p>
-          <a:p>
-            <a:endParaRPr lang="en-US" sz="1200" kern="1200" dirty="0" smtClean="0">
-              <a:solidFill>
-                <a:schemeClr val="tx1"/>
-              </a:solidFill>
-              <a:latin typeface="+mn-lt"/>
-              <a:ea typeface="+mn-ea"/>
-              <a:cs typeface="+mn-cs"/>
-            </a:endParaRPr>
-          </a:p>
-          <a:p>
-            <a:pPr lvl="1"/>
-            <a:r>
-              <a:rPr lang="en-US" sz="2400" dirty="0" smtClean="0"/>
-              <a:t>Hydro.exe and Qual.exe overwritten</a:t>
-            </a:r>
-          </a:p>
-          <a:p>
-            <a:pPr lvl="1"/>
-            <a:r>
-              <a:rPr lang="en-US" sz="2400" dirty="0" smtClean="0"/>
-              <a:t>/</a:t>
-            </a:r>
-            <a:r>
-              <a:rPr lang="en-US" sz="2400" dirty="0" err="1" smtClean="0"/>
-              <a:t>common_input</a:t>
-            </a:r>
-            <a:r>
-              <a:rPr lang="en-US" sz="2400" dirty="0" smtClean="0"/>
-              <a:t> augmented, nothing will be changed</a:t>
-            </a:r>
-          </a:p>
-          <a:p>
-            <a:pPr lvl="1"/>
-            <a:r>
-              <a:rPr lang="en-US" sz="2400" dirty="0" smtClean="0"/>
-              <a:t>/scripts replaced</a:t>
-            </a:r>
-          </a:p>
-          <a:p>
-            <a:pPr lvl="1"/>
-            <a:r>
-              <a:rPr lang="en-US" sz="2400" dirty="0" smtClean="0"/>
-              <a:t>/</a:t>
-            </a:r>
-            <a:r>
-              <a:rPr lang="en-US" sz="2400" dirty="0" err="1" smtClean="0"/>
-              <a:t>study_templates</a:t>
-            </a:r>
-            <a:r>
-              <a:rPr lang="en-US" sz="2400" dirty="0" smtClean="0"/>
-              <a:t> replaced</a:t>
-            </a:r>
-          </a:p>
-          <a:p>
-            <a:pPr lvl="1"/>
-            <a:r>
-              <a:rPr lang="en-US" sz="2400" dirty="0" smtClean="0"/>
-              <a:t>/study unchanged</a:t>
-            </a:r>
-          </a:p>
-          <a:p>
-            <a:endParaRPr lang="en-US" dirty="0"/>
+            <a:endParaRPr lang="en-US"/>
           </a:p>
         </p:txBody>
       </p:sp>
@@ -1027,30 +942,10 @@
                 <a:ea typeface="+mn-ea"/>
                 <a:cs typeface="+mn-cs"/>
               </a:rPr>
-              <a:t>New input files are added</a:t>
-            </a:r>
-            <a:r>
-              <a:rPr lang="en-US" sz="1200" kern="1200" baseline="0" dirty="0" smtClean="0">
-                <a:solidFill>
-                  <a:schemeClr val="tx1"/>
-                </a:solidFill>
-                <a:latin typeface="+mn-lt"/>
-                <a:ea typeface="+mn-ea"/>
-                <a:cs typeface="+mn-cs"/>
-              </a:rPr>
-              <a:t> but old files are not changed. </a:t>
-            </a:r>
-            <a:r>
-              <a:rPr lang="en-US" sz="1200" kern="1200" dirty="0" smtClean="0">
-                <a:solidFill>
-                  <a:schemeClr val="tx1"/>
-                </a:solidFill>
-                <a:latin typeface="+mn-lt"/>
-                <a:ea typeface="+mn-ea"/>
-                <a:cs typeface="+mn-cs"/>
-              </a:rPr>
-              <a:t>Eli is going to talk about archiving and multiple installation strategies later and this version stuff is going to come up again</a:t>
-            </a:r>
+              <a:t>Eli will cover this in detail.</a:t>
+            </a:r>
+          </a:p>
+          <a:p>
             <a:endParaRPr lang="en-US" dirty="0"/>
           </a:p>
         </p:txBody>
@@ -1133,7 +1028,81 @@
           </a:bodyPr>
           <a:lstStyle/>
           <a:p>
-            <a:endParaRPr lang="en-US"/>
+            <a:r>
+              <a:rPr lang="en-US" sz="1200" kern="1200" dirty="0" smtClean="0">
+                <a:solidFill>
+                  <a:schemeClr val="tx1"/>
+                </a:solidFill>
+                <a:latin typeface="+mn-lt"/>
+                <a:ea typeface="+mn-ea"/>
+                <a:cs typeface="+mn-cs"/>
+              </a:rPr>
+              <a:t>Eli will cover this in detail.</a:t>
+            </a:r>
+          </a:p>
+          <a:p>
+            <a:endParaRPr lang="en-US" sz="1200" kern="1200" dirty="0" smtClean="0">
+              <a:solidFill>
+                <a:schemeClr val="tx1"/>
+              </a:solidFill>
+              <a:latin typeface="+mn-lt"/>
+              <a:ea typeface="+mn-ea"/>
+              <a:cs typeface="+mn-cs"/>
+            </a:endParaRPr>
+          </a:p>
+          <a:p>
+            <a:pPr lvl="1"/>
+            <a:r>
+              <a:rPr lang="en-US" sz="2400" dirty="0" smtClean="0"/>
+              <a:t>Hydro.exe and Qual.exe overwritten</a:t>
+            </a:r>
+          </a:p>
+          <a:p>
+            <a:pPr lvl="1"/>
+            <a:r>
+              <a:rPr lang="en-US" sz="2400" dirty="0" smtClean="0"/>
+              <a:t>/</a:t>
+            </a:r>
+            <a:r>
+              <a:rPr lang="en-US" sz="2400" dirty="0" err="1" smtClean="0"/>
+              <a:t>common_input</a:t>
+            </a:r>
+            <a:r>
+              <a:rPr lang="en-US" sz="2400" dirty="0" smtClean="0"/>
+              <a:t> augmented, nothing will be changed</a:t>
+            </a:r>
+          </a:p>
+          <a:p>
+            <a:pPr lvl="1"/>
+            <a:r>
+              <a:rPr lang="en-US" sz="2400" dirty="0" smtClean="0"/>
+              <a:t>/scripts replaced</a:t>
+            </a:r>
+          </a:p>
+          <a:p>
+            <a:pPr lvl="1"/>
+            <a:r>
+              <a:rPr lang="en-US" sz="2400" dirty="0" smtClean="0"/>
+              <a:t>/</a:t>
+            </a:r>
+            <a:r>
+              <a:rPr lang="en-US" sz="2400" dirty="0" err="1" smtClean="0"/>
+              <a:t>study_templates</a:t>
+            </a:r>
+            <a:r>
+              <a:rPr lang="en-US" sz="2400" dirty="0" smtClean="0"/>
+              <a:t> replaced</a:t>
+            </a:r>
+          </a:p>
+          <a:p>
+            <a:pPr lvl="1"/>
+            <a:r>
+              <a:rPr lang="en-US" sz="2400" dirty="0" smtClean="0"/>
+              <a:t>/study unchanged</a:t>
+            </a:r>
+          </a:p>
+          <a:p>
+            <a:endParaRPr lang="en-US" dirty="0"/>
           </a:p>
         </p:txBody>
       </p:sp>
@@ -1215,7 +1184,40 @@
           </a:bodyPr>
           <a:lstStyle/>
           <a:p>
-            <a:endParaRPr lang="en-US"/>
+            <a:r>
+              <a:rPr lang="en-US" sz="1200" kern="1200" dirty="0" smtClean="0">
+                <a:solidFill>
+                  <a:schemeClr val="tx1"/>
+                </a:solidFill>
+                <a:latin typeface="+mn-lt"/>
+                <a:ea typeface="+mn-ea"/>
+                <a:cs typeface="+mn-cs"/>
+              </a:rPr>
+              <a:t>New input files are added</a:t>
+            </a:r>
+            <a:r>
+              <a:rPr lang="en-US" sz="1200" kern="1200" baseline="0" dirty="0" smtClean="0">
+                <a:solidFill>
+                  <a:schemeClr val="tx1"/>
+                </a:solidFill>
+                <a:latin typeface="+mn-lt"/>
+                <a:ea typeface="+mn-ea"/>
+                <a:cs typeface="+mn-cs"/>
+              </a:rPr>
+              <a:t> but old files are not changed. </a:t>
+            </a:r>
+            <a:r>
+              <a:rPr lang="en-US" sz="1200" kern="1200" dirty="0" smtClean="0">
+                <a:solidFill>
+                  <a:schemeClr val="tx1"/>
+                </a:solidFill>
+                <a:latin typeface="+mn-lt"/>
+                <a:ea typeface="+mn-ea"/>
+                <a:cs typeface="+mn-cs"/>
+              </a:rPr>
+              <a:t>Eli is going to talk about archiving and multiple installation strategies later and this version stuff is going to come up again</a:t>
+            </a:r>
+            <a:endParaRPr lang="en-US" dirty="0"/>
           </a:p>
         </p:txBody>
       </p:sp>
@@ -1297,6 +1299,170 @@
           </a:bodyPr>
           <a:lstStyle/>
           <a:p>
+            <a:endParaRPr lang="en-US"/>
+          </a:p>
+        </p:txBody>
+      </p:sp>
+      <p:sp>
+        <p:nvSpPr>
+          <p:cNvPr id="4" name="Slide Number Placeholder 3"/>
+          <p:cNvSpPr>
+            <a:spLocks noGrp="1"/>
+          </p:cNvSpPr>
+          <p:nvPr>
+            <p:ph type="sldNum" sz="quarter" idx="10"/>
+          </p:nvPr>
+        </p:nvSpPr>
+        <p:spPr/>
+        <p:txBody>
+          <a:bodyPr/>
+          <a:lstStyle/>
+          <a:p>
+            <a:fld id="{2711E83A-B2A6-4A88-A3A1-5D9650D03813}" type="slidenum">
+              <a:rPr lang="en-US" smtClean="0"/>
+              <a:pPr/>
+              <a:t>17</a:t>
+            </a:fld>
+            <a:endParaRPr lang="en-US"/>
+          </a:p>
+        </p:txBody>
+      </p:sp>
+    </p:spTree>
+  </p:cSld>
+  <p:clrMapOvr>
+    <a:masterClrMapping/>
+  </p:clrMapOvr>
+</p:notes>
+</file>
+
+<file path=ppt/notesSlides/notesSlide18.xml><?xml version="1.0" encoding="utf-8"?>
+<p:notes xmlns:a="http://schemas.openxmlformats.org/drawingml/2006/main" xmlns:r="http://schemas.openxmlformats.org/officeDocument/2006/relationships" xmlns:p="http://schemas.openxmlformats.org/presentationml/2006/main">
+  <p:cSld>
+    <p:spTree>
+      <p:nvGrpSpPr>
+        <p:cNvPr id="1" name=""/>
+        <p:cNvGrpSpPr/>
+        <p:nvPr/>
+      </p:nvGrpSpPr>
+      <p:grpSpPr>
+        <a:xfrm>
+          <a:off x="0" y="0"/>
+          <a:ext cx="0" cy="0"/>
+          <a:chOff x="0" y="0"/>
+          <a:chExt cx="0" cy="0"/>
+        </a:xfrm>
+      </p:grpSpPr>
+      <p:sp>
+        <p:nvSpPr>
+          <p:cNvPr id="2" name="Slide Image Placeholder 1"/>
+          <p:cNvSpPr>
+            <a:spLocks noGrp="1" noRot="1" noChangeAspect="1"/>
+          </p:cNvSpPr>
+          <p:nvPr>
+            <p:ph type="sldImg"/>
+          </p:nvPr>
+        </p:nvSpPr>
+        <p:spPr/>
+      </p:sp>
+      <p:sp>
+        <p:nvSpPr>
+          <p:cNvPr id="3" name="Notes Placeholder 2"/>
+          <p:cNvSpPr>
+            <a:spLocks noGrp="1"/>
+          </p:cNvSpPr>
+          <p:nvPr>
+            <p:ph type="body" idx="1"/>
+          </p:nvPr>
+        </p:nvSpPr>
+        <p:spPr/>
+        <p:txBody>
+          <a:bodyPr>
+            <a:normAutofit/>
+          </a:bodyPr>
+          <a:lstStyle/>
+          <a:p>
+            <a:endParaRPr lang="en-US"/>
+          </a:p>
+        </p:txBody>
+      </p:sp>
+      <p:sp>
+        <p:nvSpPr>
+          <p:cNvPr id="4" name="Slide Number Placeholder 3"/>
+          <p:cNvSpPr>
+            <a:spLocks noGrp="1"/>
+          </p:cNvSpPr>
+          <p:nvPr>
+            <p:ph type="sldNum" sz="quarter" idx="10"/>
+          </p:nvPr>
+        </p:nvSpPr>
+        <p:spPr/>
+        <p:txBody>
+          <a:bodyPr/>
+          <a:lstStyle/>
+          <a:p>
+            <a:fld id="{2711E83A-B2A6-4A88-A3A1-5D9650D03813}" type="slidenum">
+              <a:rPr lang="en-US" smtClean="0"/>
+              <a:pPr/>
+              <a:t>18</a:t>
+            </a:fld>
+            <a:endParaRPr lang="en-US"/>
+          </a:p>
+        </p:txBody>
+      </p:sp>
+    </p:spTree>
+  </p:cSld>
+  <p:clrMapOvr>
+    <a:masterClrMapping/>
+  </p:clrMapOvr>
+</p:notes>
+</file>
+
+<file path=ppt/notesSlides/notesSlide19.xml><?xml version="1.0" encoding="utf-8"?>
+<p:notes xmlns:a="http://schemas.openxmlformats.org/drawingml/2006/main" xmlns:r="http://schemas.openxmlformats.org/officeDocument/2006/relationships" xmlns:p="http://schemas.openxmlformats.org/presentationml/2006/main">
+  <p:cSld>
+    <p:spTree>
+      <p:nvGrpSpPr>
+        <p:cNvPr id="1" name=""/>
+        <p:cNvGrpSpPr/>
+        <p:nvPr/>
+      </p:nvGrpSpPr>
+      <p:grpSpPr>
+        <a:xfrm>
+          <a:off x="0" y="0"/>
+          <a:ext cx="0" cy="0"/>
+          <a:chOff x="0" y="0"/>
+          <a:chExt cx="0" cy="0"/>
+        </a:xfrm>
+      </p:grpSpPr>
+      <p:sp>
+        <p:nvSpPr>
+          <p:cNvPr id="2" name="Slide Image Placeholder 1"/>
+          <p:cNvSpPr>
+            <a:spLocks noGrp="1" noRot="1" noChangeAspect="1"/>
+          </p:cNvSpPr>
+          <p:nvPr>
+            <p:ph type="sldImg"/>
+          </p:nvPr>
+        </p:nvSpPr>
+        <p:spPr/>
+      </p:sp>
+      <p:sp>
+        <p:nvSpPr>
+          <p:cNvPr id="3" name="Notes Placeholder 2"/>
+          <p:cNvSpPr>
+            <a:spLocks noGrp="1"/>
+          </p:cNvSpPr>
+          <p:nvPr>
+            <p:ph type="body" idx="1"/>
+          </p:nvPr>
+        </p:nvSpPr>
+        <p:spPr/>
+        <p:txBody>
+          <a:bodyPr>
+            <a:normAutofit/>
+          </a:bodyPr>
+          <a:lstStyle/>
+          <a:p>
             <a:pPr lvl="0"/>
             <a:r>
               <a:rPr lang="en-US" sz="1200" kern="1200" dirty="0" smtClean="0">
@@ -1520,7 +1686,7 @@
             <a:fld id="{2711E83A-B2A6-4A88-A3A1-5D9650D03813}" type="slidenum">
               <a:rPr lang="en-US" smtClean="0"/>
               <a:pPr/>
-              <a:t>17</a:t>
+              <a:t>19</a:t>
             </a:fld>
             <a:endParaRPr lang="en-US"/>
           </a:p>
@@ -1794,18 +1960,7 @@
           </a:bodyPr>
           <a:lstStyle/>
           <a:p>
-            <a:r>
-              <a:rPr lang="en-US" sz="1200" kern="1200" dirty="0" smtClean="0">
-                <a:solidFill>
-                  <a:schemeClr val="tx1"/>
-                </a:solidFill>
-                <a:latin typeface="+mn-lt"/>
-                <a:ea typeface="+mn-ea"/>
-                <a:cs typeface="+mn-cs"/>
-              </a:rPr>
-              <a:t>Eli is going to talk about archiving and multiple installation strategies later and this version stuff is going to come up again</a:t>
-            </a:r>
-            <a:endParaRPr lang="en-US" dirty="0"/>
+            <a:endParaRPr lang="en-US"/>
           </a:p>
         </p:txBody>
       </p:sp>
@@ -1906,7 +2061,7 @@
           <a:bodyPr/>
           <a:lstStyle/>
           <a:p>
-            <a:fld id="{2711E83A-B2A6-4A88-A3A1-5D9650D03813}" type="slidenum">
+            <a:fld id="{168E8D70-E694-4C4D-B96B-C3A6E4A6D822}" type="slidenum">
               <a:rPr lang="en-US" smtClean="0"/>
               <a:pPr/>
               <a:t>5</a:t>
@@ -1978,7 +2133,7 @@
                 <a:ea typeface="+mn-ea"/>
                 <a:cs typeface="+mn-cs"/>
               </a:rPr>
-              <a:t>We are going to use introduce other tools in class for viewing DSS and HDF5 files. Instructions for getting these should be on the web page</a:t>
+              <a:t>Eli is going to talk about archiving and multiple installation strategies later and this version stuff is going to come up again</a:t>
             </a:r>
             <a:endParaRPr lang="en-US" dirty="0"/>
           </a:p>
@@ -2144,7 +2299,18 @@
           </a:bodyPr>
           <a:lstStyle/>
           <a:p>
-            <a:endParaRPr lang="en-US"/>
+            <a:r>
+              <a:rPr lang="en-US" sz="1200" kern="1200" dirty="0" smtClean="0">
+                <a:solidFill>
+                  <a:schemeClr val="tx1"/>
+                </a:solidFill>
+                <a:latin typeface="+mn-lt"/>
+                <a:ea typeface="+mn-ea"/>
+                <a:cs typeface="+mn-cs"/>
+              </a:rPr>
+              <a:t>We are going to use introduce other tools in class for viewing DSS and HDF5 files. Instructions for getting these should be on the web page</a:t>
+            </a:r>
+            <a:endParaRPr lang="en-US" dirty="0"/>
           </a:p>
         </p:txBody>
       </p:sp>
@@ -5247,15 +5413,102 @@
             <p:ph type="subTitle" idx="1"/>
           </p:nvPr>
         </p:nvSpPr>
-        <p:spPr/>
-        <p:txBody>
-          <a:bodyPr/>
-          <a:lstStyle/>
-          <a:p>
-            <a:endParaRPr lang="en-US"/>
-          </a:p>
-        </p:txBody>
-      </p:sp>
+        <p:spPr>
+          <a:xfrm>
+            <a:off x="2514600" y="3810000"/>
+            <a:ext cx="5638800" cy="1752600"/>
+          </a:xfrm>
+        </p:spPr>
+        <p:txBody>
+          <a:bodyPr>
+            <a:normAutofit/>
+          </a:bodyPr>
+          <a:lstStyle/>
+          <a:p>
+            <a:pPr lvl="0" algn="l">
+              <a:defRPr/>
+            </a:pPr>
+            <a:r>
+              <a:rPr lang="en-US" sz="2800" dirty="0" smtClean="0">
+                <a:solidFill>
+                  <a:schemeClr val="tx1">
+                    <a:lumMod val="85000"/>
+                  </a:schemeClr>
+                </a:solidFill>
+              </a:rPr>
+              <a:t>Kevin Kao</a:t>
+            </a:r>
+          </a:p>
+          <a:p>
+            <a:pPr lvl="0" algn="l">
+              <a:spcBef>
+                <a:spcPct val="0"/>
+              </a:spcBef>
+              <a:defRPr/>
+            </a:pPr>
+            <a:r>
+              <a:rPr lang="en-US" sz="2400" dirty="0" smtClean="0">
+                <a:solidFill>
+                  <a:schemeClr val="tx1">
+                    <a:lumMod val="85000"/>
+                  </a:schemeClr>
+                </a:solidFill>
+              </a:rPr>
+              <a:t>Delta Modeling Section</a:t>
+            </a:r>
+          </a:p>
+          <a:p>
+            <a:pPr lvl="0" algn="l">
+              <a:defRPr/>
+            </a:pPr>
+            <a:r>
+              <a:rPr lang="en-US" sz="2400" dirty="0" smtClean="0">
+                <a:solidFill>
+                  <a:schemeClr val="tx1">
+                    <a:lumMod val="85000"/>
+                  </a:schemeClr>
+                </a:solidFill>
+              </a:rPr>
+              <a:t>California Department of Water Resources</a:t>
+            </a:r>
+          </a:p>
+          <a:p>
+            <a:endParaRPr lang="en-US" dirty="0"/>
+          </a:p>
+        </p:txBody>
+      </p:sp>
+      <p:pic>
+        <p:nvPicPr>
+          <p:cNvPr id="5" name="Picture 4" descr="dwranim"/>
+          <p:cNvPicPr>
+            <a:picLocks noChangeAspect="1" noChangeArrowheads="1"/>
+          </p:cNvPicPr>
+          <p:nvPr/>
+        </p:nvPicPr>
+        <p:blipFill>
+          <a:blip r:embed="rId3" cstate="print"/>
+          <a:srcRect/>
+          <a:stretch>
+            <a:fillRect/>
+          </a:stretch>
+        </p:blipFill>
+        <p:spPr bwMode="auto">
+          <a:xfrm>
+            <a:off x="1295400" y="3927475"/>
+            <a:ext cx="1035050" cy="1101725"/>
+          </a:xfrm>
+          <a:prstGeom prst="rect">
+            <a:avLst/>
+          </a:prstGeom>
+          <a:noFill/>
+          <a:ln w="9525">
+            <a:noFill/>
+            <a:miter lim="800000"/>
+            <a:headEnd/>
+            <a:tailEnd/>
+          </a:ln>
+        </p:spPr>
+      </p:pic>
     </p:spTree>
   </p:cSld>
   <p:clrMapOvr>
@@ -5288,6 +5541,41 @@
           <a:chExt cx="0" cy="0"/>
         </a:xfrm>
       </p:grpSpPr>
+      <p:pic>
+        <p:nvPicPr>
+          <p:cNvPr id="8197" name="Picture 5"/>
+          <p:cNvPicPr>
+            <a:picLocks noChangeAspect="1" noChangeArrowheads="1"/>
+          </p:cNvPicPr>
+          <p:nvPr/>
+        </p:nvPicPr>
+        <p:blipFill>
+          <a:blip r:embed="rId3" cstate="print"/>
+          <a:srcRect/>
+          <a:stretch>
+            <a:fillRect/>
+          </a:stretch>
+        </p:blipFill>
+        <p:spPr bwMode="auto">
+          <a:xfrm>
+            <a:off x="152400" y="1219200"/>
+            <a:ext cx="3622528" cy="3505200"/>
+          </a:xfrm>
+          <a:prstGeom prst="rect">
+            <a:avLst/>
+          </a:prstGeom>
+          <a:noFill/>
+          <a:ln w="9525">
+            <a:noFill/>
+            <a:miter lim="800000"/>
+            <a:headEnd/>
+            <a:tailEnd/>
+          </a:ln>
+          <a:effectLst>
+            <a:softEdge rad="31750"/>
+          </a:effectLst>
+        </p:spPr>
+      </p:pic>
       <p:sp>
         <p:nvSpPr>
           <p:cNvPr id="2" name="Title 1"/>
@@ -5298,51 +5586,97 @@
             <p:ph type="title"/>
           </p:nvPr>
         </p:nvSpPr>
-        <p:spPr/>
-        <p:txBody>
-          <a:bodyPr>
-            <a:normAutofit/>
-          </a:bodyPr>
+        <p:spPr>
+          <a:xfrm>
+            <a:off x="457200" y="274638"/>
+            <a:ext cx="8229600" cy="868362"/>
+          </a:xfrm>
+        </p:spPr>
+        <p:txBody>
+          <a:bodyPr/>
           <a:lstStyle/>
           <a:p>
             <a:r>
               <a:rPr lang="en-US" dirty="0" smtClean="0"/>
-              <a:t>Notepad</a:t>
-            </a:r>
-            <a:r>
-              <a:rPr lang="en-US" dirty="0"/>
-              <a:t>++ syntax highlighting </a:t>
-            </a:r>
-          </a:p>
-        </p:txBody>
-      </p:sp>
-      <p:sp>
-        <p:nvSpPr>
-          <p:cNvPr id="5" name="Content Placeholder 4"/>
-          <p:cNvSpPr>
-            <a:spLocks noGrp="1"/>
-          </p:cNvSpPr>
+              <a:t>Open Command Window Here</a:t>
+            </a:r>
+            <a:endParaRPr lang="en-US" dirty="0"/>
+          </a:p>
+        </p:txBody>
+      </p:sp>
+      <p:pic>
+        <p:nvPicPr>
+          <p:cNvPr id="8194" name="Picture 2"/>
+          <p:cNvPicPr>
+            <a:picLocks noGrp="1" noChangeAspect="1" noChangeArrowheads="1"/>
+          </p:cNvPicPr>
           <p:nvPr>
             <p:ph idx="1"/>
           </p:nvPr>
-        </p:nvSpPr>
-        <p:spPr>
-          <a:solidFill>
-            <a:srgbClr val="FF0000"/>
-          </a:solidFill>
-        </p:spPr>
-        <p:txBody>
-          <a:bodyPr/>
-          <a:lstStyle/>
-          <a:p>
-            <a:r>
-              <a:rPr lang="en-US" dirty="0" smtClean="0"/>
-              <a:t>Add directions here</a:t>
-            </a:r>
-            <a:endParaRPr lang="en-US" dirty="0"/>
-          </a:p>
-        </p:txBody>
-      </p:sp>
+        </p:nvPicPr>
+        <p:blipFill>
+          <a:blip r:embed="rId4" cstate="print"/>
+          <a:srcRect r="7143" b="6444"/>
+          <a:stretch>
+            <a:fillRect/>
+          </a:stretch>
+        </p:blipFill>
+        <p:spPr bwMode="auto">
+          <a:xfrm>
+            <a:off x="990600" y="2853544"/>
+            <a:ext cx="2971800" cy="3318656"/>
+          </a:xfrm>
+          <a:prstGeom prst="rect">
+            <a:avLst/>
+          </a:prstGeom>
+          <a:noFill/>
+          <a:ln w="9525">
+            <a:noFill/>
+            <a:miter lim="800000"/>
+            <a:headEnd/>
+            <a:tailEnd/>
+          </a:ln>
+          <a:effectLst>
+            <a:outerShdw blurRad="330200" dist="203200" dir="2700000" sx="105000" sy="105000" algn="tl" rotWithShape="0">
+              <a:schemeClr val="bg1">
+                <a:alpha val="40000"/>
+              </a:schemeClr>
+            </a:outerShdw>
+          </a:effectLst>
+        </p:spPr>
+      </p:pic>
+      <p:pic>
+        <p:nvPicPr>
+          <p:cNvPr id="8199" name="Picture 7"/>
+          <p:cNvPicPr>
+            <a:picLocks noChangeAspect="1" noChangeArrowheads="1"/>
+          </p:cNvPicPr>
+          <p:nvPr/>
+        </p:nvPicPr>
+        <p:blipFill>
+          <a:blip r:embed="rId5" cstate="print"/>
+          <a:srcRect/>
+          <a:stretch>
+            <a:fillRect/>
+          </a:stretch>
+        </p:blipFill>
+        <p:spPr bwMode="auto">
+          <a:xfrm>
+            <a:off x="4066278" y="3352800"/>
+            <a:ext cx="5001522" cy="3124200"/>
+          </a:xfrm>
+          <a:prstGeom prst="rect">
+            <a:avLst/>
+          </a:prstGeom>
+          <a:noFill/>
+          <a:ln w="9525">
+            <a:noFill/>
+            <a:miter lim="800000"/>
+            <a:headEnd/>
+            <a:tailEnd/>
+          </a:ln>
+        </p:spPr>
+      </p:pic>
     </p:spTree>
   </p:cSld>
   <p:clrMapOvr>
@@ -5375,22 +5709,93 @@
             <a:spLocks noGrp="1"/>
           </p:cNvSpPr>
           <p:nvPr>
-            <p:ph type="ctrTitle"/>
-          </p:nvPr>
-        </p:nvSpPr>
-        <p:spPr/>
-        <p:txBody>
-          <a:bodyPr/>
+            <p:ph type="title"/>
+          </p:nvPr>
+        </p:nvSpPr>
+        <p:spPr/>
+        <p:txBody>
+          <a:bodyPr>
+            <a:normAutofit/>
+          </a:bodyPr>
           <a:lstStyle/>
           <a:p>
             <a:r>
               <a:rPr lang="en-US" dirty="0" smtClean="0"/>
-              <a:t>FAQ</a:t>
-            </a:r>
-            <a:endParaRPr lang="en-US" dirty="0"/>
-          </a:p>
-        </p:txBody>
-      </p:sp>
+              <a:t>Notepad</a:t>
+            </a:r>
+            <a:r>
+              <a:rPr lang="en-US" dirty="0"/>
+              <a:t>++ syntax highlighting </a:t>
+            </a:r>
+          </a:p>
+        </p:txBody>
+      </p:sp>
+      <p:pic>
+        <p:nvPicPr>
+          <p:cNvPr id="3076" name="Picture 4"/>
+          <p:cNvPicPr>
+            <a:picLocks noChangeAspect="1" noChangeArrowheads="1"/>
+          </p:cNvPicPr>
+          <p:nvPr/>
+        </p:nvPicPr>
+        <p:blipFill>
+          <a:blip r:embed="rId3" cstate="print"/>
+          <a:srcRect/>
+          <a:stretch>
+            <a:fillRect/>
+          </a:stretch>
+        </p:blipFill>
+        <p:spPr bwMode="auto">
+          <a:xfrm>
+            <a:off x="238125" y="1343025"/>
+            <a:ext cx="6010275" cy="3990975"/>
+          </a:xfrm>
+          <a:prstGeom prst="rect">
+            <a:avLst/>
+          </a:prstGeom>
+          <a:noFill/>
+          <a:ln w="9525">
+            <a:noFill/>
+            <a:miter lim="800000"/>
+            <a:headEnd/>
+            <a:tailEnd/>
+          </a:ln>
+        </p:spPr>
+      </p:pic>
+      <p:pic>
+        <p:nvPicPr>
+          <p:cNvPr id="3075" name="Picture 3"/>
+          <p:cNvPicPr>
+            <a:picLocks noGrp="1" noChangeAspect="1" noChangeArrowheads="1"/>
+          </p:cNvPicPr>
+          <p:nvPr>
+            <p:ph idx="1"/>
+          </p:nvPr>
+        </p:nvPicPr>
+        <p:blipFill>
+          <a:blip r:embed="rId4" cstate="print"/>
+          <a:srcRect/>
+          <a:stretch>
+            <a:fillRect/>
+          </a:stretch>
+        </p:blipFill>
+        <p:spPr bwMode="auto">
+          <a:xfrm>
+            <a:off x="2895600" y="2667000"/>
+            <a:ext cx="6009524" cy="3990476"/>
+          </a:xfrm>
+          <a:prstGeom prst="rect">
+            <a:avLst/>
+          </a:prstGeom>
+          <a:noFill/>
+          <a:ln w="9525">
+            <a:noFill/>
+            <a:miter lim="800000"/>
+            <a:headEnd/>
+            <a:tailEnd/>
+          </a:ln>
+        </p:spPr>
+      </p:pic>
     </p:spTree>
   </p:cSld>
   <p:clrMapOvr>
@@ -5400,6 +5805,134 @@
 </file>
 
 <file path=ppt/slides/slide12.xml><?xml version="1.0" encoding="utf-8"?>
+<p:sld xmlns:a="http://schemas.openxmlformats.org/drawingml/2006/main" xmlns:r="http://schemas.openxmlformats.org/officeDocument/2006/relationships" xmlns:p="http://schemas.openxmlformats.org/presentationml/2006/main">
+  <p:cSld>
+    <p:spTree>
+      <p:nvGrpSpPr>
+        <p:cNvPr id="1" name=""/>
+        <p:cNvGrpSpPr/>
+        <p:nvPr/>
+      </p:nvGrpSpPr>
+      <p:grpSpPr>
+        <a:xfrm>
+          <a:off x="0" y="0"/>
+          <a:ext cx="0" cy="0"/>
+          <a:chOff x="0" y="0"/>
+          <a:chExt cx="0" cy="0"/>
+        </a:xfrm>
+      </p:grpSpPr>
+      <p:sp>
+        <p:nvSpPr>
+          <p:cNvPr id="2" name="Title 1"/>
+          <p:cNvSpPr>
+            <a:spLocks noGrp="1"/>
+          </p:cNvSpPr>
+          <p:nvPr>
+            <p:ph type="title"/>
+          </p:nvPr>
+        </p:nvSpPr>
+        <p:spPr/>
+        <p:txBody>
+          <a:bodyPr>
+            <a:normAutofit/>
+          </a:bodyPr>
+          <a:lstStyle/>
+          <a:p>
+            <a:r>
+              <a:rPr lang="en-US" dirty="0" smtClean="0"/>
+              <a:t>Notepad</a:t>
+            </a:r>
+            <a:r>
+              <a:rPr lang="en-US" dirty="0"/>
+              <a:t>++ syntax highlighting </a:t>
+            </a:r>
+          </a:p>
+        </p:txBody>
+      </p:sp>
+      <p:sp>
+        <p:nvSpPr>
+          <p:cNvPr id="5" name="Content Placeholder 4"/>
+          <p:cNvSpPr>
+            <a:spLocks noGrp="1"/>
+          </p:cNvSpPr>
+          <p:nvPr>
+            <p:ph idx="1"/>
+          </p:nvPr>
+        </p:nvSpPr>
+        <p:spPr>
+          <a:solidFill>
+            <a:srgbClr val="FF0000"/>
+          </a:solidFill>
+        </p:spPr>
+        <p:txBody>
+          <a:bodyPr/>
+          <a:lstStyle/>
+          <a:p>
+            <a:r>
+              <a:rPr lang="en-US" dirty="0" smtClean="0"/>
+              <a:t>Add directions here</a:t>
+            </a:r>
+            <a:endParaRPr lang="en-US" dirty="0"/>
+          </a:p>
+        </p:txBody>
+      </p:sp>
+    </p:spTree>
+  </p:cSld>
+  <p:clrMapOvr>
+    <a:masterClrMapping/>
+  </p:clrMapOvr>
+</p:sld>
+</file>
+
+<file path=ppt/slides/slide13.xml><?xml version="1.0" encoding="utf-8"?>
+<p:sld xmlns:a="http://schemas.openxmlformats.org/drawingml/2006/main" xmlns:r="http://schemas.openxmlformats.org/officeDocument/2006/relationships" xmlns:p="http://schemas.openxmlformats.org/presentationml/2006/main">
+  <p:cSld>
+    <p:spTree>
+      <p:nvGrpSpPr>
+        <p:cNvPr id="1" name=""/>
+        <p:cNvGrpSpPr/>
+        <p:nvPr/>
+      </p:nvGrpSpPr>
+      <p:grpSpPr>
+        <a:xfrm>
+          <a:off x="0" y="0"/>
+          <a:ext cx="0" cy="0"/>
+          <a:chOff x="0" y="0"/>
+          <a:chExt cx="0" cy="0"/>
+        </a:xfrm>
+      </p:grpSpPr>
+      <p:sp>
+        <p:nvSpPr>
+          <p:cNvPr id="2" name="Title 1"/>
+          <p:cNvSpPr>
+            <a:spLocks noGrp="1"/>
+          </p:cNvSpPr>
+          <p:nvPr>
+            <p:ph type="ctrTitle"/>
+          </p:nvPr>
+        </p:nvSpPr>
+        <p:spPr/>
+        <p:txBody>
+          <a:bodyPr/>
+          <a:lstStyle/>
+          <a:p>
+            <a:r>
+              <a:rPr lang="en-US" dirty="0" smtClean="0"/>
+              <a:t>FAQ</a:t>
+            </a:r>
+            <a:endParaRPr lang="en-US" dirty="0"/>
+          </a:p>
+        </p:txBody>
+      </p:sp>
+    </p:spTree>
+  </p:cSld>
+  <p:clrMapOvr>
+    <a:masterClrMapping/>
+  </p:clrMapOvr>
+</p:sld>
+</file>
+
+<file path=ppt/slides/slide14.xml><?xml version="1.0" encoding="utf-8"?>
 <p:sld xmlns:a="http://schemas.openxmlformats.org/drawingml/2006/main" xmlns:r="http://schemas.openxmlformats.org/officeDocument/2006/relationships" xmlns:p="http://schemas.openxmlformats.org/presentationml/2006/main">
   <p:cSld>
     <p:spTree>
@@ -5879,7 +6412,7 @@
 </p:sld>
 </file>
 
-<file path=ppt/slides/slide13.xml><?xml version="1.0" encoding="utf-8"?>
+<file path=ppt/slides/slide15.xml><?xml version="1.0" encoding="utf-8"?>
 <p:sld xmlns:a="http://schemas.openxmlformats.org/drawingml/2006/main" xmlns:r="http://schemas.openxmlformats.org/officeDocument/2006/relationships" xmlns:p="http://schemas.openxmlformats.org/presentationml/2006/main">
   <p:cSld>
     <p:spTree>
@@ -5989,11 +6522,7 @@
             </a:r>
             <a:r>
               <a:rPr lang="en-US" sz="2400" dirty="0" smtClean="0"/>
-              <a:t>ydro.exe &amp; Qual.exe </a:t>
-            </a:r>
-            <a:r>
-              <a:rPr lang="en-US" sz="2400" dirty="0" smtClean="0"/>
-              <a:t>overwritten</a:t>
+              <a:t>ydro.exe &amp; Qual.exe overwritten</a:t>
             </a:r>
           </a:p>
           <a:p>
@@ -6101,11 +6630,7 @@
           <a:p>
             <a:r>
               <a:rPr lang="en-US" sz="2400" dirty="0" smtClean="0"/>
-              <a:t>User’s studies </a:t>
-            </a:r>
-            <a:r>
-              <a:rPr lang="en-US" sz="2400" dirty="0" smtClean="0"/>
-              <a:t>unchanged</a:t>
+              <a:t>User’s studies unchanged</a:t>
             </a:r>
             <a:endParaRPr lang="en-US" sz="2400" dirty="0"/>
           </a:p>
@@ -6483,406 +7008,6 @@
           </a:fontRef>
         </p:style>
       </p:cxnSp>
-    </p:spTree>
-  </p:cSld>
-  <p:clrMapOvr>
-    <a:masterClrMapping/>
-  </p:clrMapOvr>
-  <p:timing>
-    <p:tnLst>
-      <p:par>
-        <p:cTn id="1" dur="indefinite" restart="never" nodeType="tmRoot"/>
-      </p:par>
-    </p:tnLst>
-  </p:timing>
-</p:sld>
-</file>
-
-<file path=ppt/slides/slide14.xml><?xml version="1.0" encoding="utf-8"?>
-<p:sld xmlns:a="http://schemas.openxmlformats.org/drawingml/2006/main" xmlns:r="http://schemas.openxmlformats.org/officeDocument/2006/relationships" xmlns:p="http://schemas.openxmlformats.org/presentationml/2006/main">
-  <p:cSld>
-    <p:spTree>
-      <p:nvGrpSpPr>
-        <p:cNvPr id="1" name=""/>
-        <p:cNvGrpSpPr/>
-        <p:nvPr/>
-      </p:nvGrpSpPr>
-      <p:grpSpPr>
-        <a:xfrm>
-          <a:off x="0" y="0"/>
-          <a:ext cx="0" cy="0"/>
-          <a:chOff x="0" y="0"/>
-          <a:chExt cx="0" cy="0"/>
-        </a:xfrm>
-      </p:grpSpPr>
-      <p:sp>
-        <p:nvSpPr>
-          <p:cNvPr id="2" name="Title 1"/>
-          <p:cNvSpPr>
-            <a:spLocks noGrp="1"/>
-          </p:cNvSpPr>
-          <p:nvPr>
-            <p:ph type="title"/>
-          </p:nvPr>
-        </p:nvSpPr>
-        <p:spPr>
-          <a:xfrm>
-            <a:off x="304800" y="152400"/>
-            <a:ext cx="8839200" cy="792162"/>
-          </a:xfrm>
-        </p:spPr>
-        <p:txBody>
-          <a:bodyPr>
-            <a:noAutofit/>
-          </a:bodyPr>
-          <a:lstStyle/>
-          <a:p>
-            <a:r>
-              <a:rPr lang="en-US" sz="2800" dirty="0" smtClean="0"/>
-              <a:t>Question: What happened if Installing over previous install?</a:t>
-            </a:r>
-            <a:endParaRPr lang="en-US" sz="2800" dirty="0"/>
-          </a:p>
-        </p:txBody>
-      </p:sp>
-      <p:pic>
-        <p:nvPicPr>
-          <p:cNvPr id="4104" name="Picture 8"/>
-          <p:cNvPicPr>
-            <a:picLocks noChangeAspect="1" noChangeArrowheads="1"/>
-          </p:cNvPicPr>
-          <p:nvPr/>
-        </p:nvPicPr>
-        <p:blipFill>
-          <a:blip r:embed="rId3" cstate="print"/>
-          <a:srcRect/>
-          <a:stretch>
-            <a:fillRect/>
-          </a:stretch>
-        </p:blipFill>
-        <p:spPr bwMode="auto">
-          <a:xfrm>
-            <a:off x="1219200" y="3886200"/>
-            <a:ext cx="7542213" cy="2838450"/>
-          </a:xfrm>
-          <a:prstGeom prst="rect">
-            <a:avLst/>
-          </a:prstGeom>
-          <a:noFill/>
-          <a:ln w="9525">
-            <a:noFill/>
-            <a:miter lim="800000"/>
-            <a:headEnd/>
-            <a:tailEnd/>
-          </a:ln>
-        </p:spPr>
-      </p:pic>
-      <p:pic>
-        <p:nvPicPr>
-          <p:cNvPr id="4103" name="Picture 7"/>
-          <p:cNvPicPr>
-            <a:picLocks noChangeAspect="1" noChangeArrowheads="1"/>
-          </p:cNvPicPr>
-          <p:nvPr/>
-        </p:nvPicPr>
-        <p:blipFill>
-          <a:blip r:embed="rId4" cstate="print"/>
-          <a:srcRect/>
-          <a:stretch>
-            <a:fillRect/>
-          </a:stretch>
-        </p:blipFill>
-        <p:spPr bwMode="auto">
-          <a:xfrm>
-            <a:off x="914400" y="990600"/>
-            <a:ext cx="2971800" cy="3596771"/>
-          </a:xfrm>
-          <a:prstGeom prst="rect">
-            <a:avLst/>
-          </a:prstGeom>
-          <a:noFill/>
-          <a:ln w="9525">
-            <a:noFill/>
-            <a:miter lim="800000"/>
-            <a:headEnd/>
-            <a:tailEnd/>
-          </a:ln>
-        </p:spPr>
-      </p:pic>
-      <p:sp>
-        <p:nvSpPr>
-          <p:cNvPr id="15" name="Oval 14"/>
-          <p:cNvSpPr/>
-          <p:nvPr/>
-        </p:nvSpPr>
-        <p:spPr>
-          <a:xfrm>
-            <a:off x="6705600" y="5029200"/>
-            <a:ext cx="1371600" cy="381000"/>
-          </a:xfrm>
-          <a:prstGeom prst="ellipse">
-            <a:avLst/>
-          </a:prstGeom>
-          <a:noFill/>
-          <a:ln w="57150">
-            <a:solidFill>
-              <a:srgbClr val="FF0000"/>
-            </a:solidFill>
-          </a:ln>
-        </p:spPr>
-        <p:style>
-          <a:lnRef idx="2">
-            <a:schemeClr val="accent1">
-              <a:shade val="50000"/>
-            </a:schemeClr>
-          </a:lnRef>
-          <a:fillRef idx="1">
-            <a:schemeClr val="accent1"/>
-          </a:fillRef>
-          <a:effectRef idx="0">
-            <a:schemeClr val="accent1"/>
-          </a:effectRef>
-          <a:fontRef idx="minor">
-            <a:schemeClr val="lt1"/>
-          </a:fontRef>
-        </p:style>
-        <p:txBody>
-          <a:bodyPr rtlCol="0" anchor="ctr"/>
-          <a:lstStyle/>
-          <a:p>
-            <a:pPr algn="ctr"/>
-            <a:endParaRPr lang="en-US"/>
-          </a:p>
-        </p:txBody>
-      </p:sp>
-      <p:pic>
-        <p:nvPicPr>
-          <p:cNvPr id="4105" name="Picture 9"/>
-          <p:cNvPicPr>
-            <a:picLocks noChangeAspect="1" noChangeArrowheads="1"/>
-          </p:cNvPicPr>
-          <p:nvPr/>
-        </p:nvPicPr>
-        <p:blipFill>
-          <a:blip r:embed="rId5" cstate="print"/>
-          <a:srcRect/>
-          <a:stretch>
-            <a:fillRect/>
-          </a:stretch>
-        </p:blipFill>
-        <p:spPr bwMode="auto">
-          <a:xfrm>
-            <a:off x="4876800" y="990600"/>
-            <a:ext cx="3657600" cy="3616193"/>
-          </a:xfrm>
-          <a:prstGeom prst="rect">
-            <a:avLst/>
-          </a:prstGeom>
-          <a:noFill/>
-          <a:ln w="9525">
-            <a:noFill/>
-            <a:miter lim="800000"/>
-            <a:headEnd/>
-            <a:tailEnd/>
-          </a:ln>
-        </p:spPr>
-      </p:pic>
-    </p:spTree>
-  </p:cSld>
-  <p:clrMapOvr>
-    <a:masterClrMapping/>
-  </p:clrMapOvr>
-  <p:timing>
-    <p:tnLst>
-      <p:par>
-        <p:cTn id="1" dur="indefinite" restart="never" nodeType="tmRoot"/>
-      </p:par>
-    </p:tnLst>
-  </p:timing>
-</p:sld>
-</file>
-
-<file path=ppt/slides/slide15.xml><?xml version="1.0" encoding="utf-8"?>
-<p:sld xmlns:a="http://schemas.openxmlformats.org/drawingml/2006/main" xmlns:r="http://schemas.openxmlformats.org/officeDocument/2006/relationships" xmlns:p="http://schemas.openxmlformats.org/presentationml/2006/main">
-  <p:cSld>
-    <p:spTree>
-      <p:nvGrpSpPr>
-        <p:cNvPr id="1" name=""/>
-        <p:cNvGrpSpPr/>
-        <p:nvPr/>
-      </p:nvGrpSpPr>
-      <p:grpSpPr>
-        <a:xfrm>
-          <a:off x="0" y="0"/>
-          <a:ext cx="0" cy="0"/>
-          <a:chOff x="0" y="0"/>
-          <a:chExt cx="0" cy="0"/>
-        </a:xfrm>
-      </p:grpSpPr>
-      <p:sp>
-        <p:nvSpPr>
-          <p:cNvPr id="2" name="Title 1"/>
-          <p:cNvSpPr>
-            <a:spLocks noGrp="1"/>
-          </p:cNvSpPr>
-          <p:nvPr>
-            <p:ph type="title"/>
-          </p:nvPr>
-        </p:nvSpPr>
-        <p:spPr>
-          <a:xfrm>
-            <a:off x="457200" y="274638"/>
-            <a:ext cx="8229600" cy="715962"/>
-          </a:xfrm>
-        </p:spPr>
-        <p:txBody>
-          <a:bodyPr>
-            <a:normAutofit fontScale="90000"/>
-          </a:bodyPr>
-          <a:lstStyle/>
-          <a:p>
-            <a:r>
-              <a:rPr lang="en-US" dirty="0" smtClean="0"/>
-              <a:t>DSM2 Website</a:t>
-            </a:r>
-            <a:endParaRPr lang="en-US" dirty="0"/>
-          </a:p>
-        </p:txBody>
-      </p:sp>
-      <p:pic>
-        <p:nvPicPr>
-          <p:cNvPr id="5122" name="Picture 2"/>
-          <p:cNvPicPr>
-            <a:picLocks noGrp="1" noChangeAspect="1" noChangeArrowheads="1"/>
-          </p:cNvPicPr>
-          <p:nvPr>
-            <p:ph idx="1"/>
-          </p:nvPr>
-        </p:nvPicPr>
-        <p:blipFill>
-          <a:blip r:embed="rId3" cstate="print"/>
-          <a:srcRect/>
-          <a:stretch>
-            <a:fillRect/>
-          </a:stretch>
-        </p:blipFill>
-        <p:spPr bwMode="auto">
-          <a:xfrm>
-            <a:off x="228600" y="1447800"/>
-            <a:ext cx="5149776" cy="4525963"/>
-          </a:xfrm>
-          <a:prstGeom prst="rect">
-            <a:avLst/>
-          </a:prstGeom>
-          <a:noFill/>
-          <a:ln w="9525">
-            <a:noFill/>
-            <a:miter lim="800000"/>
-            <a:headEnd/>
-            <a:tailEnd/>
-          </a:ln>
-        </p:spPr>
-      </p:pic>
-      <p:sp>
-        <p:nvSpPr>
-          <p:cNvPr id="5" name="Rectangle 4"/>
-          <p:cNvSpPr/>
-          <p:nvPr/>
-        </p:nvSpPr>
-        <p:spPr>
-          <a:xfrm>
-            <a:off x="304800" y="990600"/>
-            <a:ext cx="8610600" cy="369332"/>
-          </a:xfrm>
-          <a:prstGeom prst="rect">
-            <a:avLst/>
-          </a:prstGeom>
-        </p:spPr>
-        <p:txBody>
-          <a:bodyPr wrap="square">
-            <a:spAutoFit/>
-          </a:bodyPr>
-          <a:lstStyle/>
-          <a:p>
-            <a:r>
-              <a:rPr lang="en-US" dirty="0" smtClean="0"/>
-              <a:t>http://baydeltaoffice.water.ca.gov/modeling/deltamodeling/models/dsm2v8/dsm2.cfm</a:t>
-            </a:r>
-            <a:endParaRPr lang="en-US" dirty="0"/>
-          </a:p>
-        </p:txBody>
-      </p:sp>
-      <p:sp>
-        <p:nvSpPr>
-          <p:cNvPr id="7" name="Rectangle 6"/>
-          <p:cNvSpPr/>
-          <p:nvPr/>
-        </p:nvSpPr>
-        <p:spPr>
-          <a:xfrm>
-            <a:off x="4267200" y="2209800"/>
-            <a:ext cx="3786293" cy="523220"/>
-          </a:xfrm>
-          <a:prstGeom prst="rect">
-            <a:avLst/>
-          </a:prstGeom>
-          <a:solidFill>
-            <a:schemeClr val="bg1"/>
-          </a:solidFill>
-          <a:ln w="50800">
-            <a:solidFill>
-              <a:srgbClr val="FF0000"/>
-            </a:solidFill>
-          </a:ln>
-        </p:spPr>
-        <p:txBody>
-          <a:bodyPr wrap="none">
-            <a:spAutoFit/>
-          </a:bodyPr>
-          <a:lstStyle/>
-          <a:p>
-            <a:r>
-              <a:rPr lang="en-US" sz="2800" dirty="0" smtClean="0"/>
-              <a:t>Google “dsm2 version 8”</a:t>
-            </a:r>
-            <a:endParaRPr lang="en-US" sz="2800" dirty="0"/>
-          </a:p>
-        </p:txBody>
-      </p:sp>
-      <p:pic>
-        <p:nvPicPr>
-          <p:cNvPr id="5124" name="Picture 4"/>
-          <p:cNvPicPr>
-            <a:picLocks noChangeAspect="1" noChangeArrowheads="1"/>
-          </p:cNvPicPr>
-          <p:nvPr/>
-        </p:nvPicPr>
-        <p:blipFill>
-          <a:blip r:embed="rId4" cstate="print"/>
-          <a:srcRect/>
-          <a:stretch>
-            <a:fillRect/>
-          </a:stretch>
-        </p:blipFill>
-        <p:spPr bwMode="auto">
-          <a:xfrm>
-            <a:off x="2819400" y="2819400"/>
-            <a:ext cx="6143625" cy="3848100"/>
-          </a:xfrm>
-          <a:prstGeom prst="rect">
-            <a:avLst/>
-          </a:prstGeom>
-          <a:noFill/>
-          <a:ln w="9525">
-            <a:solidFill>
-              <a:schemeClr val="tx1"/>
-            </a:solidFill>
-            <a:miter lim="800000"/>
-            <a:headEnd/>
-            <a:tailEnd/>
-          </a:ln>
-        </p:spPr>
-      </p:pic>
     </p:spTree>
   </p:cSld>
   <p:clrMapOvr>
@@ -6925,37 +7050,29 @@
             <p:ph type="title"/>
           </p:nvPr>
         </p:nvSpPr>
-        <p:spPr/>
-        <p:txBody>
-          <a:bodyPr/>
-          <a:lstStyle/>
-          <a:p>
-            <a:endParaRPr lang="en-US"/>
-          </a:p>
-        </p:txBody>
-      </p:sp>
-      <p:sp>
-        <p:nvSpPr>
-          <p:cNvPr id="3" name="Content Placeholder 2"/>
-          <p:cNvSpPr>
-            <a:spLocks noGrp="1"/>
-          </p:cNvSpPr>
-          <p:nvPr>
-            <p:ph idx="1"/>
-          </p:nvPr>
-        </p:nvSpPr>
-        <p:spPr/>
-        <p:txBody>
-          <a:bodyPr/>
-          <a:lstStyle/>
-          <a:p>
-            <a:endParaRPr lang="en-US"/>
+        <p:spPr>
+          <a:xfrm>
+            <a:off x="304800" y="152400"/>
+            <a:ext cx="8839200" cy="792162"/>
+          </a:xfrm>
+        </p:spPr>
+        <p:txBody>
+          <a:bodyPr>
+            <a:noAutofit/>
+          </a:bodyPr>
+          <a:lstStyle/>
+          <a:p>
+            <a:r>
+              <a:rPr lang="en-US" sz="2800" dirty="0" smtClean="0"/>
+              <a:t>Question: What happened if Installing over previous install?</a:t>
+            </a:r>
+            <a:endParaRPr lang="en-US" sz="2800" dirty="0"/>
           </a:p>
         </p:txBody>
       </p:sp>
       <p:pic>
         <p:nvPicPr>
-          <p:cNvPr id="4" name="Picture 5"/>
+          <p:cNvPr id="4104" name="Picture 8"/>
           <p:cNvPicPr>
             <a:picLocks noChangeAspect="1" noChangeArrowheads="1"/>
           </p:cNvPicPr>
@@ -6970,8 +7087,8 @@
         </p:blipFill>
         <p:spPr bwMode="auto">
           <a:xfrm>
-            <a:off x="228600" y="1371600"/>
-            <a:ext cx="3508442" cy="4246268"/>
+            <a:off x="1219200" y="3886200"/>
+            <a:ext cx="7542213" cy="2838450"/>
           </a:xfrm>
           <a:prstGeom prst="rect">
             <a:avLst/>
@@ -6985,16 +7102,48 @@
           </a:ln>
         </p:spPr>
       </p:pic>
-      <p:sp>
-        <p:nvSpPr>
-          <p:cNvPr id="5" name="Oval 4"/>
+      <p:pic>
+        <p:nvPicPr>
+          <p:cNvPr id="4103" name="Picture 7"/>
+          <p:cNvPicPr>
+            <a:picLocks noChangeAspect="1" noChangeArrowheads="1"/>
+          </p:cNvPicPr>
+          <p:nvPr/>
+        </p:nvPicPr>
+        <p:blipFill>
+          <a:blip r:embed="rId4" cstate="print"/>
+          <a:srcRect/>
+          <a:stretch>
+            <a:fillRect/>
+          </a:stretch>
+        </p:blipFill>
+        <p:spPr bwMode="auto">
+          <a:xfrm>
+            <a:off x="914400" y="990600"/>
+            <a:ext cx="2971800" cy="3596771"/>
+          </a:xfrm>
+          <a:prstGeom prst="rect">
+            <a:avLst/>
+          </a:prstGeom>
+          <a:noFill/>
+          <a:ln w="9525">
+            <a:noFill/>
+            <a:miter lim="800000"/>
+            <a:headEnd/>
+            <a:tailEnd/>
+          </a:ln>
+        </p:spPr>
+      </p:pic>
+      <p:sp>
+        <p:nvSpPr>
+          <p:cNvPr id="15" name="Oval 14"/>
           <p:cNvSpPr/>
           <p:nvPr/>
         </p:nvSpPr>
         <p:spPr>
           <a:xfrm>
-            <a:off x="152400" y="2819400"/>
-            <a:ext cx="2209800" cy="838200"/>
+            <a:off x="6705600" y="5029200"/>
+            <a:ext cx="1371600" cy="381000"/>
           </a:xfrm>
           <a:prstGeom prst="ellipse">
             <a:avLst/>
@@ -7031,6 +7180,38 @@
           </a:p>
         </p:txBody>
       </p:sp>
+      <p:pic>
+        <p:nvPicPr>
+          <p:cNvPr id="4105" name="Picture 9"/>
+          <p:cNvPicPr>
+            <a:picLocks noChangeAspect="1" noChangeArrowheads="1"/>
+          </p:cNvPicPr>
+          <p:nvPr/>
+        </p:nvPicPr>
+        <p:blipFill>
+          <a:blip r:embed="rId5" cstate="print"/>
+          <a:srcRect/>
+          <a:stretch>
+            <a:fillRect/>
+          </a:stretch>
+        </p:blipFill>
+        <p:spPr bwMode="auto">
+          <a:xfrm>
+            <a:off x="4876800" y="990600"/>
+            <a:ext cx="3657600" cy="3616193"/>
+          </a:xfrm>
+          <a:prstGeom prst="rect">
+            <a:avLst/>
+          </a:prstGeom>
+          <a:noFill/>
+          <a:ln w="9525">
+            <a:noFill/>
+            <a:miter lim="800000"/>
+            <a:headEnd/>
+            <a:tailEnd/>
+          </a:ln>
+        </p:spPr>
+      </p:pic>
     </p:spTree>
   </p:cSld>
   <p:clrMapOvr>
@@ -7073,6 +7254,350 @@
             <p:ph type="title"/>
           </p:nvPr>
         </p:nvSpPr>
+        <p:spPr>
+          <a:xfrm>
+            <a:off x="457200" y="274638"/>
+            <a:ext cx="8229600" cy="715962"/>
+          </a:xfrm>
+        </p:spPr>
+        <p:txBody>
+          <a:bodyPr>
+            <a:normAutofit fontScale="90000"/>
+          </a:bodyPr>
+          <a:lstStyle/>
+          <a:p>
+            <a:r>
+              <a:rPr lang="en-US" dirty="0" smtClean="0"/>
+              <a:t>DSM2 Website</a:t>
+            </a:r>
+            <a:endParaRPr lang="en-US" dirty="0"/>
+          </a:p>
+        </p:txBody>
+      </p:sp>
+      <p:pic>
+        <p:nvPicPr>
+          <p:cNvPr id="5122" name="Picture 2"/>
+          <p:cNvPicPr>
+            <a:picLocks noGrp="1" noChangeAspect="1" noChangeArrowheads="1"/>
+          </p:cNvPicPr>
+          <p:nvPr>
+            <p:ph idx="1"/>
+          </p:nvPr>
+        </p:nvPicPr>
+        <p:blipFill>
+          <a:blip r:embed="rId3" cstate="print"/>
+          <a:srcRect/>
+          <a:stretch>
+            <a:fillRect/>
+          </a:stretch>
+        </p:blipFill>
+        <p:spPr bwMode="auto">
+          <a:xfrm>
+            <a:off x="228600" y="1447800"/>
+            <a:ext cx="5149776" cy="4525963"/>
+          </a:xfrm>
+          <a:prstGeom prst="rect">
+            <a:avLst/>
+          </a:prstGeom>
+          <a:noFill/>
+          <a:ln w="9525">
+            <a:noFill/>
+            <a:miter lim="800000"/>
+            <a:headEnd/>
+            <a:tailEnd/>
+          </a:ln>
+        </p:spPr>
+      </p:pic>
+      <p:sp>
+        <p:nvSpPr>
+          <p:cNvPr id="5" name="Rectangle 4"/>
+          <p:cNvSpPr/>
+          <p:nvPr/>
+        </p:nvSpPr>
+        <p:spPr>
+          <a:xfrm>
+            <a:off x="304800" y="990600"/>
+            <a:ext cx="8610600" cy="369332"/>
+          </a:xfrm>
+          <a:prstGeom prst="rect">
+            <a:avLst/>
+          </a:prstGeom>
+        </p:spPr>
+        <p:txBody>
+          <a:bodyPr wrap="square">
+            <a:spAutoFit/>
+          </a:bodyPr>
+          <a:lstStyle/>
+          <a:p>
+            <a:r>
+              <a:rPr lang="en-US" dirty="0" smtClean="0"/>
+              <a:t>http://baydeltaoffice.water.ca.gov/modeling/deltamodeling/models/dsm2v8/dsm2.cfm</a:t>
+            </a:r>
+            <a:endParaRPr lang="en-US" dirty="0"/>
+          </a:p>
+        </p:txBody>
+      </p:sp>
+      <p:sp>
+        <p:nvSpPr>
+          <p:cNvPr id="7" name="Rectangle 6"/>
+          <p:cNvSpPr/>
+          <p:nvPr/>
+        </p:nvSpPr>
+        <p:spPr>
+          <a:xfrm>
+            <a:off x="4267200" y="2209800"/>
+            <a:ext cx="3786293" cy="523220"/>
+          </a:xfrm>
+          <a:prstGeom prst="rect">
+            <a:avLst/>
+          </a:prstGeom>
+          <a:solidFill>
+            <a:schemeClr val="bg1"/>
+          </a:solidFill>
+          <a:ln w="50800">
+            <a:solidFill>
+              <a:srgbClr val="FF0000"/>
+            </a:solidFill>
+          </a:ln>
+        </p:spPr>
+        <p:txBody>
+          <a:bodyPr wrap="none">
+            <a:spAutoFit/>
+          </a:bodyPr>
+          <a:lstStyle/>
+          <a:p>
+            <a:r>
+              <a:rPr lang="en-US" sz="2800" dirty="0" smtClean="0"/>
+              <a:t>Google “dsm2 version 8”</a:t>
+            </a:r>
+            <a:endParaRPr lang="en-US" sz="2800" dirty="0"/>
+          </a:p>
+        </p:txBody>
+      </p:sp>
+      <p:pic>
+        <p:nvPicPr>
+          <p:cNvPr id="5124" name="Picture 4"/>
+          <p:cNvPicPr>
+            <a:picLocks noChangeAspect="1" noChangeArrowheads="1"/>
+          </p:cNvPicPr>
+          <p:nvPr/>
+        </p:nvPicPr>
+        <p:blipFill>
+          <a:blip r:embed="rId4" cstate="print"/>
+          <a:srcRect/>
+          <a:stretch>
+            <a:fillRect/>
+          </a:stretch>
+        </p:blipFill>
+        <p:spPr bwMode="auto">
+          <a:xfrm>
+            <a:off x="2819400" y="2819400"/>
+            <a:ext cx="6143625" cy="3848100"/>
+          </a:xfrm>
+          <a:prstGeom prst="rect">
+            <a:avLst/>
+          </a:prstGeom>
+          <a:noFill/>
+          <a:ln w="9525">
+            <a:solidFill>
+              <a:schemeClr val="tx1"/>
+            </a:solidFill>
+            <a:miter lim="800000"/>
+            <a:headEnd/>
+            <a:tailEnd/>
+          </a:ln>
+        </p:spPr>
+      </p:pic>
+    </p:spTree>
+  </p:cSld>
+  <p:clrMapOvr>
+    <a:masterClrMapping/>
+  </p:clrMapOvr>
+  <p:timing>
+    <p:tnLst>
+      <p:par>
+        <p:cTn id="1" dur="indefinite" restart="never" nodeType="tmRoot"/>
+      </p:par>
+    </p:tnLst>
+  </p:timing>
+</p:sld>
+</file>
+
+<file path=ppt/slides/slide18.xml><?xml version="1.0" encoding="utf-8"?>
+<p:sld xmlns:a="http://schemas.openxmlformats.org/drawingml/2006/main" xmlns:r="http://schemas.openxmlformats.org/officeDocument/2006/relationships" xmlns:p="http://schemas.openxmlformats.org/presentationml/2006/main">
+  <p:cSld>
+    <p:spTree>
+      <p:nvGrpSpPr>
+        <p:cNvPr id="1" name=""/>
+        <p:cNvGrpSpPr/>
+        <p:nvPr/>
+      </p:nvGrpSpPr>
+      <p:grpSpPr>
+        <a:xfrm>
+          <a:off x="0" y="0"/>
+          <a:ext cx="0" cy="0"/>
+          <a:chOff x="0" y="0"/>
+          <a:chExt cx="0" cy="0"/>
+        </a:xfrm>
+      </p:grpSpPr>
+      <p:sp>
+        <p:nvSpPr>
+          <p:cNvPr id="2" name="Title 1"/>
+          <p:cNvSpPr>
+            <a:spLocks noGrp="1"/>
+          </p:cNvSpPr>
+          <p:nvPr>
+            <p:ph type="title"/>
+          </p:nvPr>
+        </p:nvSpPr>
+        <p:spPr/>
+        <p:txBody>
+          <a:bodyPr/>
+          <a:lstStyle/>
+          <a:p>
+            <a:endParaRPr lang="en-US"/>
+          </a:p>
+        </p:txBody>
+      </p:sp>
+      <p:sp>
+        <p:nvSpPr>
+          <p:cNvPr id="3" name="Content Placeholder 2"/>
+          <p:cNvSpPr>
+            <a:spLocks noGrp="1"/>
+          </p:cNvSpPr>
+          <p:nvPr>
+            <p:ph idx="1"/>
+          </p:nvPr>
+        </p:nvSpPr>
+        <p:spPr/>
+        <p:txBody>
+          <a:bodyPr/>
+          <a:lstStyle/>
+          <a:p>
+            <a:endParaRPr lang="en-US"/>
+          </a:p>
+        </p:txBody>
+      </p:sp>
+      <p:pic>
+        <p:nvPicPr>
+          <p:cNvPr id="4" name="Picture 5"/>
+          <p:cNvPicPr>
+            <a:picLocks noChangeAspect="1" noChangeArrowheads="1"/>
+          </p:cNvPicPr>
+          <p:nvPr/>
+        </p:nvPicPr>
+        <p:blipFill>
+          <a:blip r:embed="rId3" cstate="print"/>
+          <a:srcRect/>
+          <a:stretch>
+            <a:fillRect/>
+          </a:stretch>
+        </p:blipFill>
+        <p:spPr bwMode="auto">
+          <a:xfrm>
+            <a:off x="228600" y="1371600"/>
+            <a:ext cx="3508442" cy="4246268"/>
+          </a:xfrm>
+          <a:prstGeom prst="rect">
+            <a:avLst/>
+          </a:prstGeom>
+          <a:noFill/>
+          <a:ln w="9525">
+            <a:noFill/>
+            <a:miter lim="800000"/>
+            <a:headEnd/>
+            <a:tailEnd/>
+          </a:ln>
+        </p:spPr>
+      </p:pic>
+      <p:sp>
+        <p:nvSpPr>
+          <p:cNvPr id="5" name="Oval 4"/>
+          <p:cNvSpPr/>
+          <p:nvPr/>
+        </p:nvSpPr>
+        <p:spPr>
+          <a:xfrm>
+            <a:off x="152400" y="2819400"/>
+            <a:ext cx="2209800" cy="838200"/>
+          </a:xfrm>
+          <a:prstGeom prst="ellipse">
+            <a:avLst/>
+          </a:prstGeom>
+          <a:noFill/>
+          <a:ln w="57150">
+            <a:solidFill>
+              <a:srgbClr val="FF0000"/>
+            </a:solidFill>
+          </a:ln>
+        </p:spPr>
+        <p:style>
+          <a:lnRef idx="2">
+            <a:schemeClr val="accent1">
+              <a:shade val="50000"/>
+            </a:schemeClr>
+          </a:lnRef>
+          <a:fillRef idx="1">
+            <a:schemeClr val="accent1"/>
+          </a:fillRef>
+          <a:effectRef idx="0">
+            <a:schemeClr val="accent1"/>
+          </a:effectRef>
+          <a:fontRef idx="minor">
+            <a:schemeClr val="lt1"/>
+          </a:fontRef>
+        </p:style>
+        <p:txBody>
+          <a:bodyPr rtlCol="0" anchor="ctr"/>
+          <a:lstStyle/>
+          <a:p>
+            <a:pPr algn="ctr"/>
+            <a:endParaRPr lang="en-US"/>
+          </a:p>
+        </p:txBody>
+      </p:sp>
+    </p:spTree>
+  </p:cSld>
+  <p:clrMapOvr>
+    <a:masterClrMapping/>
+  </p:clrMapOvr>
+  <p:timing>
+    <p:tnLst>
+      <p:par>
+        <p:cTn id="1" dur="indefinite" restart="never" nodeType="tmRoot"/>
+      </p:par>
+    </p:tnLst>
+  </p:timing>
+</p:sld>
+</file>
+
+<file path=ppt/slides/slide19.xml><?xml version="1.0" encoding="utf-8"?>
+<p:sld xmlns:a="http://schemas.openxmlformats.org/drawingml/2006/main" xmlns:r="http://schemas.openxmlformats.org/officeDocument/2006/relationships" xmlns:p="http://schemas.openxmlformats.org/presentationml/2006/main">
+  <p:cSld>
+    <p:spTree>
+      <p:nvGrpSpPr>
+        <p:cNvPr id="1" name=""/>
+        <p:cNvGrpSpPr/>
+        <p:nvPr/>
+      </p:nvGrpSpPr>
+      <p:grpSpPr>
+        <a:xfrm>
+          <a:off x="0" y="0"/>
+          <a:ext cx="0" cy="0"/>
+          <a:chOff x="0" y="0"/>
+          <a:chExt cx="0" cy="0"/>
+        </a:xfrm>
+      </p:grpSpPr>
+      <p:sp>
+        <p:nvSpPr>
+          <p:cNvPr id="2" name="Title 1"/>
+          <p:cNvSpPr>
+            <a:spLocks noGrp="1"/>
+          </p:cNvSpPr>
+          <p:nvPr>
+            <p:ph type="title"/>
+          </p:nvPr>
+        </p:nvSpPr>
         <p:spPr/>
         <p:txBody>
           <a:bodyPr/>
@@ -7350,6 +7875,13 @@
   <p:clrMapOvr>
     <a:masterClrMapping/>
   </p:clrMapOvr>
+  <p:timing>
+    <p:tnLst>
+      <p:par>
+        <p:cTn id="1" dur="indefinite" restart="never" nodeType="tmRoot"/>
+      </p:par>
+    </p:tnLst>
+  </p:timing>
 </p:sld>
 </file>
 
@@ -7493,37 +8025,9 @@
           <a:chExt cx="0" cy="0"/>
         </a:xfrm>
       </p:grpSpPr>
-      <p:sp>
-        <p:nvSpPr>
-          <p:cNvPr id="2" name="Title 1"/>
-          <p:cNvSpPr>
-            <a:spLocks noGrp="1"/>
-          </p:cNvSpPr>
-          <p:nvPr>
-            <p:ph type="title"/>
-          </p:nvPr>
-        </p:nvSpPr>
-        <p:spPr>
-          <a:xfrm>
-            <a:off x="457200" y="274638"/>
-            <a:ext cx="8229600" cy="792162"/>
-          </a:xfrm>
-        </p:spPr>
-        <p:txBody>
-          <a:bodyPr/>
-          <a:lstStyle/>
-          <a:p>
-            <a:r>
-              <a:rPr lang="en-US" dirty="0" smtClean="0"/>
-              <a:t>DSM2 Versioning</a:t>
-            </a:r>
-            <a:endParaRPr lang="en-US" dirty="0"/>
-          </a:p>
-        </p:txBody>
-      </p:sp>
       <p:pic>
         <p:nvPicPr>
-          <p:cNvPr id="4104" name="Picture 8"/>
+          <p:cNvPr id="2053" name="Picture 5"/>
           <p:cNvPicPr>
             <a:picLocks noChangeAspect="1" noChangeArrowheads="1"/>
           </p:cNvPicPr>
@@ -7538,8 +8042,8 @@
         </p:blipFill>
         <p:spPr bwMode="auto">
           <a:xfrm>
-            <a:off x="1219200" y="3886200"/>
-            <a:ext cx="7542213" cy="2838450"/>
+            <a:off x="0" y="1221599"/>
+            <a:ext cx="2226666" cy="3960001"/>
           </a:xfrm>
           <a:prstGeom prst="rect">
             <a:avLst/>
@@ -7551,11 +8055,17 @@
             <a:headEnd/>
             <a:tailEnd/>
           </a:ln>
+          <a:scene3d>
+            <a:camera prst="isometricRightUp">
+              <a:rot lat="1200000" lon="19800000" rev="0"/>
+            </a:camera>
+            <a:lightRig rig="threePt" dir="t"/>
+          </a:scene3d>
         </p:spPr>
       </p:pic>
       <p:pic>
         <p:nvPicPr>
-          <p:cNvPr id="4103" name="Picture 7"/>
+          <p:cNvPr id="2054" name="Picture 6"/>
           <p:cNvPicPr>
             <a:picLocks noChangeAspect="1" noChangeArrowheads="1"/>
           </p:cNvPicPr>
@@ -7570,8 +8080,8 @@
         </p:blipFill>
         <p:spPr bwMode="auto">
           <a:xfrm>
-            <a:off x="914400" y="990600"/>
-            <a:ext cx="2971800" cy="3596771"/>
+            <a:off x="1371600" y="1219200"/>
+            <a:ext cx="2373333" cy="2413334"/>
           </a:xfrm>
           <a:prstGeom prst="rect">
             <a:avLst/>
@@ -7583,57 +8093,24 @@
             <a:headEnd/>
             <a:tailEnd/>
           </a:ln>
+          <a:effectLst>
+            <a:outerShdw blurRad="254000" dist="190500" dir="10800000" algn="r" rotWithShape="0">
+              <a:prstClr val="black">
+                <a:alpha val="40000"/>
+              </a:prstClr>
+            </a:outerShdw>
+          </a:effectLst>
+          <a:scene3d>
+            <a:camera prst="isometricRightUp">
+              <a:rot lat="1200000" lon="19800000" rev="0"/>
+            </a:camera>
+            <a:lightRig rig="threePt" dir="t"/>
+          </a:scene3d>
         </p:spPr>
       </p:pic>
-      <p:sp>
-        <p:nvSpPr>
-          <p:cNvPr id="15" name="Oval 14"/>
-          <p:cNvSpPr/>
-          <p:nvPr/>
-        </p:nvSpPr>
-        <p:spPr>
-          <a:xfrm>
-            <a:off x="6705600" y="5029200"/>
-            <a:ext cx="1371600" cy="381000"/>
-          </a:xfrm>
-          <a:prstGeom prst="ellipse">
-            <a:avLst/>
-          </a:prstGeom>
-          <a:noFill/>
-          <a:ln w="57150">
-            <a:solidFill>
-              <a:srgbClr val="FF0000"/>
-            </a:solidFill>
-          </a:ln>
-        </p:spPr>
-        <p:style>
-          <a:lnRef idx="2">
-            <a:schemeClr val="accent1">
-              <a:shade val="50000"/>
-            </a:schemeClr>
-          </a:lnRef>
-          <a:fillRef idx="1">
-            <a:schemeClr val="accent1"/>
-          </a:fillRef>
-          <a:effectRef idx="0">
-            <a:schemeClr val="accent1"/>
-          </a:effectRef>
-          <a:fontRef idx="minor">
-            <a:schemeClr val="lt1"/>
-          </a:fontRef>
-        </p:style>
-        <p:txBody>
-          <a:bodyPr rtlCol="0" anchor="ctr"/>
-          <a:lstStyle/>
-          <a:p>
-            <a:pPr algn="ctr"/>
-            <a:endParaRPr lang="en-US"/>
-          </a:p>
-        </p:txBody>
-      </p:sp>
       <p:pic>
         <p:nvPicPr>
-          <p:cNvPr id="4105" name="Picture 9"/>
+          <p:cNvPr id="2052" name="Picture 4"/>
           <p:cNvPicPr>
             <a:picLocks noChangeAspect="1" noChangeArrowheads="1"/>
           </p:cNvPicPr>
@@ -7648,8 +8125,8 @@
         </p:blipFill>
         <p:spPr bwMode="auto">
           <a:xfrm>
-            <a:off x="4876800" y="990600"/>
-            <a:ext cx="3657600" cy="3616193"/>
+            <a:off x="2667000" y="1905000"/>
+            <a:ext cx="2053334" cy="1106666"/>
           </a:xfrm>
           <a:prstGeom prst="rect">
             <a:avLst/>
@@ -7661,8 +8138,84 @@
             <a:headEnd/>
             <a:tailEnd/>
           </a:ln>
+          <a:effectLst>
+            <a:outerShdw blurRad="254000" dist="190500" dir="10800000" algn="r" rotWithShape="0">
+              <a:prstClr val="black">
+                <a:alpha val="40000"/>
+              </a:prstClr>
+            </a:outerShdw>
+          </a:effectLst>
+          <a:scene3d>
+            <a:camera prst="isometricRightUp">
+              <a:rot lat="1200000" lon="19800000" rev="0"/>
+            </a:camera>
+            <a:lightRig rig="threePt" dir="t"/>
+          </a:scene3d>
         </p:spPr>
       </p:pic>
+      <p:pic>
+        <p:nvPicPr>
+          <p:cNvPr id="11" name="Picture 12" descr="documentation"/>
+          <p:cNvPicPr>
+            <a:picLocks noChangeAspect="1" noChangeArrowheads="1"/>
+          </p:cNvPicPr>
+          <p:nvPr/>
+        </p:nvPicPr>
+        <p:blipFill>
+          <a:blip r:embed="rId6" cstate="print"/>
+          <a:srcRect/>
+          <a:stretch>
+            <a:fillRect/>
+          </a:stretch>
+        </p:blipFill>
+        <p:spPr bwMode="auto">
+          <a:xfrm>
+            <a:off x="4340542" y="2133600"/>
+            <a:ext cx="4955858" cy="4075748"/>
+          </a:xfrm>
+          <a:prstGeom prst="rect">
+            <a:avLst/>
+          </a:prstGeom>
+          <a:noFill/>
+          <a:effectLst>
+            <a:reflection blurRad="6350" stA="50000" endA="300" endPos="38500" dist="50800" dir="5400000" sy="-100000" algn="bl" rotWithShape="0"/>
+          </a:effectLst>
+          <a:scene3d>
+            <a:camera prst="orthographicFront">
+              <a:rot lat="1200000" lon="19800000" rev="0"/>
+            </a:camera>
+            <a:lightRig rig="threePt" dir="t"/>
+          </a:scene3d>
+        </p:spPr>
+      </p:pic>
+      <p:sp>
+        <p:nvSpPr>
+          <p:cNvPr id="12" name="Title 1"/>
+          <p:cNvSpPr>
+            <a:spLocks noGrp="1"/>
+          </p:cNvSpPr>
+          <p:nvPr>
+            <p:ph type="title"/>
+          </p:nvPr>
+        </p:nvSpPr>
+        <p:spPr>
+          <a:xfrm>
+            <a:off x="457200" y="152400"/>
+            <a:ext cx="8229600" cy="792162"/>
+          </a:xfrm>
+        </p:spPr>
+        <p:txBody>
+          <a:bodyPr/>
+          <a:lstStyle/>
+          <a:p>
+            <a:r>
+              <a:rPr lang="en-US" dirty="0" smtClean="0"/>
+              <a:t>DSM2 Documentation</a:t>
+            </a:r>
+            <a:endParaRPr lang="en-US" dirty="0"/>
+          </a:p>
+        </p:txBody>
+      </p:sp>
     </p:spTree>
   </p:cSld>
   <p:clrMapOvr>
@@ -7697,36 +8250,88 @@
       </p:grpSpPr>
       <p:sp>
         <p:nvSpPr>
-          <p:cNvPr id="2" name="Title 1"/>
-          <p:cNvSpPr>
-            <a:spLocks noGrp="1"/>
-          </p:cNvSpPr>
-          <p:nvPr>
-            <p:ph type="title"/>
-          </p:nvPr>
-        </p:nvSpPr>
-        <p:spPr/>
+          <p:cNvPr id="1185794" name="Rectangle 2"/>
+          <p:cNvSpPr>
+            <a:spLocks noChangeArrowheads="1"/>
+          </p:cNvSpPr>
+          <p:nvPr/>
+        </p:nvSpPr>
+        <p:spPr bwMode="auto">
+          <a:xfrm>
+            <a:off x="304800" y="381000"/>
+            <a:ext cx="8382000" cy="1828800"/>
+          </a:xfrm>
+          <a:prstGeom prst="rect">
+            <a:avLst/>
+          </a:prstGeom>
+          <a:solidFill>
+            <a:schemeClr val="bg1"/>
+          </a:solidFill>
+          <a:ln w="9525" algn="ctr">
+            <a:noFill/>
+            <a:miter lim="800000"/>
+            <a:headEnd/>
+            <a:tailEnd/>
+          </a:ln>
+          <a:effectLst/>
+        </p:spPr>
+        <p:txBody>
+          <a:bodyPr wrap="none" lIns="0" tIns="0" rIns="0" bIns="0" anchor="ctr">
+            <a:spAutoFit/>
+          </a:bodyPr>
+          <a:lstStyle/>
+          <a:p>
+            <a:endParaRPr lang="en-US"/>
+          </a:p>
+        </p:txBody>
+      </p:sp>
+      <p:sp>
+        <p:nvSpPr>
+          <p:cNvPr id="1185795" name="Rectangle 3"/>
+          <p:cNvSpPr>
+            <a:spLocks noGrp="1" noChangeArrowheads="1"/>
+          </p:cNvSpPr>
+          <p:nvPr>
+            <p:ph type="body" idx="1"/>
+          </p:nvPr>
+        </p:nvSpPr>
+        <p:spPr>
+          <a:xfrm>
+            <a:off x="685800" y="2590800"/>
+            <a:ext cx="7772400" cy="457200"/>
+          </a:xfrm>
+        </p:spPr>
         <p:txBody>
           <a:bodyPr/>
           <a:lstStyle/>
           <a:p>
-            <a:r>
-              <a:rPr lang="en-US" dirty="0" smtClean="0"/>
-              <a:t>Check DSM2 version</a:t>
-            </a:r>
-            <a:endParaRPr lang="en-US" dirty="0"/>
+            <a:pPr>
+              <a:buFontTx/>
+              <a:buNone/>
+            </a:pPr>
+            <a:r>
+              <a:rPr lang="en-US" sz="2000">
+                <a:latin typeface="Arial" charset="0"/>
+              </a:rPr>
+              <a:t>                </a:t>
+            </a:r>
+            <a:r>
+              <a:rPr lang="en-US" sz="2000">
+                <a:latin typeface="Arial" charset="0"/>
+                <a:sym typeface="Wingdings" pitchFamily="2" charset="2"/>
+              </a:rPr>
+              <a:t> All Programs  DSM2v8  DSM2_documentation</a:t>
+            </a:r>
           </a:p>
         </p:txBody>
       </p:sp>
       <p:pic>
         <p:nvPicPr>
-          <p:cNvPr id="2051" name="Picture 3"/>
+          <p:cNvPr id="1185797" name="Picture 5" descr="0511-0812-0802-1129_Polar_Bear_Coaching_Young_Penguin_Soccer_Players_clipart_image"/>
           <p:cNvPicPr>
-            <a:picLocks noGrp="1" noChangeAspect="1" noChangeArrowheads="1"/>
+            <a:picLocks noChangeAspect="1" noChangeArrowheads="1"/>
           </p:cNvPicPr>
-          <p:nvPr>
-            <p:ph idx="1"/>
-          </p:nvPr>
+          <p:nvPr/>
         </p:nvPicPr>
         <p:blipFill>
           <a:blip r:embed="rId3" cstate="print"/>
@@ -7737,24 +8342,107 @@
         </p:blipFill>
         <p:spPr bwMode="auto">
           <a:xfrm>
-            <a:off x="762000" y="1905000"/>
-            <a:ext cx="4985715" cy="2328572"/>
+            <a:off x="304800" y="384175"/>
+            <a:ext cx="3244850" cy="1825625"/>
           </a:xfrm>
           <a:prstGeom prst="rect">
             <a:avLst/>
           </a:prstGeom>
           <a:noFill/>
-          <a:ln w="9525">
-            <a:noFill/>
-            <a:miter lim="800000"/>
-            <a:headEnd/>
-            <a:tailEnd/>
-          </a:ln>
         </p:spPr>
       </p:pic>
+      <p:sp>
+        <p:nvSpPr>
+          <p:cNvPr id="1185799" name="Rectangle 7"/>
+          <p:cNvSpPr>
+            <a:spLocks noGrp="1" noChangeArrowheads="1"/>
+          </p:cNvSpPr>
+          <p:nvPr>
+            <p:ph type="title"/>
+          </p:nvPr>
+        </p:nvSpPr>
+        <p:spPr>
+          <a:xfrm>
+            <a:off x="2209800" y="1447800"/>
+            <a:ext cx="6400800" cy="533400"/>
+          </a:xfrm>
+        </p:spPr>
+        <p:txBody>
+          <a:bodyPr>
+            <a:normAutofit fontScale="90000"/>
+          </a:bodyPr>
+          <a:lstStyle/>
+          <a:p>
+            <a:pPr algn="r"/>
+            <a:r>
+              <a:rPr lang="en-US" sz="4000" b="1">
+                <a:solidFill>
+                  <a:srgbClr val="0099FF"/>
+                </a:solidFill>
+                <a:effectLst/>
+              </a:rPr>
+              <a:t>DSM2 Documentation</a:t>
+            </a:r>
+          </a:p>
+        </p:txBody>
+      </p:sp>
+      <p:sp>
+        <p:nvSpPr>
+          <p:cNvPr id="1185800" name="WordArt 8"/>
+          <p:cNvSpPr>
+            <a:spLocks noChangeArrowheads="1" noChangeShapeType="1" noTextEdit="1"/>
+          </p:cNvSpPr>
+          <p:nvPr/>
+        </p:nvSpPr>
+        <p:spPr bwMode="auto">
+          <a:xfrm>
+            <a:off x="3429000" y="457200"/>
+            <a:ext cx="4191000" cy="685800"/>
+          </a:xfrm>
+          <a:prstGeom prst="rect">
+            <a:avLst/>
+          </a:prstGeom>
+        </p:spPr>
+        <p:txBody>
+          <a:bodyPr wrap="none" fromWordArt="1">
+            <a:prstTxWarp prst="textWave1">
+              <a:avLst>
+                <a:gd name="adj1" fmla="val 13005"/>
+                <a:gd name="adj2" fmla="val 0"/>
+              </a:avLst>
+            </a:prstTxWarp>
+          </a:bodyPr>
+          <a:lstStyle/>
+          <a:p>
+            <a:pPr algn="ctr"/>
+            <a:r>
+              <a:rPr lang="en-US" sz="3600" kern="10">
+                <a:ln w="19050">
+                  <a:solidFill>
+                    <a:srgbClr val="99CCFF"/>
+                  </a:solidFill>
+                  <a:round/>
+                  <a:headEnd/>
+                  <a:tailEnd/>
+                </a:ln>
+                <a:solidFill>
+                  <a:srgbClr val="0066CC"/>
+                </a:solidFill>
+                <a:effectLst>
+                  <a:outerShdw dist="35921" dir="2700000" algn="ctr" rotWithShape="0">
+                    <a:srgbClr val="990000"/>
+                  </a:outerShdw>
+                </a:effectLst>
+                <a:latin typeface="Impact"/>
+              </a:rPr>
+              <a:t>DSM2 Cool Tip</a:t>
+            </a:r>
+          </a:p>
+        </p:txBody>
+      </p:sp>
       <p:pic>
         <p:nvPicPr>
-          <p:cNvPr id="2052" name="Picture 4"/>
+          <p:cNvPr id="1185803" name="Picture 11" descr="start button"/>
           <p:cNvPicPr>
             <a:picLocks noChangeAspect="1" noChangeArrowheads="1"/>
           </p:cNvPicPr>
@@ -7769,19 +8457,39 @@
         </p:blipFill>
         <p:spPr bwMode="auto">
           <a:xfrm>
-            <a:off x="3124200" y="3581400"/>
-            <a:ext cx="4985715" cy="2328572"/>
+            <a:off x="762000" y="2667000"/>
+            <a:ext cx="1123950" cy="274638"/>
           </a:xfrm>
           <a:prstGeom prst="rect">
             <a:avLst/>
           </a:prstGeom>
           <a:noFill/>
-          <a:ln w="9525">
-            <a:noFill/>
-            <a:miter lim="800000"/>
-            <a:headEnd/>
-            <a:tailEnd/>
-          </a:ln>
+        </p:spPr>
+      </p:pic>
+      <p:pic>
+        <p:nvPicPr>
+          <p:cNvPr id="1185804" name="Picture 12" descr="documentation"/>
+          <p:cNvPicPr>
+            <a:picLocks noChangeAspect="1" noChangeArrowheads="1"/>
+          </p:cNvPicPr>
+          <p:nvPr/>
+        </p:nvPicPr>
+        <p:blipFill>
+          <a:blip r:embed="rId5" cstate="print"/>
+          <a:srcRect/>
+          <a:stretch>
+            <a:fillRect/>
+          </a:stretch>
+        </p:blipFill>
+        <p:spPr bwMode="auto">
+          <a:xfrm>
+            <a:off x="2319338" y="3048000"/>
+            <a:ext cx="4505325" cy="3705225"/>
+          </a:xfrm>
+          <a:prstGeom prst="rect">
+            <a:avLst/>
+          </a:prstGeom>
+          <a:noFill/>
         </p:spPr>
       </p:pic>
     </p:spTree>
@@ -7823,30 +8531,169 @@
             <a:spLocks noGrp="1"/>
           </p:cNvSpPr>
           <p:nvPr>
-            <p:ph type="ctrTitle"/>
-          </p:nvPr>
-        </p:nvSpPr>
-        <p:spPr/>
+            <p:ph type="title"/>
+          </p:nvPr>
+        </p:nvSpPr>
+        <p:spPr>
+          <a:xfrm>
+            <a:off x="457200" y="274638"/>
+            <a:ext cx="8229600" cy="792162"/>
+          </a:xfrm>
+        </p:spPr>
         <p:txBody>
           <a:bodyPr/>
           <a:lstStyle/>
           <a:p>
             <a:r>
               <a:rPr lang="en-US" dirty="0" smtClean="0"/>
-              <a:t>3</a:t>
-            </a:r>
-            <a:r>
-              <a:rPr lang="en-US" baseline="30000" dirty="0" smtClean="0"/>
-              <a:t>rd</a:t>
-            </a:r>
-            <a:r>
-              <a:rPr lang="en-US" dirty="0" smtClean="0"/>
-              <a:t> Party Software</a:t>
+              <a:t>DSM2 Versioning</a:t>
             </a:r>
             <a:endParaRPr lang="en-US" dirty="0"/>
           </a:p>
         </p:txBody>
       </p:sp>
+      <p:pic>
+        <p:nvPicPr>
+          <p:cNvPr id="4104" name="Picture 8"/>
+          <p:cNvPicPr>
+            <a:picLocks noChangeAspect="1" noChangeArrowheads="1"/>
+          </p:cNvPicPr>
+          <p:nvPr/>
+        </p:nvPicPr>
+        <p:blipFill>
+          <a:blip r:embed="rId3" cstate="print"/>
+          <a:srcRect/>
+          <a:stretch>
+            <a:fillRect/>
+          </a:stretch>
+        </p:blipFill>
+        <p:spPr bwMode="auto">
+          <a:xfrm>
+            <a:off x="1219200" y="3886200"/>
+            <a:ext cx="7542213" cy="2838450"/>
+          </a:xfrm>
+          <a:prstGeom prst="rect">
+            <a:avLst/>
+          </a:prstGeom>
+          <a:noFill/>
+          <a:ln w="9525">
+            <a:noFill/>
+            <a:miter lim="800000"/>
+            <a:headEnd/>
+            <a:tailEnd/>
+          </a:ln>
+        </p:spPr>
+      </p:pic>
+      <p:pic>
+        <p:nvPicPr>
+          <p:cNvPr id="4103" name="Picture 7"/>
+          <p:cNvPicPr>
+            <a:picLocks noChangeAspect="1" noChangeArrowheads="1"/>
+          </p:cNvPicPr>
+          <p:nvPr/>
+        </p:nvPicPr>
+        <p:blipFill>
+          <a:blip r:embed="rId4" cstate="print"/>
+          <a:srcRect/>
+          <a:stretch>
+            <a:fillRect/>
+          </a:stretch>
+        </p:blipFill>
+        <p:spPr bwMode="auto">
+          <a:xfrm>
+            <a:off x="914400" y="990600"/>
+            <a:ext cx="2971800" cy="3596771"/>
+          </a:xfrm>
+          <a:prstGeom prst="rect">
+            <a:avLst/>
+          </a:prstGeom>
+          <a:noFill/>
+          <a:ln w="9525">
+            <a:noFill/>
+            <a:miter lim="800000"/>
+            <a:headEnd/>
+            <a:tailEnd/>
+          </a:ln>
+        </p:spPr>
+      </p:pic>
+      <p:sp>
+        <p:nvSpPr>
+          <p:cNvPr id="15" name="Oval 14"/>
+          <p:cNvSpPr/>
+          <p:nvPr/>
+        </p:nvSpPr>
+        <p:spPr>
+          <a:xfrm>
+            <a:off x="6705600" y="5029200"/>
+            <a:ext cx="1371600" cy="381000"/>
+          </a:xfrm>
+          <a:prstGeom prst="ellipse">
+            <a:avLst/>
+          </a:prstGeom>
+          <a:noFill/>
+          <a:ln w="57150">
+            <a:solidFill>
+              <a:srgbClr val="FF0000"/>
+            </a:solidFill>
+          </a:ln>
+        </p:spPr>
+        <p:style>
+          <a:lnRef idx="2">
+            <a:schemeClr val="accent1">
+              <a:shade val="50000"/>
+            </a:schemeClr>
+          </a:lnRef>
+          <a:fillRef idx="1">
+            <a:schemeClr val="accent1"/>
+          </a:fillRef>
+          <a:effectRef idx="0">
+            <a:schemeClr val="accent1"/>
+          </a:effectRef>
+          <a:fontRef idx="minor">
+            <a:schemeClr val="lt1"/>
+          </a:fontRef>
+        </p:style>
+        <p:txBody>
+          <a:bodyPr rtlCol="0" anchor="ctr"/>
+          <a:lstStyle/>
+          <a:p>
+            <a:pPr algn="ctr"/>
+            <a:endParaRPr lang="en-US"/>
+          </a:p>
+        </p:txBody>
+      </p:sp>
+      <p:pic>
+        <p:nvPicPr>
+          <p:cNvPr id="4105" name="Picture 9"/>
+          <p:cNvPicPr>
+            <a:picLocks noChangeAspect="1" noChangeArrowheads="1"/>
+          </p:cNvPicPr>
+          <p:nvPr/>
+        </p:nvPicPr>
+        <p:blipFill>
+          <a:blip r:embed="rId5" cstate="print"/>
+          <a:srcRect/>
+          <a:stretch>
+            <a:fillRect/>
+          </a:stretch>
+        </p:blipFill>
+        <p:spPr bwMode="auto">
+          <a:xfrm>
+            <a:off x="4876800" y="990600"/>
+            <a:ext cx="3657600" cy="3616193"/>
+          </a:xfrm>
+          <a:prstGeom prst="rect">
+            <a:avLst/>
+          </a:prstGeom>
+          <a:noFill/>
+          <a:ln w="9525">
+            <a:noFill/>
+            <a:miter lim="800000"/>
+            <a:headEnd/>
+            <a:tailEnd/>
+          </a:ln>
+        </p:spPr>
+      </p:pic>
     </p:spTree>
   </p:cSld>
   <p:clrMapOvr>
@@ -7889,29 +8736,14 @@
             <p:ph type="title"/>
           </p:nvPr>
         </p:nvSpPr>
-        <p:spPr>
-          <a:xfrm>
-            <a:off x="457200" y="274638"/>
-            <a:ext cx="8229600" cy="715962"/>
-          </a:xfrm>
-        </p:spPr>
-        <p:txBody>
-          <a:bodyPr>
-            <a:normAutofit fontScale="90000"/>
-          </a:bodyPr>
+        <p:spPr/>
+        <p:txBody>
+          <a:bodyPr/>
           <a:lstStyle/>
           <a:p>
             <a:r>
               <a:rPr lang="en-US" dirty="0" smtClean="0"/>
-              <a:t>3</a:t>
-            </a:r>
-            <a:r>
-              <a:rPr lang="en-US" baseline="30000" dirty="0" smtClean="0"/>
-              <a:t>rd</a:t>
-            </a:r>
-            <a:r>
-              <a:rPr lang="en-US" dirty="0" smtClean="0"/>
-              <a:t> Party Software</a:t>
+              <a:t>Check DSM2 version</a:t>
             </a:r>
             <a:endParaRPr lang="en-US" dirty="0"/>
           </a:p>
@@ -7919,7 +8751,7 @@
       </p:sp>
       <p:pic>
         <p:nvPicPr>
-          <p:cNvPr id="5122" name="Picture 2"/>
+          <p:cNvPr id="2051" name="Picture 3"/>
           <p:cNvPicPr>
             <a:picLocks noGrp="1" noChangeAspect="1" noChangeArrowheads="1"/>
           </p:cNvPicPr>
@@ -7936,8 +8768,8 @@
         </p:blipFill>
         <p:spPr bwMode="auto">
           <a:xfrm>
-            <a:off x="457200" y="1600200"/>
-            <a:ext cx="5149776" cy="4525963"/>
+            <a:off x="762000" y="1905000"/>
+            <a:ext cx="4985715" cy="2328572"/>
           </a:xfrm>
           <a:prstGeom prst="rect">
             <a:avLst/>
@@ -7951,38 +8783,9 @@
           </a:ln>
         </p:spPr>
       </p:pic>
-      <p:sp>
-        <p:nvSpPr>
-          <p:cNvPr id="5" name="Rectangle 4"/>
-          <p:cNvSpPr/>
-          <p:nvPr/>
-        </p:nvSpPr>
-        <p:spPr>
-          <a:xfrm>
-            <a:off x="304800" y="990600"/>
-            <a:ext cx="8610600" cy="369332"/>
-          </a:xfrm>
-          <a:prstGeom prst="rect">
-            <a:avLst/>
-          </a:prstGeom>
-        </p:spPr>
-        <p:txBody>
-          <a:bodyPr wrap="square">
-            <a:spAutoFit/>
-          </a:bodyPr>
-          <a:lstStyle/>
-          <a:p>
-            <a:r>
-              <a:rPr lang="en-US" dirty="0" smtClean="0"/>
-              <a:t>http://baydeltaoffice.water.ca.gov/modeling/deltamodeling/models/dsm2v8/dsm2.cfm</a:t>
-            </a:r>
-            <a:endParaRPr lang="en-US" dirty="0"/>
-          </a:p>
-        </p:txBody>
-      </p:sp>
       <p:pic>
         <p:nvPicPr>
-          <p:cNvPr id="5123" name="Picture 3"/>
+          <p:cNvPr id="2052" name="Picture 4"/>
           <p:cNvPicPr>
             <a:picLocks noChangeAspect="1" noChangeArrowheads="1"/>
           </p:cNvPicPr>
@@ -7997,17 +8800,15 @@
         </p:blipFill>
         <p:spPr bwMode="auto">
           <a:xfrm>
-            <a:off x="3439231" y="2106728"/>
-            <a:ext cx="5476169" cy="4522672"/>
+            <a:off x="3124200" y="3581400"/>
+            <a:ext cx="4985715" cy="2328572"/>
           </a:xfrm>
           <a:prstGeom prst="rect">
             <a:avLst/>
           </a:prstGeom>
           <a:noFill/>
           <a:ln w="9525">
-            <a:solidFill>
-              <a:schemeClr val="tx1"/>
-            </a:solidFill>
+            <a:noFill/>
             <a:miter lim="800000"/>
             <a:headEnd/>
             <a:tailEnd/>
@@ -8019,6 +8820,13 @@
   <p:clrMapOvr>
     <a:masterClrMapping/>
   </p:clrMapOvr>
+  <p:timing>
+    <p:tnLst>
+      <p:par>
+        <p:cTn id="1" dur="indefinite" restart="never" nodeType="tmRoot"/>
+      </p:par>
+    </p:tnLst>
+  </p:timing>
 </p:sld>
 </file>
 
@@ -8039,38 +8847,6 @@
           <a:chExt cx="0" cy="0"/>
         </a:xfrm>
       </p:grpSpPr>
-      <p:pic>
-        <p:nvPicPr>
-          <p:cNvPr id="8197" name="Picture 5"/>
-          <p:cNvPicPr>
-            <a:picLocks noChangeAspect="1" noChangeArrowheads="1"/>
-          </p:cNvPicPr>
-          <p:nvPr/>
-        </p:nvPicPr>
-        <p:blipFill>
-          <a:blip r:embed="rId3" cstate="print"/>
-          <a:srcRect/>
-          <a:stretch>
-            <a:fillRect/>
-          </a:stretch>
-        </p:blipFill>
-        <p:spPr bwMode="auto">
-          <a:xfrm>
-            <a:off x="152400" y="1219200"/>
-            <a:ext cx="3622528" cy="3505200"/>
-          </a:xfrm>
-          <a:prstGeom prst="rect">
-            <a:avLst/>
-          </a:prstGeom>
-          <a:noFill/>
-          <a:ln w="9525">
-            <a:noFill/>
-            <a:miter lim="800000"/>
-            <a:headEnd/>
-            <a:tailEnd/>
-          </a:ln>
-        </p:spPr>
-      </p:pic>
       <p:sp>
         <p:nvSpPr>
           <p:cNvPr id="2" name="Title 1"/>
@@ -8078,105 +8854,42 @@
             <a:spLocks noGrp="1"/>
           </p:cNvSpPr>
           <p:nvPr>
-            <p:ph type="title"/>
-          </p:nvPr>
-        </p:nvSpPr>
-        <p:spPr>
-          <a:xfrm>
-            <a:off x="457200" y="274638"/>
-            <a:ext cx="8229600" cy="868362"/>
-          </a:xfrm>
-        </p:spPr>
+            <p:ph type="ctrTitle"/>
+          </p:nvPr>
+        </p:nvSpPr>
+        <p:spPr/>
         <p:txBody>
           <a:bodyPr/>
           <a:lstStyle/>
           <a:p>
             <a:r>
               <a:rPr lang="en-US" dirty="0" smtClean="0"/>
-              <a:t>Open Command Window Here</a:t>
+              <a:t>3</a:t>
+            </a:r>
+            <a:r>
+              <a:rPr lang="en-US" baseline="30000" dirty="0" smtClean="0"/>
+              <a:t>rd</a:t>
+            </a:r>
+            <a:r>
+              <a:rPr lang="en-US" dirty="0" smtClean="0"/>
+              <a:t> Party Software</a:t>
             </a:r>
             <a:endParaRPr lang="en-US" dirty="0"/>
           </a:p>
         </p:txBody>
       </p:sp>
-      <p:pic>
-        <p:nvPicPr>
-          <p:cNvPr id="8194" name="Picture 2"/>
-          <p:cNvPicPr>
-            <a:picLocks noGrp="1" noChangeAspect="1" noChangeArrowheads="1"/>
-          </p:cNvPicPr>
-          <p:nvPr>
-            <p:ph idx="1"/>
-          </p:nvPr>
-        </p:nvPicPr>
-        <p:blipFill>
-          <a:blip r:embed="rId4" cstate="print"/>
-          <a:srcRect r="7143" b="6444"/>
-          <a:stretch>
-            <a:fillRect/>
-          </a:stretch>
-        </p:blipFill>
-        <p:spPr bwMode="auto">
-          <a:xfrm>
-            <a:off x="990600" y="2853544"/>
-            <a:ext cx="2971800" cy="3318656"/>
-          </a:xfrm>
-          <a:prstGeom prst="rect">
-            <a:avLst/>
-          </a:prstGeom>
-          <a:noFill/>
-          <a:ln w="9525">
-            <a:noFill/>
-            <a:miter lim="800000"/>
-            <a:headEnd/>
-            <a:tailEnd/>
-          </a:ln>
-          <a:effectLst>
-            <a:outerShdw blurRad="330200" dist="203200" dir="2700000" sx="105000" sy="105000" algn="tl" rotWithShape="0">
-              <a:schemeClr val="bg1">
-                <a:alpha val="40000"/>
-              </a:schemeClr>
-            </a:outerShdw>
-          </a:effectLst>
-        </p:spPr>
-      </p:pic>
-      <p:pic>
-        <p:nvPicPr>
-          <p:cNvPr id="8199" name="Picture 7"/>
-          <p:cNvPicPr>
-            <a:picLocks noChangeAspect="1" noChangeArrowheads="1"/>
-          </p:cNvPicPr>
-          <p:nvPr/>
-        </p:nvPicPr>
-        <p:blipFill>
-          <a:blip r:embed="rId5" cstate="print"/>
-          <a:srcRect/>
-          <a:stretch>
-            <a:fillRect/>
-          </a:stretch>
-        </p:blipFill>
-        <p:spPr bwMode="auto">
-          <a:xfrm>
-            <a:off x="4066278" y="3352800"/>
-            <a:ext cx="5001522" cy="3124200"/>
-          </a:xfrm>
-          <a:prstGeom prst="rect">
-            <a:avLst/>
-          </a:prstGeom>
-          <a:noFill/>
-          <a:ln w="9525">
-            <a:noFill/>
-            <a:miter lim="800000"/>
-            <a:headEnd/>
-            <a:tailEnd/>
-          </a:ln>
-        </p:spPr>
-      </p:pic>
     </p:spTree>
   </p:cSld>
   <p:clrMapOvr>
     <a:masterClrMapping/>
   </p:clrMapOvr>
+  <p:timing>
+    <p:tnLst>
+      <p:par>
+        <p:cTn id="1" dur="indefinite" restart="never" nodeType="tmRoot"/>
+      </p:par>
+    </p:tnLst>
+  </p:timing>
 </p:sld>
 </file>
 
@@ -8207,31 +8920,43 @@
             <p:ph type="title"/>
           </p:nvPr>
         </p:nvSpPr>
-        <p:spPr/>
+        <p:spPr>
+          <a:xfrm>
+            <a:off x="457200" y="274638"/>
+            <a:ext cx="8229600" cy="715962"/>
+          </a:xfrm>
+        </p:spPr>
         <p:txBody>
           <a:bodyPr>
-            <a:normAutofit/>
+            <a:normAutofit fontScale="90000"/>
           </a:bodyPr>
           <a:lstStyle/>
           <a:p>
             <a:r>
               <a:rPr lang="en-US" dirty="0" smtClean="0"/>
-              <a:t>Notepad</a:t>
-            </a:r>
-            <a:r>
-              <a:rPr lang="en-US" dirty="0"/>
-              <a:t>++ syntax highlighting </a:t>
-            </a:r>
+              <a:t>3</a:t>
+            </a:r>
+            <a:r>
+              <a:rPr lang="en-US" baseline="30000" dirty="0" smtClean="0"/>
+              <a:t>rd</a:t>
+            </a:r>
+            <a:r>
+              <a:rPr lang="en-US" dirty="0" smtClean="0"/>
+              <a:t> Party Software</a:t>
+            </a:r>
+            <a:endParaRPr lang="en-US" dirty="0"/>
           </a:p>
         </p:txBody>
       </p:sp>
       <p:pic>
         <p:nvPicPr>
-          <p:cNvPr id="3076" name="Picture 4"/>
+          <p:cNvPr id="5122" name="Picture 2"/>
           <p:cNvPicPr>
-            <a:picLocks noChangeAspect="1" noChangeArrowheads="1"/>
+            <a:picLocks noGrp="1" noChangeAspect="1" noChangeArrowheads="1"/>
           </p:cNvPicPr>
-          <p:nvPr/>
+          <p:nvPr>
+            <p:ph idx="1"/>
+          </p:nvPr>
         </p:nvPicPr>
         <p:blipFill>
           <a:blip r:embed="rId3" cstate="print"/>
@@ -8242,8 +8967,8 @@
         </p:blipFill>
         <p:spPr bwMode="auto">
           <a:xfrm>
-            <a:off x="0" y="1295400"/>
-            <a:ext cx="6010275" cy="3990975"/>
+            <a:off x="457200" y="1600200"/>
+            <a:ext cx="5149776" cy="4525963"/>
           </a:xfrm>
           <a:prstGeom prst="rect">
             <a:avLst/>
@@ -8257,15 +8982,42 @@
           </a:ln>
         </p:spPr>
       </p:pic>
+      <p:sp>
+        <p:nvSpPr>
+          <p:cNvPr id="5" name="Rectangle 4"/>
+          <p:cNvSpPr/>
+          <p:nvPr/>
+        </p:nvSpPr>
+        <p:spPr>
+          <a:xfrm>
+            <a:off x="304800" y="990600"/>
+            <a:ext cx="8610600" cy="369332"/>
+          </a:xfrm>
+          <a:prstGeom prst="rect">
+            <a:avLst/>
+          </a:prstGeom>
+        </p:spPr>
+        <p:txBody>
+          <a:bodyPr wrap="square">
+            <a:spAutoFit/>
+          </a:bodyPr>
+          <a:lstStyle/>
+          <a:p>
+            <a:r>
+              <a:rPr lang="en-US" dirty="0" smtClean="0"/>
+              <a:t>http://baydeltaoffice.water.ca.gov/modeling/deltamodeling/models/dsm2v8/dsm2.cfm</a:t>
+            </a:r>
+            <a:endParaRPr lang="en-US" dirty="0"/>
+          </a:p>
+        </p:txBody>
+      </p:sp>
       <p:pic>
         <p:nvPicPr>
-          <p:cNvPr id="3075" name="Picture 3"/>
+          <p:cNvPr id="5123" name="Picture 3"/>
           <p:cNvPicPr>
-            <a:picLocks noGrp="1" noChangeAspect="1" noChangeArrowheads="1"/>
+            <a:picLocks noChangeAspect="1" noChangeArrowheads="1"/>
           </p:cNvPicPr>
-          <p:nvPr>
-            <p:ph idx="1"/>
-          </p:nvPr>
+          <p:nvPr/>
         </p:nvPicPr>
         <p:blipFill>
           <a:blip r:embed="rId4" cstate="print"/>
@@ -8276,15 +9028,17 @@
         </p:blipFill>
         <p:spPr bwMode="auto">
           <a:xfrm>
-            <a:off x="3134476" y="2667000"/>
-            <a:ext cx="6009524" cy="3990476"/>
+            <a:off x="3439231" y="2106728"/>
+            <a:ext cx="5476169" cy="4522672"/>
           </a:xfrm>
           <a:prstGeom prst="rect">
             <a:avLst/>
           </a:prstGeom>
           <a:noFill/>
           <a:ln w="9525">
-            <a:noFill/>
+            <a:solidFill>
+              <a:schemeClr val="tx1"/>
+            </a:solidFill>
             <a:miter lim="800000"/>
             <a:headEnd/>
             <a:tailEnd/>

--- a/dsm2/presentations/DSM2 Installation.pptx
+++ b/dsm2/presentations/DSM2 Installation.pptx
@@ -12,21 +12,21 @@
     <p:sldId id="263" r:id="rId3"/>
     <p:sldId id="257" r:id="rId4"/>
     <p:sldId id="280" r:id="rId5"/>
-    <p:sldId id="279" r:id="rId6"/>
-    <p:sldId id="261" r:id="rId7"/>
-    <p:sldId id="259" r:id="rId8"/>
-    <p:sldId id="267" r:id="rId9"/>
-    <p:sldId id="268" r:id="rId10"/>
-    <p:sldId id="270" r:id="rId11"/>
-    <p:sldId id="278" r:id="rId12"/>
-    <p:sldId id="260" r:id="rId13"/>
-    <p:sldId id="275" r:id="rId14"/>
-    <p:sldId id="273" r:id="rId15"/>
-    <p:sldId id="272" r:id="rId16"/>
-    <p:sldId id="276" r:id="rId17"/>
-    <p:sldId id="277" r:id="rId18"/>
-    <p:sldId id="262" r:id="rId19"/>
-    <p:sldId id="269" r:id="rId20"/>
+    <p:sldId id="261" r:id="rId6"/>
+    <p:sldId id="259" r:id="rId7"/>
+    <p:sldId id="267" r:id="rId8"/>
+    <p:sldId id="268" r:id="rId9"/>
+    <p:sldId id="270" r:id="rId10"/>
+    <p:sldId id="278" r:id="rId11"/>
+    <p:sldId id="260" r:id="rId12"/>
+    <p:sldId id="275" r:id="rId13"/>
+    <p:sldId id="273" r:id="rId14"/>
+    <p:sldId id="272" r:id="rId15"/>
+    <p:sldId id="276" r:id="rId16"/>
+    <p:sldId id="282" r:id="rId17"/>
+    <p:sldId id="262" r:id="rId18"/>
+    <p:sldId id="269" r:id="rId19"/>
+    <p:sldId id="281" r:id="rId20"/>
   </p:sldIdLst>
   <p:sldSz cx="9144000" cy="6858000" type="screen4x3"/>
   <p:notesSz cx="6858000" cy="9144000"/>
@@ -211,7 +211,7 @@
             <a:fld id="{542500BC-1B18-4842-B814-979EB9601F1E}" type="datetimeFigureOut">
               <a:rPr lang="en-US" smtClean="0"/>
               <a:pPr/>
-              <a:t>8/26/2009</a:t>
+              <a:t>8/27/2009</a:t>
             </a:fld>
             <a:endParaRPr lang="en-US"/>
           </a:p>
@@ -851,7 +851,20 @@
           </a:bodyPr>
           <a:lstStyle/>
           <a:p>
-            <a:endParaRPr lang="en-US"/>
+            <a:r>
+              <a:rPr lang="en-US" sz="1200" kern="1200" dirty="0" smtClean="0">
+                <a:solidFill>
+                  <a:schemeClr val="tx1"/>
+                </a:solidFill>
+                <a:latin typeface="+mn-lt"/>
+                <a:ea typeface="+mn-ea"/>
+                <a:cs typeface="+mn-cs"/>
+              </a:rPr>
+              <a:t>Eli will cover this in detail.</a:t>
+            </a:r>
+          </a:p>
+          <a:p>
+            <a:endParaRPr lang="en-US" dirty="0"/>
           </a:p>
         </p:txBody>
       </p:sp>
@@ -946,6 +959,67 @@
             </a:r>
           </a:p>
           <a:p>
+            <a:endParaRPr lang="en-US" sz="1200" kern="1200" dirty="0" smtClean="0">
+              <a:solidFill>
+                <a:schemeClr val="tx1"/>
+              </a:solidFill>
+              <a:latin typeface="+mn-lt"/>
+              <a:ea typeface="+mn-ea"/>
+              <a:cs typeface="+mn-cs"/>
+            </a:endParaRPr>
+          </a:p>
+          <a:p>
+            <a:pPr lvl="1"/>
+            <a:r>
+              <a:rPr lang="en-US" sz="2400" dirty="0" smtClean="0"/>
+              <a:t>Hydro.exe and Qual.exe overwritten</a:t>
+            </a:r>
+          </a:p>
+          <a:p>
+            <a:pPr lvl="1"/>
+            <a:r>
+              <a:rPr lang="en-US" sz="2400" dirty="0" smtClean="0"/>
+              <a:t>/</a:t>
+            </a:r>
+            <a:r>
+              <a:rPr lang="en-US" sz="2400" dirty="0" err="1" smtClean="0"/>
+              <a:t>common_input</a:t>
+            </a:r>
+            <a:r>
+              <a:rPr lang="en-US" sz="2400" dirty="0" smtClean="0"/>
+              <a:t> augmented, nothing will be changed</a:t>
+            </a:r>
+          </a:p>
+          <a:p>
+            <a:pPr lvl="1"/>
+            <a:r>
+              <a:rPr lang="en-US" sz="2400" dirty="0" smtClean="0"/>
+              <a:t>/scripts replaced</a:t>
+            </a:r>
+          </a:p>
+          <a:p>
+            <a:pPr lvl="1"/>
+            <a:r>
+              <a:rPr lang="en-US" sz="2400" dirty="0" smtClean="0"/>
+              <a:t>/</a:t>
+            </a:r>
+            <a:r>
+              <a:rPr lang="en-US" sz="2400" dirty="0" err="1" smtClean="0"/>
+              <a:t>study_templates</a:t>
+            </a:r>
+            <a:r>
+              <a:rPr lang="en-US" sz="2400" dirty="0" smtClean="0"/>
+              <a:t> replaced</a:t>
+            </a:r>
+          </a:p>
+          <a:p>
+            <a:pPr lvl="1"/>
+            <a:r>
+              <a:rPr lang="en-US" sz="2400" dirty="0" smtClean="0"/>
+              <a:t>/study unchanged</a:t>
+            </a:r>
+          </a:p>
+          <a:p>
             <a:endParaRPr lang="en-US" dirty="0"/>
           </a:p>
         </p:txBody>
@@ -1037,71 +1111,30 @@
                 <a:ea typeface="+mn-ea"/>
                 <a:cs typeface="+mn-cs"/>
               </a:rPr>
-              <a:t>Eli will cover this in detail.</a:t>
-            </a:r>
-          </a:p>
-          <a:p>
-            <a:endParaRPr lang="en-US" sz="1200" kern="1200" dirty="0" smtClean="0">
-              <a:solidFill>
-                <a:schemeClr val="tx1"/>
-              </a:solidFill>
-              <a:latin typeface="+mn-lt"/>
-              <a:ea typeface="+mn-ea"/>
-              <a:cs typeface="+mn-cs"/>
-            </a:endParaRPr>
-          </a:p>
-          <a:p>
-            <a:pPr lvl="1"/>
-            <a:r>
-              <a:rPr lang="en-US" sz="2400" dirty="0" smtClean="0"/>
-              <a:t>Hydro.exe and Qual.exe overwritten</a:t>
-            </a:r>
-          </a:p>
-          <a:p>
-            <a:pPr lvl="1"/>
-            <a:r>
-              <a:rPr lang="en-US" sz="2400" dirty="0" smtClean="0"/>
-              <a:t>/</a:t>
-            </a:r>
-            <a:r>
-              <a:rPr lang="en-US" sz="2400" dirty="0" err="1" smtClean="0"/>
-              <a:t>common_input</a:t>
-            </a:r>
-            <a:r>
-              <a:rPr lang="en-US" sz="2400" dirty="0" smtClean="0"/>
-              <a:t> augmented, nothing will be changed</a:t>
-            </a:r>
-          </a:p>
-          <a:p>
-            <a:pPr lvl="1"/>
-            <a:r>
-              <a:rPr lang="en-US" sz="2400" dirty="0" smtClean="0"/>
-              <a:t>/scripts replaced</a:t>
-            </a:r>
-          </a:p>
-          <a:p>
-            <a:pPr lvl="1"/>
-            <a:r>
-              <a:rPr lang="en-US" sz="2400" dirty="0" smtClean="0"/>
-              <a:t>/</a:t>
-            </a:r>
-            <a:r>
-              <a:rPr lang="en-US" sz="2400" dirty="0" err="1" smtClean="0"/>
-              <a:t>study_templates</a:t>
-            </a:r>
-            <a:r>
-              <a:rPr lang="en-US" sz="2400" dirty="0" smtClean="0"/>
-              <a:t> replaced</a:t>
-            </a:r>
-          </a:p>
-          <a:p>
-            <a:pPr lvl="1"/>
-            <a:r>
-              <a:rPr lang="en-US" sz="2400" dirty="0" smtClean="0"/>
-              <a:t>/study unchanged</a:t>
-            </a:r>
-          </a:p>
-          <a:p>
+              <a:t>New input files are added</a:t>
+            </a:r>
+            <a:r>
+              <a:rPr lang="en-US" sz="1200" kern="1200" baseline="0" dirty="0" smtClean="0">
+                <a:solidFill>
+                  <a:schemeClr val="tx1"/>
+                </a:solidFill>
+                <a:latin typeface="+mn-lt"/>
+                <a:ea typeface="+mn-ea"/>
+                <a:cs typeface="+mn-cs"/>
+              </a:rPr>
+              <a:t> but old files are not changed. </a:t>
+            </a:r>
+            <a:r>
+              <a:rPr lang="en-US" sz="1200" kern="1200" dirty="0" smtClean="0">
+                <a:solidFill>
+                  <a:schemeClr val="tx1"/>
+                </a:solidFill>
+                <a:latin typeface="+mn-lt"/>
+                <a:ea typeface="+mn-ea"/>
+                <a:cs typeface="+mn-cs"/>
+              </a:rPr>
+              <a:t>Eli is going to talk about archiving and multiple installation strategies later and this version stuff is going to come up again</a:t>
+            </a:r>
             <a:endParaRPr lang="en-US" dirty="0"/>
           </a:p>
         </p:txBody>
@@ -1184,40 +1217,7 @@
           </a:bodyPr>
           <a:lstStyle/>
           <a:p>
-            <a:r>
-              <a:rPr lang="en-US" sz="1200" kern="1200" dirty="0" smtClean="0">
-                <a:solidFill>
-                  <a:schemeClr val="tx1"/>
-                </a:solidFill>
-                <a:latin typeface="+mn-lt"/>
-                <a:ea typeface="+mn-ea"/>
-                <a:cs typeface="+mn-cs"/>
-              </a:rPr>
-              <a:t>New input files are added</a:t>
-            </a:r>
-            <a:r>
-              <a:rPr lang="en-US" sz="1200" kern="1200" baseline="0" dirty="0" smtClean="0">
-                <a:solidFill>
-                  <a:schemeClr val="tx1"/>
-                </a:solidFill>
-                <a:latin typeface="+mn-lt"/>
-                <a:ea typeface="+mn-ea"/>
-                <a:cs typeface="+mn-cs"/>
-              </a:rPr>
-              <a:t> but old files are not changed. </a:t>
-            </a:r>
-            <a:r>
-              <a:rPr lang="en-US" sz="1200" kern="1200" dirty="0" smtClean="0">
-                <a:solidFill>
-                  <a:schemeClr val="tx1"/>
-                </a:solidFill>
-                <a:latin typeface="+mn-lt"/>
-                <a:ea typeface="+mn-ea"/>
-                <a:cs typeface="+mn-cs"/>
-              </a:rPr>
-              <a:t>Eli is going to talk about archiving and multiple installation strategies later and this version stuff is going to come up again</a:t>
-            </a:r>
-            <a:endParaRPr lang="en-US" dirty="0"/>
+            <a:endParaRPr lang="en-US"/>
           </a:p>
         </p:txBody>
       </p:sp>
@@ -1381,7 +1381,208 @@
           </a:bodyPr>
           <a:lstStyle/>
           <a:p>
-            <a:endParaRPr lang="en-US"/>
+            <a:pPr lvl="0"/>
+            <a:r>
+              <a:rPr lang="en-US" sz="1200" kern="1200" dirty="0" smtClean="0">
+                <a:solidFill>
+                  <a:schemeClr val="tx1"/>
+                </a:solidFill>
+                <a:latin typeface="+mn-lt"/>
+                <a:ea typeface="+mn-ea"/>
+                <a:cs typeface="+mn-cs"/>
+              </a:rPr>
+              <a:t>Download Notepad++ from here: </a:t>
+            </a:r>
+          </a:p>
+          <a:p>
+            <a:r>
+              <a:rPr lang="en-US" sz="1200" u="sng" kern="1200" dirty="0" smtClean="0">
+                <a:solidFill>
+                  <a:schemeClr val="tx1"/>
+                </a:solidFill>
+                <a:latin typeface="+mn-lt"/>
+                <a:ea typeface="+mn-ea"/>
+                <a:cs typeface="+mn-cs"/>
+                <a:hlinkClick r:id="rId3"/>
+              </a:rPr>
+              <a:t>http://superb-west.dl.sourceforge.net/sourceforge/notepad-plus/npp.5.4.2.Installer.exe</a:t>
+            </a:r>
+            <a:endParaRPr lang="en-US" sz="1200" kern="1200" dirty="0" smtClean="0">
+              <a:solidFill>
+                <a:schemeClr val="tx1"/>
+              </a:solidFill>
+              <a:latin typeface="+mn-lt"/>
+              <a:ea typeface="+mn-ea"/>
+              <a:cs typeface="+mn-cs"/>
+            </a:endParaRPr>
+          </a:p>
+          <a:p>
+            <a:r>
+              <a:rPr lang="en-US" sz="1200" kern="1200" dirty="0" smtClean="0">
+                <a:solidFill>
+                  <a:schemeClr val="tx1"/>
+                </a:solidFill>
+                <a:latin typeface="+mn-lt"/>
+                <a:ea typeface="+mn-ea"/>
+                <a:cs typeface="+mn-cs"/>
+              </a:rPr>
+              <a:t> </a:t>
+            </a:r>
+          </a:p>
+          <a:p>
+            <a:pPr lvl="0"/>
+            <a:r>
+              <a:rPr lang="en-US" sz="1200" kern="1200" dirty="0" smtClean="0">
+                <a:solidFill>
+                  <a:schemeClr val="tx1"/>
+                </a:solidFill>
+                <a:latin typeface="+mn-lt"/>
+                <a:ea typeface="+mn-ea"/>
+                <a:cs typeface="+mn-cs"/>
+              </a:rPr>
+              <a:t>Install Notepad++ with the option “Don’t use %APPDATA%”.</a:t>
+            </a:r>
+          </a:p>
+          <a:p>
+            <a:pPr lvl="0"/>
+            <a:endParaRPr lang="en-US" sz="1200" kern="1200" dirty="0" smtClean="0">
+              <a:solidFill>
+                <a:schemeClr val="tx1"/>
+              </a:solidFill>
+              <a:latin typeface="+mn-lt"/>
+              <a:ea typeface="+mn-ea"/>
+              <a:cs typeface="+mn-cs"/>
+            </a:endParaRPr>
+          </a:p>
+          <a:p>
+            <a:pPr lvl="0"/>
+            <a:r>
+              <a:rPr lang="en-US" sz="1200" kern="1200" dirty="0" smtClean="0">
+                <a:solidFill>
+                  <a:schemeClr val="tx1"/>
+                </a:solidFill>
+                <a:latin typeface="+mn-lt"/>
+                <a:ea typeface="+mn-ea"/>
+                <a:cs typeface="+mn-cs"/>
+              </a:rPr>
+              <a:t>Copy the file “userDefineLang.xml” under “your dsm2_8 directory\extras\notepad++ “(e.g., “D:\delta\dsm2\extras\notepad++ “ ) to your Notepad++ installation folder (e.g., “C:\Program Files\Notepad++”).</a:t>
+            </a:r>
+          </a:p>
+          <a:p>
+            <a:pPr lvl="0"/>
+            <a:endParaRPr lang="en-US" sz="1200" kern="1200" dirty="0" smtClean="0">
+              <a:solidFill>
+                <a:schemeClr val="tx1"/>
+              </a:solidFill>
+              <a:latin typeface="+mn-lt"/>
+              <a:ea typeface="+mn-ea"/>
+              <a:cs typeface="+mn-cs"/>
+            </a:endParaRPr>
+          </a:p>
+          <a:p>
+            <a:pPr lvl="0"/>
+            <a:r>
+              <a:rPr lang="en-US" sz="1200" kern="1200" dirty="0" smtClean="0">
+                <a:solidFill>
+                  <a:schemeClr val="tx1"/>
+                </a:solidFill>
+                <a:latin typeface="+mn-lt"/>
+                <a:ea typeface="+mn-ea"/>
+                <a:cs typeface="+mn-cs"/>
+              </a:rPr>
+              <a:t>When working with tables you will want the columns to line up, so it is useful if all the characters are the same width – this is known as </a:t>
+            </a:r>
+            <a:r>
+              <a:rPr lang="en-US" sz="1200" kern="1200" dirty="0" err="1" smtClean="0">
+                <a:solidFill>
+                  <a:schemeClr val="tx1"/>
+                </a:solidFill>
+                <a:latin typeface="+mn-lt"/>
+                <a:ea typeface="+mn-ea"/>
+                <a:cs typeface="+mn-cs"/>
+              </a:rPr>
+              <a:t>monospace</a:t>
+            </a:r>
+            <a:r>
+              <a:rPr lang="en-US" sz="1200" kern="1200" dirty="0" smtClean="0">
+                <a:solidFill>
+                  <a:schemeClr val="tx1"/>
+                </a:solidFill>
+                <a:latin typeface="+mn-lt"/>
+                <a:ea typeface="+mn-ea"/>
+                <a:cs typeface="+mn-cs"/>
+              </a:rPr>
+              <a:t>. Only a few fonts are </a:t>
+            </a:r>
+            <a:r>
+              <a:rPr lang="en-US" sz="1200" kern="1200" dirty="0" err="1" smtClean="0">
+                <a:solidFill>
+                  <a:schemeClr val="tx1"/>
+                </a:solidFill>
+                <a:latin typeface="+mn-lt"/>
+                <a:ea typeface="+mn-ea"/>
+                <a:cs typeface="+mn-cs"/>
+              </a:rPr>
+              <a:t>monospace</a:t>
+            </a:r>
+            <a:r>
+              <a:rPr lang="en-US" sz="1200" kern="1200" dirty="0" smtClean="0">
+                <a:solidFill>
+                  <a:schemeClr val="tx1"/>
+                </a:solidFill>
+                <a:latin typeface="+mn-lt"/>
+                <a:ea typeface="+mn-ea"/>
+                <a:cs typeface="+mn-cs"/>
+              </a:rPr>
+              <a:t>, including Courier New and Courier. Due to a quirk of notepad++, if you want </a:t>
+            </a:r>
+            <a:r>
+              <a:rPr lang="en-US" sz="1200" kern="1200" dirty="0" err="1" smtClean="0">
+                <a:solidFill>
+                  <a:schemeClr val="tx1"/>
+                </a:solidFill>
+                <a:latin typeface="+mn-lt"/>
+                <a:ea typeface="+mn-ea"/>
+                <a:cs typeface="+mn-cs"/>
+              </a:rPr>
+              <a:t>monospace</a:t>
+            </a:r>
+            <a:r>
+              <a:rPr lang="en-US" sz="1200" kern="1200" dirty="0" smtClean="0">
+                <a:solidFill>
+                  <a:schemeClr val="tx1"/>
+                </a:solidFill>
+                <a:latin typeface="+mn-lt"/>
+                <a:ea typeface="+mn-ea"/>
+                <a:cs typeface="+mn-cs"/>
+              </a:rPr>
+              <a:t>, you need to set the global default. The way to do this is to go to Settings-&gt;Style </a:t>
+            </a:r>
+            <a:r>
+              <a:rPr lang="en-US" sz="1200" kern="1200" dirty="0" err="1" smtClean="0">
+                <a:solidFill>
+                  <a:schemeClr val="tx1"/>
+                </a:solidFill>
+                <a:latin typeface="+mn-lt"/>
+                <a:ea typeface="+mn-ea"/>
+                <a:cs typeface="+mn-cs"/>
+              </a:rPr>
+              <a:t>Configurator</a:t>
+            </a:r>
+            <a:r>
+              <a:rPr lang="en-US" sz="1200" kern="1200" dirty="0" smtClean="0">
+                <a:solidFill>
+                  <a:schemeClr val="tx1"/>
+                </a:solidFill>
+                <a:latin typeface="+mn-lt"/>
+                <a:ea typeface="+mn-ea"/>
+                <a:cs typeface="+mn-cs"/>
+              </a:rPr>
+              <a:t> and edit Global Styles font to be Courier New.</a:t>
+            </a:r>
+          </a:p>
+          <a:p>
+            <a:endParaRPr lang="en-US" dirty="0"/>
           </a:p>
         </p:txBody>
       </p:sp>
@@ -1463,208 +1664,7 @@
           </a:bodyPr>
           <a:lstStyle/>
           <a:p>
-            <a:pPr lvl="0"/>
-            <a:r>
-              <a:rPr lang="en-US" sz="1200" kern="1200" dirty="0" smtClean="0">
-                <a:solidFill>
-                  <a:schemeClr val="tx1"/>
-                </a:solidFill>
-                <a:latin typeface="+mn-lt"/>
-                <a:ea typeface="+mn-ea"/>
-                <a:cs typeface="+mn-cs"/>
-              </a:rPr>
-              <a:t>Download Notepad++ from here: </a:t>
-            </a:r>
-          </a:p>
-          <a:p>
-            <a:r>
-              <a:rPr lang="en-US" sz="1200" u="sng" kern="1200" dirty="0" smtClean="0">
-                <a:solidFill>
-                  <a:schemeClr val="tx1"/>
-                </a:solidFill>
-                <a:latin typeface="+mn-lt"/>
-                <a:ea typeface="+mn-ea"/>
-                <a:cs typeface="+mn-cs"/>
-                <a:hlinkClick r:id="rId3"/>
-              </a:rPr>
-              <a:t>http://superb-west.dl.sourceforge.net/sourceforge/notepad-plus/npp.5.4.2.Installer.exe</a:t>
-            </a:r>
-            <a:endParaRPr lang="en-US" sz="1200" kern="1200" dirty="0" smtClean="0">
-              <a:solidFill>
-                <a:schemeClr val="tx1"/>
-              </a:solidFill>
-              <a:latin typeface="+mn-lt"/>
-              <a:ea typeface="+mn-ea"/>
-              <a:cs typeface="+mn-cs"/>
-            </a:endParaRPr>
-          </a:p>
-          <a:p>
-            <a:r>
-              <a:rPr lang="en-US" sz="1200" kern="1200" dirty="0" smtClean="0">
-                <a:solidFill>
-                  <a:schemeClr val="tx1"/>
-                </a:solidFill>
-                <a:latin typeface="+mn-lt"/>
-                <a:ea typeface="+mn-ea"/>
-                <a:cs typeface="+mn-cs"/>
-              </a:rPr>
-              <a:t> </a:t>
-            </a:r>
-          </a:p>
-          <a:p>
-            <a:pPr lvl="0"/>
-            <a:r>
-              <a:rPr lang="en-US" sz="1200" kern="1200" dirty="0" smtClean="0">
-                <a:solidFill>
-                  <a:schemeClr val="tx1"/>
-                </a:solidFill>
-                <a:latin typeface="+mn-lt"/>
-                <a:ea typeface="+mn-ea"/>
-                <a:cs typeface="+mn-cs"/>
-              </a:rPr>
-              <a:t>Install Notepad++ with the option “Don’t use %APPDATA%”.</a:t>
-            </a:r>
-          </a:p>
-          <a:p>
-            <a:pPr lvl="0"/>
-            <a:endParaRPr lang="en-US" sz="1200" kern="1200" dirty="0" smtClean="0">
-              <a:solidFill>
-                <a:schemeClr val="tx1"/>
-              </a:solidFill>
-              <a:latin typeface="+mn-lt"/>
-              <a:ea typeface="+mn-ea"/>
-              <a:cs typeface="+mn-cs"/>
-            </a:endParaRPr>
-          </a:p>
-          <a:p>
-            <a:pPr lvl="0"/>
-            <a:r>
-              <a:rPr lang="en-US" sz="1200" kern="1200" dirty="0" smtClean="0">
-                <a:solidFill>
-                  <a:schemeClr val="tx1"/>
-                </a:solidFill>
-                <a:latin typeface="+mn-lt"/>
-                <a:ea typeface="+mn-ea"/>
-                <a:cs typeface="+mn-cs"/>
-              </a:rPr>
-              <a:t>Copy the file “userDefineLang.xml” under “your dsm2_8 directory\extras\notepad++ “(e.g., “D:\delta\dsm2\extras\notepad++ “ ) to your Notepad++ installation folder (e.g., “C:\Program Files\Notepad++”).</a:t>
-            </a:r>
-          </a:p>
-          <a:p>
-            <a:pPr lvl="0"/>
-            <a:endParaRPr lang="en-US" sz="1200" kern="1200" dirty="0" smtClean="0">
-              <a:solidFill>
-                <a:schemeClr val="tx1"/>
-              </a:solidFill>
-              <a:latin typeface="+mn-lt"/>
-              <a:ea typeface="+mn-ea"/>
-              <a:cs typeface="+mn-cs"/>
-            </a:endParaRPr>
-          </a:p>
-          <a:p>
-            <a:pPr lvl="0"/>
-            <a:r>
-              <a:rPr lang="en-US" sz="1200" kern="1200" dirty="0" smtClean="0">
-                <a:solidFill>
-                  <a:schemeClr val="tx1"/>
-                </a:solidFill>
-                <a:latin typeface="+mn-lt"/>
-                <a:ea typeface="+mn-ea"/>
-                <a:cs typeface="+mn-cs"/>
-              </a:rPr>
-              <a:t>When working with tables you will want the columns to line up, so it is useful if all the characters are the same width – this is known as </a:t>
-            </a:r>
-            <a:r>
-              <a:rPr lang="en-US" sz="1200" kern="1200" dirty="0" err="1" smtClean="0">
-                <a:solidFill>
-                  <a:schemeClr val="tx1"/>
-                </a:solidFill>
-                <a:latin typeface="+mn-lt"/>
-                <a:ea typeface="+mn-ea"/>
-                <a:cs typeface="+mn-cs"/>
-              </a:rPr>
-              <a:t>monospace</a:t>
-            </a:r>
-            <a:r>
-              <a:rPr lang="en-US" sz="1200" kern="1200" dirty="0" smtClean="0">
-                <a:solidFill>
-                  <a:schemeClr val="tx1"/>
-                </a:solidFill>
-                <a:latin typeface="+mn-lt"/>
-                <a:ea typeface="+mn-ea"/>
-                <a:cs typeface="+mn-cs"/>
-              </a:rPr>
-              <a:t>. Only a few fonts are </a:t>
-            </a:r>
-            <a:r>
-              <a:rPr lang="en-US" sz="1200" kern="1200" dirty="0" err="1" smtClean="0">
-                <a:solidFill>
-                  <a:schemeClr val="tx1"/>
-                </a:solidFill>
-                <a:latin typeface="+mn-lt"/>
-                <a:ea typeface="+mn-ea"/>
-                <a:cs typeface="+mn-cs"/>
-              </a:rPr>
-              <a:t>monospace</a:t>
-            </a:r>
-            <a:r>
-              <a:rPr lang="en-US" sz="1200" kern="1200" dirty="0" smtClean="0">
-                <a:solidFill>
-                  <a:schemeClr val="tx1"/>
-                </a:solidFill>
-                <a:latin typeface="+mn-lt"/>
-                <a:ea typeface="+mn-ea"/>
-                <a:cs typeface="+mn-cs"/>
-              </a:rPr>
-              <a:t>, including Courier New and Courier. Due to a quirk of notepad++, if you want </a:t>
-            </a:r>
-            <a:r>
-              <a:rPr lang="en-US" sz="1200" kern="1200" dirty="0" err="1" smtClean="0">
-                <a:solidFill>
-                  <a:schemeClr val="tx1"/>
-                </a:solidFill>
-                <a:latin typeface="+mn-lt"/>
-                <a:ea typeface="+mn-ea"/>
-                <a:cs typeface="+mn-cs"/>
-              </a:rPr>
-              <a:t>monospace</a:t>
-            </a:r>
-            <a:r>
-              <a:rPr lang="en-US" sz="1200" kern="1200" dirty="0" smtClean="0">
-                <a:solidFill>
-                  <a:schemeClr val="tx1"/>
-                </a:solidFill>
-                <a:latin typeface="+mn-lt"/>
-                <a:ea typeface="+mn-ea"/>
-                <a:cs typeface="+mn-cs"/>
-              </a:rPr>
-              <a:t>, you need to set the global default. The way to do this is to go to Settings-&gt;Style </a:t>
-            </a:r>
-            <a:r>
-              <a:rPr lang="en-US" sz="1200" kern="1200" dirty="0" err="1" smtClean="0">
-                <a:solidFill>
-                  <a:schemeClr val="tx1"/>
-                </a:solidFill>
-                <a:latin typeface="+mn-lt"/>
-                <a:ea typeface="+mn-ea"/>
-                <a:cs typeface="+mn-cs"/>
-              </a:rPr>
-              <a:t>Configurator</a:t>
-            </a:r>
-            <a:r>
-              <a:rPr lang="en-US" sz="1200" kern="1200" dirty="0" smtClean="0">
-                <a:solidFill>
-                  <a:schemeClr val="tx1"/>
-                </a:solidFill>
-                <a:latin typeface="+mn-lt"/>
-                <a:ea typeface="+mn-ea"/>
-                <a:cs typeface="+mn-cs"/>
-              </a:rPr>
-              <a:t> and edit Global Styles font to be Courier New.</a:t>
-            </a:r>
-          </a:p>
-          <a:p>
-            <a:endParaRPr lang="en-US" dirty="0"/>
+            <a:endParaRPr lang="en-US"/>
           </a:p>
         </p:txBody>
       </p:sp>
@@ -1683,7 +1683,7 @@
           <a:bodyPr/>
           <a:lstStyle/>
           <a:p>
-            <a:fld id="{2711E83A-B2A6-4A88-A3A1-5D9650D03813}" type="slidenum">
+            <a:fld id="{168E8D70-E694-4C4D-B96B-C3A6E4A6D822}" type="slidenum">
               <a:rPr lang="en-US" smtClean="0"/>
               <a:pPr/>
               <a:t>19</a:t>
@@ -2042,7 +2042,18 @@
           </a:bodyPr>
           <a:lstStyle/>
           <a:p>
-            <a:endParaRPr lang="en-US"/>
+            <a:r>
+              <a:rPr lang="en-US" sz="1200" kern="1200" dirty="0" smtClean="0">
+                <a:solidFill>
+                  <a:schemeClr val="tx1"/>
+                </a:solidFill>
+                <a:latin typeface="+mn-lt"/>
+                <a:ea typeface="+mn-ea"/>
+                <a:cs typeface="+mn-cs"/>
+              </a:rPr>
+              <a:t>Eli is going to talk about archiving and multiple installation strategies later and this version stuff is going to come up again</a:t>
+            </a:r>
+            <a:endParaRPr lang="en-US" dirty="0"/>
           </a:p>
         </p:txBody>
       </p:sp>
@@ -2061,7 +2072,7 @@
           <a:bodyPr/>
           <a:lstStyle/>
           <a:p>
-            <a:fld id="{168E8D70-E694-4C4D-B96B-C3A6E4A6D822}" type="slidenum">
+            <a:fld id="{2711E83A-B2A6-4A88-A3A1-5D9650D03813}" type="slidenum">
               <a:rPr lang="en-US" smtClean="0"/>
               <a:pPr/>
               <a:t>5</a:t>
@@ -2124,18 +2135,7 @@
           </a:bodyPr>
           <a:lstStyle/>
           <a:p>
-            <a:r>
-              <a:rPr lang="en-US" sz="1200" kern="1200" dirty="0" smtClean="0">
-                <a:solidFill>
-                  <a:schemeClr val="tx1"/>
-                </a:solidFill>
-                <a:latin typeface="+mn-lt"/>
-                <a:ea typeface="+mn-ea"/>
-                <a:cs typeface="+mn-cs"/>
-              </a:rPr>
-              <a:t>Eli is going to talk about archiving and multiple installation strategies later and this version stuff is going to come up again</a:t>
-            </a:r>
-            <a:endParaRPr lang="en-US" dirty="0"/>
+            <a:endParaRPr lang="en-US"/>
           </a:p>
         </p:txBody>
       </p:sp>
@@ -2217,7 +2217,18 @@
           </a:bodyPr>
           <a:lstStyle/>
           <a:p>
-            <a:endParaRPr lang="en-US"/>
+            <a:r>
+              <a:rPr lang="en-US" sz="1200" kern="1200" dirty="0" smtClean="0">
+                <a:solidFill>
+                  <a:schemeClr val="tx1"/>
+                </a:solidFill>
+                <a:latin typeface="+mn-lt"/>
+                <a:ea typeface="+mn-ea"/>
+                <a:cs typeface="+mn-cs"/>
+              </a:rPr>
+              <a:t>We are going to use introduce other tools in class for viewing DSS and HDF5 files. Instructions for getting these should be on the web page</a:t>
+            </a:r>
+            <a:endParaRPr lang="en-US" dirty="0"/>
           </a:p>
         </p:txBody>
       </p:sp>
@@ -2299,18 +2310,7 @@
           </a:bodyPr>
           <a:lstStyle/>
           <a:p>
-            <a:r>
-              <a:rPr lang="en-US" sz="1200" kern="1200" dirty="0" smtClean="0">
-                <a:solidFill>
-                  <a:schemeClr val="tx1"/>
-                </a:solidFill>
-                <a:latin typeface="+mn-lt"/>
-                <a:ea typeface="+mn-ea"/>
-                <a:cs typeface="+mn-cs"/>
-              </a:rPr>
-              <a:t>We are going to use introduce other tools in class for viewing DSS and HDF5 files. Instructions for getting these should be on the web page</a:t>
-            </a:r>
-            <a:endParaRPr lang="en-US" dirty="0"/>
+            <a:endParaRPr lang="en-US"/>
           </a:p>
         </p:txBody>
       </p:sp>
@@ -2610,7 +2610,7 @@
             <a:fld id="{99D1FB89-835D-464F-A26E-B0A973C390E0}" type="datetimeFigureOut">
               <a:rPr lang="en-US" smtClean="0"/>
               <a:pPr/>
-              <a:t>8/26/2009</a:t>
+              <a:t>8/27/2009</a:t>
             </a:fld>
             <a:endParaRPr lang="en-US"/>
           </a:p>
@@ -2777,7 +2777,7 @@
             <a:fld id="{99D1FB89-835D-464F-A26E-B0A973C390E0}" type="datetimeFigureOut">
               <a:rPr lang="en-US" smtClean="0"/>
               <a:pPr/>
-              <a:t>8/26/2009</a:t>
+              <a:t>8/27/2009</a:t>
             </a:fld>
             <a:endParaRPr lang="en-US"/>
           </a:p>
@@ -2954,7 +2954,7 @@
             <a:fld id="{99D1FB89-835D-464F-A26E-B0A973C390E0}" type="datetimeFigureOut">
               <a:rPr lang="en-US" smtClean="0"/>
               <a:pPr/>
-              <a:t>8/26/2009</a:t>
+              <a:t>8/27/2009</a:t>
             </a:fld>
             <a:endParaRPr lang="en-US"/>
           </a:p>
@@ -3121,7 +3121,7 @@
             <a:fld id="{99D1FB89-835D-464F-A26E-B0A973C390E0}" type="datetimeFigureOut">
               <a:rPr lang="en-US" smtClean="0"/>
               <a:pPr/>
-              <a:t>8/26/2009</a:t>
+              <a:t>8/27/2009</a:t>
             </a:fld>
             <a:endParaRPr lang="en-US"/>
           </a:p>
@@ -3364,7 +3364,7 @@
             <a:fld id="{99D1FB89-835D-464F-A26E-B0A973C390E0}" type="datetimeFigureOut">
               <a:rPr lang="en-US" smtClean="0"/>
               <a:pPr/>
-              <a:t>8/26/2009</a:t>
+              <a:t>8/27/2009</a:t>
             </a:fld>
             <a:endParaRPr lang="en-US"/>
           </a:p>
@@ -3649,7 +3649,7 @@
             <a:fld id="{99D1FB89-835D-464F-A26E-B0A973C390E0}" type="datetimeFigureOut">
               <a:rPr lang="en-US" smtClean="0"/>
               <a:pPr/>
-              <a:t>8/26/2009</a:t>
+              <a:t>8/27/2009</a:t>
             </a:fld>
             <a:endParaRPr lang="en-US"/>
           </a:p>
@@ -4068,7 +4068,7 @@
             <a:fld id="{99D1FB89-835D-464F-A26E-B0A973C390E0}" type="datetimeFigureOut">
               <a:rPr lang="en-US" smtClean="0"/>
               <a:pPr/>
-              <a:t>8/26/2009</a:t>
+              <a:t>8/27/2009</a:t>
             </a:fld>
             <a:endParaRPr lang="en-US"/>
           </a:p>
@@ -4183,7 +4183,7 @@
             <a:fld id="{99D1FB89-835D-464F-A26E-B0A973C390E0}" type="datetimeFigureOut">
               <a:rPr lang="en-US" smtClean="0"/>
               <a:pPr/>
-              <a:t>8/26/2009</a:t>
+              <a:t>8/27/2009</a:t>
             </a:fld>
             <a:endParaRPr lang="en-US"/>
           </a:p>
@@ -4275,7 +4275,7 @@
             <a:fld id="{99D1FB89-835D-464F-A26E-B0A973C390E0}" type="datetimeFigureOut">
               <a:rPr lang="en-US" smtClean="0"/>
               <a:pPr/>
-              <a:t>8/26/2009</a:t>
+              <a:t>8/27/2009</a:t>
             </a:fld>
             <a:endParaRPr lang="en-US"/>
           </a:p>
@@ -4549,7 +4549,7 @@
             <a:fld id="{99D1FB89-835D-464F-A26E-B0A973C390E0}" type="datetimeFigureOut">
               <a:rPr lang="en-US" smtClean="0"/>
               <a:pPr/>
-              <a:t>8/26/2009</a:t>
+              <a:t>8/27/2009</a:t>
             </a:fld>
             <a:endParaRPr lang="en-US"/>
           </a:p>
@@ -4799,7 +4799,7 @@
             <a:fld id="{99D1FB89-835D-464F-A26E-B0A973C390E0}" type="datetimeFigureOut">
               <a:rPr lang="en-US" smtClean="0"/>
               <a:pPr/>
-              <a:t>8/26/2009</a:t>
+              <a:t>8/27/2009</a:t>
             </a:fld>
             <a:endParaRPr lang="en-US"/>
           </a:p>
@@ -5009,7 +5009,7 @@
             <a:fld id="{99D1FB89-835D-464F-A26E-B0A973C390E0}" type="datetimeFigureOut">
               <a:rPr lang="en-US" smtClean="0"/>
               <a:pPr/>
-              <a:t>8/26/2009</a:t>
+              <a:t>8/27/2009</a:t>
             </a:fld>
             <a:endParaRPr lang="en-US"/>
           </a:p>
@@ -5541,9 +5541,37 @@
           <a:chExt cx="0" cy="0"/>
         </a:xfrm>
       </p:grpSpPr>
+      <p:sp>
+        <p:nvSpPr>
+          <p:cNvPr id="2" name="Title 1"/>
+          <p:cNvSpPr>
+            <a:spLocks noGrp="1"/>
+          </p:cNvSpPr>
+          <p:nvPr>
+            <p:ph type="title"/>
+          </p:nvPr>
+        </p:nvSpPr>
+        <p:spPr/>
+        <p:txBody>
+          <a:bodyPr>
+            <a:normAutofit/>
+          </a:bodyPr>
+          <a:lstStyle/>
+          <a:p>
+            <a:r>
+              <a:rPr lang="en-US" dirty="0" smtClean="0"/>
+              <a:t>Notepad</a:t>
+            </a:r>
+            <a:r>
+              <a:rPr lang="en-US" dirty="0"/>
+              <a:t>++ syntax highlighting </a:t>
+            </a:r>
+          </a:p>
+        </p:txBody>
+      </p:sp>
       <p:pic>
         <p:nvPicPr>
-          <p:cNvPr id="8197" name="Picture 5"/>
+          <p:cNvPr id="3076" name="Picture 4"/>
           <p:cNvPicPr>
             <a:picLocks noChangeAspect="1" noChangeArrowheads="1"/>
           </p:cNvPicPr>
@@ -5558,8 +5586,8 @@
         </p:blipFill>
         <p:spPr bwMode="auto">
           <a:xfrm>
-            <a:off x="152400" y="1219200"/>
-            <a:ext cx="3622528" cy="3505200"/>
+            <a:off x="238125" y="1343025"/>
+            <a:ext cx="6010275" cy="3990975"/>
           </a:xfrm>
           <a:prstGeom prst="rect">
             <a:avLst/>
@@ -5571,42 +5599,11 @@
             <a:headEnd/>
             <a:tailEnd/>
           </a:ln>
-          <a:effectLst>
-            <a:softEdge rad="31750"/>
-          </a:effectLst>
         </p:spPr>
       </p:pic>
-      <p:sp>
-        <p:nvSpPr>
-          <p:cNvPr id="2" name="Title 1"/>
-          <p:cNvSpPr>
-            <a:spLocks noGrp="1"/>
-          </p:cNvSpPr>
-          <p:nvPr>
-            <p:ph type="title"/>
-          </p:nvPr>
-        </p:nvSpPr>
-        <p:spPr>
-          <a:xfrm>
-            <a:off x="457200" y="274638"/>
-            <a:ext cx="8229600" cy="868362"/>
-          </a:xfrm>
-        </p:spPr>
-        <p:txBody>
-          <a:bodyPr/>
-          <a:lstStyle/>
-          <a:p>
-            <a:r>
-              <a:rPr lang="en-US" dirty="0" smtClean="0"/>
-              <a:t>Open Command Window Here</a:t>
-            </a:r>
-            <a:endParaRPr lang="en-US" dirty="0"/>
-          </a:p>
-        </p:txBody>
-      </p:sp>
       <p:pic>
         <p:nvPicPr>
-          <p:cNvPr id="8194" name="Picture 2"/>
+          <p:cNvPr id="3075" name="Picture 3"/>
           <p:cNvPicPr>
             <a:picLocks noGrp="1" noChangeAspect="1" noChangeArrowheads="1"/>
           </p:cNvPicPr>
@@ -5616,45 +5613,6 @@
         </p:nvPicPr>
         <p:blipFill>
           <a:blip r:embed="rId4" cstate="print"/>
-          <a:srcRect r="7143" b="6444"/>
-          <a:stretch>
-            <a:fillRect/>
-          </a:stretch>
-        </p:blipFill>
-        <p:spPr bwMode="auto">
-          <a:xfrm>
-            <a:off x="990600" y="2853544"/>
-            <a:ext cx="2971800" cy="3318656"/>
-          </a:xfrm>
-          <a:prstGeom prst="rect">
-            <a:avLst/>
-          </a:prstGeom>
-          <a:noFill/>
-          <a:ln w="9525">
-            <a:noFill/>
-            <a:miter lim="800000"/>
-            <a:headEnd/>
-            <a:tailEnd/>
-          </a:ln>
-          <a:effectLst>
-            <a:outerShdw blurRad="330200" dist="203200" dir="2700000" sx="105000" sy="105000" algn="tl" rotWithShape="0">
-              <a:schemeClr val="bg1">
-                <a:alpha val="40000"/>
-              </a:schemeClr>
-            </a:outerShdw>
-          </a:effectLst>
-        </p:spPr>
-      </p:pic>
-      <p:pic>
-        <p:nvPicPr>
-          <p:cNvPr id="8199" name="Picture 7"/>
-          <p:cNvPicPr>
-            <a:picLocks noChangeAspect="1" noChangeArrowheads="1"/>
-          </p:cNvPicPr>
-          <p:nvPr/>
-        </p:nvPicPr>
-        <p:blipFill>
-          <a:blip r:embed="rId5" cstate="print"/>
           <a:srcRect/>
           <a:stretch>
             <a:fillRect/>
@@ -5662,8 +5620,8 @@
         </p:blipFill>
         <p:spPr bwMode="auto">
           <a:xfrm>
-            <a:off x="4066278" y="3352800"/>
-            <a:ext cx="5001522" cy="3124200"/>
+            <a:off x="2895600" y="2667000"/>
+            <a:ext cx="6009524" cy="3990476"/>
           </a:xfrm>
           <a:prstGeom prst="rect">
             <a:avLst/>
@@ -5730,72 +5688,33 @@
           </a:p>
         </p:txBody>
       </p:sp>
-      <p:pic>
-        <p:nvPicPr>
-          <p:cNvPr id="3076" name="Picture 4"/>
-          <p:cNvPicPr>
-            <a:picLocks noChangeAspect="1" noChangeArrowheads="1"/>
-          </p:cNvPicPr>
-          <p:nvPr/>
-        </p:nvPicPr>
-        <p:blipFill>
-          <a:blip r:embed="rId3" cstate="print"/>
-          <a:srcRect/>
-          <a:stretch>
-            <a:fillRect/>
-          </a:stretch>
-        </p:blipFill>
-        <p:spPr bwMode="auto">
-          <a:xfrm>
-            <a:off x="238125" y="1343025"/>
-            <a:ext cx="6010275" cy="3990975"/>
-          </a:xfrm>
-          <a:prstGeom prst="rect">
-            <a:avLst/>
-          </a:prstGeom>
-          <a:noFill/>
-          <a:ln w="9525">
-            <a:noFill/>
-            <a:miter lim="800000"/>
-            <a:headEnd/>
-            <a:tailEnd/>
-          </a:ln>
-        </p:spPr>
-      </p:pic>
-      <p:pic>
-        <p:nvPicPr>
-          <p:cNvPr id="3075" name="Picture 3"/>
-          <p:cNvPicPr>
-            <a:picLocks noGrp="1" noChangeAspect="1" noChangeArrowheads="1"/>
-          </p:cNvPicPr>
+      <p:sp>
+        <p:nvSpPr>
+          <p:cNvPr id="5" name="Content Placeholder 4"/>
+          <p:cNvSpPr>
+            <a:spLocks noGrp="1"/>
+          </p:cNvSpPr>
           <p:nvPr>
             <p:ph idx="1"/>
           </p:nvPr>
-        </p:nvPicPr>
-        <p:blipFill>
-          <a:blip r:embed="rId4" cstate="print"/>
-          <a:srcRect/>
-          <a:stretch>
-            <a:fillRect/>
-          </a:stretch>
-        </p:blipFill>
-        <p:spPr bwMode="auto">
-          <a:xfrm>
-            <a:off x="2895600" y="2667000"/>
-            <a:ext cx="6009524" cy="3990476"/>
-          </a:xfrm>
-          <a:prstGeom prst="rect">
-            <a:avLst/>
-          </a:prstGeom>
-          <a:noFill/>
-          <a:ln w="9525">
-            <a:noFill/>
-            <a:miter lim="800000"/>
-            <a:headEnd/>
-            <a:tailEnd/>
-          </a:ln>
-        </p:spPr>
-      </p:pic>
+        </p:nvSpPr>
+        <p:spPr>
+          <a:solidFill>
+            <a:srgbClr val="FF0000"/>
+          </a:solidFill>
+        </p:spPr>
+        <p:txBody>
+          <a:bodyPr/>
+          <a:lstStyle/>
+          <a:p>
+            <a:r>
+              <a:rPr lang="en-US" dirty="0" smtClean="0"/>
+              <a:t>Add directions here</a:t>
+            </a:r>
+            <a:endParaRPr lang="en-US" dirty="0"/>
+          </a:p>
+        </p:txBody>
+      </p:sp>
     </p:spTree>
   </p:cSld>
   <p:clrMapOvr>
@@ -5828,49 +5747,17 @@
             <a:spLocks noGrp="1"/>
           </p:cNvSpPr>
           <p:nvPr>
-            <p:ph type="title"/>
-          </p:nvPr>
-        </p:nvSpPr>
-        <p:spPr/>
-        <p:txBody>
-          <a:bodyPr>
-            <a:normAutofit/>
-          </a:bodyPr>
+            <p:ph type="ctrTitle"/>
+          </p:nvPr>
+        </p:nvSpPr>
+        <p:spPr/>
+        <p:txBody>
+          <a:bodyPr/>
           <a:lstStyle/>
           <a:p>
             <a:r>
               <a:rPr lang="en-US" dirty="0" smtClean="0"/>
-              <a:t>Notepad</a:t>
-            </a:r>
-            <a:r>
-              <a:rPr lang="en-US" dirty="0"/>
-              <a:t>++ syntax highlighting </a:t>
-            </a:r>
-          </a:p>
-        </p:txBody>
-      </p:sp>
-      <p:sp>
-        <p:nvSpPr>
-          <p:cNvPr id="5" name="Content Placeholder 4"/>
-          <p:cNvSpPr>
-            <a:spLocks noGrp="1"/>
-          </p:cNvSpPr>
-          <p:nvPr>
-            <p:ph idx="1"/>
-          </p:nvPr>
-        </p:nvSpPr>
-        <p:spPr>
-          <a:solidFill>
-            <a:srgbClr val="FF0000"/>
-          </a:solidFill>
-        </p:spPr>
-        <p:txBody>
-          <a:bodyPr/>
-          <a:lstStyle/>
-          <a:p>
-            <a:r>
-              <a:rPr lang="en-US" dirty="0" smtClean="0"/>
-              <a:t>Add directions here</a:t>
+              <a:t>FAQ</a:t>
             </a:r>
             <a:endParaRPr lang="en-US" dirty="0"/>
           </a:p>
@@ -5908,54 +5795,6 @@
             <a:spLocks noGrp="1"/>
           </p:cNvSpPr>
           <p:nvPr>
-            <p:ph type="ctrTitle"/>
-          </p:nvPr>
-        </p:nvSpPr>
-        <p:spPr/>
-        <p:txBody>
-          <a:bodyPr/>
-          <a:lstStyle/>
-          <a:p>
-            <a:r>
-              <a:rPr lang="en-US" dirty="0" smtClean="0"/>
-              <a:t>FAQ</a:t>
-            </a:r>
-            <a:endParaRPr lang="en-US" dirty="0"/>
-          </a:p>
-        </p:txBody>
-      </p:sp>
-    </p:spTree>
-  </p:cSld>
-  <p:clrMapOvr>
-    <a:masterClrMapping/>
-  </p:clrMapOvr>
-</p:sld>
-</file>
-
-<file path=ppt/slides/slide14.xml><?xml version="1.0" encoding="utf-8"?>
-<p:sld xmlns:a="http://schemas.openxmlformats.org/drawingml/2006/main" xmlns:r="http://schemas.openxmlformats.org/officeDocument/2006/relationships" xmlns:p="http://schemas.openxmlformats.org/presentationml/2006/main">
-  <p:cSld>
-    <p:spTree>
-      <p:nvGrpSpPr>
-        <p:cNvPr id="1" name=""/>
-        <p:cNvGrpSpPr/>
-        <p:nvPr/>
-      </p:nvGrpSpPr>
-      <p:grpSpPr>
-        <a:xfrm>
-          <a:off x="0" y="0"/>
-          <a:ext cx="0" cy="0"/>
-          <a:chOff x="0" y="0"/>
-          <a:chExt cx="0" cy="0"/>
-        </a:xfrm>
-      </p:grpSpPr>
-      <p:sp>
-        <p:nvSpPr>
-          <p:cNvPr id="2" name="Title 1"/>
-          <p:cNvSpPr>
-            <a:spLocks noGrp="1"/>
-          </p:cNvSpPr>
-          <p:nvPr>
             <p:ph type="title"/>
           </p:nvPr>
         </p:nvSpPr>
@@ -6088,6 +5927,13 @@
             <a:headEnd/>
             <a:tailEnd/>
           </a:ln>
+          <a:effectLst>
+            <a:outerShdw blurRad="254000" dist="317500" dir="8100000" algn="tr" rotWithShape="0">
+              <a:prstClr val="black">
+                <a:alpha val="40000"/>
+              </a:prstClr>
+            </a:outerShdw>
+          </a:effectLst>
         </p:spPr>
       </p:pic>
       <p:sp>
@@ -6412,7 +6258,7 @@
 </p:sld>
 </file>
 
-<file path=ppt/slides/slide15.xml><?xml version="1.0" encoding="utf-8"?>
+<file path=ppt/slides/slide14.xml><?xml version="1.0" encoding="utf-8"?>
 <p:sld xmlns:a="http://schemas.openxmlformats.org/drawingml/2006/main" xmlns:r="http://schemas.openxmlformats.org/officeDocument/2006/relationships" xmlns:p="http://schemas.openxmlformats.org/presentationml/2006/main">
   <p:cSld>
     <p:spTree>
@@ -7008,6 +6854,210 @@
           </a:fontRef>
         </p:style>
       </p:cxnSp>
+    </p:spTree>
+  </p:cSld>
+  <p:clrMapOvr>
+    <a:masterClrMapping/>
+  </p:clrMapOvr>
+  <p:timing>
+    <p:tnLst>
+      <p:par>
+        <p:cTn id="1" dur="indefinite" restart="never" nodeType="tmRoot"/>
+      </p:par>
+    </p:tnLst>
+  </p:timing>
+</p:sld>
+</file>
+
+<file path=ppt/slides/slide15.xml><?xml version="1.0" encoding="utf-8"?>
+<p:sld xmlns:a="http://schemas.openxmlformats.org/drawingml/2006/main" xmlns:r="http://schemas.openxmlformats.org/officeDocument/2006/relationships" xmlns:p="http://schemas.openxmlformats.org/presentationml/2006/main">
+  <p:cSld>
+    <p:spTree>
+      <p:nvGrpSpPr>
+        <p:cNvPr id="1" name=""/>
+        <p:cNvGrpSpPr/>
+        <p:nvPr/>
+      </p:nvGrpSpPr>
+      <p:grpSpPr>
+        <a:xfrm>
+          <a:off x="0" y="0"/>
+          <a:ext cx="0" cy="0"/>
+          <a:chOff x="0" y="0"/>
+          <a:chExt cx="0" cy="0"/>
+        </a:xfrm>
+      </p:grpSpPr>
+      <p:sp>
+        <p:nvSpPr>
+          <p:cNvPr id="2" name="Title 1"/>
+          <p:cNvSpPr>
+            <a:spLocks noGrp="1"/>
+          </p:cNvSpPr>
+          <p:nvPr>
+            <p:ph type="title"/>
+          </p:nvPr>
+        </p:nvSpPr>
+        <p:spPr>
+          <a:xfrm>
+            <a:off x="304800" y="152400"/>
+            <a:ext cx="8839200" cy="792162"/>
+          </a:xfrm>
+        </p:spPr>
+        <p:txBody>
+          <a:bodyPr>
+            <a:noAutofit/>
+          </a:bodyPr>
+          <a:lstStyle/>
+          <a:p>
+            <a:r>
+              <a:rPr lang="en-US" sz="2800" dirty="0" smtClean="0"/>
+              <a:t>Question: What happened if Installing over previous install?</a:t>
+            </a:r>
+            <a:endParaRPr lang="en-US" sz="2800" dirty="0"/>
+          </a:p>
+        </p:txBody>
+      </p:sp>
+      <p:pic>
+        <p:nvPicPr>
+          <p:cNvPr id="4104" name="Picture 8"/>
+          <p:cNvPicPr>
+            <a:picLocks noChangeAspect="1" noChangeArrowheads="1"/>
+          </p:cNvPicPr>
+          <p:nvPr/>
+        </p:nvPicPr>
+        <p:blipFill>
+          <a:blip r:embed="rId3" cstate="print"/>
+          <a:srcRect/>
+          <a:stretch>
+            <a:fillRect/>
+          </a:stretch>
+        </p:blipFill>
+        <p:spPr bwMode="auto">
+          <a:xfrm>
+            <a:off x="1219200" y="3886200"/>
+            <a:ext cx="7542213" cy="2838450"/>
+          </a:xfrm>
+          <a:prstGeom prst="rect">
+            <a:avLst/>
+          </a:prstGeom>
+          <a:noFill/>
+          <a:ln w="9525">
+            <a:noFill/>
+            <a:miter lim="800000"/>
+            <a:headEnd/>
+            <a:tailEnd/>
+          </a:ln>
+        </p:spPr>
+      </p:pic>
+      <p:pic>
+        <p:nvPicPr>
+          <p:cNvPr id="4103" name="Picture 7"/>
+          <p:cNvPicPr>
+            <a:picLocks noChangeAspect="1" noChangeArrowheads="1"/>
+          </p:cNvPicPr>
+          <p:nvPr/>
+        </p:nvPicPr>
+        <p:blipFill>
+          <a:blip r:embed="rId4" cstate="print"/>
+          <a:srcRect/>
+          <a:stretch>
+            <a:fillRect/>
+          </a:stretch>
+        </p:blipFill>
+        <p:spPr bwMode="auto">
+          <a:xfrm>
+            <a:off x="914400" y="990600"/>
+            <a:ext cx="2971800" cy="3596771"/>
+          </a:xfrm>
+          <a:prstGeom prst="rect">
+            <a:avLst/>
+          </a:prstGeom>
+          <a:noFill/>
+          <a:ln w="9525">
+            <a:noFill/>
+            <a:miter lim="800000"/>
+            <a:headEnd/>
+            <a:tailEnd/>
+          </a:ln>
+        </p:spPr>
+      </p:pic>
+      <p:sp>
+        <p:nvSpPr>
+          <p:cNvPr id="15" name="Oval 14"/>
+          <p:cNvSpPr/>
+          <p:nvPr/>
+        </p:nvSpPr>
+        <p:spPr>
+          <a:xfrm>
+            <a:off x="6705600" y="5029200"/>
+            <a:ext cx="1371600" cy="381000"/>
+          </a:xfrm>
+          <a:prstGeom prst="ellipse">
+            <a:avLst/>
+          </a:prstGeom>
+          <a:noFill/>
+          <a:ln w="57150">
+            <a:solidFill>
+              <a:srgbClr val="FF0000"/>
+            </a:solidFill>
+          </a:ln>
+        </p:spPr>
+        <p:style>
+          <a:lnRef idx="2">
+            <a:schemeClr val="accent1">
+              <a:shade val="50000"/>
+            </a:schemeClr>
+          </a:lnRef>
+          <a:fillRef idx="1">
+            <a:schemeClr val="accent1"/>
+          </a:fillRef>
+          <a:effectRef idx="0">
+            <a:schemeClr val="accent1"/>
+          </a:effectRef>
+          <a:fontRef idx="minor">
+            <a:schemeClr val="lt1"/>
+          </a:fontRef>
+        </p:style>
+        <p:txBody>
+          <a:bodyPr rtlCol="0" anchor="ctr"/>
+          <a:lstStyle/>
+          <a:p>
+            <a:pPr algn="ctr"/>
+            <a:endParaRPr lang="en-US"/>
+          </a:p>
+        </p:txBody>
+      </p:sp>
+      <p:pic>
+        <p:nvPicPr>
+          <p:cNvPr id="4105" name="Picture 9"/>
+          <p:cNvPicPr>
+            <a:picLocks noChangeAspect="1" noChangeArrowheads="1"/>
+          </p:cNvPicPr>
+          <p:nvPr/>
+        </p:nvPicPr>
+        <p:blipFill>
+          <a:blip r:embed="rId5" cstate="print"/>
+          <a:srcRect/>
+          <a:stretch>
+            <a:fillRect/>
+          </a:stretch>
+        </p:blipFill>
+        <p:spPr bwMode="auto">
+          <a:xfrm>
+            <a:off x="4876800" y="990600"/>
+            <a:ext cx="3657600" cy="3616193"/>
+          </a:xfrm>
+          <a:prstGeom prst="rect">
+            <a:avLst/>
+          </a:prstGeom>
+          <a:noFill/>
+          <a:ln w="9525">
+            <a:noFill/>
+            <a:miter lim="800000"/>
+            <a:headEnd/>
+            <a:tailEnd/>
+          </a:ln>
+        </p:spPr>
+      </p:pic>
     </p:spTree>
   </p:cSld>
   <p:clrMapOvr>
@@ -7052,31 +7102,33 @@
         </p:nvSpPr>
         <p:spPr>
           <a:xfrm>
-            <a:off x="304800" y="152400"/>
-            <a:ext cx="8839200" cy="792162"/>
+            <a:off x="457200" y="274638"/>
+            <a:ext cx="8229600" cy="715962"/>
           </a:xfrm>
         </p:spPr>
         <p:txBody>
           <a:bodyPr>
-            <a:noAutofit/>
+            <a:normAutofit fontScale="90000"/>
           </a:bodyPr>
           <a:lstStyle/>
           <a:p>
             <a:r>
-              <a:rPr lang="en-US" sz="2800" dirty="0" smtClean="0"/>
-              <a:t>Question: What happened if Installing over previous install?</a:t>
-            </a:r>
-            <a:endParaRPr lang="en-US" sz="2800" dirty="0"/>
+              <a:rPr lang="en-US" dirty="0" smtClean="0"/>
+              <a:t>DSM2 Website</a:t>
+            </a:r>
+            <a:endParaRPr lang="en-US" dirty="0"/>
           </a:p>
         </p:txBody>
       </p:sp>
       <p:pic>
         <p:nvPicPr>
-          <p:cNvPr id="4104" name="Picture 8"/>
+          <p:cNvPr id="5122" name="Picture 2"/>
           <p:cNvPicPr>
-            <a:picLocks noChangeAspect="1" noChangeArrowheads="1"/>
+            <a:picLocks noGrp="1" noChangeAspect="1" noChangeArrowheads="1"/>
           </p:cNvPicPr>
-          <p:nvPr/>
+          <p:nvPr>
+            <p:ph idx="1"/>
+          </p:nvPr>
         </p:nvPicPr>
         <p:blipFill>
           <a:blip r:embed="rId3" cstate="print"/>
@@ -7087,8 +7139,8 @@
         </p:blipFill>
         <p:spPr bwMode="auto">
           <a:xfrm>
-            <a:off x="1219200" y="3886200"/>
-            <a:ext cx="7542213" cy="2838450"/>
+            <a:off x="228600" y="1447800"/>
+            <a:ext cx="5149776" cy="4525963"/>
           </a:xfrm>
           <a:prstGeom prst="rect">
             <a:avLst/>
@@ -7102,9 +7154,75 @@
           </a:ln>
         </p:spPr>
       </p:pic>
+      <p:sp>
+        <p:nvSpPr>
+          <p:cNvPr id="5" name="Rectangle 4"/>
+          <p:cNvSpPr/>
+          <p:nvPr/>
+        </p:nvSpPr>
+        <p:spPr>
+          <a:xfrm>
+            <a:off x="304800" y="990600"/>
+            <a:ext cx="8610600" cy="369332"/>
+          </a:xfrm>
+          <a:prstGeom prst="rect">
+            <a:avLst/>
+          </a:prstGeom>
+        </p:spPr>
+        <p:txBody>
+          <a:bodyPr wrap="square">
+            <a:spAutoFit/>
+          </a:bodyPr>
+          <a:lstStyle/>
+          <a:p>
+            <a:r>
+              <a:rPr lang="en-US" dirty="0" smtClean="0"/>
+              <a:t>http://baydeltaoffice.water.ca.gov/modeling/deltamodeling/models/dsm2v8/dsm2.cfm</a:t>
+            </a:r>
+            <a:endParaRPr lang="en-US" dirty="0"/>
+          </a:p>
+        </p:txBody>
+      </p:sp>
+      <p:sp>
+        <p:nvSpPr>
+          <p:cNvPr id="7" name="Rectangle 6"/>
+          <p:cNvSpPr/>
+          <p:nvPr/>
+        </p:nvSpPr>
+        <p:spPr>
+          <a:xfrm>
+            <a:off x="4267200" y="2209800"/>
+            <a:ext cx="3786293" cy="523220"/>
+          </a:xfrm>
+          <a:prstGeom prst="rect">
+            <a:avLst/>
+          </a:prstGeom>
+          <a:solidFill>
+            <a:schemeClr val="bg1"/>
+          </a:solidFill>
+          <a:ln w="50800">
+            <a:solidFill>
+              <a:srgbClr val="FF0000"/>
+            </a:solidFill>
+          </a:ln>
+        </p:spPr>
+        <p:txBody>
+          <a:bodyPr wrap="none">
+            <a:spAutoFit/>
+          </a:bodyPr>
+          <a:lstStyle/>
+          <a:p>
+            <a:r>
+              <a:rPr lang="en-US" sz="2800" dirty="0" smtClean="0"/>
+              <a:t>Google “dsm2 version 8”</a:t>
+            </a:r>
+            <a:endParaRPr lang="en-US" sz="2800" dirty="0"/>
+          </a:p>
+        </p:txBody>
+      </p:sp>
       <p:pic>
         <p:nvPicPr>
-          <p:cNvPr id="4103" name="Picture 7"/>
+          <p:cNvPr id="5124" name="Picture 4"/>
           <p:cNvPicPr>
             <a:picLocks noChangeAspect="1" noChangeArrowheads="1"/>
           </p:cNvPicPr>
@@ -7119,97 +7237,28 @@
         </p:blipFill>
         <p:spPr bwMode="auto">
           <a:xfrm>
-            <a:off x="914400" y="990600"/>
-            <a:ext cx="2971800" cy="3596771"/>
+            <a:off x="2819400" y="2857500"/>
+            <a:ext cx="6143625" cy="3848100"/>
           </a:xfrm>
           <a:prstGeom prst="rect">
             <a:avLst/>
           </a:prstGeom>
           <a:noFill/>
           <a:ln w="9525">
-            <a:noFill/>
+            <a:solidFill>
+              <a:schemeClr val="tx1"/>
+            </a:solidFill>
             <a:miter lim="800000"/>
             <a:headEnd/>
             <a:tailEnd/>
           </a:ln>
-        </p:spPr>
-      </p:pic>
-      <p:sp>
-        <p:nvSpPr>
-          <p:cNvPr id="15" name="Oval 14"/>
-          <p:cNvSpPr/>
-          <p:nvPr/>
-        </p:nvSpPr>
-        <p:spPr>
-          <a:xfrm>
-            <a:off x="6705600" y="5029200"/>
-            <a:ext cx="1371600" cy="381000"/>
-          </a:xfrm>
-          <a:prstGeom prst="ellipse">
-            <a:avLst/>
-          </a:prstGeom>
-          <a:noFill/>
-          <a:ln w="57150">
-            <a:solidFill>
-              <a:srgbClr val="FF0000"/>
-            </a:solidFill>
-          </a:ln>
-        </p:spPr>
-        <p:style>
-          <a:lnRef idx="2">
-            <a:schemeClr val="accent1">
-              <a:shade val="50000"/>
-            </a:schemeClr>
-          </a:lnRef>
-          <a:fillRef idx="1">
-            <a:schemeClr val="accent1"/>
-          </a:fillRef>
-          <a:effectRef idx="0">
-            <a:schemeClr val="accent1"/>
-          </a:effectRef>
-          <a:fontRef idx="minor">
-            <a:schemeClr val="lt1"/>
-          </a:fontRef>
-        </p:style>
-        <p:txBody>
-          <a:bodyPr rtlCol="0" anchor="ctr"/>
-          <a:lstStyle/>
-          <a:p>
-            <a:pPr algn="ctr"/>
-            <a:endParaRPr lang="en-US"/>
-          </a:p>
-        </p:txBody>
-      </p:sp>
-      <p:pic>
-        <p:nvPicPr>
-          <p:cNvPr id="4105" name="Picture 9"/>
-          <p:cNvPicPr>
-            <a:picLocks noChangeAspect="1" noChangeArrowheads="1"/>
-          </p:cNvPicPr>
-          <p:nvPr/>
-        </p:nvPicPr>
-        <p:blipFill>
-          <a:blip r:embed="rId5" cstate="print"/>
-          <a:srcRect/>
-          <a:stretch>
-            <a:fillRect/>
-          </a:stretch>
-        </p:blipFill>
-        <p:spPr bwMode="auto">
-          <a:xfrm>
-            <a:off x="4876800" y="990600"/>
-            <a:ext cx="3657600" cy="3616193"/>
-          </a:xfrm>
-          <a:prstGeom prst="rect">
-            <a:avLst/>
-          </a:prstGeom>
-          <a:noFill/>
-          <a:ln w="9525">
-            <a:noFill/>
-            <a:miter lim="800000"/>
-            <a:headEnd/>
-            <a:tailEnd/>
-          </a:ln>
+          <a:effectLst>
+            <a:outerShdw blurRad="254000" dist="317500" dir="8100000" algn="tr" rotWithShape="0">
+              <a:prstClr val="black">
+                <a:alpha val="40000"/>
+              </a:prstClr>
+            </a:outerShdw>
+          </a:effectLst>
         </p:spPr>
       </p:pic>
     </p:spTree>
@@ -7254,35 +7303,41 @@
             <p:ph type="title"/>
           </p:nvPr>
         </p:nvSpPr>
-        <p:spPr>
-          <a:xfrm>
-            <a:off x="457200" y="274638"/>
-            <a:ext cx="8229600" cy="715962"/>
-          </a:xfrm>
-        </p:spPr>
-        <p:txBody>
-          <a:bodyPr>
-            <a:normAutofit fontScale="90000"/>
-          </a:bodyPr>
-          <a:lstStyle/>
-          <a:p>
-            <a:r>
-              <a:rPr lang="en-US" dirty="0" smtClean="0"/>
-              <a:t>DSM2 Website</a:t>
-            </a:r>
-            <a:endParaRPr lang="en-US" dirty="0"/>
+        <p:spPr/>
+        <p:txBody>
+          <a:bodyPr/>
+          <a:lstStyle/>
+          <a:p>
+            <a:endParaRPr lang="en-US"/>
+          </a:p>
+        </p:txBody>
+      </p:sp>
+      <p:sp>
+        <p:nvSpPr>
+          <p:cNvPr id="3" name="Content Placeholder 2"/>
+          <p:cNvSpPr>
+            <a:spLocks noGrp="1"/>
+          </p:cNvSpPr>
+          <p:nvPr>
+            <p:ph idx="1"/>
+          </p:nvPr>
+        </p:nvSpPr>
+        <p:spPr/>
+        <p:txBody>
+          <a:bodyPr/>
+          <a:lstStyle/>
+          <a:p>
+            <a:endParaRPr lang="en-US"/>
           </a:p>
         </p:txBody>
       </p:sp>
       <p:pic>
         <p:nvPicPr>
-          <p:cNvPr id="5122" name="Picture 2"/>
+          <p:cNvPr id="4" name="Picture 5"/>
           <p:cNvPicPr>
-            <a:picLocks noGrp="1" noChangeAspect="1" noChangeArrowheads="1"/>
+            <a:picLocks noChangeAspect="1" noChangeArrowheads="1"/>
           </p:cNvPicPr>
-          <p:nvPr>
-            <p:ph idx="1"/>
-          </p:nvPr>
+          <p:nvPr/>
         </p:nvPicPr>
         <p:blipFill>
           <a:blip r:embed="rId3" cstate="print"/>
@@ -7293,8 +7348,8 @@
         </p:blipFill>
         <p:spPr bwMode="auto">
           <a:xfrm>
-            <a:off x="228600" y="1447800"/>
-            <a:ext cx="5149776" cy="4525963"/>
+            <a:off x="228600" y="1371600"/>
+            <a:ext cx="3508442" cy="4246268"/>
           </a:xfrm>
           <a:prstGeom prst="rect">
             <a:avLst/>
@@ -7310,104 +7365,50 @@
       </p:pic>
       <p:sp>
         <p:nvSpPr>
-          <p:cNvPr id="5" name="Rectangle 4"/>
+          <p:cNvPr id="5" name="Oval 4"/>
           <p:cNvSpPr/>
           <p:nvPr/>
         </p:nvSpPr>
         <p:spPr>
           <a:xfrm>
-            <a:off x="304800" y="990600"/>
-            <a:ext cx="8610600" cy="369332"/>
-          </a:xfrm>
-          <a:prstGeom prst="rect">
+            <a:off x="152400" y="2819400"/>
+            <a:ext cx="2209800" cy="838200"/>
+          </a:xfrm>
+          <a:prstGeom prst="ellipse">
             <a:avLst/>
           </a:prstGeom>
-        </p:spPr>
-        <p:txBody>
-          <a:bodyPr wrap="square">
-            <a:spAutoFit/>
-          </a:bodyPr>
-          <a:lstStyle/>
-          <a:p>
-            <a:r>
-              <a:rPr lang="en-US" dirty="0" smtClean="0"/>
-              <a:t>http://baydeltaoffice.water.ca.gov/modeling/deltamodeling/models/dsm2v8/dsm2.cfm</a:t>
-            </a:r>
-            <a:endParaRPr lang="en-US" dirty="0"/>
-          </a:p>
-        </p:txBody>
-      </p:sp>
-      <p:sp>
-        <p:nvSpPr>
-          <p:cNvPr id="7" name="Rectangle 6"/>
-          <p:cNvSpPr/>
-          <p:nvPr/>
-        </p:nvSpPr>
-        <p:spPr>
-          <a:xfrm>
-            <a:off x="4267200" y="2209800"/>
-            <a:ext cx="3786293" cy="523220"/>
-          </a:xfrm>
-          <a:prstGeom prst="rect">
-            <a:avLst/>
-          </a:prstGeom>
-          <a:solidFill>
-            <a:schemeClr val="bg1"/>
-          </a:solidFill>
-          <a:ln w="50800">
+          <a:noFill/>
+          <a:ln w="57150">
             <a:solidFill>
               <a:srgbClr val="FF0000"/>
             </a:solidFill>
           </a:ln>
         </p:spPr>
-        <p:txBody>
-          <a:bodyPr wrap="none">
-            <a:spAutoFit/>
-          </a:bodyPr>
-          <a:lstStyle/>
-          <a:p>
-            <a:r>
-              <a:rPr lang="en-US" sz="2800" dirty="0" smtClean="0"/>
-              <a:t>Google “dsm2 version 8”</a:t>
-            </a:r>
-            <a:endParaRPr lang="en-US" sz="2800" dirty="0"/>
-          </a:p>
-        </p:txBody>
-      </p:sp>
-      <p:pic>
-        <p:nvPicPr>
-          <p:cNvPr id="5124" name="Picture 4"/>
-          <p:cNvPicPr>
-            <a:picLocks noChangeAspect="1" noChangeArrowheads="1"/>
-          </p:cNvPicPr>
-          <p:nvPr/>
-        </p:nvPicPr>
-        <p:blipFill>
-          <a:blip r:embed="rId4" cstate="print"/>
-          <a:srcRect/>
-          <a:stretch>
-            <a:fillRect/>
-          </a:stretch>
-        </p:blipFill>
-        <p:spPr bwMode="auto">
-          <a:xfrm>
-            <a:off x="2819400" y="2819400"/>
-            <a:ext cx="6143625" cy="3848100"/>
-          </a:xfrm>
-          <a:prstGeom prst="rect">
-            <a:avLst/>
-          </a:prstGeom>
-          <a:noFill/>
-          <a:ln w="9525">
-            <a:solidFill>
-              <a:schemeClr val="tx1"/>
-            </a:solidFill>
-            <a:miter lim="800000"/>
-            <a:headEnd/>
-            <a:tailEnd/>
-          </a:ln>
-        </p:spPr>
-      </p:pic>
+        <p:style>
+          <a:lnRef idx="2">
+            <a:schemeClr val="accent1">
+              <a:shade val="50000"/>
+            </a:schemeClr>
+          </a:lnRef>
+          <a:fillRef idx="1">
+            <a:schemeClr val="accent1"/>
+          </a:fillRef>
+          <a:effectRef idx="0">
+            <a:schemeClr val="accent1"/>
+          </a:effectRef>
+          <a:fontRef idx="minor">
+            <a:schemeClr val="lt1"/>
+          </a:fontRef>
+        </p:style>
+        <p:txBody>
+          <a:bodyPr rtlCol="0" anchor="ctr"/>
+          <a:lstStyle/>
+          <a:p>
+            <a:pPr algn="ctr"/>
+            <a:endParaRPr lang="en-US"/>
+          </a:p>
+        </p:txBody>
+      </p:sp>
     </p:spTree>
   </p:cSld>
   <p:clrMapOvr>
@@ -7455,36 +7456,23 @@
           <a:bodyPr/>
           <a:lstStyle/>
           <a:p>
-            <a:endParaRPr lang="en-US"/>
-          </a:p>
-        </p:txBody>
-      </p:sp>
-      <p:sp>
-        <p:nvSpPr>
-          <p:cNvPr id="3" name="Content Placeholder 2"/>
-          <p:cNvSpPr>
-            <a:spLocks noGrp="1"/>
-          </p:cNvSpPr>
-          <p:nvPr>
-            <p:ph idx="1"/>
-          </p:nvPr>
-        </p:nvSpPr>
-        <p:spPr/>
-        <p:txBody>
-          <a:bodyPr/>
-          <a:lstStyle/>
-          <a:p>
-            <a:endParaRPr lang="en-US"/>
+            <a:r>
+              <a:rPr lang="en-US" dirty="0" smtClean="0"/>
+              <a:t>Install Notepad++</a:t>
+            </a:r>
+            <a:endParaRPr lang="en-US" dirty="0"/>
           </a:p>
         </p:txBody>
       </p:sp>
       <p:pic>
         <p:nvPicPr>
-          <p:cNvPr id="4" name="Picture 5"/>
+          <p:cNvPr id="4" name="Content Placeholder 3"/>
           <p:cNvPicPr>
-            <a:picLocks noChangeAspect="1" noChangeArrowheads="1"/>
+            <a:picLocks noGrp="1"/>
           </p:cNvPicPr>
-          <p:nvPr/>
+          <p:nvPr>
+            <p:ph idx="1"/>
+          </p:nvPr>
         </p:nvPicPr>
         <p:blipFill>
           <a:blip r:embed="rId3" cstate="print"/>
@@ -7495,8 +7483,8 @@
         </p:blipFill>
         <p:spPr bwMode="auto">
           <a:xfrm>
-            <a:off x="228600" y="1371600"/>
-            <a:ext cx="3508442" cy="4246268"/>
+            <a:off x="2286000" y="2514600"/>
+            <a:ext cx="4790477" cy="3742857"/>
           </a:xfrm>
           <a:prstGeom prst="rect">
             <a:avLst/>
@@ -7512,47 +7500,30 @@
       </p:pic>
       <p:sp>
         <p:nvSpPr>
-          <p:cNvPr id="5" name="Oval 4"/>
+          <p:cNvPr id="5" name="Rectangle 4"/>
           <p:cNvSpPr/>
           <p:nvPr/>
         </p:nvSpPr>
         <p:spPr>
           <a:xfrm>
-            <a:off x="152400" y="2819400"/>
-            <a:ext cx="2209800" cy="838200"/>
-          </a:xfrm>
-          <a:prstGeom prst="ellipse">
+            <a:off x="1676400" y="1600200"/>
+            <a:ext cx="5943600" cy="369332"/>
+          </a:xfrm>
+          <a:prstGeom prst="rect">
             <a:avLst/>
           </a:prstGeom>
-          <a:noFill/>
-          <a:ln w="57150">
-            <a:solidFill>
-              <a:srgbClr val="FF0000"/>
-            </a:solidFill>
-          </a:ln>
-        </p:spPr>
-        <p:style>
-          <a:lnRef idx="2">
-            <a:schemeClr val="accent1">
-              <a:shade val="50000"/>
-            </a:schemeClr>
-          </a:lnRef>
-          <a:fillRef idx="1">
-            <a:schemeClr val="accent1"/>
-          </a:fillRef>
-          <a:effectRef idx="0">
-            <a:schemeClr val="accent1"/>
-          </a:effectRef>
-          <a:fontRef idx="minor">
-            <a:schemeClr val="lt1"/>
-          </a:fontRef>
-        </p:style>
-        <p:txBody>
-          <a:bodyPr rtlCol="0" anchor="ctr"/>
-          <a:lstStyle/>
-          <a:p>
-            <a:pPr algn="ctr"/>
-            <a:endParaRPr lang="en-US"/>
+        </p:spPr>
+        <p:txBody>
+          <a:bodyPr wrap="square">
+            <a:spAutoFit/>
+          </a:bodyPr>
+          <a:lstStyle/>
+          <a:p>
+            <a:pPr lvl="0"/>
+            <a:r>
+              <a:rPr lang="en-US" dirty="0"/>
+              <a:t>Install Notepad++ with the option “Don’t use %APPDATA%”.</a:t>
+            </a:r>
           </a:p>
         </p:txBody>
       </p:sp>
@@ -7590,36 +7561,88 @@
       </p:grpSpPr>
       <p:sp>
         <p:nvSpPr>
-          <p:cNvPr id="2" name="Title 1"/>
-          <p:cNvSpPr>
-            <a:spLocks noGrp="1"/>
-          </p:cNvSpPr>
-          <p:nvPr>
-            <p:ph type="title"/>
-          </p:nvPr>
-        </p:nvSpPr>
-        <p:spPr/>
+          <p:cNvPr id="1185794" name="Rectangle 2"/>
+          <p:cNvSpPr>
+            <a:spLocks noChangeArrowheads="1"/>
+          </p:cNvSpPr>
+          <p:nvPr/>
+        </p:nvSpPr>
+        <p:spPr bwMode="auto">
+          <a:xfrm>
+            <a:off x="304800" y="381000"/>
+            <a:ext cx="8382000" cy="1828800"/>
+          </a:xfrm>
+          <a:prstGeom prst="rect">
+            <a:avLst/>
+          </a:prstGeom>
+          <a:solidFill>
+            <a:schemeClr val="bg1"/>
+          </a:solidFill>
+          <a:ln w="9525" algn="ctr">
+            <a:noFill/>
+            <a:miter lim="800000"/>
+            <a:headEnd/>
+            <a:tailEnd/>
+          </a:ln>
+          <a:effectLst/>
+        </p:spPr>
+        <p:txBody>
+          <a:bodyPr wrap="none" lIns="0" tIns="0" rIns="0" bIns="0" anchor="ctr">
+            <a:spAutoFit/>
+          </a:bodyPr>
+          <a:lstStyle/>
+          <a:p>
+            <a:endParaRPr lang="en-US"/>
+          </a:p>
+        </p:txBody>
+      </p:sp>
+      <p:sp>
+        <p:nvSpPr>
+          <p:cNvPr id="1185795" name="Rectangle 3"/>
+          <p:cNvSpPr>
+            <a:spLocks noGrp="1" noChangeArrowheads="1"/>
+          </p:cNvSpPr>
+          <p:nvPr>
+            <p:ph type="body" idx="1"/>
+          </p:nvPr>
+        </p:nvSpPr>
+        <p:spPr>
+          <a:xfrm>
+            <a:off x="685800" y="2590800"/>
+            <a:ext cx="7772400" cy="457200"/>
+          </a:xfrm>
+        </p:spPr>
         <p:txBody>
           <a:bodyPr/>
           <a:lstStyle/>
           <a:p>
-            <a:r>
-              <a:rPr lang="en-US" dirty="0" smtClean="0"/>
-              <a:t>Install Notepad++</a:t>
-            </a:r>
-            <a:endParaRPr lang="en-US" dirty="0"/>
+            <a:pPr>
+              <a:buFontTx/>
+              <a:buNone/>
+            </a:pPr>
+            <a:r>
+              <a:rPr lang="en-US" sz="2000">
+                <a:latin typeface="Arial" charset="0"/>
+              </a:rPr>
+              <a:t>                </a:t>
+            </a:r>
+            <a:r>
+              <a:rPr lang="en-US" sz="2000">
+                <a:latin typeface="Arial" charset="0"/>
+                <a:sym typeface="Wingdings" pitchFamily="2" charset="2"/>
+              </a:rPr>
+              <a:t> All Programs  DSM2v8  DSM2_documentation</a:t>
+            </a:r>
           </a:p>
         </p:txBody>
       </p:sp>
       <p:pic>
         <p:nvPicPr>
-          <p:cNvPr id="4" name="Content Placeholder 3"/>
+          <p:cNvPr id="1185797" name="Picture 5" descr="0511-0812-0802-1129_Polar_Bear_Coaching_Young_Penguin_Soccer_Players_clipart_image"/>
           <p:cNvPicPr>
-            <a:picLocks noGrp="1"/>
+            <a:picLocks noChangeAspect="1" noChangeArrowheads="1"/>
           </p:cNvPicPr>
-          <p:nvPr>
-            <p:ph idx="1"/>
-          </p:nvPr>
+          <p:nvPr/>
         </p:nvPicPr>
         <p:blipFill>
           <a:blip r:embed="rId3" cstate="print"/>
@@ -7630,50 +7653,156 @@
         </p:blipFill>
         <p:spPr bwMode="auto">
           <a:xfrm>
-            <a:off x="2286000" y="2514600"/>
-            <a:ext cx="4790477" cy="3742857"/>
+            <a:off x="304800" y="384175"/>
+            <a:ext cx="3244850" cy="1825625"/>
           </a:xfrm>
           <a:prstGeom prst="rect">
             <a:avLst/>
           </a:prstGeom>
           <a:noFill/>
-          <a:ln w="9525">
-            <a:noFill/>
-            <a:miter lim="800000"/>
-            <a:headEnd/>
-            <a:tailEnd/>
-          </a:ln>
         </p:spPr>
       </p:pic>
       <p:sp>
         <p:nvSpPr>
-          <p:cNvPr id="5" name="Rectangle 4"/>
-          <p:cNvSpPr/>
+          <p:cNvPr id="1185799" name="Rectangle 7"/>
+          <p:cNvSpPr>
+            <a:spLocks noGrp="1" noChangeArrowheads="1"/>
+          </p:cNvSpPr>
+          <p:nvPr>
+            <p:ph type="title"/>
+          </p:nvPr>
+        </p:nvSpPr>
+        <p:spPr>
+          <a:xfrm>
+            <a:off x="2209800" y="1447800"/>
+            <a:ext cx="6400800" cy="533400"/>
+          </a:xfrm>
+        </p:spPr>
+        <p:txBody>
+          <a:bodyPr>
+            <a:normAutofit fontScale="90000"/>
+          </a:bodyPr>
+          <a:lstStyle/>
+          <a:p>
+            <a:pPr algn="r"/>
+            <a:r>
+              <a:rPr lang="en-US" sz="4000" b="1">
+                <a:solidFill>
+                  <a:srgbClr val="0099FF"/>
+                </a:solidFill>
+                <a:effectLst/>
+              </a:rPr>
+              <a:t>DSM2 Documentation</a:t>
+            </a:r>
+          </a:p>
+        </p:txBody>
+      </p:sp>
+      <p:sp>
+        <p:nvSpPr>
+          <p:cNvPr id="1185800" name="WordArt 8"/>
+          <p:cNvSpPr>
+            <a:spLocks noChangeArrowheads="1" noChangeShapeType="1" noTextEdit="1"/>
+          </p:cNvSpPr>
           <p:nvPr/>
         </p:nvSpPr>
-        <p:spPr>
-          <a:xfrm>
-            <a:off x="1676400" y="1600200"/>
-            <a:ext cx="5943600" cy="369332"/>
+        <p:spPr bwMode="auto">
+          <a:xfrm>
+            <a:off x="3429000" y="457200"/>
+            <a:ext cx="4191000" cy="685800"/>
           </a:xfrm>
           <a:prstGeom prst="rect">
             <a:avLst/>
           </a:prstGeom>
         </p:spPr>
         <p:txBody>
-          <a:bodyPr wrap="square">
-            <a:spAutoFit/>
+          <a:bodyPr wrap="none" fromWordArt="1">
+            <a:prstTxWarp prst="textWave1">
+              <a:avLst>
+                <a:gd name="adj1" fmla="val 13005"/>
+                <a:gd name="adj2" fmla="val 0"/>
+              </a:avLst>
+            </a:prstTxWarp>
           </a:bodyPr>
           <a:lstStyle/>
           <a:p>
-            <a:pPr lvl="0"/>
-            <a:r>
-              <a:rPr lang="en-US" dirty="0"/>
-              <a:t>Install Notepad++ with the option “Don’t use %APPDATA%”.</a:t>
-            </a:r>
-          </a:p>
-        </p:txBody>
-      </p:sp>
+            <a:pPr algn="ctr"/>
+            <a:r>
+              <a:rPr lang="en-US" sz="3600" kern="10">
+                <a:ln w="19050">
+                  <a:solidFill>
+                    <a:srgbClr val="99CCFF"/>
+                  </a:solidFill>
+                  <a:round/>
+                  <a:headEnd/>
+                  <a:tailEnd/>
+                </a:ln>
+                <a:solidFill>
+                  <a:srgbClr val="0066CC"/>
+                </a:solidFill>
+                <a:effectLst>
+                  <a:outerShdw dist="35921" dir="2700000" algn="ctr" rotWithShape="0">
+                    <a:srgbClr val="990000"/>
+                  </a:outerShdw>
+                </a:effectLst>
+                <a:latin typeface="Impact"/>
+              </a:rPr>
+              <a:t>DSM2 Cool Tip</a:t>
+            </a:r>
+          </a:p>
+        </p:txBody>
+      </p:sp>
+      <p:pic>
+        <p:nvPicPr>
+          <p:cNvPr id="1185803" name="Picture 11" descr="start button"/>
+          <p:cNvPicPr>
+            <a:picLocks noChangeAspect="1" noChangeArrowheads="1"/>
+          </p:cNvPicPr>
+          <p:nvPr/>
+        </p:nvPicPr>
+        <p:blipFill>
+          <a:blip r:embed="rId4" cstate="print"/>
+          <a:srcRect/>
+          <a:stretch>
+            <a:fillRect/>
+          </a:stretch>
+        </p:blipFill>
+        <p:spPr bwMode="auto">
+          <a:xfrm>
+            <a:off x="762000" y="2667000"/>
+            <a:ext cx="1123950" cy="274638"/>
+          </a:xfrm>
+          <a:prstGeom prst="rect">
+            <a:avLst/>
+          </a:prstGeom>
+          <a:noFill/>
+        </p:spPr>
+      </p:pic>
+      <p:pic>
+        <p:nvPicPr>
+          <p:cNvPr id="1185804" name="Picture 12" descr="documentation"/>
+          <p:cNvPicPr>
+            <a:picLocks noChangeAspect="1" noChangeArrowheads="1"/>
+          </p:cNvPicPr>
+          <p:nvPr/>
+        </p:nvPicPr>
+        <p:blipFill>
+          <a:blip r:embed="rId5" cstate="print"/>
+          <a:srcRect/>
+          <a:stretch>
+            <a:fillRect/>
+          </a:stretch>
+        </p:blipFill>
+        <p:spPr bwMode="auto">
+          <a:xfrm>
+            <a:off x="2319338" y="3048000"/>
+            <a:ext cx="4505325" cy="3705225"/>
+          </a:xfrm>
+          <a:prstGeom prst="rect">
+            <a:avLst/>
+          </a:prstGeom>
+          <a:noFill/>
+        </p:spPr>
+      </p:pic>
     </p:spTree>
   </p:cSld>
   <p:clrMapOvr>
@@ -7853,7 +7982,7 @@
         </p:blipFill>
         <p:spPr bwMode="auto">
           <a:xfrm>
-            <a:off x="2819400" y="2819400"/>
+            <a:off x="2819400" y="2857500"/>
             <a:ext cx="6143625" cy="3848100"/>
           </a:xfrm>
           <a:prstGeom prst="rect">
@@ -7868,6 +7997,13 @@
             <a:headEnd/>
             <a:tailEnd/>
           </a:ln>
+          <a:effectLst>
+            <a:outerShdw blurRad="254000" dist="317500" dir="8100000" algn="tr" rotWithShape="0">
+              <a:prstClr val="black">
+                <a:alpha val="40000"/>
+              </a:prstClr>
+            </a:outerShdw>
+          </a:effectLst>
         </p:spPr>
       </p:pic>
     </p:spTree>
@@ -8042,7 +8178,7 @@
         </p:blipFill>
         <p:spPr bwMode="auto">
           <a:xfrm>
-            <a:off x="0" y="1221599"/>
+            <a:off x="135534" y="1143000"/>
             <a:ext cx="2226666" cy="3960001"/>
           </a:xfrm>
           <a:prstGeom prst="rect">
@@ -8055,12 +8191,6 @@
             <a:headEnd/>
             <a:tailEnd/>
           </a:ln>
-          <a:scene3d>
-            <a:camera prst="isometricRightUp">
-              <a:rot lat="1200000" lon="19800000" rev="0"/>
-            </a:camera>
-            <a:lightRig rig="threePt" dir="t"/>
-          </a:scene3d>
         </p:spPr>
       </p:pic>
       <p:pic>
@@ -8080,7 +8210,7 @@
         </p:blipFill>
         <p:spPr bwMode="auto">
           <a:xfrm>
-            <a:off x="1371600" y="1219200"/>
+            <a:off x="1589067" y="1320466"/>
             <a:ext cx="2373333" cy="2413334"/>
           </a:xfrm>
           <a:prstGeom prst="rect">
@@ -8094,18 +8224,12 @@
             <a:tailEnd/>
           </a:ln>
           <a:effectLst>
-            <a:outerShdw blurRad="254000" dist="190500" dir="10800000" algn="r" rotWithShape="0">
+            <a:outerShdw blurRad="254000" dist="190500" dir="9600000" algn="r" rotWithShape="0">
               <a:prstClr val="black">
                 <a:alpha val="40000"/>
               </a:prstClr>
             </a:outerShdw>
           </a:effectLst>
-          <a:scene3d>
-            <a:camera prst="isometricRightUp">
-              <a:rot lat="1200000" lon="19800000" rev="0"/>
-            </a:camera>
-            <a:lightRig rig="threePt" dir="t"/>
-          </a:scene3d>
         </p:spPr>
       </p:pic>
       <p:pic>
@@ -8125,7 +8249,7 @@
         </p:blipFill>
         <p:spPr bwMode="auto">
           <a:xfrm>
-            <a:off x="2667000" y="1905000"/>
+            <a:off x="2899666" y="1103134"/>
             <a:ext cx="2053334" cy="1106666"/>
           </a:xfrm>
           <a:prstGeom prst="rect">
@@ -8139,18 +8263,12 @@
             <a:tailEnd/>
           </a:ln>
           <a:effectLst>
-            <a:outerShdw blurRad="254000" dist="190500" dir="10800000" algn="r" rotWithShape="0">
+            <a:outerShdw blurRad="254000" dist="190500" dir="9600000" algn="r" rotWithShape="0">
               <a:prstClr val="black">
                 <a:alpha val="40000"/>
               </a:prstClr>
             </a:outerShdw>
           </a:effectLst>
-          <a:scene3d>
-            <a:camera prst="isometricRightUp">
-              <a:rot lat="1200000" lon="19800000" rev="0"/>
-            </a:camera>
-            <a:lightRig rig="threePt" dir="t"/>
-          </a:scene3d>
         </p:spPr>
       </p:pic>
       <p:pic>
@@ -8170,8 +8288,8 @@
         </p:blipFill>
         <p:spPr bwMode="auto">
           <a:xfrm>
-            <a:off x="4340542" y="2133600"/>
-            <a:ext cx="4955858" cy="4075748"/>
+            <a:off x="4486275" y="2314575"/>
+            <a:ext cx="4505325" cy="3705225"/>
           </a:xfrm>
           <a:prstGeom prst="rect">
             <a:avLst/>
@@ -8180,12 +8298,6 @@
           <a:effectLst>
             <a:reflection blurRad="6350" stA="50000" endA="300" endPos="38500" dist="50800" dir="5400000" sy="-100000" algn="bl" rotWithShape="0"/>
           </a:effectLst>
-          <a:scene3d>
-            <a:camera prst="orthographicFront">
-              <a:rot lat="1200000" lon="19800000" rev="0"/>
-            </a:camera>
-            <a:lightRig rig="threePt" dir="t"/>
-          </a:scene3d>
         </p:spPr>
       </p:pic>
       <p:sp>
@@ -8250,84 +8362,35 @@
       </p:grpSpPr>
       <p:sp>
         <p:nvSpPr>
-          <p:cNvPr id="1185794" name="Rectangle 2"/>
-          <p:cNvSpPr>
-            <a:spLocks noChangeArrowheads="1"/>
-          </p:cNvSpPr>
-          <p:nvPr/>
-        </p:nvSpPr>
-        <p:spPr bwMode="auto">
-          <a:xfrm>
-            <a:off x="304800" y="381000"/>
-            <a:ext cx="8382000" cy="1828800"/>
-          </a:xfrm>
-          <a:prstGeom prst="rect">
-            <a:avLst/>
-          </a:prstGeom>
-          <a:solidFill>
-            <a:schemeClr val="bg1"/>
-          </a:solidFill>
-          <a:ln w="9525" algn="ctr">
-            <a:noFill/>
-            <a:miter lim="800000"/>
-            <a:headEnd/>
-            <a:tailEnd/>
-          </a:ln>
-          <a:effectLst/>
-        </p:spPr>
-        <p:txBody>
-          <a:bodyPr wrap="none" lIns="0" tIns="0" rIns="0" bIns="0" anchor="ctr">
-            <a:spAutoFit/>
-          </a:bodyPr>
-          <a:lstStyle/>
-          <a:p>
-            <a:endParaRPr lang="en-US"/>
-          </a:p>
-        </p:txBody>
-      </p:sp>
-      <p:sp>
-        <p:nvSpPr>
-          <p:cNvPr id="1185795" name="Rectangle 3"/>
-          <p:cNvSpPr>
-            <a:spLocks noGrp="1" noChangeArrowheads="1"/>
-          </p:cNvSpPr>
-          <p:nvPr>
-            <p:ph type="body" idx="1"/>
+          <p:cNvPr id="2" name="Title 1"/>
+          <p:cNvSpPr>
+            <a:spLocks noGrp="1"/>
+          </p:cNvSpPr>
+          <p:nvPr>
+            <p:ph type="title"/>
           </p:nvPr>
         </p:nvSpPr>
         <p:spPr>
           <a:xfrm>
-            <a:off x="685800" y="2590800"/>
-            <a:ext cx="7772400" cy="457200"/>
+            <a:off x="457200" y="274638"/>
+            <a:ext cx="8229600" cy="792162"/>
           </a:xfrm>
         </p:spPr>
         <p:txBody>
           <a:bodyPr/>
           <a:lstStyle/>
           <a:p>
-            <a:pPr>
-              <a:buFontTx/>
-              <a:buNone/>
-            </a:pPr>
-            <a:r>
-              <a:rPr lang="en-US" sz="2000">
-                <a:latin typeface="Arial" charset="0"/>
-              </a:rPr>
-              <a:t>                </a:t>
-            </a:r>
-            <a:r>
-              <a:rPr lang="en-US" sz="2000">
-                <a:latin typeface="Arial" charset="0"/>
-                <a:sym typeface="Wingdings" pitchFamily="2" charset="2"/>
-              </a:rPr>
-              <a:t> All Programs  DSM2v8  DSM2_documentation</a:t>
-            </a:r>
+            <a:r>
+              <a:rPr lang="en-US" dirty="0" smtClean="0"/>
+              <a:t>DSM2 Versioning</a:t>
+            </a:r>
+            <a:endParaRPr lang="en-US" dirty="0"/>
           </a:p>
         </p:txBody>
       </p:sp>
       <p:pic>
         <p:nvPicPr>
-          <p:cNvPr id="1185797" name="Picture 5" descr="0511-0812-0802-1129_Polar_Bear_Coaching_Young_Penguin_Soccer_Players_clipart_image"/>
+          <p:cNvPr id="4104" name="Picture 8"/>
           <p:cNvPicPr>
             <a:picLocks noChangeAspect="1" noChangeArrowheads="1"/>
           </p:cNvPicPr>
@@ -8342,107 +8405,24 @@
         </p:blipFill>
         <p:spPr bwMode="auto">
           <a:xfrm>
-            <a:off x="304800" y="384175"/>
-            <a:ext cx="3244850" cy="1825625"/>
+            <a:off x="1219200" y="3886200"/>
+            <a:ext cx="7542213" cy="2838450"/>
           </a:xfrm>
           <a:prstGeom prst="rect">
             <a:avLst/>
           </a:prstGeom>
           <a:noFill/>
+          <a:ln w="9525">
+            <a:noFill/>
+            <a:miter lim="800000"/>
+            <a:headEnd/>
+            <a:tailEnd/>
+          </a:ln>
         </p:spPr>
       </p:pic>
-      <p:sp>
-        <p:nvSpPr>
-          <p:cNvPr id="1185799" name="Rectangle 7"/>
-          <p:cNvSpPr>
-            <a:spLocks noGrp="1" noChangeArrowheads="1"/>
-          </p:cNvSpPr>
-          <p:nvPr>
-            <p:ph type="title"/>
-          </p:nvPr>
-        </p:nvSpPr>
-        <p:spPr>
-          <a:xfrm>
-            <a:off x="2209800" y="1447800"/>
-            <a:ext cx="6400800" cy="533400"/>
-          </a:xfrm>
-        </p:spPr>
-        <p:txBody>
-          <a:bodyPr>
-            <a:normAutofit fontScale="90000"/>
-          </a:bodyPr>
-          <a:lstStyle/>
-          <a:p>
-            <a:pPr algn="r"/>
-            <a:r>
-              <a:rPr lang="en-US" sz="4000" b="1">
-                <a:solidFill>
-                  <a:srgbClr val="0099FF"/>
-                </a:solidFill>
-                <a:effectLst/>
-              </a:rPr>
-              <a:t>DSM2 Documentation</a:t>
-            </a:r>
-          </a:p>
-        </p:txBody>
-      </p:sp>
-      <p:sp>
-        <p:nvSpPr>
-          <p:cNvPr id="1185800" name="WordArt 8"/>
-          <p:cNvSpPr>
-            <a:spLocks noChangeArrowheads="1" noChangeShapeType="1" noTextEdit="1"/>
-          </p:cNvSpPr>
-          <p:nvPr/>
-        </p:nvSpPr>
-        <p:spPr bwMode="auto">
-          <a:xfrm>
-            <a:off x="3429000" y="457200"/>
-            <a:ext cx="4191000" cy="685800"/>
-          </a:xfrm>
-          <a:prstGeom prst="rect">
-            <a:avLst/>
-          </a:prstGeom>
-        </p:spPr>
-        <p:txBody>
-          <a:bodyPr wrap="none" fromWordArt="1">
-            <a:prstTxWarp prst="textWave1">
-              <a:avLst>
-                <a:gd name="adj1" fmla="val 13005"/>
-                <a:gd name="adj2" fmla="val 0"/>
-              </a:avLst>
-            </a:prstTxWarp>
-          </a:bodyPr>
-          <a:lstStyle/>
-          <a:p>
-            <a:pPr algn="ctr"/>
-            <a:r>
-              <a:rPr lang="en-US" sz="3600" kern="10">
-                <a:ln w="19050">
-                  <a:solidFill>
-                    <a:srgbClr val="99CCFF"/>
-                  </a:solidFill>
-                  <a:round/>
-                  <a:headEnd/>
-                  <a:tailEnd/>
-                </a:ln>
-                <a:solidFill>
-                  <a:srgbClr val="0066CC"/>
-                </a:solidFill>
-                <a:effectLst>
-                  <a:outerShdw dist="35921" dir="2700000" algn="ctr" rotWithShape="0">
-                    <a:srgbClr val="990000"/>
-                  </a:outerShdw>
-                </a:effectLst>
-                <a:latin typeface="Impact"/>
-              </a:rPr>
-              <a:t>DSM2 Cool Tip</a:t>
-            </a:r>
-          </a:p>
-        </p:txBody>
-      </p:sp>
       <p:pic>
         <p:nvPicPr>
-          <p:cNvPr id="1185803" name="Picture 11" descr="start button"/>
+          <p:cNvPr id="4103" name="Picture 7"/>
           <p:cNvPicPr>
             <a:picLocks noChangeAspect="1" noChangeArrowheads="1"/>
           </p:cNvPicPr>
@@ -8457,18 +8437,70 @@
         </p:blipFill>
         <p:spPr bwMode="auto">
           <a:xfrm>
-            <a:off x="762000" y="2667000"/>
-            <a:ext cx="1123950" cy="274638"/>
+            <a:off x="914400" y="990600"/>
+            <a:ext cx="2971800" cy="3596771"/>
           </a:xfrm>
           <a:prstGeom prst="rect">
             <a:avLst/>
           </a:prstGeom>
           <a:noFill/>
+          <a:ln w="9525">
+            <a:noFill/>
+            <a:miter lim="800000"/>
+            <a:headEnd/>
+            <a:tailEnd/>
+          </a:ln>
         </p:spPr>
       </p:pic>
+      <p:sp>
+        <p:nvSpPr>
+          <p:cNvPr id="15" name="Oval 14"/>
+          <p:cNvSpPr/>
+          <p:nvPr/>
+        </p:nvSpPr>
+        <p:spPr>
+          <a:xfrm>
+            <a:off x="6705600" y="5029200"/>
+            <a:ext cx="1371600" cy="381000"/>
+          </a:xfrm>
+          <a:prstGeom prst="ellipse">
+            <a:avLst/>
+          </a:prstGeom>
+          <a:noFill/>
+          <a:ln w="57150">
+            <a:solidFill>
+              <a:srgbClr val="FF0000"/>
+            </a:solidFill>
+          </a:ln>
+        </p:spPr>
+        <p:style>
+          <a:lnRef idx="2">
+            <a:schemeClr val="accent1">
+              <a:shade val="50000"/>
+            </a:schemeClr>
+          </a:lnRef>
+          <a:fillRef idx="1">
+            <a:schemeClr val="accent1"/>
+          </a:fillRef>
+          <a:effectRef idx="0">
+            <a:schemeClr val="accent1"/>
+          </a:effectRef>
+          <a:fontRef idx="minor">
+            <a:schemeClr val="lt1"/>
+          </a:fontRef>
+        </p:style>
+        <p:txBody>
+          <a:bodyPr rtlCol="0" anchor="ctr"/>
+          <a:lstStyle/>
+          <a:p>
+            <a:pPr algn="ctr"/>
+            <a:endParaRPr lang="en-US"/>
+          </a:p>
+        </p:txBody>
+      </p:sp>
       <p:pic>
         <p:nvPicPr>
-          <p:cNvPr id="1185804" name="Picture 12" descr="documentation"/>
+          <p:cNvPr id="4105" name="Picture 9"/>
           <p:cNvPicPr>
             <a:picLocks noChangeAspect="1" noChangeArrowheads="1"/>
           </p:cNvPicPr>
@@ -8483,13 +8515,19 @@
         </p:blipFill>
         <p:spPr bwMode="auto">
           <a:xfrm>
-            <a:off x="2319338" y="3048000"/>
-            <a:ext cx="4505325" cy="3705225"/>
+            <a:off x="4876800" y="990600"/>
+            <a:ext cx="3657600" cy="3616193"/>
           </a:xfrm>
           <a:prstGeom prst="rect">
             <a:avLst/>
           </a:prstGeom>
           <a:noFill/>
+          <a:ln w="9525">
+            <a:noFill/>
+            <a:miter lim="800000"/>
+            <a:headEnd/>
+            <a:tailEnd/>
+          </a:ln>
         </p:spPr>
       </p:pic>
     </p:spTree>
@@ -8534,19 +8572,14 @@
             <p:ph type="title"/>
           </p:nvPr>
         </p:nvSpPr>
-        <p:spPr>
-          <a:xfrm>
-            <a:off x="457200" y="274638"/>
-            <a:ext cx="8229600" cy="792162"/>
-          </a:xfrm>
-        </p:spPr>
+        <p:spPr/>
         <p:txBody>
           <a:bodyPr/>
           <a:lstStyle/>
           <a:p>
             <a:r>
               <a:rPr lang="en-US" dirty="0" smtClean="0"/>
-              <a:t>DSM2 Versioning</a:t>
+              <a:t>Check DSM2 version</a:t>
             </a:r>
             <a:endParaRPr lang="en-US" dirty="0"/>
           </a:p>
@@ -8554,11 +8587,13 @@
       </p:sp>
       <p:pic>
         <p:nvPicPr>
-          <p:cNvPr id="4104" name="Picture 8"/>
+          <p:cNvPr id="2051" name="Picture 3"/>
           <p:cNvPicPr>
-            <a:picLocks noChangeAspect="1" noChangeArrowheads="1"/>
+            <a:picLocks noGrp="1" noChangeAspect="1" noChangeArrowheads="1"/>
           </p:cNvPicPr>
-          <p:nvPr/>
+          <p:nvPr>
+            <p:ph idx="1"/>
+          </p:nvPr>
         </p:nvPicPr>
         <p:blipFill>
           <a:blip r:embed="rId3" cstate="print"/>
@@ -8569,8 +8604,8 @@
         </p:blipFill>
         <p:spPr bwMode="auto">
           <a:xfrm>
-            <a:off x="1219200" y="3886200"/>
-            <a:ext cx="7542213" cy="2838450"/>
+            <a:off x="762000" y="1905000"/>
+            <a:ext cx="4985715" cy="2328572"/>
           </a:xfrm>
           <a:prstGeom prst="rect">
             <a:avLst/>
@@ -8586,7 +8621,7 @@
       </p:pic>
       <p:pic>
         <p:nvPicPr>
-          <p:cNvPr id="4103" name="Picture 7"/>
+          <p:cNvPr id="2052" name="Picture 4"/>
           <p:cNvPicPr>
             <a:picLocks noChangeAspect="1" noChangeArrowheads="1"/>
           </p:cNvPicPr>
@@ -8601,86 +8636,8 @@
         </p:blipFill>
         <p:spPr bwMode="auto">
           <a:xfrm>
-            <a:off x="914400" y="990600"/>
-            <a:ext cx="2971800" cy="3596771"/>
-          </a:xfrm>
-          <a:prstGeom prst="rect">
-            <a:avLst/>
-          </a:prstGeom>
-          <a:noFill/>
-          <a:ln w="9525">
-            <a:noFill/>
-            <a:miter lim="800000"/>
-            <a:headEnd/>
-            <a:tailEnd/>
-          </a:ln>
-        </p:spPr>
-      </p:pic>
-      <p:sp>
-        <p:nvSpPr>
-          <p:cNvPr id="15" name="Oval 14"/>
-          <p:cNvSpPr/>
-          <p:nvPr/>
-        </p:nvSpPr>
-        <p:spPr>
-          <a:xfrm>
-            <a:off x="6705600" y="5029200"/>
-            <a:ext cx="1371600" cy="381000"/>
-          </a:xfrm>
-          <a:prstGeom prst="ellipse">
-            <a:avLst/>
-          </a:prstGeom>
-          <a:noFill/>
-          <a:ln w="57150">
-            <a:solidFill>
-              <a:srgbClr val="FF0000"/>
-            </a:solidFill>
-          </a:ln>
-        </p:spPr>
-        <p:style>
-          <a:lnRef idx="2">
-            <a:schemeClr val="accent1">
-              <a:shade val="50000"/>
-            </a:schemeClr>
-          </a:lnRef>
-          <a:fillRef idx="1">
-            <a:schemeClr val="accent1"/>
-          </a:fillRef>
-          <a:effectRef idx="0">
-            <a:schemeClr val="accent1"/>
-          </a:effectRef>
-          <a:fontRef idx="minor">
-            <a:schemeClr val="lt1"/>
-          </a:fontRef>
-        </p:style>
-        <p:txBody>
-          <a:bodyPr rtlCol="0" anchor="ctr"/>
-          <a:lstStyle/>
-          <a:p>
-            <a:pPr algn="ctr"/>
-            <a:endParaRPr lang="en-US"/>
-          </a:p>
-        </p:txBody>
-      </p:sp>
-      <p:pic>
-        <p:nvPicPr>
-          <p:cNvPr id="4105" name="Picture 9"/>
-          <p:cNvPicPr>
-            <a:picLocks noChangeAspect="1" noChangeArrowheads="1"/>
-          </p:cNvPicPr>
-          <p:nvPr/>
-        </p:nvPicPr>
-        <p:blipFill>
-          <a:blip r:embed="rId5" cstate="print"/>
-          <a:srcRect/>
-          <a:stretch>
-            <a:fillRect/>
-          </a:stretch>
-        </p:blipFill>
-        <p:spPr bwMode="auto">
-          <a:xfrm>
-            <a:off x="4876800" y="990600"/>
-            <a:ext cx="3657600" cy="3616193"/>
+            <a:off x="3124200" y="3581400"/>
+            <a:ext cx="4985715" cy="2328572"/>
           </a:xfrm>
           <a:prstGeom prst="rect">
             <a:avLst/>
@@ -8733,7 +8690,7 @@
             <a:spLocks noGrp="1"/>
           </p:cNvSpPr>
           <p:nvPr>
-            <p:ph type="title"/>
+            <p:ph type="ctrTitle"/>
           </p:nvPr>
         </p:nvSpPr>
         <p:spPr/>
@@ -8743,78 +8700,20 @@
           <a:p>
             <a:r>
               <a:rPr lang="en-US" dirty="0" smtClean="0"/>
-              <a:t>Check DSM2 version</a:t>
+              <a:t>3</a:t>
+            </a:r>
+            <a:r>
+              <a:rPr lang="en-US" baseline="30000" dirty="0" smtClean="0"/>
+              <a:t>rd</a:t>
+            </a:r>
+            <a:r>
+              <a:rPr lang="en-US" dirty="0" smtClean="0"/>
+              <a:t> Party Software</a:t>
             </a:r>
             <a:endParaRPr lang="en-US" dirty="0"/>
           </a:p>
         </p:txBody>
       </p:sp>
-      <p:pic>
-        <p:nvPicPr>
-          <p:cNvPr id="2051" name="Picture 3"/>
-          <p:cNvPicPr>
-            <a:picLocks noGrp="1" noChangeAspect="1" noChangeArrowheads="1"/>
-          </p:cNvPicPr>
-          <p:nvPr>
-            <p:ph idx="1"/>
-          </p:nvPr>
-        </p:nvPicPr>
-        <p:blipFill>
-          <a:blip r:embed="rId3" cstate="print"/>
-          <a:srcRect/>
-          <a:stretch>
-            <a:fillRect/>
-          </a:stretch>
-        </p:blipFill>
-        <p:spPr bwMode="auto">
-          <a:xfrm>
-            <a:off x="762000" y="1905000"/>
-            <a:ext cx="4985715" cy="2328572"/>
-          </a:xfrm>
-          <a:prstGeom prst="rect">
-            <a:avLst/>
-          </a:prstGeom>
-          <a:noFill/>
-          <a:ln w="9525">
-            <a:noFill/>
-            <a:miter lim="800000"/>
-            <a:headEnd/>
-            <a:tailEnd/>
-          </a:ln>
-        </p:spPr>
-      </p:pic>
-      <p:pic>
-        <p:nvPicPr>
-          <p:cNvPr id="2052" name="Picture 4"/>
-          <p:cNvPicPr>
-            <a:picLocks noChangeAspect="1" noChangeArrowheads="1"/>
-          </p:cNvPicPr>
-          <p:nvPr/>
-        </p:nvPicPr>
-        <p:blipFill>
-          <a:blip r:embed="rId4" cstate="print"/>
-          <a:srcRect/>
-          <a:stretch>
-            <a:fillRect/>
-          </a:stretch>
-        </p:blipFill>
-        <p:spPr bwMode="auto">
-          <a:xfrm>
-            <a:off x="3124200" y="3581400"/>
-            <a:ext cx="4985715" cy="2328572"/>
-          </a:xfrm>
-          <a:prstGeom prst="rect">
-            <a:avLst/>
-          </a:prstGeom>
-          <a:noFill/>
-          <a:ln w="9525">
-            <a:noFill/>
-            <a:miter lim="800000"/>
-            <a:headEnd/>
-            <a:tailEnd/>
-          </a:ln>
-        </p:spPr>
-      </p:pic>
     </p:spTree>
   </p:cSld>
   <p:clrMapOvr>
@@ -8854,12 +8753,19 @@
             <a:spLocks noGrp="1"/>
           </p:cNvSpPr>
           <p:nvPr>
-            <p:ph type="ctrTitle"/>
-          </p:nvPr>
-        </p:nvSpPr>
-        <p:spPr/>
-        <p:txBody>
-          <a:bodyPr/>
+            <p:ph type="title"/>
+          </p:nvPr>
+        </p:nvSpPr>
+        <p:spPr>
+          <a:xfrm>
+            <a:off x="457200" y="274638"/>
+            <a:ext cx="8229600" cy="715962"/>
+          </a:xfrm>
+        </p:spPr>
+        <p:txBody>
+          <a:bodyPr>
+            <a:normAutofit fontScale="90000"/>
+          </a:bodyPr>
           <a:lstStyle/>
           <a:p>
             <a:r>
@@ -8878,18 +8784,115 @@
           </a:p>
         </p:txBody>
       </p:sp>
+      <p:pic>
+        <p:nvPicPr>
+          <p:cNvPr id="5122" name="Picture 2"/>
+          <p:cNvPicPr>
+            <a:picLocks noGrp="1" noChangeAspect="1" noChangeArrowheads="1"/>
+          </p:cNvPicPr>
+          <p:nvPr>
+            <p:ph idx="1"/>
+          </p:nvPr>
+        </p:nvPicPr>
+        <p:blipFill>
+          <a:blip r:embed="rId3" cstate="print"/>
+          <a:srcRect/>
+          <a:stretch>
+            <a:fillRect/>
+          </a:stretch>
+        </p:blipFill>
+        <p:spPr bwMode="auto">
+          <a:xfrm>
+            <a:off x="457200" y="1600200"/>
+            <a:ext cx="5149776" cy="4525963"/>
+          </a:xfrm>
+          <a:prstGeom prst="rect">
+            <a:avLst/>
+          </a:prstGeom>
+          <a:noFill/>
+          <a:ln w="9525">
+            <a:noFill/>
+            <a:miter lim="800000"/>
+            <a:headEnd/>
+            <a:tailEnd/>
+          </a:ln>
+        </p:spPr>
+      </p:pic>
+      <p:sp>
+        <p:nvSpPr>
+          <p:cNvPr id="5" name="Rectangle 4"/>
+          <p:cNvSpPr/>
+          <p:nvPr/>
+        </p:nvSpPr>
+        <p:spPr>
+          <a:xfrm>
+            <a:off x="304800" y="990600"/>
+            <a:ext cx="8610600" cy="369332"/>
+          </a:xfrm>
+          <a:prstGeom prst="rect">
+            <a:avLst/>
+          </a:prstGeom>
+        </p:spPr>
+        <p:txBody>
+          <a:bodyPr wrap="square">
+            <a:spAutoFit/>
+          </a:bodyPr>
+          <a:lstStyle/>
+          <a:p>
+            <a:r>
+              <a:rPr lang="en-US" dirty="0" smtClean="0"/>
+              <a:t>http://baydeltaoffice.water.ca.gov/modeling/deltamodeling/models/dsm2v8/dsm2.cfm</a:t>
+            </a:r>
+            <a:endParaRPr lang="en-US" dirty="0"/>
+          </a:p>
+        </p:txBody>
+      </p:sp>
+      <p:pic>
+        <p:nvPicPr>
+          <p:cNvPr id="5123" name="Picture 3"/>
+          <p:cNvPicPr>
+            <a:picLocks noChangeAspect="1" noChangeArrowheads="1"/>
+          </p:cNvPicPr>
+          <p:nvPr/>
+        </p:nvPicPr>
+        <p:blipFill>
+          <a:blip r:embed="rId4" cstate="print"/>
+          <a:srcRect/>
+          <a:stretch>
+            <a:fillRect/>
+          </a:stretch>
+        </p:blipFill>
+        <p:spPr bwMode="auto">
+          <a:xfrm>
+            <a:off x="3439231" y="2106728"/>
+            <a:ext cx="5476169" cy="4522672"/>
+          </a:xfrm>
+          <a:prstGeom prst="rect">
+            <a:avLst/>
+          </a:prstGeom>
+          <a:noFill/>
+          <a:ln w="9525">
+            <a:solidFill>
+              <a:schemeClr val="tx1"/>
+            </a:solidFill>
+            <a:miter lim="800000"/>
+            <a:headEnd/>
+            <a:tailEnd/>
+          </a:ln>
+          <a:effectLst>
+            <a:outerShdw blurRad="254000" dist="317500" dir="8100000" algn="tr" rotWithShape="0">
+              <a:prstClr val="black">
+                <a:alpha val="40000"/>
+              </a:prstClr>
+            </a:outerShdw>
+          </a:effectLst>
+        </p:spPr>
+      </p:pic>
     </p:spTree>
   </p:cSld>
   <p:clrMapOvr>
     <a:masterClrMapping/>
   </p:clrMapOvr>
-  <p:timing>
-    <p:tnLst>
-      <p:par>
-        <p:cTn id="1" dur="indefinite" restart="never" nodeType="tmRoot"/>
-      </p:par>
-    </p:tnLst>
-  </p:timing>
 </p:sld>
 </file>
 
@@ -8910,53 +8913,13 @@
           <a:chExt cx="0" cy="0"/>
         </a:xfrm>
       </p:grpSpPr>
-      <p:sp>
-        <p:nvSpPr>
-          <p:cNvPr id="2" name="Title 1"/>
-          <p:cNvSpPr>
-            <a:spLocks noGrp="1"/>
-          </p:cNvSpPr>
-          <p:nvPr>
-            <p:ph type="title"/>
-          </p:nvPr>
-        </p:nvSpPr>
-        <p:spPr>
-          <a:xfrm>
-            <a:off x="457200" y="274638"/>
-            <a:ext cx="8229600" cy="715962"/>
-          </a:xfrm>
-        </p:spPr>
-        <p:txBody>
-          <a:bodyPr>
-            <a:normAutofit fontScale="90000"/>
-          </a:bodyPr>
-          <a:lstStyle/>
-          <a:p>
-            <a:r>
-              <a:rPr lang="en-US" dirty="0" smtClean="0"/>
-              <a:t>3</a:t>
-            </a:r>
-            <a:r>
-              <a:rPr lang="en-US" baseline="30000" dirty="0" smtClean="0"/>
-              <a:t>rd</a:t>
-            </a:r>
-            <a:r>
-              <a:rPr lang="en-US" dirty="0" smtClean="0"/>
-              <a:t> Party Software</a:t>
-            </a:r>
-            <a:endParaRPr lang="en-US" dirty="0"/>
-          </a:p>
-        </p:txBody>
-      </p:sp>
       <p:pic>
         <p:nvPicPr>
-          <p:cNvPr id="5122" name="Picture 2"/>
+          <p:cNvPr id="8197" name="Picture 5"/>
           <p:cNvPicPr>
-            <a:picLocks noGrp="1" noChangeAspect="1" noChangeArrowheads="1"/>
+            <a:picLocks noChangeAspect="1" noChangeArrowheads="1"/>
           </p:cNvPicPr>
-          <p:nvPr>
-            <p:ph idx="1"/>
-          </p:nvPr>
+          <p:nvPr/>
         </p:nvPicPr>
         <p:blipFill>
           <a:blip r:embed="rId3" cstate="print"/>
@@ -8967,8 +8930,8 @@
         </p:blipFill>
         <p:spPr bwMode="auto">
           <a:xfrm>
-            <a:off x="457200" y="1600200"/>
-            <a:ext cx="5149776" cy="4525963"/>
+            <a:off x="152400" y="1219200"/>
+            <a:ext cx="3622528" cy="3505200"/>
           </a:xfrm>
           <a:prstGeom prst="rect">
             <a:avLst/>
@@ -8980,47 +8943,90 @@
             <a:headEnd/>
             <a:tailEnd/>
           </a:ln>
+          <a:effectLst>
+            <a:softEdge rad="31750"/>
+          </a:effectLst>
         </p:spPr>
       </p:pic>
       <p:sp>
         <p:nvSpPr>
-          <p:cNvPr id="5" name="Rectangle 4"/>
-          <p:cNvSpPr/>
-          <p:nvPr/>
+          <p:cNvPr id="2" name="Title 1"/>
+          <p:cNvSpPr>
+            <a:spLocks noGrp="1"/>
+          </p:cNvSpPr>
+          <p:nvPr>
+            <p:ph type="title"/>
+          </p:nvPr>
         </p:nvSpPr>
         <p:spPr>
           <a:xfrm>
-            <a:off x="304800" y="990600"/>
-            <a:ext cx="8610600" cy="369332"/>
+            <a:off x="457200" y="274638"/>
+            <a:ext cx="8229600" cy="868362"/>
+          </a:xfrm>
+        </p:spPr>
+        <p:txBody>
+          <a:bodyPr/>
+          <a:lstStyle/>
+          <a:p>
+            <a:r>
+              <a:rPr lang="en-US" dirty="0" smtClean="0"/>
+              <a:t>Open Command Window Here</a:t>
+            </a:r>
+            <a:endParaRPr lang="en-US" dirty="0"/>
+          </a:p>
+        </p:txBody>
+      </p:sp>
+      <p:pic>
+        <p:nvPicPr>
+          <p:cNvPr id="8194" name="Picture 2"/>
+          <p:cNvPicPr>
+            <a:picLocks noGrp="1" noChangeAspect="1" noChangeArrowheads="1"/>
+          </p:cNvPicPr>
+          <p:nvPr>
+            <p:ph idx="1"/>
+          </p:nvPr>
+        </p:nvPicPr>
+        <p:blipFill>
+          <a:blip r:embed="rId4" cstate="print"/>
+          <a:srcRect r="7143" b="6444"/>
+          <a:stretch>
+            <a:fillRect/>
+          </a:stretch>
+        </p:blipFill>
+        <p:spPr bwMode="auto">
+          <a:xfrm>
+            <a:off x="1219200" y="2819400"/>
+            <a:ext cx="2971800" cy="3318656"/>
           </a:xfrm>
           <a:prstGeom prst="rect">
             <a:avLst/>
           </a:prstGeom>
-        </p:spPr>
-        <p:txBody>
-          <a:bodyPr wrap="square">
-            <a:spAutoFit/>
-          </a:bodyPr>
-          <a:lstStyle/>
-          <a:p>
-            <a:r>
-              <a:rPr lang="en-US" dirty="0" smtClean="0"/>
-              <a:t>http://baydeltaoffice.water.ca.gov/modeling/deltamodeling/models/dsm2v8/dsm2.cfm</a:t>
-            </a:r>
-            <a:endParaRPr lang="en-US" dirty="0"/>
-          </a:p>
-        </p:txBody>
-      </p:sp>
+          <a:noFill/>
+          <a:ln w="9525">
+            <a:noFill/>
+            <a:miter lim="800000"/>
+            <a:headEnd/>
+            <a:tailEnd/>
+          </a:ln>
+          <a:effectLst>
+            <a:outerShdw blurRad="254000" dist="317500" dir="8100000" algn="tl" rotWithShape="0">
+              <a:schemeClr val="bg1">
+                <a:alpha val="40000"/>
+              </a:schemeClr>
+            </a:outerShdw>
+          </a:effectLst>
+        </p:spPr>
+      </p:pic>
       <p:pic>
         <p:nvPicPr>
-          <p:cNvPr id="5123" name="Picture 3"/>
+          <p:cNvPr id="8199" name="Picture 7"/>
           <p:cNvPicPr>
             <a:picLocks noChangeAspect="1" noChangeArrowheads="1"/>
           </p:cNvPicPr>
           <p:nvPr/>
         </p:nvPicPr>
         <p:blipFill>
-          <a:blip r:embed="rId4" cstate="print"/>
+          <a:blip r:embed="rId5" cstate="print"/>
           <a:srcRect/>
           <a:stretch>
             <a:fillRect/>
@@ -9028,21 +9034,26 @@
         </p:blipFill>
         <p:spPr bwMode="auto">
           <a:xfrm>
-            <a:off x="3439231" y="2106728"/>
-            <a:ext cx="5476169" cy="4522672"/>
+            <a:off x="4038600" y="3429000"/>
+            <a:ext cx="5001522" cy="3124200"/>
           </a:xfrm>
           <a:prstGeom prst="rect">
             <a:avLst/>
           </a:prstGeom>
           <a:noFill/>
           <a:ln w="9525">
-            <a:solidFill>
-              <a:schemeClr val="tx1"/>
-            </a:solidFill>
+            <a:noFill/>
             <a:miter lim="800000"/>
             <a:headEnd/>
             <a:tailEnd/>
           </a:ln>
+          <a:effectLst>
+            <a:outerShdw blurRad="254000" dist="317500" dir="8100000" algn="tr" rotWithShape="0">
+              <a:prstClr val="black">
+                <a:alpha val="40000"/>
+              </a:prstClr>
+            </a:outerShdw>
+          </a:effectLst>
         </p:spPr>
       </p:pic>
     </p:spTree>

--- a/dsm2/presentations/DSM2 Installation.pptx
+++ b/dsm2/presentations/DSM2 Installation.pptx
@@ -5,7 +5,7 @@
     <p:sldMasterId id="2147483648" r:id="rId1"/>
   </p:sldMasterIdLst>
   <p:notesMasterIdLst>
-    <p:notesMasterId r:id="rId21"/>
+    <p:notesMasterId r:id="rId22"/>
   </p:notesMasterIdLst>
   <p:sldIdLst>
     <p:sldId id="256" r:id="rId2"/>
@@ -24,9 +24,10 @@
     <p:sldId id="272" r:id="rId15"/>
     <p:sldId id="276" r:id="rId16"/>
     <p:sldId id="282" r:id="rId17"/>
-    <p:sldId id="262" r:id="rId18"/>
-    <p:sldId id="269" r:id="rId19"/>
-    <p:sldId id="281" r:id="rId20"/>
+    <p:sldId id="283" r:id="rId18"/>
+    <p:sldId id="262" r:id="rId19"/>
+    <p:sldId id="269" r:id="rId20"/>
+    <p:sldId id="281" r:id="rId21"/>
   </p:sldIdLst>
   <p:sldSz cx="9144000" cy="6858000" type="screen4x3"/>
   <p:notesSz cx="6858000" cy="9144000"/>
@@ -211,7 +212,7 @@
             <a:fld id="{542500BC-1B18-4842-B814-979EB9601F1E}" type="datetimeFigureOut">
               <a:rPr lang="en-US" smtClean="0"/>
               <a:pPr/>
-              <a:t>8/27/2009</a:t>
+              <a:t>8/31/2009</a:t>
             </a:fld>
             <a:endParaRPr lang="en-US"/>
           </a:p>
@@ -1381,208 +1382,7 @@
           </a:bodyPr>
           <a:lstStyle/>
           <a:p>
-            <a:pPr lvl="0"/>
-            <a:r>
-              <a:rPr lang="en-US" sz="1200" kern="1200" dirty="0" smtClean="0">
-                <a:solidFill>
-                  <a:schemeClr val="tx1"/>
-                </a:solidFill>
-                <a:latin typeface="+mn-lt"/>
-                <a:ea typeface="+mn-ea"/>
-                <a:cs typeface="+mn-cs"/>
-              </a:rPr>
-              <a:t>Download Notepad++ from here: </a:t>
-            </a:r>
-          </a:p>
-          <a:p>
-            <a:r>
-              <a:rPr lang="en-US" sz="1200" u="sng" kern="1200" dirty="0" smtClean="0">
-                <a:solidFill>
-                  <a:schemeClr val="tx1"/>
-                </a:solidFill>
-                <a:latin typeface="+mn-lt"/>
-                <a:ea typeface="+mn-ea"/>
-                <a:cs typeface="+mn-cs"/>
-                <a:hlinkClick r:id="rId3"/>
-              </a:rPr>
-              <a:t>http://superb-west.dl.sourceforge.net/sourceforge/notepad-plus/npp.5.4.2.Installer.exe</a:t>
-            </a:r>
-            <a:endParaRPr lang="en-US" sz="1200" kern="1200" dirty="0" smtClean="0">
-              <a:solidFill>
-                <a:schemeClr val="tx1"/>
-              </a:solidFill>
-              <a:latin typeface="+mn-lt"/>
-              <a:ea typeface="+mn-ea"/>
-              <a:cs typeface="+mn-cs"/>
-            </a:endParaRPr>
-          </a:p>
-          <a:p>
-            <a:r>
-              <a:rPr lang="en-US" sz="1200" kern="1200" dirty="0" smtClean="0">
-                <a:solidFill>
-                  <a:schemeClr val="tx1"/>
-                </a:solidFill>
-                <a:latin typeface="+mn-lt"/>
-                <a:ea typeface="+mn-ea"/>
-                <a:cs typeface="+mn-cs"/>
-              </a:rPr>
-              <a:t> </a:t>
-            </a:r>
-          </a:p>
-          <a:p>
-            <a:pPr lvl="0"/>
-            <a:r>
-              <a:rPr lang="en-US" sz="1200" kern="1200" dirty="0" smtClean="0">
-                <a:solidFill>
-                  <a:schemeClr val="tx1"/>
-                </a:solidFill>
-                <a:latin typeface="+mn-lt"/>
-                <a:ea typeface="+mn-ea"/>
-                <a:cs typeface="+mn-cs"/>
-              </a:rPr>
-              <a:t>Install Notepad++ with the option “Don’t use %APPDATA%”.</a:t>
-            </a:r>
-          </a:p>
-          <a:p>
-            <a:pPr lvl="0"/>
-            <a:endParaRPr lang="en-US" sz="1200" kern="1200" dirty="0" smtClean="0">
-              <a:solidFill>
-                <a:schemeClr val="tx1"/>
-              </a:solidFill>
-              <a:latin typeface="+mn-lt"/>
-              <a:ea typeface="+mn-ea"/>
-              <a:cs typeface="+mn-cs"/>
-            </a:endParaRPr>
-          </a:p>
-          <a:p>
-            <a:pPr lvl="0"/>
-            <a:r>
-              <a:rPr lang="en-US" sz="1200" kern="1200" dirty="0" smtClean="0">
-                <a:solidFill>
-                  <a:schemeClr val="tx1"/>
-                </a:solidFill>
-                <a:latin typeface="+mn-lt"/>
-                <a:ea typeface="+mn-ea"/>
-                <a:cs typeface="+mn-cs"/>
-              </a:rPr>
-              <a:t>Copy the file “userDefineLang.xml” under “your dsm2_8 directory\extras\notepad++ “(e.g., “D:\delta\dsm2\extras\notepad++ “ ) to your Notepad++ installation folder (e.g., “C:\Program Files\Notepad++”).</a:t>
-            </a:r>
-          </a:p>
-          <a:p>
-            <a:pPr lvl="0"/>
-            <a:endParaRPr lang="en-US" sz="1200" kern="1200" dirty="0" smtClean="0">
-              <a:solidFill>
-                <a:schemeClr val="tx1"/>
-              </a:solidFill>
-              <a:latin typeface="+mn-lt"/>
-              <a:ea typeface="+mn-ea"/>
-              <a:cs typeface="+mn-cs"/>
-            </a:endParaRPr>
-          </a:p>
-          <a:p>
-            <a:pPr lvl="0"/>
-            <a:r>
-              <a:rPr lang="en-US" sz="1200" kern="1200" dirty="0" smtClean="0">
-                <a:solidFill>
-                  <a:schemeClr val="tx1"/>
-                </a:solidFill>
-                <a:latin typeface="+mn-lt"/>
-                <a:ea typeface="+mn-ea"/>
-                <a:cs typeface="+mn-cs"/>
-              </a:rPr>
-              <a:t>When working with tables you will want the columns to line up, so it is useful if all the characters are the same width – this is known as </a:t>
-            </a:r>
-            <a:r>
-              <a:rPr lang="en-US" sz="1200" kern="1200" dirty="0" err="1" smtClean="0">
-                <a:solidFill>
-                  <a:schemeClr val="tx1"/>
-                </a:solidFill>
-                <a:latin typeface="+mn-lt"/>
-                <a:ea typeface="+mn-ea"/>
-                <a:cs typeface="+mn-cs"/>
-              </a:rPr>
-              <a:t>monospace</a:t>
-            </a:r>
-            <a:r>
-              <a:rPr lang="en-US" sz="1200" kern="1200" dirty="0" smtClean="0">
-                <a:solidFill>
-                  <a:schemeClr val="tx1"/>
-                </a:solidFill>
-                <a:latin typeface="+mn-lt"/>
-                <a:ea typeface="+mn-ea"/>
-                <a:cs typeface="+mn-cs"/>
-              </a:rPr>
-              <a:t>. Only a few fonts are </a:t>
-            </a:r>
-            <a:r>
-              <a:rPr lang="en-US" sz="1200" kern="1200" dirty="0" err="1" smtClean="0">
-                <a:solidFill>
-                  <a:schemeClr val="tx1"/>
-                </a:solidFill>
-                <a:latin typeface="+mn-lt"/>
-                <a:ea typeface="+mn-ea"/>
-                <a:cs typeface="+mn-cs"/>
-              </a:rPr>
-              <a:t>monospace</a:t>
-            </a:r>
-            <a:r>
-              <a:rPr lang="en-US" sz="1200" kern="1200" dirty="0" smtClean="0">
-                <a:solidFill>
-                  <a:schemeClr val="tx1"/>
-                </a:solidFill>
-                <a:latin typeface="+mn-lt"/>
-                <a:ea typeface="+mn-ea"/>
-                <a:cs typeface="+mn-cs"/>
-              </a:rPr>
-              <a:t>, including Courier New and Courier. Due to a quirk of notepad++, if you want </a:t>
-            </a:r>
-            <a:r>
-              <a:rPr lang="en-US" sz="1200" kern="1200" dirty="0" err="1" smtClean="0">
-                <a:solidFill>
-                  <a:schemeClr val="tx1"/>
-                </a:solidFill>
-                <a:latin typeface="+mn-lt"/>
-                <a:ea typeface="+mn-ea"/>
-                <a:cs typeface="+mn-cs"/>
-              </a:rPr>
-              <a:t>monospace</a:t>
-            </a:r>
-            <a:r>
-              <a:rPr lang="en-US" sz="1200" kern="1200" dirty="0" smtClean="0">
-                <a:solidFill>
-                  <a:schemeClr val="tx1"/>
-                </a:solidFill>
-                <a:latin typeface="+mn-lt"/>
-                <a:ea typeface="+mn-ea"/>
-                <a:cs typeface="+mn-cs"/>
-              </a:rPr>
-              <a:t>, you need to set the global default. The way to do this is to go to Settings-&gt;Style </a:t>
-            </a:r>
-            <a:r>
-              <a:rPr lang="en-US" sz="1200" kern="1200" dirty="0" err="1" smtClean="0">
-                <a:solidFill>
-                  <a:schemeClr val="tx1"/>
-                </a:solidFill>
-                <a:latin typeface="+mn-lt"/>
-                <a:ea typeface="+mn-ea"/>
-                <a:cs typeface="+mn-cs"/>
-              </a:rPr>
-              <a:t>Configurator</a:t>
-            </a:r>
-            <a:r>
-              <a:rPr lang="en-US" sz="1200" kern="1200" dirty="0" smtClean="0">
-                <a:solidFill>
-                  <a:schemeClr val="tx1"/>
-                </a:solidFill>
-                <a:latin typeface="+mn-lt"/>
-                <a:ea typeface="+mn-ea"/>
-                <a:cs typeface="+mn-cs"/>
-              </a:rPr>
-              <a:t> and edit Global Styles font to be Courier New.</a:t>
-            </a:r>
-          </a:p>
-          <a:p>
-            <a:endParaRPr lang="en-US" dirty="0"/>
+            <a:endParaRPr lang="en-US"/>
           </a:p>
         </p:txBody>
       </p:sp>
@@ -1664,7 +1464,208 @@
           </a:bodyPr>
           <a:lstStyle/>
           <a:p>
-            <a:endParaRPr lang="en-US"/>
+            <a:pPr lvl="0"/>
+            <a:r>
+              <a:rPr lang="en-US" sz="1200" kern="1200" dirty="0" smtClean="0">
+                <a:solidFill>
+                  <a:schemeClr val="tx1"/>
+                </a:solidFill>
+                <a:latin typeface="+mn-lt"/>
+                <a:ea typeface="+mn-ea"/>
+                <a:cs typeface="+mn-cs"/>
+              </a:rPr>
+              <a:t>Download Notepad++ from here: </a:t>
+            </a:r>
+          </a:p>
+          <a:p>
+            <a:r>
+              <a:rPr lang="en-US" sz="1200" u="sng" kern="1200" dirty="0" smtClean="0">
+                <a:solidFill>
+                  <a:schemeClr val="tx1"/>
+                </a:solidFill>
+                <a:latin typeface="+mn-lt"/>
+                <a:ea typeface="+mn-ea"/>
+                <a:cs typeface="+mn-cs"/>
+                <a:hlinkClick r:id="rId3"/>
+              </a:rPr>
+              <a:t>http://superb-west.dl.sourceforge.net/sourceforge/notepad-plus/npp.5.4.2.Installer.exe</a:t>
+            </a:r>
+            <a:endParaRPr lang="en-US" sz="1200" kern="1200" dirty="0" smtClean="0">
+              <a:solidFill>
+                <a:schemeClr val="tx1"/>
+              </a:solidFill>
+              <a:latin typeface="+mn-lt"/>
+              <a:ea typeface="+mn-ea"/>
+              <a:cs typeface="+mn-cs"/>
+            </a:endParaRPr>
+          </a:p>
+          <a:p>
+            <a:r>
+              <a:rPr lang="en-US" sz="1200" kern="1200" dirty="0" smtClean="0">
+                <a:solidFill>
+                  <a:schemeClr val="tx1"/>
+                </a:solidFill>
+                <a:latin typeface="+mn-lt"/>
+                <a:ea typeface="+mn-ea"/>
+                <a:cs typeface="+mn-cs"/>
+              </a:rPr>
+              <a:t> </a:t>
+            </a:r>
+          </a:p>
+          <a:p>
+            <a:pPr lvl="0"/>
+            <a:r>
+              <a:rPr lang="en-US" sz="1200" kern="1200" dirty="0" smtClean="0">
+                <a:solidFill>
+                  <a:schemeClr val="tx1"/>
+                </a:solidFill>
+                <a:latin typeface="+mn-lt"/>
+                <a:ea typeface="+mn-ea"/>
+                <a:cs typeface="+mn-cs"/>
+              </a:rPr>
+              <a:t>Install Notepad++ with the option “Don’t use %APPDATA%”.</a:t>
+            </a:r>
+          </a:p>
+          <a:p>
+            <a:pPr lvl="0"/>
+            <a:endParaRPr lang="en-US" sz="1200" kern="1200" dirty="0" smtClean="0">
+              <a:solidFill>
+                <a:schemeClr val="tx1"/>
+              </a:solidFill>
+              <a:latin typeface="+mn-lt"/>
+              <a:ea typeface="+mn-ea"/>
+              <a:cs typeface="+mn-cs"/>
+            </a:endParaRPr>
+          </a:p>
+          <a:p>
+            <a:pPr lvl="0"/>
+            <a:r>
+              <a:rPr lang="en-US" sz="1200" kern="1200" dirty="0" smtClean="0">
+                <a:solidFill>
+                  <a:schemeClr val="tx1"/>
+                </a:solidFill>
+                <a:latin typeface="+mn-lt"/>
+                <a:ea typeface="+mn-ea"/>
+                <a:cs typeface="+mn-cs"/>
+              </a:rPr>
+              <a:t>Copy the file “userDefineLang.xml” under “your dsm2_8 directory\extras\notepad++ “(e.g., “D:\delta\dsm2\extras\notepad++ “ ) to your Notepad++ installation folder (e.g., “C:\Program Files\Notepad++”).</a:t>
+            </a:r>
+          </a:p>
+          <a:p>
+            <a:pPr lvl="0"/>
+            <a:endParaRPr lang="en-US" sz="1200" kern="1200" dirty="0" smtClean="0">
+              <a:solidFill>
+                <a:schemeClr val="tx1"/>
+              </a:solidFill>
+              <a:latin typeface="+mn-lt"/>
+              <a:ea typeface="+mn-ea"/>
+              <a:cs typeface="+mn-cs"/>
+            </a:endParaRPr>
+          </a:p>
+          <a:p>
+            <a:pPr lvl="0"/>
+            <a:r>
+              <a:rPr lang="en-US" sz="1200" kern="1200" dirty="0" smtClean="0">
+                <a:solidFill>
+                  <a:schemeClr val="tx1"/>
+                </a:solidFill>
+                <a:latin typeface="+mn-lt"/>
+                <a:ea typeface="+mn-ea"/>
+                <a:cs typeface="+mn-cs"/>
+              </a:rPr>
+              <a:t>When working with tables you will want the columns to line up, so it is useful if all the characters are the same width – this is known as </a:t>
+            </a:r>
+            <a:r>
+              <a:rPr lang="en-US" sz="1200" kern="1200" dirty="0" err="1" smtClean="0">
+                <a:solidFill>
+                  <a:schemeClr val="tx1"/>
+                </a:solidFill>
+                <a:latin typeface="+mn-lt"/>
+                <a:ea typeface="+mn-ea"/>
+                <a:cs typeface="+mn-cs"/>
+              </a:rPr>
+              <a:t>monospace</a:t>
+            </a:r>
+            <a:r>
+              <a:rPr lang="en-US" sz="1200" kern="1200" dirty="0" smtClean="0">
+                <a:solidFill>
+                  <a:schemeClr val="tx1"/>
+                </a:solidFill>
+                <a:latin typeface="+mn-lt"/>
+                <a:ea typeface="+mn-ea"/>
+                <a:cs typeface="+mn-cs"/>
+              </a:rPr>
+              <a:t>. Only a few fonts are </a:t>
+            </a:r>
+            <a:r>
+              <a:rPr lang="en-US" sz="1200" kern="1200" dirty="0" err="1" smtClean="0">
+                <a:solidFill>
+                  <a:schemeClr val="tx1"/>
+                </a:solidFill>
+                <a:latin typeface="+mn-lt"/>
+                <a:ea typeface="+mn-ea"/>
+                <a:cs typeface="+mn-cs"/>
+              </a:rPr>
+              <a:t>monospace</a:t>
+            </a:r>
+            <a:r>
+              <a:rPr lang="en-US" sz="1200" kern="1200" dirty="0" smtClean="0">
+                <a:solidFill>
+                  <a:schemeClr val="tx1"/>
+                </a:solidFill>
+                <a:latin typeface="+mn-lt"/>
+                <a:ea typeface="+mn-ea"/>
+                <a:cs typeface="+mn-cs"/>
+              </a:rPr>
+              <a:t>, including Courier New and Courier. Due to a quirk of notepad++, if you want </a:t>
+            </a:r>
+            <a:r>
+              <a:rPr lang="en-US" sz="1200" kern="1200" dirty="0" err="1" smtClean="0">
+                <a:solidFill>
+                  <a:schemeClr val="tx1"/>
+                </a:solidFill>
+                <a:latin typeface="+mn-lt"/>
+                <a:ea typeface="+mn-ea"/>
+                <a:cs typeface="+mn-cs"/>
+              </a:rPr>
+              <a:t>monospace</a:t>
+            </a:r>
+            <a:r>
+              <a:rPr lang="en-US" sz="1200" kern="1200" dirty="0" smtClean="0">
+                <a:solidFill>
+                  <a:schemeClr val="tx1"/>
+                </a:solidFill>
+                <a:latin typeface="+mn-lt"/>
+                <a:ea typeface="+mn-ea"/>
+                <a:cs typeface="+mn-cs"/>
+              </a:rPr>
+              <a:t>, you need to set the global default. The way to do this is to go to Settings-&gt;Style </a:t>
+            </a:r>
+            <a:r>
+              <a:rPr lang="en-US" sz="1200" kern="1200" dirty="0" err="1" smtClean="0">
+                <a:solidFill>
+                  <a:schemeClr val="tx1"/>
+                </a:solidFill>
+                <a:latin typeface="+mn-lt"/>
+                <a:ea typeface="+mn-ea"/>
+                <a:cs typeface="+mn-cs"/>
+              </a:rPr>
+              <a:t>Configurator</a:t>
+            </a:r>
+            <a:r>
+              <a:rPr lang="en-US" sz="1200" kern="1200" dirty="0" smtClean="0">
+                <a:solidFill>
+                  <a:schemeClr val="tx1"/>
+                </a:solidFill>
+                <a:latin typeface="+mn-lt"/>
+                <a:ea typeface="+mn-ea"/>
+                <a:cs typeface="+mn-cs"/>
+              </a:rPr>
+              <a:t> and edit Global Styles font to be Courier New.</a:t>
+            </a:r>
+          </a:p>
+          <a:p>
+            <a:endParaRPr lang="en-US" dirty="0"/>
           </a:p>
         </p:txBody>
       </p:sp>
@@ -1683,7 +1684,7 @@
           <a:bodyPr/>
           <a:lstStyle/>
           <a:p>
-            <a:fld id="{168E8D70-E694-4C4D-B96B-C3A6E4A6D822}" type="slidenum">
+            <a:fld id="{2711E83A-B2A6-4A88-A3A1-5D9650D03813}" type="slidenum">
               <a:rPr lang="en-US" smtClean="0"/>
               <a:pPr/>
               <a:t>19</a:t>
@@ -1769,6 +1770,88 @@
               <a:rPr lang="en-US" smtClean="0"/>
               <a:pPr/>
               <a:t>2</a:t>
+            </a:fld>
+            <a:endParaRPr lang="en-US"/>
+          </a:p>
+        </p:txBody>
+      </p:sp>
+    </p:spTree>
+  </p:cSld>
+  <p:clrMapOvr>
+    <a:masterClrMapping/>
+  </p:clrMapOvr>
+</p:notes>
+</file>
+
+<file path=ppt/notesSlides/notesSlide20.xml><?xml version="1.0" encoding="utf-8"?>
+<p:notes xmlns:a="http://schemas.openxmlformats.org/drawingml/2006/main" xmlns:r="http://schemas.openxmlformats.org/officeDocument/2006/relationships" xmlns:p="http://schemas.openxmlformats.org/presentationml/2006/main">
+  <p:cSld>
+    <p:spTree>
+      <p:nvGrpSpPr>
+        <p:cNvPr id="1" name=""/>
+        <p:cNvGrpSpPr/>
+        <p:nvPr/>
+      </p:nvGrpSpPr>
+      <p:grpSpPr>
+        <a:xfrm>
+          <a:off x="0" y="0"/>
+          <a:ext cx="0" cy="0"/>
+          <a:chOff x="0" y="0"/>
+          <a:chExt cx="0" cy="0"/>
+        </a:xfrm>
+      </p:grpSpPr>
+      <p:sp>
+        <p:nvSpPr>
+          <p:cNvPr id="2" name="Slide Image Placeholder 1"/>
+          <p:cNvSpPr>
+            <a:spLocks noGrp="1" noRot="1" noChangeAspect="1"/>
+          </p:cNvSpPr>
+          <p:nvPr>
+            <p:ph type="sldImg"/>
+          </p:nvPr>
+        </p:nvSpPr>
+        <p:spPr/>
+      </p:sp>
+      <p:sp>
+        <p:nvSpPr>
+          <p:cNvPr id="3" name="Notes Placeholder 2"/>
+          <p:cNvSpPr>
+            <a:spLocks noGrp="1"/>
+          </p:cNvSpPr>
+          <p:nvPr>
+            <p:ph type="body" idx="1"/>
+          </p:nvPr>
+        </p:nvSpPr>
+        <p:spPr/>
+        <p:txBody>
+          <a:bodyPr>
+            <a:normAutofit/>
+          </a:bodyPr>
+          <a:lstStyle/>
+          <a:p>
+            <a:endParaRPr lang="en-US"/>
+          </a:p>
+        </p:txBody>
+      </p:sp>
+      <p:sp>
+        <p:nvSpPr>
+          <p:cNvPr id="4" name="Slide Number Placeholder 3"/>
+          <p:cNvSpPr>
+            <a:spLocks noGrp="1"/>
+          </p:cNvSpPr>
+          <p:nvPr>
+            <p:ph type="sldNum" sz="quarter" idx="10"/>
+          </p:nvPr>
+        </p:nvSpPr>
+        <p:spPr/>
+        <p:txBody>
+          <a:bodyPr/>
+          <a:lstStyle/>
+          <a:p>
+            <a:fld id="{168E8D70-E694-4C4D-B96B-C3A6E4A6D822}" type="slidenum">
+              <a:rPr lang="en-US" smtClean="0"/>
+              <a:pPr/>
+              <a:t>20</a:t>
             </a:fld>
             <a:endParaRPr lang="en-US"/>
           </a:p>
@@ -2610,7 +2693,7 @@
             <a:fld id="{99D1FB89-835D-464F-A26E-B0A973C390E0}" type="datetimeFigureOut">
               <a:rPr lang="en-US" smtClean="0"/>
               <a:pPr/>
-              <a:t>8/27/2009</a:t>
+              <a:t>8/31/2009</a:t>
             </a:fld>
             <a:endParaRPr lang="en-US"/>
           </a:p>
@@ -2777,7 +2860,7 @@
             <a:fld id="{99D1FB89-835D-464F-A26E-B0A973C390E0}" type="datetimeFigureOut">
               <a:rPr lang="en-US" smtClean="0"/>
               <a:pPr/>
-              <a:t>8/27/2009</a:t>
+              <a:t>8/31/2009</a:t>
             </a:fld>
             <a:endParaRPr lang="en-US"/>
           </a:p>
@@ -2954,7 +3037,7 @@
             <a:fld id="{99D1FB89-835D-464F-A26E-B0A973C390E0}" type="datetimeFigureOut">
               <a:rPr lang="en-US" smtClean="0"/>
               <a:pPr/>
-              <a:t>8/27/2009</a:t>
+              <a:t>8/31/2009</a:t>
             </a:fld>
             <a:endParaRPr lang="en-US"/>
           </a:p>
@@ -3121,7 +3204,7 @@
             <a:fld id="{99D1FB89-835D-464F-A26E-B0A973C390E0}" type="datetimeFigureOut">
               <a:rPr lang="en-US" smtClean="0"/>
               <a:pPr/>
-              <a:t>8/27/2009</a:t>
+              <a:t>8/31/2009</a:t>
             </a:fld>
             <a:endParaRPr lang="en-US"/>
           </a:p>
@@ -3364,7 +3447,7 @@
             <a:fld id="{99D1FB89-835D-464F-A26E-B0A973C390E0}" type="datetimeFigureOut">
               <a:rPr lang="en-US" smtClean="0"/>
               <a:pPr/>
-              <a:t>8/27/2009</a:t>
+              <a:t>8/31/2009</a:t>
             </a:fld>
             <a:endParaRPr lang="en-US"/>
           </a:p>
@@ -3649,7 +3732,7 @@
             <a:fld id="{99D1FB89-835D-464F-A26E-B0A973C390E0}" type="datetimeFigureOut">
               <a:rPr lang="en-US" smtClean="0"/>
               <a:pPr/>
-              <a:t>8/27/2009</a:t>
+              <a:t>8/31/2009</a:t>
             </a:fld>
             <a:endParaRPr lang="en-US"/>
           </a:p>
@@ -4068,7 +4151,7 @@
             <a:fld id="{99D1FB89-835D-464F-A26E-B0A973C390E0}" type="datetimeFigureOut">
               <a:rPr lang="en-US" smtClean="0"/>
               <a:pPr/>
-              <a:t>8/27/2009</a:t>
+              <a:t>8/31/2009</a:t>
             </a:fld>
             <a:endParaRPr lang="en-US"/>
           </a:p>
@@ -4183,7 +4266,7 @@
             <a:fld id="{99D1FB89-835D-464F-A26E-B0A973C390E0}" type="datetimeFigureOut">
               <a:rPr lang="en-US" smtClean="0"/>
               <a:pPr/>
-              <a:t>8/27/2009</a:t>
+              <a:t>8/31/2009</a:t>
             </a:fld>
             <a:endParaRPr lang="en-US"/>
           </a:p>
@@ -4275,7 +4358,7 @@
             <a:fld id="{99D1FB89-835D-464F-A26E-B0A973C390E0}" type="datetimeFigureOut">
               <a:rPr lang="en-US" smtClean="0"/>
               <a:pPr/>
-              <a:t>8/27/2009</a:t>
+              <a:t>8/31/2009</a:t>
             </a:fld>
             <a:endParaRPr lang="en-US"/>
           </a:p>
@@ -4549,7 +4632,7 @@
             <a:fld id="{99D1FB89-835D-464F-A26E-B0A973C390E0}" type="datetimeFigureOut">
               <a:rPr lang="en-US" smtClean="0"/>
               <a:pPr/>
-              <a:t>8/27/2009</a:t>
+              <a:t>8/31/2009</a:t>
             </a:fld>
             <a:endParaRPr lang="en-US"/>
           </a:p>
@@ -4799,7 +4882,7 @@
             <a:fld id="{99D1FB89-835D-464F-A26E-B0A973C390E0}" type="datetimeFigureOut">
               <a:rPr lang="en-US" smtClean="0"/>
               <a:pPr/>
-              <a:t>8/27/2009</a:t>
+              <a:t>8/31/2009</a:t>
             </a:fld>
             <a:endParaRPr lang="en-US"/>
           </a:p>
@@ -5009,7 +5092,7 @@
             <a:fld id="{99D1FB89-835D-464F-A26E-B0A973C390E0}" type="datetimeFigureOut">
               <a:rPr lang="en-US" smtClean="0"/>
               <a:pPr/>
-              <a:t>8/27/2009</a:t>
+              <a:t>8/31/2009</a:t>
             </a:fld>
             <a:endParaRPr lang="en-US"/>
           </a:p>
@@ -7279,6 +7362,14 @@
 <file path=ppt/slides/slide17.xml><?xml version="1.0" encoding="utf-8"?>
 <p:sld xmlns:a="http://schemas.openxmlformats.org/drawingml/2006/main" xmlns:r="http://schemas.openxmlformats.org/officeDocument/2006/relationships" xmlns:p="http://schemas.openxmlformats.org/presentationml/2006/main">
   <p:cSld>
+    <p:bg>
+      <p:bgPr>
+        <a:solidFill>
+          <a:schemeClr val="bg1"/>
+        </a:solidFill>
+        <a:effectLst/>
+      </p:bgPr>
+    </p:bg>
     <p:spTree>
       <p:nvGrpSpPr>
         <p:cNvPr id="1" name=""/>
@@ -7293,134 +7384,11 @@
           <a:chExt cx="0" cy="0"/>
         </a:xfrm>
       </p:grpSpPr>
-      <p:sp>
-        <p:nvSpPr>
-          <p:cNvPr id="2" name="Title 1"/>
-          <p:cNvSpPr>
-            <a:spLocks noGrp="1"/>
-          </p:cNvSpPr>
-          <p:nvPr>
-            <p:ph type="title"/>
-          </p:nvPr>
-        </p:nvSpPr>
-        <p:spPr/>
-        <p:txBody>
-          <a:bodyPr/>
-          <a:lstStyle/>
-          <a:p>
-            <a:endParaRPr lang="en-US"/>
-          </a:p>
-        </p:txBody>
-      </p:sp>
-      <p:sp>
-        <p:nvSpPr>
-          <p:cNvPr id="3" name="Content Placeholder 2"/>
-          <p:cNvSpPr>
-            <a:spLocks noGrp="1"/>
-          </p:cNvSpPr>
-          <p:nvPr>
-            <p:ph idx="1"/>
-          </p:nvPr>
-        </p:nvSpPr>
-        <p:spPr/>
-        <p:txBody>
-          <a:bodyPr/>
-          <a:lstStyle/>
-          <a:p>
-            <a:endParaRPr lang="en-US"/>
-          </a:p>
-        </p:txBody>
-      </p:sp>
-      <p:pic>
-        <p:nvPicPr>
-          <p:cNvPr id="4" name="Picture 5"/>
-          <p:cNvPicPr>
-            <a:picLocks noChangeAspect="1" noChangeArrowheads="1"/>
-          </p:cNvPicPr>
-          <p:nvPr/>
-        </p:nvPicPr>
-        <p:blipFill>
-          <a:blip r:embed="rId3" cstate="print"/>
-          <a:srcRect/>
-          <a:stretch>
-            <a:fillRect/>
-          </a:stretch>
-        </p:blipFill>
-        <p:spPr bwMode="auto">
-          <a:xfrm>
-            <a:off x="228600" y="1371600"/>
-            <a:ext cx="3508442" cy="4246268"/>
-          </a:xfrm>
-          <a:prstGeom prst="rect">
-            <a:avLst/>
-          </a:prstGeom>
-          <a:noFill/>
-          <a:ln w="9525">
-            <a:noFill/>
-            <a:miter lim="800000"/>
-            <a:headEnd/>
-            <a:tailEnd/>
-          </a:ln>
-        </p:spPr>
-      </p:pic>
-      <p:sp>
-        <p:nvSpPr>
-          <p:cNvPr id="5" name="Oval 4"/>
-          <p:cNvSpPr/>
-          <p:nvPr/>
-        </p:nvSpPr>
-        <p:spPr>
-          <a:xfrm>
-            <a:off x="152400" y="2819400"/>
-            <a:ext cx="2209800" cy="838200"/>
-          </a:xfrm>
-          <a:prstGeom prst="ellipse">
-            <a:avLst/>
-          </a:prstGeom>
-          <a:noFill/>
-          <a:ln w="57150">
-            <a:solidFill>
-              <a:srgbClr val="FF0000"/>
-            </a:solidFill>
-          </a:ln>
-        </p:spPr>
-        <p:style>
-          <a:lnRef idx="2">
-            <a:schemeClr val="accent1">
-              <a:shade val="50000"/>
-            </a:schemeClr>
-          </a:lnRef>
-          <a:fillRef idx="1">
-            <a:schemeClr val="accent1"/>
-          </a:fillRef>
-          <a:effectRef idx="0">
-            <a:schemeClr val="accent1"/>
-          </a:effectRef>
-          <a:fontRef idx="minor">
-            <a:schemeClr val="lt1"/>
-          </a:fontRef>
-        </p:style>
-        <p:txBody>
-          <a:bodyPr rtlCol="0" anchor="ctr"/>
-          <a:lstStyle/>
-          <a:p>
-            <a:pPr algn="ctr"/>
-            <a:endParaRPr lang="en-US"/>
-          </a:p>
-        </p:txBody>
-      </p:sp>
     </p:spTree>
   </p:cSld>
   <p:clrMapOvr>
     <a:masterClrMapping/>
   </p:clrMapOvr>
-  <p:timing>
-    <p:tnLst>
-      <p:par>
-        <p:cTn id="1" dur="indefinite" restart="never" nodeType="tmRoot"/>
-      </p:par>
-    </p:tnLst>
-  </p:timing>
 </p:sld>
 </file>
 
@@ -7456,23 +7424,36 @@
           <a:bodyPr/>
           <a:lstStyle/>
           <a:p>
-            <a:r>
-              <a:rPr lang="en-US" dirty="0" smtClean="0"/>
-              <a:t>Install Notepad++</a:t>
-            </a:r>
-            <a:endParaRPr lang="en-US" dirty="0"/>
+            <a:endParaRPr lang="en-US"/>
+          </a:p>
+        </p:txBody>
+      </p:sp>
+      <p:sp>
+        <p:nvSpPr>
+          <p:cNvPr id="3" name="Content Placeholder 2"/>
+          <p:cNvSpPr>
+            <a:spLocks noGrp="1"/>
+          </p:cNvSpPr>
+          <p:nvPr>
+            <p:ph idx="1"/>
+          </p:nvPr>
+        </p:nvSpPr>
+        <p:spPr/>
+        <p:txBody>
+          <a:bodyPr/>
+          <a:lstStyle/>
+          <a:p>
+            <a:endParaRPr lang="en-US"/>
           </a:p>
         </p:txBody>
       </p:sp>
       <p:pic>
         <p:nvPicPr>
-          <p:cNvPr id="4" name="Content Placeholder 3"/>
+          <p:cNvPr id="4" name="Picture 5"/>
           <p:cNvPicPr>
-            <a:picLocks noGrp="1"/>
+            <a:picLocks noChangeAspect="1" noChangeArrowheads="1"/>
           </p:cNvPicPr>
-          <p:nvPr>
-            <p:ph idx="1"/>
-          </p:nvPr>
+          <p:nvPr/>
         </p:nvPicPr>
         <p:blipFill>
           <a:blip r:embed="rId3" cstate="print"/>
@@ -7483,8 +7464,8 @@
         </p:blipFill>
         <p:spPr bwMode="auto">
           <a:xfrm>
-            <a:off x="2286000" y="2514600"/>
-            <a:ext cx="4790477" cy="3742857"/>
+            <a:off x="228600" y="1371600"/>
+            <a:ext cx="3508442" cy="4246268"/>
           </a:xfrm>
           <a:prstGeom prst="rect">
             <a:avLst/>
@@ -7500,30 +7481,47 @@
       </p:pic>
       <p:sp>
         <p:nvSpPr>
-          <p:cNvPr id="5" name="Rectangle 4"/>
+          <p:cNvPr id="5" name="Oval 4"/>
           <p:cNvSpPr/>
           <p:nvPr/>
         </p:nvSpPr>
         <p:spPr>
           <a:xfrm>
-            <a:off x="1676400" y="1600200"/>
-            <a:ext cx="5943600" cy="369332"/>
-          </a:xfrm>
-          <a:prstGeom prst="rect">
+            <a:off x="152400" y="2819400"/>
+            <a:ext cx="2209800" cy="838200"/>
+          </a:xfrm>
+          <a:prstGeom prst="ellipse">
             <a:avLst/>
           </a:prstGeom>
-        </p:spPr>
-        <p:txBody>
-          <a:bodyPr wrap="square">
-            <a:spAutoFit/>
-          </a:bodyPr>
-          <a:lstStyle/>
-          <a:p>
-            <a:pPr lvl="0"/>
-            <a:r>
-              <a:rPr lang="en-US" dirty="0"/>
-              <a:t>Install Notepad++ with the option “Don’t use %APPDATA%”.</a:t>
-            </a:r>
+          <a:noFill/>
+          <a:ln w="57150">
+            <a:solidFill>
+              <a:srgbClr val="FF0000"/>
+            </a:solidFill>
+          </a:ln>
+        </p:spPr>
+        <p:style>
+          <a:lnRef idx="2">
+            <a:schemeClr val="accent1">
+              <a:shade val="50000"/>
+            </a:schemeClr>
+          </a:lnRef>
+          <a:fillRef idx="1">
+            <a:schemeClr val="accent1"/>
+          </a:fillRef>
+          <a:effectRef idx="0">
+            <a:schemeClr val="accent1"/>
+          </a:effectRef>
+          <a:fontRef idx="minor">
+            <a:schemeClr val="lt1"/>
+          </a:fontRef>
+        </p:style>
+        <p:txBody>
+          <a:bodyPr rtlCol="0" anchor="ctr"/>
+          <a:lstStyle/>
+          <a:p>
+            <a:pPr algn="ctr"/>
+            <a:endParaRPr lang="en-US"/>
           </a:p>
         </p:txBody>
       </p:sp>
@@ -7561,88 +7559,36 @@
       </p:grpSpPr>
       <p:sp>
         <p:nvSpPr>
-          <p:cNvPr id="1185794" name="Rectangle 2"/>
-          <p:cNvSpPr>
-            <a:spLocks noChangeArrowheads="1"/>
-          </p:cNvSpPr>
-          <p:nvPr/>
-        </p:nvSpPr>
-        <p:spPr bwMode="auto">
-          <a:xfrm>
-            <a:off x="304800" y="381000"/>
-            <a:ext cx="8382000" cy="1828800"/>
-          </a:xfrm>
-          <a:prstGeom prst="rect">
-            <a:avLst/>
-          </a:prstGeom>
-          <a:solidFill>
-            <a:schemeClr val="bg1"/>
-          </a:solidFill>
-          <a:ln w="9525" algn="ctr">
-            <a:noFill/>
-            <a:miter lim="800000"/>
-            <a:headEnd/>
-            <a:tailEnd/>
-          </a:ln>
-          <a:effectLst/>
-        </p:spPr>
-        <p:txBody>
-          <a:bodyPr wrap="none" lIns="0" tIns="0" rIns="0" bIns="0" anchor="ctr">
-            <a:spAutoFit/>
-          </a:bodyPr>
-          <a:lstStyle/>
-          <a:p>
-            <a:endParaRPr lang="en-US"/>
-          </a:p>
-        </p:txBody>
-      </p:sp>
-      <p:sp>
-        <p:nvSpPr>
-          <p:cNvPr id="1185795" name="Rectangle 3"/>
-          <p:cNvSpPr>
-            <a:spLocks noGrp="1" noChangeArrowheads="1"/>
-          </p:cNvSpPr>
-          <p:nvPr>
-            <p:ph type="body" idx="1"/>
-          </p:nvPr>
-        </p:nvSpPr>
-        <p:spPr>
-          <a:xfrm>
-            <a:off x="685800" y="2590800"/>
-            <a:ext cx="7772400" cy="457200"/>
-          </a:xfrm>
-        </p:spPr>
+          <p:cNvPr id="2" name="Title 1"/>
+          <p:cNvSpPr>
+            <a:spLocks noGrp="1"/>
+          </p:cNvSpPr>
+          <p:nvPr>
+            <p:ph type="title"/>
+          </p:nvPr>
+        </p:nvSpPr>
+        <p:spPr/>
         <p:txBody>
           <a:bodyPr/>
           <a:lstStyle/>
           <a:p>
-            <a:pPr>
-              <a:buFontTx/>
-              <a:buNone/>
-            </a:pPr>
-            <a:r>
-              <a:rPr lang="en-US" sz="2000">
-                <a:latin typeface="Arial" charset="0"/>
-              </a:rPr>
-              <a:t>                </a:t>
-            </a:r>
-            <a:r>
-              <a:rPr lang="en-US" sz="2000">
-                <a:latin typeface="Arial" charset="0"/>
-                <a:sym typeface="Wingdings" pitchFamily="2" charset="2"/>
-              </a:rPr>
-              <a:t> All Programs  DSM2v8  DSM2_documentation</a:t>
-            </a:r>
+            <a:r>
+              <a:rPr lang="en-US" dirty="0" smtClean="0"/>
+              <a:t>Install Notepad++</a:t>
+            </a:r>
+            <a:endParaRPr lang="en-US" dirty="0"/>
           </a:p>
         </p:txBody>
       </p:sp>
       <p:pic>
         <p:nvPicPr>
-          <p:cNvPr id="1185797" name="Picture 5" descr="0511-0812-0802-1129_Polar_Bear_Coaching_Young_Penguin_Soccer_Players_clipart_image"/>
+          <p:cNvPr id="4" name="Content Placeholder 3"/>
           <p:cNvPicPr>
-            <a:picLocks noChangeAspect="1" noChangeArrowheads="1"/>
+            <a:picLocks noGrp="1"/>
           </p:cNvPicPr>
-          <p:nvPr/>
+          <p:nvPr>
+            <p:ph idx="1"/>
+          </p:nvPr>
         </p:nvPicPr>
         <p:blipFill>
           <a:blip r:embed="rId3" cstate="print"/>
@@ -7653,156 +7599,50 @@
         </p:blipFill>
         <p:spPr bwMode="auto">
           <a:xfrm>
-            <a:off x="304800" y="384175"/>
-            <a:ext cx="3244850" cy="1825625"/>
+            <a:off x="2286000" y="2514600"/>
+            <a:ext cx="4790477" cy="3742857"/>
           </a:xfrm>
           <a:prstGeom prst="rect">
             <a:avLst/>
           </a:prstGeom>
           <a:noFill/>
+          <a:ln w="9525">
+            <a:noFill/>
+            <a:miter lim="800000"/>
+            <a:headEnd/>
+            <a:tailEnd/>
+          </a:ln>
         </p:spPr>
       </p:pic>
       <p:sp>
         <p:nvSpPr>
-          <p:cNvPr id="1185799" name="Rectangle 7"/>
-          <p:cNvSpPr>
-            <a:spLocks noGrp="1" noChangeArrowheads="1"/>
-          </p:cNvSpPr>
-          <p:nvPr>
-            <p:ph type="title"/>
-          </p:nvPr>
+          <p:cNvPr id="5" name="Rectangle 4"/>
+          <p:cNvSpPr/>
+          <p:nvPr/>
         </p:nvSpPr>
         <p:spPr>
           <a:xfrm>
-            <a:off x="2209800" y="1447800"/>
-            <a:ext cx="6400800" cy="533400"/>
-          </a:xfrm>
-        </p:spPr>
-        <p:txBody>
-          <a:bodyPr>
-            <a:normAutofit fontScale="90000"/>
-          </a:bodyPr>
-          <a:lstStyle/>
-          <a:p>
-            <a:pPr algn="r"/>
-            <a:r>
-              <a:rPr lang="en-US" sz="4000" b="1">
-                <a:solidFill>
-                  <a:srgbClr val="0099FF"/>
-                </a:solidFill>
-                <a:effectLst/>
-              </a:rPr>
-              <a:t>DSM2 Documentation</a:t>
-            </a:r>
-          </a:p>
-        </p:txBody>
-      </p:sp>
-      <p:sp>
-        <p:nvSpPr>
-          <p:cNvPr id="1185800" name="WordArt 8"/>
-          <p:cNvSpPr>
-            <a:spLocks noChangeArrowheads="1" noChangeShapeType="1" noTextEdit="1"/>
-          </p:cNvSpPr>
-          <p:nvPr/>
-        </p:nvSpPr>
-        <p:spPr bwMode="auto">
-          <a:xfrm>
-            <a:off x="3429000" y="457200"/>
-            <a:ext cx="4191000" cy="685800"/>
+            <a:off x="1676400" y="1600200"/>
+            <a:ext cx="5943600" cy="369332"/>
           </a:xfrm>
           <a:prstGeom prst="rect">
             <a:avLst/>
           </a:prstGeom>
         </p:spPr>
         <p:txBody>
-          <a:bodyPr wrap="none" fromWordArt="1">
-            <a:prstTxWarp prst="textWave1">
-              <a:avLst>
-                <a:gd name="adj1" fmla="val 13005"/>
-                <a:gd name="adj2" fmla="val 0"/>
-              </a:avLst>
-            </a:prstTxWarp>
+          <a:bodyPr wrap="square">
+            <a:spAutoFit/>
           </a:bodyPr>
           <a:lstStyle/>
           <a:p>
-            <a:pPr algn="ctr"/>
-            <a:r>
-              <a:rPr lang="en-US" sz="3600" kern="10">
-                <a:ln w="19050">
-                  <a:solidFill>
-                    <a:srgbClr val="99CCFF"/>
-                  </a:solidFill>
-                  <a:round/>
-                  <a:headEnd/>
-                  <a:tailEnd/>
-                </a:ln>
-                <a:solidFill>
-                  <a:srgbClr val="0066CC"/>
-                </a:solidFill>
-                <a:effectLst>
-                  <a:outerShdw dist="35921" dir="2700000" algn="ctr" rotWithShape="0">
-                    <a:srgbClr val="990000"/>
-                  </a:outerShdw>
-                </a:effectLst>
-                <a:latin typeface="Impact"/>
-              </a:rPr>
-              <a:t>DSM2 Cool Tip</a:t>
-            </a:r>
-          </a:p>
-        </p:txBody>
-      </p:sp>
-      <p:pic>
-        <p:nvPicPr>
-          <p:cNvPr id="1185803" name="Picture 11" descr="start button"/>
-          <p:cNvPicPr>
-            <a:picLocks noChangeAspect="1" noChangeArrowheads="1"/>
-          </p:cNvPicPr>
-          <p:nvPr/>
-        </p:nvPicPr>
-        <p:blipFill>
-          <a:blip r:embed="rId4" cstate="print"/>
-          <a:srcRect/>
-          <a:stretch>
-            <a:fillRect/>
-          </a:stretch>
-        </p:blipFill>
-        <p:spPr bwMode="auto">
-          <a:xfrm>
-            <a:off x="762000" y="2667000"/>
-            <a:ext cx="1123950" cy="274638"/>
-          </a:xfrm>
-          <a:prstGeom prst="rect">
-            <a:avLst/>
-          </a:prstGeom>
-          <a:noFill/>
-        </p:spPr>
-      </p:pic>
-      <p:pic>
-        <p:nvPicPr>
-          <p:cNvPr id="1185804" name="Picture 12" descr="documentation"/>
-          <p:cNvPicPr>
-            <a:picLocks noChangeAspect="1" noChangeArrowheads="1"/>
-          </p:cNvPicPr>
-          <p:nvPr/>
-        </p:nvPicPr>
-        <p:blipFill>
-          <a:blip r:embed="rId5" cstate="print"/>
-          <a:srcRect/>
-          <a:stretch>
-            <a:fillRect/>
-          </a:stretch>
-        </p:blipFill>
-        <p:spPr bwMode="auto">
-          <a:xfrm>
-            <a:off x="2319338" y="3048000"/>
-            <a:ext cx="4505325" cy="3705225"/>
-          </a:xfrm>
-          <a:prstGeom prst="rect">
-            <a:avLst/>
-          </a:prstGeom>
-          <a:noFill/>
-        </p:spPr>
-      </p:pic>
+            <a:pPr lvl="0"/>
+            <a:r>
+              <a:rPr lang="en-US" dirty="0"/>
+              <a:t>Install Notepad++ with the option “Don’t use %APPDATA%”.</a:t>
+            </a:r>
+          </a:p>
+        </p:txBody>
+      </p:sp>
     </p:spTree>
   </p:cSld>
   <p:clrMapOvr>
@@ -8004,6 +7844,282 @@
               </a:prstClr>
             </a:outerShdw>
           </a:effectLst>
+        </p:spPr>
+      </p:pic>
+    </p:spTree>
+  </p:cSld>
+  <p:clrMapOvr>
+    <a:masterClrMapping/>
+  </p:clrMapOvr>
+  <p:timing>
+    <p:tnLst>
+      <p:par>
+        <p:cTn id="1" dur="indefinite" restart="never" nodeType="tmRoot"/>
+      </p:par>
+    </p:tnLst>
+  </p:timing>
+</p:sld>
+</file>
+
+<file path=ppt/slides/slide20.xml><?xml version="1.0" encoding="utf-8"?>
+<p:sld xmlns:a="http://schemas.openxmlformats.org/drawingml/2006/main" xmlns:r="http://schemas.openxmlformats.org/officeDocument/2006/relationships" xmlns:p="http://schemas.openxmlformats.org/presentationml/2006/main">
+  <p:cSld>
+    <p:spTree>
+      <p:nvGrpSpPr>
+        <p:cNvPr id="1" name=""/>
+        <p:cNvGrpSpPr/>
+        <p:nvPr/>
+      </p:nvGrpSpPr>
+      <p:grpSpPr>
+        <a:xfrm>
+          <a:off x="0" y="0"/>
+          <a:ext cx="0" cy="0"/>
+          <a:chOff x="0" y="0"/>
+          <a:chExt cx="0" cy="0"/>
+        </a:xfrm>
+      </p:grpSpPr>
+      <p:sp>
+        <p:nvSpPr>
+          <p:cNvPr id="1185794" name="Rectangle 2"/>
+          <p:cNvSpPr>
+            <a:spLocks noChangeArrowheads="1"/>
+          </p:cNvSpPr>
+          <p:nvPr/>
+        </p:nvSpPr>
+        <p:spPr bwMode="auto">
+          <a:xfrm>
+            <a:off x="304800" y="381000"/>
+            <a:ext cx="8382000" cy="1828800"/>
+          </a:xfrm>
+          <a:prstGeom prst="rect">
+            <a:avLst/>
+          </a:prstGeom>
+          <a:solidFill>
+            <a:schemeClr val="bg1"/>
+          </a:solidFill>
+          <a:ln w="9525" algn="ctr">
+            <a:noFill/>
+            <a:miter lim="800000"/>
+            <a:headEnd/>
+            <a:tailEnd/>
+          </a:ln>
+          <a:effectLst/>
+        </p:spPr>
+        <p:txBody>
+          <a:bodyPr wrap="none" lIns="0" tIns="0" rIns="0" bIns="0" anchor="ctr">
+            <a:spAutoFit/>
+          </a:bodyPr>
+          <a:lstStyle/>
+          <a:p>
+            <a:endParaRPr lang="en-US"/>
+          </a:p>
+        </p:txBody>
+      </p:sp>
+      <p:sp>
+        <p:nvSpPr>
+          <p:cNvPr id="1185795" name="Rectangle 3"/>
+          <p:cNvSpPr>
+            <a:spLocks noGrp="1" noChangeArrowheads="1"/>
+          </p:cNvSpPr>
+          <p:nvPr>
+            <p:ph type="body" idx="1"/>
+          </p:nvPr>
+        </p:nvSpPr>
+        <p:spPr>
+          <a:xfrm>
+            <a:off x="685800" y="2590800"/>
+            <a:ext cx="7772400" cy="457200"/>
+          </a:xfrm>
+        </p:spPr>
+        <p:txBody>
+          <a:bodyPr/>
+          <a:lstStyle/>
+          <a:p>
+            <a:pPr>
+              <a:buFontTx/>
+              <a:buNone/>
+            </a:pPr>
+            <a:r>
+              <a:rPr lang="en-US" sz="2000">
+                <a:latin typeface="Arial" charset="0"/>
+              </a:rPr>
+              <a:t>                </a:t>
+            </a:r>
+            <a:r>
+              <a:rPr lang="en-US" sz="2000">
+                <a:latin typeface="Arial" charset="0"/>
+                <a:sym typeface="Wingdings" pitchFamily="2" charset="2"/>
+              </a:rPr>
+              <a:t> All Programs  DSM2v8  DSM2_documentation</a:t>
+            </a:r>
+          </a:p>
+        </p:txBody>
+      </p:sp>
+      <p:pic>
+        <p:nvPicPr>
+          <p:cNvPr id="1185797" name="Picture 5" descr="0511-0812-0802-1129_Polar_Bear_Coaching_Young_Penguin_Soccer_Players_clipart_image"/>
+          <p:cNvPicPr>
+            <a:picLocks noChangeAspect="1" noChangeArrowheads="1"/>
+          </p:cNvPicPr>
+          <p:nvPr/>
+        </p:nvPicPr>
+        <p:blipFill>
+          <a:blip r:embed="rId3" cstate="print"/>
+          <a:srcRect/>
+          <a:stretch>
+            <a:fillRect/>
+          </a:stretch>
+        </p:blipFill>
+        <p:spPr bwMode="auto">
+          <a:xfrm>
+            <a:off x="304800" y="384175"/>
+            <a:ext cx="3244850" cy="1825625"/>
+          </a:xfrm>
+          <a:prstGeom prst="rect">
+            <a:avLst/>
+          </a:prstGeom>
+          <a:noFill/>
+        </p:spPr>
+      </p:pic>
+      <p:sp>
+        <p:nvSpPr>
+          <p:cNvPr id="1185799" name="Rectangle 7"/>
+          <p:cNvSpPr>
+            <a:spLocks noGrp="1" noChangeArrowheads="1"/>
+          </p:cNvSpPr>
+          <p:nvPr>
+            <p:ph type="title"/>
+          </p:nvPr>
+        </p:nvSpPr>
+        <p:spPr>
+          <a:xfrm>
+            <a:off x="2209800" y="1447800"/>
+            <a:ext cx="6400800" cy="533400"/>
+          </a:xfrm>
+        </p:spPr>
+        <p:txBody>
+          <a:bodyPr>
+            <a:normAutofit fontScale="90000"/>
+          </a:bodyPr>
+          <a:lstStyle/>
+          <a:p>
+            <a:pPr algn="r"/>
+            <a:r>
+              <a:rPr lang="en-US" sz="4000" b="1">
+                <a:solidFill>
+                  <a:srgbClr val="0099FF"/>
+                </a:solidFill>
+                <a:effectLst/>
+              </a:rPr>
+              <a:t>DSM2 Documentation</a:t>
+            </a:r>
+          </a:p>
+        </p:txBody>
+      </p:sp>
+      <p:sp>
+        <p:nvSpPr>
+          <p:cNvPr id="1185800" name="WordArt 8"/>
+          <p:cNvSpPr>
+            <a:spLocks noChangeArrowheads="1" noChangeShapeType="1" noTextEdit="1"/>
+          </p:cNvSpPr>
+          <p:nvPr/>
+        </p:nvSpPr>
+        <p:spPr bwMode="auto">
+          <a:xfrm>
+            <a:off x="3429000" y="457200"/>
+            <a:ext cx="4191000" cy="685800"/>
+          </a:xfrm>
+          <a:prstGeom prst="rect">
+            <a:avLst/>
+          </a:prstGeom>
+        </p:spPr>
+        <p:txBody>
+          <a:bodyPr wrap="none" fromWordArt="1">
+            <a:prstTxWarp prst="textWave1">
+              <a:avLst>
+                <a:gd name="adj1" fmla="val 13005"/>
+                <a:gd name="adj2" fmla="val 0"/>
+              </a:avLst>
+            </a:prstTxWarp>
+          </a:bodyPr>
+          <a:lstStyle/>
+          <a:p>
+            <a:pPr algn="ctr"/>
+            <a:r>
+              <a:rPr lang="en-US" sz="3600" kern="10">
+                <a:ln w="19050">
+                  <a:solidFill>
+                    <a:srgbClr val="99CCFF"/>
+                  </a:solidFill>
+                  <a:round/>
+                  <a:headEnd/>
+                  <a:tailEnd/>
+                </a:ln>
+                <a:solidFill>
+                  <a:srgbClr val="0066CC"/>
+                </a:solidFill>
+                <a:effectLst>
+                  <a:outerShdw dist="35921" dir="2700000" algn="ctr" rotWithShape="0">
+                    <a:srgbClr val="990000"/>
+                  </a:outerShdw>
+                </a:effectLst>
+                <a:latin typeface="Impact"/>
+              </a:rPr>
+              <a:t>DSM2 Cool Tip</a:t>
+            </a:r>
+          </a:p>
+        </p:txBody>
+      </p:sp>
+      <p:pic>
+        <p:nvPicPr>
+          <p:cNvPr id="1185803" name="Picture 11" descr="start button"/>
+          <p:cNvPicPr>
+            <a:picLocks noChangeAspect="1" noChangeArrowheads="1"/>
+          </p:cNvPicPr>
+          <p:nvPr/>
+        </p:nvPicPr>
+        <p:blipFill>
+          <a:blip r:embed="rId4" cstate="print"/>
+          <a:srcRect/>
+          <a:stretch>
+            <a:fillRect/>
+          </a:stretch>
+        </p:blipFill>
+        <p:spPr bwMode="auto">
+          <a:xfrm>
+            <a:off x="762000" y="2667000"/>
+            <a:ext cx="1123950" cy="274638"/>
+          </a:xfrm>
+          <a:prstGeom prst="rect">
+            <a:avLst/>
+          </a:prstGeom>
+          <a:noFill/>
+        </p:spPr>
+      </p:pic>
+      <p:pic>
+        <p:nvPicPr>
+          <p:cNvPr id="1185804" name="Picture 12" descr="documentation"/>
+          <p:cNvPicPr>
+            <a:picLocks noChangeAspect="1" noChangeArrowheads="1"/>
+          </p:cNvPicPr>
+          <p:nvPr/>
+        </p:nvPicPr>
+        <p:blipFill>
+          <a:blip r:embed="rId5" cstate="print"/>
+          <a:srcRect/>
+          <a:stretch>
+            <a:fillRect/>
+          </a:stretch>
+        </p:blipFill>
+        <p:spPr bwMode="auto">
+          <a:xfrm>
+            <a:off x="2319338" y="3048000"/>
+            <a:ext cx="4505325" cy="3705225"/>
+          </a:xfrm>
+          <a:prstGeom prst="rect">
+            <a:avLst/>
+          </a:prstGeom>
+          <a:noFill/>
         </p:spPr>
       </p:pic>
     </p:spTree>

--- a/dsm2/presentations/DSM2 Installation.pptx
+++ b/dsm2/presentations/DSM2 Installation.pptx
@@ -5,7 +5,7 @@
     <p:sldMasterId id="2147483648" r:id="rId1"/>
   </p:sldMasterIdLst>
   <p:notesMasterIdLst>
-    <p:notesMasterId r:id="rId22"/>
+    <p:notesMasterId r:id="rId21"/>
   </p:notesMasterIdLst>
   <p:sldIdLst>
     <p:sldId id="256" r:id="rId2"/>
@@ -18,16 +18,15 @@
     <p:sldId id="268" r:id="rId9"/>
     <p:sldId id="270" r:id="rId10"/>
     <p:sldId id="278" r:id="rId11"/>
-    <p:sldId id="260" r:id="rId12"/>
-    <p:sldId id="275" r:id="rId13"/>
-    <p:sldId id="273" r:id="rId14"/>
-    <p:sldId id="272" r:id="rId15"/>
-    <p:sldId id="276" r:id="rId16"/>
-    <p:sldId id="282" r:id="rId17"/>
-    <p:sldId id="283" r:id="rId18"/>
-    <p:sldId id="262" r:id="rId19"/>
-    <p:sldId id="269" r:id="rId20"/>
-    <p:sldId id="281" r:id="rId21"/>
+    <p:sldId id="275" r:id="rId12"/>
+    <p:sldId id="273" r:id="rId13"/>
+    <p:sldId id="272" r:id="rId14"/>
+    <p:sldId id="276" r:id="rId15"/>
+    <p:sldId id="282" r:id="rId16"/>
+    <p:sldId id="283" r:id="rId17"/>
+    <p:sldId id="262" r:id="rId18"/>
+    <p:sldId id="269" r:id="rId19"/>
+    <p:sldId id="281" r:id="rId20"/>
   </p:sldIdLst>
   <p:sldSz cx="9144000" cy="6858000" type="screen4x3"/>
   <p:notesSz cx="6858000" cy="9144000"/>
@@ -606,7 +605,19 @@
           </a:bodyPr>
           <a:lstStyle/>
           <a:p>
-            <a:endParaRPr lang="en-US"/>
+            <a:r>
+              <a:rPr lang="en-US" dirty="0" smtClean="0"/>
+              <a:t>Instructions for syntax highlighting configurations</a:t>
+            </a:r>
+            <a:r>
+              <a:rPr lang="en-US" baseline="0" dirty="0" smtClean="0"/>
+              <a:t> are in </a:t>
+            </a:r>
+            <a:r>
+              <a:rPr lang="en-US" dirty="0" smtClean="0"/>
+              <a:t>Readme.txt in the installed folder \dsm2_v8\extras\notepad++</a:t>
+            </a:r>
+            <a:endParaRPr lang="en-US" dirty="0"/>
           </a:p>
         </p:txBody>
       </p:sp>
@@ -770,7 +781,20 @@
           </a:bodyPr>
           <a:lstStyle/>
           <a:p>
-            <a:endParaRPr lang="en-US"/>
+            <a:r>
+              <a:rPr lang="en-US" sz="1200" kern="1200" dirty="0" smtClean="0">
+                <a:solidFill>
+                  <a:schemeClr val="tx1"/>
+                </a:solidFill>
+                <a:latin typeface="+mn-lt"/>
+                <a:ea typeface="+mn-ea"/>
+                <a:cs typeface="+mn-cs"/>
+              </a:rPr>
+              <a:t>Eli will cover this in detail.</a:t>
+            </a:r>
+          </a:p>
+          <a:p>
+            <a:endParaRPr lang="en-US" dirty="0"/>
           </a:p>
         </p:txBody>
       </p:sp>
@@ -865,6 +889,67 @@
             </a:r>
           </a:p>
           <a:p>
+            <a:endParaRPr lang="en-US" sz="1200" kern="1200" dirty="0" smtClean="0">
+              <a:solidFill>
+                <a:schemeClr val="tx1"/>
+              </a:solidFill>
+              <a:latin typeface="+mn-lt"/>
+              <a:ea typeface="+mn-ea"/>
+              <a:cs typeface="+mn-cs"/>
+            </a:endParaRPr>
+          </a:p>
+          <a:p>
+            <a:pPr lvl="1"/>
+            <a:r>
+              <a:rPr lang="en-US" sz="2400" dirty="0" smtClean="0"/>
+              <a:t>Hydro.exe and Qual.exe overwritten</a:t>
+            </a:r>
+          </a:p>
+          <a:p>
+            <a:pPr lvl="1"/>
+            <a:r>
+              <a:rPr lang="en-US" sz="2400" dirty="0" smtClean="0"/>
+              <a:t>/</a:t>
+            </a:r>
+            <a:r>
+              <a:rPr lang="en-US" sz="2400" dirty="0" err="1" smtClean="0"/>
+              <a:t>common_input</a:t>
+            </a:r>
+            <a:r>
+              <a:rPr lang="en-US" sz="2400" dirty="0" smtClean="0"/>
+              <a:t> augmented, nothing will be changed</a:t>
+            </a:r>
+          </a:p>
+          <a:p>
+            <a:pPr lvl="1"/>
+            <a:r>
+              <a:rPr lang="en-US" sz="2400" dirty="0" smtClean="0"/>
+              <a:t>/scripts replaced</a:t>
+            </a:r>
+          </a:p>
+          <a:p>
+            <a:pPr lvl="1"/>
+            <a:r>
+              <a:rPr lang="en-US" sz="2400" dirty="0" smtClean="0"/>
+              <a:t>/</a:t>
+            </a:r>
+            <a:r>
+              <a:rPr lang="en-US" sz="2400" dirty="0" err="1" smtClean="0"/>
+              <a:t>study_templates</a:t>
+            </a:r>
+            <a:r>
+              <a:rPr lang="en-US" sz="2400" dirty="0" smtClean="0"/>
+              <a:t> replaced</a:t>
+            </a:r>
+          </a:p>
+          <a:p>
+            <a:pPr lvl="1"/>
+            <a:r>
+              <a:rPr lang="en-US" sz="2400" dirty="0" smtClean="0"/>
+              <a:t>/study unchanged</a:t>
+            </a:r>
+          </a:p>
+          <a:p>
             <a:endParaRPr lang="en-US" dirty="0"/>
           </a:p>
         </p:txBody>
@@ -956,71 +1041,30 @@
                 <a:ea typeface="+mn-ea"/>
                 <a:cs typeface="+mn-cs"/>
               </a:rPr>
-              <a:t>Eli will cover this in detail.</a:t>
-            </a:r>
-          </a:p>
-          <a:p>
-            <a:endParaRPr lang="en-US" sz="1200" kern="1200" dirty="0" smtClean="0">
-              <a:solidFill>
-                <a:schemeClr val="tx1"/>
-              </a:solidFill>
-              <a:latin typeface="+mn-lt"/>
-              <a:ea typeface="+mn-ea"/>
-              <a:cs typeface="+mn-cs"/>
-            </a:endParaRPr>
-          </a:p>
-          <a:p>
-            <a:pPr lvl="1"/>
-            <a:r>
-              <a:rPr lang="en-US" sz="2400" dirty="0" smtClean="0"/>
-              <a:t>Hydro.exe and Qual.exe overwritten</a:t>
-            </a:r>
-          </a:p>
-          <a:p>
-            <a:pPr lvl="1"/>
-            <a:r>
-              <a:rPr lang="en-US" sz="2400" dirty="0" smtClean="0"/>
-              <a:t>/</a:t>
-            </a:r>
-            <a:r>
-              <a:rPr lang="en-US" sz="2400" dirty="0" err="1" smtClean="0"/>
-              <a:t>common_input</a:t>
-            </a:r>
-            <a:r>
-              <a:rPr lang="en-US" sz="2400" dirty="0" smtClean="0"/>
-              <a:t> augmented, nothing will be changed</a:t>
-            </a:r>
-          </a:p>
-          <a:p>
-            <a:pPr lvl="1"/>
-            <a:r>
-              <a:rPr lang="en-US" sz="2400" dirty="0" smtClean="0"/>
-              <a:t>/scripts replaced</a:t>
-            </a:r>
-          </a:p>
-          <a:p>
-            <a:pPr lvl="1"/>
-            <a:r>
-              <a:rPr lang="en-US" sz="2400" dirty="0" smtClean="0"/>
-              <a:t>/</a:t>
-            </a:r>
-            <a:r>
-              <a:rPr lang="en-US" sz="2400" dirty="0" err="1" smtClean="0"/>
-              <a:t>study_templates</a:t>
-            </a:r>
-            <a:r>
-              <a:rPr lang="en-US" sz="2400" dirty="0" smtClean="0"/>
-              <a:t> replaced</a:t>
-            </a:r>
-          </a:p>
-          <a:p>
-            <a:pPr lvl="1"/>
-            <a:r>
-              <a:rPr lang="en-US" sz="2400" dirty="0" smtClean="0"/>
-              <a:t>/study unchanged</a:t>
-            </a:r>
-          </a:p>
-          <a:p>
+              <a:t>New input files are added</a:t>
+            </a:r>
+            <a:r>
+              <a:rPr lang="en-US" sz="1200" kern="1200" baseline="0" dirty="0" smtClean="0">
+                <a:solidFill>
+                  <a:schemeClr val="tx1"/>
+                </a:solidFill>
+                <a:latin typeface="+mn-lt"/>
+                <a:ea typeface="+mn-ea"/>
+                <a:cs typeface="+mn-cs"/>
+              </a:rPr>
+              <a:t> but old files are not changed. </a:t>
+            </a:r>
+            <a:r>
+              <a:rPr lang="en-US" sz="1200" kern="1200" dirty="0" smtClean="0">
+                <a:solidFill>
+                  <a:schemeClr val="tx1"/>
+                </a:solidFill>
+                <a:latin typeface="+mn-lt"/>
+                <a:ea typeface="+mn-ea"/>
+                <a:cs typeface="+mn-cs"/>
+              </a:rPr>
+              <a:t>Eli is going to talk about archiving and multiple installation strategies later and this version stuff is going to come up again</a:t>
+            </a:r>
             <a:endParaRPr lang="en-US" dirty="0"/>
           </a:p>
         </p:txBody>
@@ -1103,40 +1147,7 @@
           </a:bodyPr>
           <a:lstStyle/>
           <a:p>
-            <a:r>
-              <a:rPr lang="en-US" sz="1200" kern="1200" dirty="0" smtClean="0">
-                <a:solidFill>
-                  <a:schemeClr val="tx1"/>
-                </a:solidFill>
-                <a:latin typeface="+mn-lt"/>
-                <a:ea typeface="+mn-ea"/>
-                <a:cs typeface="+mn-cs"/>
-              </a:rPr>
-              <a:t>New input files are added</a:t>
-            </a:r>
-            <a:r>
-              <a:rPr lang="en-US" sz="1200" kern="1200" baseline="0" dirty="0" smtClean="0">
-                <a:solidFill>
-                  <a:schemeClr val="tx1"/>
-                </a:solidFill>
-                <a:latin typeface="+mn-lt"/>
-                <a:ea typeface="+mn-ea"/>
-                <a:cs typeface="+mn-cs"/>
-              </a:rPr>
-              <a:t> but old files are not changed. </a:t>
-            </a:r>
-            <a:r>
-              <a:rPr lang="en-US" sz="1200" kern="1200" dirty="0" smtClean="0">
-                <a:solidFill>
-                  <a:schemeClr val="tx1"/>
-                </a:solidFill>
-                <a:latin typeface="+mn-lt"/>
-                <a:ea typeface="+mn-ea"/>
-                <a:cs typeface="+mn-cs"/>
-              </a:rPr>
-              <a:t>Eli is going to talk about archiving and multiple installation strategies later and this version stuff is going to come up again</a:t>
-            </a:r>
-            <a:endParaRPr lang="en-US" dirty="0"/>
+            <a:endParaRPr lang="en-US"/>
           </a:p>
         </p:txBody>
       </p:sp>
@@ -1382,7 +1393,208 @@
           </a:bodyPr>
           <a:lstStyle/>
           <a:p>
-            <a:endParaRPr lang="en-US"/>
+            <a:pPr lvl="0"/>
+            <a:r>
+              <a:rPr lang="en-US" sz="1200" kern="1200" dirty="0" smtClean="0">
+                <a:solidFill>
+                  <a:schemeClr val="tx1"/>
+                </a:solidFill>
+                <a:latin typeface="+mn-lt"/>
+                <a:ea typeface="+mn-ea"/>
+                <a:cs typeface="+mn-cs"/>
+              </a:rPr>
+              <a:t>Download Notepad++ from here: </a:t>
+            </a:r>
+          </a:p>
+          <a:p>
+            <a:r>
+              <a:rPr lang="en-US" sz="1200" u="sng" kern="1200" dirty="0" smtClean="0">
+                <a:solidFill>
+                  <a:schemeClr val="tx1"/>
+                </a:solidFill>
+                <a:latin typeface="+mn-lt"/>
+                <a:ea typeface="+mn-ea"/>
+                <a:cs typeface="+mn-cs"/>
+                <a:hlinkClick r:id="rId3"/>
+              </a:rPr>
+              <a:t>http://superb-west.dl.sourceforge.net/sourceforge/notepad-plus/npp.5.4.2.Installer.exe</a:t>
+            </a:r>
+            <a:endParaRPr lang="en-US" sz="1200" kern="1200" dirty="0" smtClean="0">
+              <a:solidFill>
+                <a:schemeClr val="tx1"/>
+              </a:solidFill>
+              <a:latin typeface="+mn-lt"/>
+              <a:ea typeface="+mn-ea"/>
+              <a:cs typeface="+mn-cs"/>
+            </a:endParaRPr>
+          </a:p>
+          <a:p>
+            <a:r>
+              <a:rPr lang="en-US" sz="1200" kern="1200" dirty="0" smtClean="0">
+                <a:solidFill>
+                  <a:schemeClr val="tx1"/>
+                </a:solidFill>
+                <a:latin typeface="+mn-lt"/>
+                <a:ea typeface="+mn-ea"/>
+                <a:cs typeface="+mn-cs"/>
+              </a:rPr>
+              <a:t> </a:t>
+            </a:r>
+          </a:p>
+          <a:p>
+            <a:pPr lvl="0"/>
+            <a:r>
+              <a:rPr lang="en-US" sz="1200" kern="1200" dirty="0" smtClean="0">
+                <a:solidFill>
+                  <a:schemeClr val="tx1"/>
+                </a:solidFill>
+                <a:latin typeface="+mn-lt"/>
+                <a:ea typeface="+mn-ea"/>
+                <a:cs typeface="+mn-cs"/>
+              </a:rPr>
+              <a:t>Install Notepad++ with the option “Don’t use %APPDATA%”.</a:t>
+            </a:r>
+          </a:p>
+          <a:p>
+            <a:pPr lvl="0"/>
+            <a:endParaRPr lang="en-US" sz="1200" kern="1200" dirty="0" smtClean="0">
+              <a:solidFill>
+                <a:schemeClr val="tx1"/>
+              </a:solidFill>
+              <a:latin typeface="+mn-lt"/>
+              <a:ea typeface="+mn-ea"/>
+              <a:cs typeface="+mn-cs"/>
+            </a:endParaRPr>
+          </a:p>
+          <a:p>
+            <a:pPr lvl="0"/>
+            <a:r>
+              <a:rPr lang="en-US" sz="1200" kern="1200" dirty="0" smtClean="0">
+                <a:solidFill>
+                  <a:schemeClr val="tx1"/>
+                </a:solidFill>
+                <a:latin typeface="+mn-lt"/>
+                <a:ea typeface="+mn-ea"/>
+                <a:cs typeface="+mn-cs"/>
+              </a:rPr>
+              <a:t>Copy the file “userDefineLang.xml” under “your dsm2_8 directory\extras\notepad++ “(e.g., “D:\delta\dsm2\extras\notepad++ “ ) to your Notepad++ installation folder (e.g., “C:\Program Files\Notepad++”).</a:t>
+            </a:r>
+          </a:p>
+          <a:p>
+            <a:pPr lvl="0"/>
+            <a:endParaRPr lang="en-US" sz="1200" kern="1200" dirty="0" smtClean="0">
+              <a:solidFill>
+                <a:schemeClr val="tx1"/>
+              </a:solidFill>
+              <a:latin typeface="+mn-lt"/>
+              <a:ea typeface="+mn-ea"/>
+              <a:cs typeface="+mn-cs"/>
+            </a:endParaRPr>
+          </a:p>
+          <a:p>
+            <a:pPr lvl="0"/>
+            <a:r>
+              <a:rPr lang="en-US" sz="1200" kern="1200" dirty="0" smtClean="0">
+                <a:solidFill>
+                  <a:schemeClr val="tx1"/>
+                </a:solidFill>
+                <a:latin typeface="+mn-lt"/>
+                <a:ea typeface="+mn-ea"/>
+                <a:cs typeface="+mn-cs"/>
+              </a:rPr>
+              <a:t>When working with tables you will want the columns to line up, so it is useful if all the characters are the same width – this is known as </a:t>
+            </a:r>
+            <a:r>
+              <a:rPr lang="en-US" sz="1200" kern="1200" dirty="0" err="1" smtClean="0">
+                <a:solidFill>
+                  <a:schemeClr val="tx1"/>
+                </a:solidFill>
+                <a:latin typeface="+mn-lt"/>
+                <a:ea typeface="+mn-ea"/>
+                <a:cs typeface="+mn-cs"/>
+              </a:rPr>
+              <a:t>monospace</a:t>
+            </a:r>
+            <a:r>
+              <a:rPr lang="en-US" sz="1200" kern="1200" dirty="0" smtClean="0">
+                <a:solidFill>
+                  <a:schemeClr val="tx1"/>
+                </a:solidFill>
+                <a:latin typeface="+mn-lt"/>
+                <a:ea typeface="+mn-ea"/>
+                <a:cs typeface="+mn-cs"/>
+              </a:rPr>
+              <a:t>. Only a few fonts are </a:t>
+            </a:r>
+            <a:r>
+              <a:rPr lang="en-US" sz="1200" kern="1200" dirty="0" err="1" smtClean="0">
+                <a:solidFill>
+                  <a:schemeClr val="tx1"/>
+                </a:solidFill>
+                <a:latin typeface="+mn-lt"/>
+                <a:ea typeface="+mn-ea"/>
+                <a:cs typeface="+mn-cs"/>
+              </a:rPr>
+              <a:t>monospace</a:t>
+            </a:r>
+            <a:r>
+              <a:rPr lang="en-US" sz="1200" kern="1200" dirty="0" smtClean="0">
+                <a:solidFill>
+                  <a:schemeClr val="tx1"/>
+                </a:solidFill>
+                <a:latin typeface="+mn-lt"/>
+                <a:ea typeface="+mn-ea"/>
+                <a:cs typeface="+mn-cs"/>
+              </a:rPr>
+              <a:t>, including Courier New and Courier. Due to a quirk of notepad++, if you want </a:t>
+            </a:r>
+            <a:r>
+              <a:rPr lang="en-US" sz="1200" kern="1200" dirty="0" err="1" smtClean="0">
+                <a:solidFill>
+                  <a:schemeClr val="tx1"/>
+                </a:solidFill>
+                <a:latin typeface="+mn-lt"/>
+                <a:ea typeface="+mn-ea"/>
+                <a:cs typeface="+mn-cs"/>
+              </a:rPr>
+              <a:t>monospace</a:t>
+            </a:r>
+            <a:r>
+              <a:rPr lang="en-US" sz="1200" kern="1200" dirty="0" smtClean="0">
+                <a:solidFill>
+                  <a:schemeClr val="tx1"/>
+                </a:solidFill>
+                <a:latin typeface="+mn-lt"/>
+                <a:ea typeface="+mn-ea"/>
+                <a:cs typeface="+mn-cs"/>
+              </a:rPr>
+              <a:t>, you need to set the global default. The way to do this is to go to Settings-&gt;Style </a:t>
+            </a:r>
+            <a:r>
+              <a:rPr lang="en-US" sz="1200" kern="1200" dirty="0" err="1" smtClean="0">
+                <a:solidFill>
+                  <a:schemeClr val="tx1"/>
+                </a:solidFill>
+                <a:latin typeface="+mn-lt"/>
+                <a:ea typeface="+mn-ea"/>
+                <a:cs typeface="+mn-cs"/>
+              </a:rPr>
+              <a:t>Configurator</a:t>
+            </a:r>
+            <a:r>
+              <a:rPr lang="en-US" sz="1200" kern="1200" dirty="0" smtClean="0">
+                <a:solidFill>
+                  <a:schemeClr val="tx1"/>
+                </a:solidFill>
+                <a:latin typeface="+mn-lt"/>
+                <a:ea typeface="+mn-ea"/>
+                <a:cs typeface="+mn-cs"/>
+              </a:rPr>
+              <a:t> and edit Global Styles font to be Courier New.</a:t>
+            </a:r>
+          </a:p>
+          <a:p>
+            <a:endParaRPr lang="en-US" dirty="0"/>
           </a:p>
         </p:txBody>
       </p:sp>
@@ -1464,208 +1676,7 @@
           </a:bodyPr>
           <a:lstStyle/>
           <a:p>
-            <a:pPr lvl="0"/>
-            <a:r>
-              <a:rPr lang="en-US" sz="1200" kern="1200" dirty="0" smtClean="0">
-                <a:solidFill>
-                  <a:schemeClr val="tx1"/>
-                </a:solidFill>
-                <a:latin typeface="+mn-lt"/>
-                <a:ea typeface="+mn-ea"/>
-                <a:cs typeface="+mn-cs"/>
-              </a:rPr>
-              <a:t>Download Notepad++ from here: </a:t>
-            </a:r>
-          </a:p>
-          <a:p>
-            <a:r>
-              <a:rPr lang="en-US" sz="1200" u="sng" kern="1200" dirty="0" smtClean="0">
-                <a:solidFill>
-                  <a:schemeClr val="tx1"/>
-                </a:solidFill>
-                <a:latin typeface="+mn-lt"/>
-                <a:ea typeface="+mn-ea"/>
-                <a:cs typeface="+mn-cs"/>
-                <a:hlinkClick r:id="rId3"/>
-              </a:rPr>
-              <a:t>http://superb-west.dl.sourceforge.net/sourceforge/notepad-plus/npp.5.4.2.Installer.exe</a:t>
-            </a:r>
-            <a:endParaRPr lang="en-US" sz="1200" kern="1200" dirty="0" smtClean="0">
-              <a:solidFill>
-                <a:schemeClr val="tx1"/>
-              </a:solidFill>
-              <a:latin typeface="+mn-lt"/>
-              <a:ea typeface="+mn-ea"/>
-              <a:cs typeface="+mn-cs"/>
-            </a:endParaRPr>
-          </a:p>
-          <a:p>
-            <a:r>
-              <a:rPr lang="en-US" sz="1200" kern="1200" dirty="0" smtClean="0">
-                <a:solidFill>
-                  <a:schemeClr val="tx1"/>
-                </a:solidFill>
-                <a:latin typeface="+mn-lt"/>
-                <a:ea typeface="+mn-ea"/>
-                <a:cs typeface="+mn-cs"/>
-              </a:rPr>
-              <a:t> </a:t>
-            </a:r>
-          </a:p>
-          <a:p>
-            <a:pPr lvl="0"/>
-            <a:r>
-              <a:rPr lang="en-US" sz="1200" kern="1200" dirty="0" smtClean="0">
-                <a:solidFill>
-                  <a:schemeClr val="tx1"/>
-                </a:solidFill>
-                <a:latin typeface="+mn-lt"/>
-                <a:ea typeface="+mn-ea"/>
-                <a:cs typeface="+mn-cs"/>
-              </a:rPr>
-              <a:t>Install Notepad++ with the option “Don’t use %APPDATA%”.</a:t>
-            </a:r>
-          </a:p>
-          <a:p>
-            <a:pPr lvl="0"/>
-            <a:endParaRPr lang="en-US" sz="1200" kern="1200" dirty="0" smtClean="0">
-              <a:solidFill>
-                <a:schemeClr val="tx1"/>
-              </a:solidFill>
-              <a:latin typeface="+mn-lt"/>
-              <a:ea typeface="+mn-ea"/>
-              <a:cs typeface="+mn-cs"/>
-            </a:endParaRPr>
-          </a:p>
-          <a:p>
-            <a:pPr lvl="0"/>
-            <a:r>
-              <a:rPr lang="en-US" sz="1200" kern="1200" dirty="0" smtClean="0">
-                <a:solidFill>
-                  <a:schemeClr val="tx1"/>
-                </a:solidFill>
-                <a:latin typeface="+mn-lt"/>
-                <a:ea typeface="+mn-ea"/>
-                <a:cs typeface="+mn-cs"/>
-              </a:rPr>
-              <a:t>Copy the file “userDefineLang.xml” under “your dsm2_8 directory\extras\notepad++ “(e.g., “D:\delta\dsm2\extras\notepad++ “ ) to your Notepad++ installation folder (e.g., “C:\Program Files\Notepad++”).</a:t>
-            </a:r>
-          </a:p>
-          <a:p>
-            <a:pPr lvl="0"/>
-            <a:endParaRPr lang="en-US" sz="1200" kern="1200" dirty="0" smtClean="0">
-              <a:solidFill>
-                <a:schemeClr val="tx1"/>
-              </a:solidFill>
-              <a:latin typeface="+mn-lt"/>
-              <a:ea typeface="+mn-ea"/>
-              <a:cs typeface="+mn-cs"/>
-            </a:endParaRPr>
-          </a:p>
-          <a:p>
-            <a:pPr lvl="0"/>
-            <a:r>
-              <a:rPr lang="en-US" sz="1200" kern="1200" dirty="0" smtClean="0">
-                <a:solidFill>
-                  <a:schemeClr val="tx1"/>
-                </a:solidFill>
-                <a:latin typeface="+mn-lt"/>
-                <a:ea typeface="+mn-ea"/>
-                <a:cs typeface="+mn-cs"/>
-              </a:rPr>
-              <a:t>When working with tables you will want the columns to line up, so it is useful if all the characters are the same width – this is known as </a:t>
-            </a:r>
-            <a:r>
-              <a:rPr lang="en-US" sz="1200" kern="1200" dirty="0" err="1" smtClean="0">
-                <a:solidFill>
-                  <a:schemeClr val="tx1"/>
-                </a:solidFill>
-                <a:latin typeface="+mn-lt"/>
-                <a:ea typeface="+mn-ea"/>
-                <a:cs typeface="+mn-cs"/>
-              </a:rPr>
-              <a:t>monospace</a:t>
-            </a:r>
-            <a:r>
-              <a:rPr lang="en-US" sz="1200" kern="1200" dirty="0" smtClean="0">
-                <a:solidFill>
-                  <a:schemeClr val="tx1"/>
-                </a:solidFill>
-                <a:latin typeface="+mn-lt"/>
-                <a:ea typeface="+mn-ea"/>
-                <a:cs typeface="+mn-cs"/>
-              </a:rPr>
-              <a:t>. Only a few fonts are </a:t>
-            </a:r>
-            <a:r>
-              <a:rPr lang="en-US" sz="1200" kern="1200" dirty="0" err="1" smtClean="0">
-                <a:solidFill>
-                  <a:schemeClr val="tx1"/>
-                </a:solidFill>
-                <a:latin typeface="+mn-lt"/>
-                <a:ea typeface="+mn-ea"/>
-                <a:cs typeface="+mn-cs"/>
-              </a:rPr>
-              <a:t>monospace</a:t>
-            </a:r>
-            <a:r>
-              <a:rPr lang="en-US" sz="1200" kern="1200" dirty="0" smtClean="0">
-                <a:solidFill>
-                  <a:schemeClr val="tx1"/>
-                </a:solidFill>
-                <a:latin typeface="+mn-lt"/>
-                <a:ea typeface="+mn-ea"/>
-                <a:cs typeface="+mn-cs"/>
-              </a:rPr>
-              <a:t>, including Courier New and Courier. Due to a quirk of notepad++, if you want </a:t>
-            </a:r>
-            <a:r>
-              <a:rPr lang="en-US" sz="1200" kern="1200" dirty="0" err="1" smtClean="0">
-                <a:solidFill>
-                  <a:schemeClr val="tx1"/>
-                </a:solidFill>
-                <a:latin typeface="+mn-lt"/>
-                <a:ea typeface="+mn-ea"/>
-                <a:cs typeface="+mn-cs"/>
-              </a:rPr>
-              <a:t>monospace</a:t>
-            </a:r>
-            <a:r>
-              <a:rPr lang="en-US" sz="1200" kern="1200" dirty="0" smtClean="0">
-                <a:solidFill>
-                  <a:schemeClr val="tx1"/>
-                </a:solidFill>
-                <a:latin typeface="+mn-lt"/>
-                <a:ea typeface="+mn-ea"/>
-                <a:cs typeface="+mn-cs"/>
-              </a:rPr>
-              <a:t>, you need to set the global default. The way to do this is to go to Settings-&gt;Style </a:t>
-            </a:r>
-            <a:r>
-              <a:rPr lang="en-US" sz="1200" kern="1200" dirty="0" err="1" smtClean="0">
-                <a:solidFill>
-                  <a:schemeClr val="tx1"/>
-                </a:solidFill>
-                <a:latin typeface="+mn-lt"/>
-                <a:ea typeface="+mn-ea"/>
-                <a:cs typeface="+mn-cs"/>
-              </a:rPr>
-              <a:t>Configurator</a:t>
-            </a:r>
-            <a:r>
-              <a:rPr lang="en-US" sz="1200" kern="1200" dirty="0" smtClean="0">
-                <a:solidFill>
-                  <a:schemeClr val="tx1"/>
-                </a:solidFill>
-                <a:latin typeface="+mn-lt"/>
-                <a:ea typeface="+mn-ea"/>
-                <a:cs typeface="+mn-cs"/>
-              </a:rPr>
-              <a:t> and edit Global Styles font to be Courier New.</a:t>
-            </a:r>
-          </a:p>
-          <a:p>
-            <a:endParaRPr lang="en-US" dirty="0"/>
+            <a:endParaRPr lang="en-US"/>
           </a:p>
         </p:txBody>
       </p:sp>
@@ -1684,7 +1695,7 @@
           <a:bodyPr/>
           <a:lstStyle/>
           <a:p>
-            <a:fld id="{2711E83A-B2A6-4A88-A3A1-5D9650D03813}" type="slidenum">
+            <a:fld id="{168E8D70-E694-4C4D-B96B-C3A6E4A6D822}" type="slidenum">
               <a:rPr lang="en-US" smtClean="0"/>
               <a:pPr/>
               <a:t>19</a:t>
@@ -1770,88 +1781,6 @@
               <a:rPr lang="en-US" smtClean="0"/>
               <a:pPr/>
               <a:t>2</a:t>
-            </a:fld>
-            <a:endParaRPr lang="en-US"/>
-          </a:p>
-        </p:txBody>
-      </p:sp>
-    </p:spTree>
-  </p:cSld>
-  <p:clrMapOvr>
-    <a:masterClrMapping/>
-  </p:clrMapOvr>
-</p:notes>
-</file>
-
-<file path=ppt/notesSlides/notesSlide20.xml><?xml version="1.0" encoding="utf-8"?>
-<p:notes xmlns:a="http://schemas.openxmlformats.org/drawingml/2006/main" xmlns:r="http://schemas.openxmlformats.org/officeDocument/2006/relationships" xmlns:p="http://schemas.openxmlformats.org/presentationml/2006/main">
-  <p:cSld>
-    <p:spTree>
-      <p:nvGrpSpPr>
-        <p:cNvPr id="1" name=""/>
-        <p:cNvGrpSpPr/>
-        <p:nvPr/>
-      </p:nvGrpSpPr>
-      <p:grpSpPr>
-        <a:xfrm>
-          <a:off x="0" y="0"/>
-          <a:ext cx="0" cy="0"/>
-          <a:chOff x="0" y="0"/>
-          <a:chExt cx="0" cy="0"/>
-        </a:xfrm>
-      </p:grpSpPr>
-      <p:sp>
-        <p:nvSpPr>
-          <p:cNvPr id="2" name="Slide Image Placeholder 1"/>
-          <p:cNvSpPr>
-            <a:spLocks noGrp="1" noRot="1" noChangeAspect="1"/>
-          </p:cNvSpPr>
-          <p:nvPr>
-            <p:ph type="sldImg"/>
-          </p:nvPr>
-        </p:nvSpPr>
-        <p:spPr/>
-      </p:sp>
-      <p:sp>
-        <p:nvSpPr>
-          <p:cNvPr id="3" name="Notes Placeholder 2"/>
-          <p:cNvSpPr>
-            <a:spLocks noGrp="1"/>
-          </p:cNvSpPr>
-          <p:nvPr>
-            <p:ph type="body" idx="1"/>
-          </p:nvPr>
-        </p:nvSpPr>
-        <p:spPr/>
-        <p:txBody>
-          <a:bodyPr>
-            <a:normAutofit/>
-          </a:bodyPr>
-          <a:lstStyle/>
-          <a:p>
-            <a:endParaRPr lang="en-US"/>
-          </a:p>
-        </p:txBody>
-      </p:sp>
-      <p:sp>
-        <p:nvSpPr>
-          <p:cNvPr id="4" name="Slide Number Placeholder 3"/>
-          <p:cNvSpPr>
-            <a:spLocks noGrp="1"/>
-          </p:cNvSpPr>
-          <p:nvPr>
-            <p:ph type="sldNum" sz="quarter" idx="10"/>
-          </p:nvPr>
-        </p:nvSpPr>
-        <p:spPr/>
-        <p:txBody>
-          <a:bodyPr/>
-          <a:lstStyle/>
-          <a:p>
-            <a:fld id="{168E8D70-E694-4C4D-B96B-C3A6E4A6D822}" type="slidenum">
-              <a:rPr lang="en-US" smtClean="0"/>
-              <a:pPr/>
-              <a:t>20</a:t>
             </a:fld>
             <a:endParaRPr lang="en-US"/>
           </a:p>
@@ -5634,7 +5563,12 @@
             <p:ph type="title"/>
           </p:nvPr>
         </p:nvSpPr>
-        <p:spPr/>
+        <p:spPr>
+          <a:xfrm>
+            <a:off x="457200" y="76200"/>
+            <a:ext cx="8229600" cy="914400"/>
+          </a:xfrm>
+        </p:spPr>
         <p:txBody>
           <a:bodyPr>
             <a:normAutofit/>
@@ -5669,7 +5603,7 @@
         </p:blipFill>
         <p:spPr bwMode="auto">
           <a:xfrm>
-            <a:off x="238125" y="1343025"/>
+            <a:off x="238125" y="1190625"/>
             <a:ext cx="6010275" cy="3990975"/>
           </a:xfrm>
           <a:prstGeom prst="rect">
@@ -5703,7 +5637,7 @@
         </p:blipFill>
         <p:spPr bwMode="auto">
           <a:xfrm>
-            <a:off x="2895600" y="2667000"/>
+            <a:off x="2514600" y="2667000"/>
             <a:ext cx="6009524" cy="3990476"/>
           </a:xfrm>
           <a:prstGeom prst="rect">
@@ -5718,11 +5652,64 @@
           </a:ln>
         </p:spPr>
       </p:pic>
+      <p:pic>
+        <p:nvPicPr>
+          <p:cNvPr id="5" name="Picture 4"/>
+          <p:cNvPicPr>
+            <a:picLocks noChangeAspect="1" noChangeArrowheads="1"/>
+          </p:cNvPicPr>
+          <p:nvPr/>
+        </p:nvPicPr>
+        <p:blipFill>
+          <a:blip r:embed="rId5" cstate="print"/>
+          <a:srcRect/>
+          <a:stretch>
+            <a:fillRect/>
+          </a:stretch>
+        </p:blipFill>
+        <p:spPr bwMode="auto">
+          <a:xfrm>
+            <a:off x="6235084" y="1371601"/>
+            <a:ext cx="2832716" cy="3462904"/>
+          </a:xfrm>
+          <a:prstGeom prst="rect">
+            <a:avLst/>
+          </a:prstGeom>
+          <a:noFill/>
+          <a:ln w="9525">
+            <a:solidFill>
+              <a:schemeClr val="tx1"/>
+            </a:solidFill>
+            <a:miter lim="800000"/>
+            <a:headEnd/>
+            <a:tailEnd/>
+          </a:ln>
+          <a:effectLst>
+            <a:glow rad="228600">
+              <a:schemeClr val="accent6">
+                <a:satMod val="175000"/>
+                <a:alpha val="40000"/>
+              </a:schemeClr>
+            </a:glow>
+          </a:effectLst>
+          <a:scene3d>
+            <a:camera prst="perspectiveContrastingLeftFacing"/>
+            <a:lightRig rig="threePt" dir="t"/>
+          </a:scene3d>
+        </p:spPr>
+      </p:pic>
     </p:spTree>
   </p:cSld>
   <p:clrMapOvr>
     <a:masterClrMapping/>
   </p:clrMapOvr>
+  <p:timing>
+    <p:tnLst>
+      <p:par>
+        <p:cTn id="1" dur="indefinite" restart="never" nodeType="tmRoot"/>
+      </p:par>
+    </p:tnLst>
+  </p:timing>
 </p:sld>
 </file>
 
@@ -5750,49 +5737,17 @@
             <a:spLocks noGrp="1"/>
           </p:cNvSpPr>
           <p:nvPr>
-            <p:ph type="title"/>
-          </p:nvPr>
-        </p:nvSpPr>
-        <p:spPr/>
-        <p:txBody>
-          <a:bodyPr>
-            <a:normAutofit/>
-          </a:bodyPr>
+            <p:ph type="ctrTitle"/>
+          </p:nvPr>
+        </p:nvSpPr>
+        <p:spPr/>
+        <p:txBody>
+          <a:bodyPr/>
           <a:lstStyle/>
           <a:p>
             <a:r>
               <a:rPr lang="en-US" dirty="0" smtClean="0"/>
-              <a:t>Notepad</a:t>
-            </a:r>
-            <a:r>
-              <a:rPr lang="en-US" dirty="0"/>
-              <a:t>++ syntax highlighting </a:t>
-            </a:r>
-          </a:p>
-        </p:txBody>
-      </p:sp>
-      <p:sp>
-        <p:nvSpPr>
-          <p:cNvPr id="5" name="Content Placeholder 4"/>
-          <p:cNvSpPr>
-            <a:spLocks noGrp="1"/>
-          </p:cNvSpPr>
-          <p:nvPr>
-            <p:ph idx="1"/>
-          </p:nvPr>
-        </p:nvSpPr>
-        <p:spPr>
-          <a:solidFill>
-            <a:srgbClr val="FF0000"/>
-          </a:solidFill>
-        </p:spPr>
-        <p:txBody>
-          <a:bodyPr/>
-          <a:lstStyle/>
-          <a:p>
-            <a:r>
-              <a:rPr lang="en-US" dirty="0" smtClean="0"/>
-              <a:t>Add directions here</a:t>
+              <a:t>FAQ</a:t>
             </a:r>
             <a:endParaRPr lang="en-US" dirty="0"/>
           </a:p>
@@ -5803,58 +5758,17 @@
   <p:clrMapOvr>
     <a:masterClrMapping/>
   </p:clrMapOvr>
+  <p:timing>
+    <p:tnLst>
+      <p:par>
+        <p:cTn id="1" dur="indefinite" restart="never" nodeType="tmRoot"/>
+      </p:par>
+    </p:tnLst>
+  </p:timing>
 </p:sld>
 </file>
 
 <file path=ppt/slides/slide12.xml><?xml version="1.0" encoding="utf-8"?>
-<p:sld xmlns:a="http://schemas.openxmlformats.org/drawingml/2006/main" xmlns:r="http://schemas.openxmlformats.org/officeDocument/2006/relationships" xmlns:p="http://schemas.openxmlformats.org/presentationml/2006/main">
-  <p:cSld>
-    <p:spTree>
-      <p:nvGrpSpPr>
-        <p:cNvPr id="1" name=""/>
-        <p:cNvGrpSpPr/>
-        <p:nvPr/>
-      </p:nvGrpSpPr>
-      <p:grpSpPr>
-        <a:xfrm>
-          <a:off x="0" y="0"/>
-          <a:ext cx="0" cy="0"/>
-          <a:chOff x="0" y="0"/>
-          <a:chExt cx="0" cy="0"/>
-        </a:xfrm>
-      </p:grpSpPr>
-      <p:sp>
-        <p:nvSpPr>
-          <p:cNvPr id="2" name="Title 1"/>
-          <p:cNvSpPr>
-            <a:spLocks noGrp="1"/>
-          </p:cNvSpPr>
-          <p:nvPr>
-            <p:ph type="ctrTitle"/>
-          </p:nvPr>
-        </p:nvSpPr>
-        <p:spPr/>
-        <p:txBody>
-          <a:bodyPr/>
-          <a:lstStyle/>
-          <a:p>
-            <a:r>
-              <a:rPr lang="en-US" dirty="0" smtClean="0"/>
-              <a:t>FAQ</a:t>
-            </a:r>
-            <a:endParaRPr lang="en-US" dirty="0"/>
-          </a:p>
-        </p:txBody>
-      </p:sp>
-    </p:spTree>
-  </p:cSld>
-  <p:clrMapOvr>
-    <a:masterClrMapping/>
-  </p:clrMapOvr>
-</p:sld>
-</file>
-
-<file path=ppt/slides/slide13.xml><?xml version="1.0" encoding="utf-8"?>
 <p:sld xmlns:a="http://schemas.openxmlformats.org/drawingml/2006/main" xmlns:r="http://schemas.openxmlformats.org/officeDocument/2006/relationships" xmlns:p="http://schemas.openxmlformats.org/presentationml/2006/main">
   <p:cSld>
     <p:spTree>
@@ -6341,7 +6255,7 @@
 </p:sld>
 </file>
 
-<file path=ppt/slides/slide14.xml><?xml version="1.0" encoding="utf-8"?>
+<file path=ppt/slides/slide13.xml><?xml version="1.0" encoding="utf-8"?>
 <p:sld xmlns:a="http://schemas.openxmlformats.org/drawingml/2006/main" xmlns:r="http://schemas.openxmlformats.org/officeDocument/2006/relationships" xmlns:p="http://schemas.openxmlformats.org/presentationml/2006/main">
   <p:cSld>
     <p:spTree>
@@ -6937,6 +6851,210 @@
           </a:fontRef>
         </p:style>
       </p:cxnSp>
+    </p:spTree>
+  </p:cSld>
+  <p:clrMapOvr>
+    <a:masterClrMapping/>
+  </p:clrMapOvr>
+  <p:timing>
+    <p:tnLst>
+      <p:par>
+        <p:cTn id="1" dur="indefinite" restart="never" nodeType="tmRoot"/>
+      </p:par>
+    </p:tnLst>
+  </p:timing>
+</p:sld>
+</file>
+
+<file path=ppt/slides/slide14.xml><?xml version="1.0" encoding="utf-8"?>
+<p:sld xmlns:a="http://schemas.openxmlformats.org/drawingml/2006/main" xmlns:r="http://schemas.openxmlformats.org/officeDocument/2006/relationships" xmlns:p="http://schemas.openxmlformats.org/presentationml/2006/main">
+  <p:cSld>
+    <p:spTree>
+      <p:nvGrpSpPr>
+        <p:cNvPr id="1" name=""/>
+        <p:cNvGrpSpPr/>
+        <p:nvPr/>
+      </p:nvGrpSpPr>
+      <p:grpSpPr>
+        <a:xfrm>
+          <a:off x="0" y="0"/>
+          <a:ext cx="0" cy="0"/>
+          <a:chOff x="0" y="0"/>
+          <a:chExt cx="0" cy="0"/>
+        </a:xfrm>
+      </p:grpSpPr>
+      <p:sp>
+        <p:nvSpPr>
+          <p:cNvPr id="2" name="Title 1"/>
+          <p:cNvSpPr>
+            <a:spLocks noGrp="1"/>
+          </p:cNvSpPr>
+          <p:nvPr>
+            <p:ph type="title"/>
+          </p:nvPr>
+        </p:nvSpPr>
+        <p:spPr>
+          <a:xfrm>
+            <a:off x="304800" y="152400"/>
+            <a:ext cx="8839200" cy="792162"/>
+          </a:xfrm>
+        </p:spPr>
+        <p:txBody>
+          <a:bodyPr>
+            <a:noAutofit/>
+          </a:bodyPr>
+          <a:lstStyle/>
+          <a:p>
+            <a:r>
+              <a:rPr lang="en-US" sz="2800" dirty="0" smtClean="0"/>
+              <a:t>Question: What happened if Installing over previous install?</a:t>
+            </a:r>
+            <a:endParaRPr lang="en-US" sz="2800" dirty="0"/>
+          </a:p>
+        </p:txBody>
+      </p:sp>
+      <p:pic>
+        <p:nvPicPr>
+          <p:cNvPr id="4104" name="Picture 8"/>
+          <p:cNvPicPr>
+            <a:picLocks noChangeAspect="1" noChangeArrowheads="1"/>
+          </p:cNvPicPr>
+          <p:nvPr/>
+        </p:nvPicPr>
+        <p:blipFill>
+          <a:blip r:embed="rId3" cstate="print"/>
+          <a:srcRect/>
+          <a:stretch>
+            <a:fillRect/>
+          </a:stretch>
+        </p:blipFill>
+        <p:spPr bwMode="auto">
+          <a:xfrm>
+            <a:off x="1219200" y="3886200"/>
+            <a:ext cx="7542213" cy="2838450"/>
+          </a:xfrm>
+          <a:prstGeom prst="rect">
+            <a:avLst/>
+          </a:prstGeom>
+          <a:noFill/>
+          <a:ln w="9525">
+            <a:noFill/>
+            <a:miter lim="800000"/>
+            <a:headEnd/>
+            <a:tailEnd/>
+          </a:ln>
+        </p:spPr>
+      </p:pic>
+      <p:pic>
+        <p:nvPicPr>
+          <p:cNvPr id="4103" name="Picture 7"/>
+          <p:cNvPicPr>
+            <a:picLocks noChangeAspect="1" noChangeArrowheads="1"/>
+          </p:cNvPicPr>
+          <p:nvPr/>
+        </p:nvPicPr>
+        <p:blipFill>
+          <a:blip r:embed="rId4" cstate="print"/>
+          <a:srcRect/>
+          <a:stretch>
+            <a:fillRect/>
+          </a:stretch>
+        </p:blipFill>
+        <p:spPr bwMode="auto">
+          <a:xfrm>
+            <a:off x="914400" y="990600"/>
+            <a:ext cx="2971800" cy="3596771"/>
+          </a:xfrm>
+          <a:prstGeom prst="rect">
+            <a:avLst/>
+          </a:prstGeom>
+          <a:noFill/>
+          <a:ln w="9525">
+            <a:noFill/>
+            <a:miter lim="800000"/>
+            <a:headEnd/>
+            <a:tailEnd/>
+          </a:ln>
+        </p:spPr>
+      </p:pic>
+      <p:sp>
+        <p:nvSpPr>
+          <p:cNvPr id="15" name="Oval 14"/>
+          <p:cNvSpPr/>
+          <p:nvPr/>
+        </p:nvSpPr>
+        <p:spPr>
+          <a:xfrm>
+            <a:off x="6705600" y="5029200"/>
+            <a:ext cx="1371600" cy="381000"/>
+          </a:xfrm>
+          <a:prstGeom prst="ellipse">
+            <a:avLst/>
+          </a:prstGeom>
+          <a:noFill/>
+          <a:ln w="57150">
+            <a:solidFill>
+              <a:srgbClr val="FF0000"/>
+            </a:solidFill>
+          </a:ln>
+        </p:spPr>
+        <p:style>
+          <a:lnRef idx="2">
+            <a:schemeClr val="accent1">
+              <a:shade val="50000"/>
+            </a:schemeClr>
+          </a:lnRef>
+          <a:fillRef idx="1">
+            <a:schemeClr val="accent1"/>
+          </a:fillRef>
+          <a:effectRef idx="0">
+            <a:schemeClr val="accent1"/>
+          </a:effectRef>
+          <a:fontRef idx="minor">
+            <a:schemeClr val="lt1"/>
+          </a:fontRef>
+        </p:style>
+        <p:txBody>
+          <a:bodyPr rtlCol="0" anchor="ctr"/>
+          <a:lstStyle/>
+          <a:p>
+            <a:pPr algn="ctr"/>
+            <a:endParaRPr lang="en-US"/>
+          </a:p>
+        </p:txBody>
+      </p:sp>
+      <p:pic>
+        <p:nvPicPr>
+          <p:cNvPr id="4105" name="Picture 9"/>
+          <p:cNvPicPr>
+            <a:picLocks noChangeAspect="1" noChangeArrowheads="1"/>
+          </p:cNvPicPr>
+          <p:nvPr/>
+        </p:nvPicPr>
+        <p:blipFill>
+          <a:blip r:embed="rId5" cstate="print"/>
+          <a:srcRect/>
+          <a:stretch>
+            <a:fillRect/>
+          </a:stretch>
+        </p:blipFill>
+        <p:spPr bwMode="auto">
+          <a:xfrm>
+            <a:off x="4876800" y="990600"/>
+            <a:ext cx="3657600" cy="3616193"/>
+          </a:xfrm>
+          <a:prstGeom prst="rect">
+            <a:avLst/>
+          </a:prstGeom>
+          <a:noFill/>
+          <a:ln w="9525">
+            <a:noFill/>
+            <a:miter lim="800000"/>
+            <a:headEnd/>
+            <a:tailEnd/>
+          </a:ln>
+        </p:spPr>
+      </p:pic>
     </p:spTree>
   </p:cSld>
   <p:clrMapOvr>
@@ -6981,210 +7099,6 @@
         </p:nvSpPr>
         <p:spPr>
           <a:xfrm>
-            <a:off x="304800" y="152400"/>
-            <a:ext cx="8839200" cy="792162"/>
-          </a:xfrm>
-        </p:spPr>
-        <p:txBody>
-          <a:bodyPr>
-            <a:noAutofit/>
-          </a:bodyPr>
-          <a:lstStyle/>
-          <a:p>
-            <a:r>
-              <a:rPr lang="en-US" sz="2800" dirty="0" smtClean="0"/>
-              <a:t>Question: What happened if Installing over previous install?</a:t>
-            </a:r>
-            <a:endParaRPr lang="en-US" sz="2800" dirty="0"/>
-          </a:p>
-        </p:txBody>
-      </p:sp>
-      <p:pic>
-        <p:nvPicPr>
-          <p:cNvPr id="4104" name="Picture 8"/>
-          <p:cNvPicPr>
-            <a:picLocks noChangeAspect="1" noChangeArrowheads="1"/>
-          </p:cNvPicPr>
-          <p:nvPr/>
-        </p:nvPicPr>
-        <p:blipFill>
-          <a:blip r:embed="rId3" cstate="print"/>
-          <a:srcRect/>
-          <a:stretch>
-            <a:fillRect/>
-          </a:stretch>
-        </p:blipFill>
-        <p:spPr bwMode="auto">
-          <a:xfrm>
-            <a:off x="1219200" y="3886200"/>
-            <a:ext cx="7542213" cy="2838450"/>
-          </a:xfrm>
-          <a:prstGeom prst="rect">
-            <a:avLst/>
-          </a:prstGeom>
-          <a:noFill/>
-          <a:ln w="9525">
-            <a:noFill/>
-            <a:miter lim="800000"/>
-            <a:headEnd/>
-            <a:tailEnd/>
-          </a:ln>
-        </p:spPr>
-      </p:pic>
-      <p:pic>
-        <p:nvPicPr>
-          <p:cNvPr id="4103" name="Picture 7"/>
-          <p:cNvPicPr>
-            <a:picLocks noChangeAspect="1" noChangeArrowheads="1"/>
-          </p:cNvPicPr>
-          <p:nvPr/>
-        </p:nvPicPr>
-        <p:blipFill>
-          <a:blip r:embed="rId4" cstate="print"/>
-          <a:srcRect/>
-          <a:stretch>
-            <a:fillRect/>
-          </a:stretch>
-        </p:blipFill>
-        <p:spPr bwMode="auto">
-          <a:xfrm>
-            <a:off x="914400" y="990600"/>
-            <a:ext cx="2971800" cy="3596771"/>
-          </a:xfrm>
-          <a:prstGeom prst="rect">
-            <a:avLst/>
-          </a:prstGeom>
-          <a:noFill/>
-          <a:ln w="9525">
-            <a:noFill/>
-            <a:miter lim="800000"/>
-            <a:headEnd/>
-            <a:tailEnd/>
-          </a:ln>
-        </p:spPr>
-      </p:pic>
-      <p:sp>
-        <p:nvSpPr>
-          <p:cNvPr id="15" name="Oval 14"/>
-          <p:cNvSpPr/>
-          <p:nvPr/>
-        </p:nvSpPr>
-        <p:spPr>
-          <a:xfrm>
-            <a:off x="6705600" y="5029200"/>
-            <a:ext cx="1371600" cy="381000"/>
-          </a:xfrm>
-          <a:prstGeom prst="ellipse">
-            <a:avLst/>
-          </a:prstGeom>
-          <a:noFill/>
-          <a:ln w="57150">
-            <a:solidFill>
-              <a:srgbClr val="FF0000"/>
-            </a:solidFill>
-          </a:ln>
-        </p:spPr>
-        <p:style>
-          <a:lnRef idx="2">
-            <a:schemeClr val="accent1">
-              <a:shade val="50000"/>
-            </a:schemeClr>
-          </a:lnRef>
-          <a:fillRef idx="1">
-            <a:schemeClr val="accent1"/>
-          </a:fillRef>
-          <a:effectRef idx="0">
-            <a:schemeClr val="accent1"/>
-          </a:effectRef>
-          <a:fontRef idx="minor">
-            <a:schemeClr val="lt1"/>
-          </a:fontRef>
-        </p:style>
-        <p:txBody>
-          <a:bodyPr rtlCol="0" anchor="ctr"/>
-          <a:lstStyle/>
-          <a:p>
-            <a:pPr algn="ctr"/>
-            <a:endParaRPr lang="en-US"/>
-          </a:p>
-        </p:txBody>
-      </p:sp>
-      <p:pic>
-        <p:nvPicPr>
-          <p:cNvPr id="4105" name="Picture 9"/>
-          <p:cNvPicPr>
-            <a:picLocks noChangeAspect="1" noChangeArrowheads="1"/>
-          </p:cNvPicPr>
-          <p:nvPr/>
-        </p:nvPicPr>
-        <p:blipFill>
-          <a:blip r:embed="rId5" cstate="print"/>
-          <a:srcRect/>
-          <a:stretch>
-            <a:fillRect/>
-          </a:stretch>
-        </p:blipFill>
-        <p:spPr bwMode="auto">
-          <a:xfrm>
-            <a:off x="4876800" y="990600"/>
-            <a:ext cx="3657600" cy="3616193"/>
-          </a:xfrm>
-          <a:prstGeom prst="rect">
-            <a:avLst/>
-          </a:prstGeom>
-          <a:noFill/>
-          <a:ln w="9525">
-            <a:noFill/>
-            <a:miter lim="800000"/>
-            <a:headEnd/>
-            <a:tailEnd/>
-          </a:ln>
-        </p:spPr>
-      </p:pic>
-    </p:spTree>
-  </p:cSld>
-  <p:clrMapOvr>
-    <a:masterClrMapping/>
-  </p:clrMapOvr>
-  <p:timing>
-    <p:tnLst>
-      <p:par>
-        <p:cTn id="1" dur="indefinite" restart="never" nodeType="tmRoot"/>
-      </p:par>
-    </p:tnLst>
-  </p:timing>
-</p:sld>
-</file>
-
-<file path=ppt/slides/slide16.xml><?xml version="1.0" encoding="utf-8"?>
-<p:sld xmlns:a="http://schemas.openxmlformats.org/drawingml/2006/main" xmlns:r="http://schemas.openxmlformats.org/officeDocument/2006/relationships" xmlns:p="http://schemas.openxmlformats.org/presentationml/2006/main">
-  <p:cSld>
-    <p:spTree>
-      <p:nvGrpSpPr>
-        <p:cNvPr id="1" name=""/>
-        <p:cNvGrpSpPr/>
-        <p:nvPr/>
-      </p:nvGrpSpPr>
-      <p:grpSpPr>
-        <a:xfrm>
-          <a:off x="0" y="0"/>
-          <a:ext cx="0" cy="0"/>
-          <a:chOff x="0" y="0"/>
-          <a:chExt cx="0" cy="0"/>
-        </a:xfrm>
-      </p:grpSpPr>
-      <p:sp>
-        <p:nvSpPr>
-          <p:cNvPr id="2" name="Title 1"/>
-          <p:cNvSpPr>
-            <a:spLocks noGrp="1"/>
-          </p:cNvSpPr>
-          <p:nvPr>
-            <p:ph type="title"/>
-          </p:nvPr>
-        </p:nvSpPr>
-        <p:spPr>
-          <a:xfrm>
             <a:off x="457200" y="274638"/>
             <a:ext cx="8229600" cy="715962"/>
           </a:xfrm>
@@ -7359,7 +7273,7 @@
 </p:sld>
 </file>
 
-<file path=ppt/slides/slide17.xml><?xml version="1.0" encoding="utf-8"?>
+<file path=ppt/slides/slide16.xml><?xml version="1.0" encoding="utf-8"?>
 <p:sld xmlns:a="http://schemas.openxmlformats.org/drawingml/2006/main" xmlns:r="http://schemas.openxmlformats.org/officeDocument/2006/relationships" xmlns:p="http://schemas.openxmlformats.org/presentationml/2006/main">
   <p:cSld>
     <p:bg>
@@ -7392,6 +7306,154 @@
 </p:sld>
 </file>
 
+<file path=ppt/slides/slide17.xml><?xml version="1.0" encoding="utf-8"?>
+<p:sld xmlns:a="http://schemas.openxmlformats.org/drawingml/2006/main" xmlns:r="http://schemas.openxmlformats.org/officeDocument/2006/relationships" xmlns:p="http://schemas.openxmlformats.org/presentationml/2006/main">
+  <p:cSld>
+    <p:spTree>
+      <p:nvGrpSpPr>
+        <p:cNvPr id="1" name=""/>
+        <p:cNvGrpSpPr/>
+        <p:nvPr/>
+      </p:nvGrpSpPr>
+      <p:grpSpPr>
+        <a:xfrm>
+          <a:off x="0" y="0"/>
+          <a:ext cx="0" cy="0"/>
+          <a:chOff x="0" y="0"/>
+          <a:chExt cx="0" cy="0"/>
+        </a:xfrm>
+      </p:grpSpPr>
+      <p:sp>
+        <p:nvSpPr>
+          <p:cNvPr id="2" name="Title 1"/>
+          <p:cNvSpPr>
+            <a:spLocks noGrp="1"/>
+          </p:cNvSpPr>
+          <p:nvPr>
+            <p:ph type="title"/>
+          </p:nvPr>
+        </p:nvSpPr>
+        <p:spPr/>
+        <p:txBody>
+          <a:bodyPr/>
+          <a:lstStyle/>
+          <a:p>
+            <a:endParaRPr lang="en-US"/>
+          </a:p>
+        </p:txBody>
+      </p:sp>
+      <p:sp>
+        <p:nvSpPr>
+          <p:cNvPr id="3" name="Content Placeholder 2"/>
+          <p:cNvSpPr>
+            <a:spLocks noGrp="1"/>
+          </p:cNvSpPr>
+          <p:nvPr>
+            <p:ph idx="1"/>
+          </p:nvPr>
+        </p:nvSpPr>
+        <p:spPr/>
+        <p:txBody>
+          <a:bodyPr/>
+          <a:lstStyle/>
+          <a:p>
+            <a:endParaRPr lang="en-US"/>
+          </a:p>
+        </p:txBody>
+      </p:sp>
+      <p:pic>
+        <p:nvPicPr>
+          <p:cNvPr id="4" name="Picture 5"/>
+          <p:cNvPicPr>
+            <a:picLocks noChangeAspect="1" noChangeArrowheads="1"/>
+          </p:cNvPicPr>
+          <p:nvPr/>
+        </p:nvPicPr>
+        <p:blipFill>
+          <a:blip r:embed="rId3" cstate="print"/>
+          <a:srcRect/>
+          <a:stretch>
+            <a:fillRect/>
+          </a:stretch>
+        </p:blipFill>
+        <p:spPr bwMode="auto">
+          <a:xfrm>
+            <a:off x="228600" y="1371600"/>
+            <a:ext cx="3508442" cy="4246268"/>
+          </a:xfrm>
+          <a:prstGeom prst="rect">
+            <a:avLst/>
+          </a:prstGeom>
+          <a:noFill/>
+          <a:ln w="9525">
+            <a:noFill/>
+            <a:miter lim="800000"/>
+            <a:headEnd/>
+            <a:tailEnd/>
+          </a:ln>
+        </p:spPr>
+      </p:pic>
+      <p:sp>
+        <p:nvSpPr>
+          <p:cNvPr id="5" name="Oval 4"/>
+          <p:cNvSpPr/>
+          <p:nvPr/>
+        </p:nvSpPr>
+        <p:spPr>
+          <a:xfrm>
+            <a:off x="152400" y="2819400"/>
+            <a:ext cx="2209800" cy="838200"/>
+          </a:xfrm>
+          <a:prstGeom prst="ellipse">
+            <a:avLst/>
+          </a:prstGeom>
+          <a:noFill/>
+          <a:ln w="57150">
+            <a:solidFill>
+              <a:srgbClr val="FF0000"/>
+            </a:solidFill>
+          </a:ln>
+        </p:spPr>
+        <p:style>
+          <a:lnRef idx="2">
+            <a:schemeClr val="accent1">
+              <a:shade val="50000"/>
+            </a:schemeClr>
+          </a:lnRef>
+          <a:fillRef idx="1">
+            <a:schemeClr val="accent1"/>
+          </a:fillRef>
+          <a:effectRef idx="0">
+            <a:schemeClr val="accent1"/>
+          </a:effectRef>
+          <a:fontRef idx="minor">
+            <a:schemeClr val="lt1"/>
+          </a:fontRef>
+        </p:style>
+        <p:txBody>
+          <a:bodyPr rtlCol="0" anchor="ctr"/>
+          <a:lstStyle/>
+          <a:p>
+            <a:pPr algn="ctr"/>
+            <a:endParaRPr lang="en-US"/>
+          </a:p>
+        </p:txBody>
+      </p:sp>
+    </p:spTree>
+  </p:cSld>
+  <p:clrMapOvr>
+    <a:masterClrMapping/>
+  </p:clrMapOvr>
+  <p:timing>
+    <p:tnLst>
+      <p:par>
+        <p:cTn id="1" dur="indefinite" restart="never" nodeType="tmRoot"/>
+      </p:par>
+    </p:tnLst>
+  </p:timing>
+</p:sld>
+</file>
+
 <file path=ppt/slides/slide18.xml><?xml version="1.0" encoding="utf-8"?>
 <p:sld xmlns:a="http://schemas.openxmlformats.org/drawingml/2006/main" xmlns:r="http://schemas.openxmlformats.org/officeDocument/2006/relationships" xmlns:p="http://schemas.openxmlformats.org/presentationml/2006/main">
   <p:cSld>
@@ -7424,36 +7486,23 @@
           <a:bodyPr/>
           <a:lstStyle/>
           <a:p>
-            <a:endParaRPr lang="en-US"/>
-          </a:p>
-        </p:txBody>
-      </p:sp>
-      <p:sp>
-        <p:nvSpPr>
-          <p:cNvPr id="3" name="Content Placeholder 2"/>
-          <p:cNvSpPr>
-            <a:spLocks noGrp="1"/>
-          </p:cNvSpPr>
-          <p:nvPr>
-            <p:ph idx="1"/>
-          </p:nvPr>
-        </p:nvSpPr>
-        <p:spPr/>
-        <p:txBody>
-          <a:bodyPr/>
-          <a:lstStyle/>
-          <a:p>
-            <a:endParaRPr lang="en-US"/>
+            <a:r>
+              <a:rPr lang="en-US" dirty="0" smtClean="0"/>
+              <a:t>Install Notepad++</a:t>
+            </a:r>
+            <a:endParaRPr lang="en-US" dirty="0"/>
           </a:p>
         </p:txBody>
       </p:sp>
       <p:pic>
         <p:nvPicPr>
-          <p:cNvPr id="4" name="Picture 5"/>
+          <p:cNvPr id="4" name="Content Placeholder 3"/>
           <p:cNvPicPr>
-            <a:picLocks noChangeAspect="1" noChangeArrowheads="1"/>
+            <a:picLocks noGrp="1"/>
           </p:cNvPicPr>
-          <p:nvPr/>
+          <p:nvPr>
+            <p:ph idx="1"/>
+          </p:nvPr>
         </p:nvPicPr>
         <p:blipFill>
           <a:blip r:embed="rId3" cstate="print"/>
@@ -7464,8 +7513,8 @@
         </p:blipFill>
         <p:spPr bwMode="auto">
           <a:xfrm>
-            <a:off x="228600" y="1371600"/>
-            <a:ext cx="3508442" cy="4246268"/>
+            <a:off x="2286000" y="2514600"/>
+            <a:ext cx="4790477" cy="3742857"/>
           </a:xfrm>
           <a:prstGeom prst="rect">
             <a:avLst/>
@@ -7481,47 +7530,30 @@
       </p:pic>
       <p:sp>
         <p:nvSpPr>
-          <p:cNvPr id="5" name="Oval 4"/>
+          <p:cNvPr id="5" name="Rectangle 4"/>
           <p:cNvSpPr/>
           <p:nvPr/>
         </p:nvSpPr>
         <p:spPr>
           <a:xfrm>
-            <a:off x="152400" y="2819400"/>
-            <a:ext cx="2209800" cy="838200"/>
-          </a:xfrm>
-          <a:prstGeom prst="ellipse">
+            <a:off x="1676400" y="1600200"/>
+            <a:ext cx="5943600" cy="369332"/>
+          </a:xfrm>
+          <a:prstGeom prst="rect">
             <a:avLst/>
           </a:prstGeom>
-          <a:noFill/>
-          <a:ln w="57150">
-            <a:solidFill>
-              <a:srgbClr val="FF0000"/>
-            </a:solidFill>
-          </a:ln>
-        </p:spPr>
-        <p:style>
-          <a:lnRef idx="2">
-            <a:schemeClr val="accent1">
-              <a:shade val="50000"/>
-            </a:schemeClr>
-          </a:lnRef>
-          <a:fillRef idx="1">
-            <a:schemeClr val="accent1"/>
-          </a:fillRef>
-          <a:effectRef idx="0">
-            <a:schemeClr val="accent1"/>
-          </a:effectRef>
-          <a:fontRef idx="minor">
-            <a:schemeClr val="lt1"/>
-          </a:fontRef>
-        </p:style>
-        <p:txBody>
-          <a:bodyPr rtlCol="0" anchor="ctr"/>
-          <a:lstStyle/>
-          <a:p>
-            <a:pPr algn="ctr"/>
-            <a:endParaRPr lang="en-US"/>
+        </p:spPr>
+        <p:txBody>
+          <a:bodyPr wrap="square">
+            <a:spAutoFit/>
+          </a:bodyPr>
+          <a:lstStyle/>
+          <a:p>
+            <a:pPr lvl="0"/>
+            <a:r>
+              <a:rPr lang="en-US" dirty="0"/>
+              <a:t>Install Notepad++ with the option “Don’t use %APPDATA%”.</a:t>
+            </a:r>
           </a:p>
         </p:txBody>
       </p:sp>
@@ -7559,36 +7591,88 @@
       </p:grpSpPr>
       <p:sp>
         <p:nvSpPr>
-          <p:cNvPr id="2" name="Title 1"/>
-          <p:cNvSpPr>
-            <a:spLocks noGrp="1"/>
-          </p:cNvSpPr>
-          <p:nvPr>
-            <p:ph type="title"/>
-          </p:nvPr>
-        </p:nvSpPr>
-        <p:spPr/>
+          <p:cNvPr id="1185794" name="Rectangle 2"/>
+          <p:cNvSpPr>
+            <a:spLocks noChangeArrowheads="1"/>
+          </p:cNvSpPr>
+          <p:nvPr/>
+        </p:nvSpPr>
+        <p:spPr bwMode="auto">
+          <a:xfrm>
+            <a:off x="304800" y="381000"/>
+            <a:ext cx="8382000" cy="1828800"/>
+          </a:xfrm>
+          <a:prstGeom prst="rect">
+            <a:avLst/>
+          </a:prstGeom>
+          <a:solidFill>
+            <a:schemeClr val="bg1"/>
+          </a:solidFill>
+          <a:ln w="9525" algn="ctr">
+            <a:noFill/>
+            <a:miter lim="800000"/>
+            <a:headEnd/>
+            <a:tailEnd/>
+          </a:ln>
+          <a:effectLst/>
+        </p:spPr>
+        <p:txBody>
+          <a:bodyPr wrap="none" lIns="0" tIns="0" rIns="0" bIns="0" anchor="ctr">
+            <a:spAutoFit/>
+          </a:bodyPr>
+          <a:lstStyle/>
+          <a:p>
+            <a:endParaRPr lang="en-US"/>
+          </a:p>
+        </p:txBody>
+      </p:sp>
+      <p:sp>
+        <p:nvSpPr>
+          <p:cNvPr id="1185795" name="Rectangle 3"/>
+          <p:cNvSpPr>
+            <a:spLocks noGrp="1" noChangeArrowheads="1"/>
+          </p:cNvSpPr>
+          <p:nvPr>
+            <p:ph type="body" idx="1"/>
+          </p:nvPr>
+        </p:nvSpPr>
+        <p:spPr>
+          <a:xfrm>
+            <a:off x="685800" y="2590800"/>
+            <a:ext cx="7772400" cy="457200"/>
+          </a:xfrm>
+        </p:spPr>
         <p:txBody>
           <a:bodyPr/>
           <a:lstStyle/>
           <a:p>
-            <a:r>
-              <a:rPr lang="en-US" dirty="0" smtClean="0"/>
-              <a:t>Install Notepad++</a:t>
-            </a:r>
-            <a:endParaRPr lang="en-US" dirty="0"/>
+            <a:pPr>
+              <a:buFontTx/>
+              <a:buNone/>
+            </a:pPr>
+            <a:r>
+              <a:rPr lang="en-US" sz="2000">
+                <a:latin typeface="Arial" charset="0"/>
+              </a:rPr>
+              <a:t>                </a:t>
+            </a:r>
+            <a:r>
+              <a:rPr lang="en-US" sz="2000">
+                <a:latin typeface="Arial" charset="0"/>
+                <a:sym typeface="Wingdings" pitchFamily="2" charset="2"/>
+              </a:rPr>
+              <a:t> All Programs  DSM2v8  DSM2_documentation</a:t>
+            </a:r>
           </a:p>
         </p:txBody>
       </p:sp>
       <p:pic>
         <p:nvPicPr>
-          <p:cNvPr id="4" name="Content Placeholder 3"/>
+          <p:cNvPr id="1185797" name="Picture 5" descr="0511-0812-0802-1129_Polar_Bear_Coaching_Young_Penguin_Soccer_Players_clipart_image"/>
           <p:cNvPicPr>
-            <a:picLocks noGrp="1"/>
+            <a:picLocks noChangeAspect="1" noChangeArrowheads="1"/>
           </p:cNvPicPr>
-          <p:nvPr>
-            <p:ph idx="1"/>
-          </p:nvPr>
+          <p:nvPr/>
         </p:nvPicPr>
         <p:blipFill>
           <a:blip r:embed="rId3" cstate="print"/>
@@ -7599,50 +7683,156 @@
         </p:blipFill>
         <p:spPr bwMode="auto">
           <a:xfrm>
-            <a:off x="2286000" y="2514600"/>
-            <a:ext cx="4790477" cy="3742857"/>
+            <a:off x="304800" y="384175"/>
+            <a:ext cx="3244850" cy="1825625"/>
           </a:xfrm>
           <a:prstGeom prst="rect">
             <a:avLst/>
           </a:prstGeom>
           <a:noFill/>
-          <a:ln w="9525">
-            <a:noFill/>
-            <a:miter lim="800000"/>
-            <a:headEnd/>
-            <a:tailEnd/>
-          </a:ln>
         </p:spPr>
       </p:pic>
       <p:sp>
         <p:nvSpPr>
-          <p:cNvPr id="5" name="Rectangle 4"/>
-          <p:cNvSpPr/>
+          <p:cNvPr id="1185799" name="Rectangle 7"/>
+          <p:cNvSpPr>
+            <a:spLocks noGrp="1" noChangeArrowheads="1"/>
+          </p:cNvSpPr>
+          <p:nvPr>
+            <p:ph type="title"/>
+          </p:nvPr>
+        </p:nvSpPr>
+        <p:spPr>
+          <a:xfrm>
+            <a:off x="2209800" y="1447800"/>
+            <a:ext cx="6400800" cy="533400"/>
+          </a:xfrm>
+        </p:spPr>
+        <p:txBody>
+          <a:bodyPr>
+            <a:normAutofit fontScale="90000"/>
+          </a:bodyPr>
+          <a:lstStyle/>
+          <a:p>
+            <a:pPr algn="r"/>
+            <a:r>
+              <a:rPr lang="en-US" sz="4000" b="1">
+                <a:solidFill>
+                  <a:srgbClr val="0099FF"/>
+                </a:solidFill>
+                <a:effectLst/>
+              </a:rPr>
+              <a:t>DSM2 Documentation</a:t>
+            </a:r>
+          </a:p>
+        </p:txBody>
+      </p:sp>
+      <p:sp>
+        <p:nvSpPr>
+          <p:cNvPr id="1185800" name="WordArt 8"/>
+          <p:cNvSpPr>
+            <a:spLocks noChangeArrowheads="1" noChangeShapeType="1" noTextEdit="1"/>
+          </p:cNvSpPr>
           <p:nvPr/>
         </p:nvSpPr>
-        <p:spPr>
-          <a:xfrm>
-            <a:off x="1676400" y="1600200"/>
-            <a:ext cx="5943600" cy="369332"/>
+        <p:spPr bwMode="auto">
+          <a:xfrm>
+            <a:off x="3429000" y="457200"/>
+            <a:ext cx="4191000" cy="685800"/>
           </a:xfrm>
           <a:prstGeom prst="rect">
             <a:avLst/>
           </a:prstGeom>
         </p:spPr>
         <p:txBody>
-          <a:bodyPr wrap="square">
-            <a:spAutoFit/>
+          <a:bodyPr wrap="none" fromWordArt="1">
+            <a:prstTxWarp prst="textWave1">
+              <a:avLst>
+                <a:gd name="adj1" fmla="val 13005"/>
+                <a:gd name="adj2" fmla="val 0"/>
+              </a:avLst>
+            </a:prstTxWarp>
           </a:bodyPr>
           <a:lstStyle/>
           <a:p>
-            <a:pPr lvl="0"/>
-            <a:r>
-              <a:rPr lang="en-US" dirty="0"/>
-              <a:t>Install Notepad++ with the option “Don’t use %APPDATA%”.</a:t>
-            </a:r>
-          </a:p>
-        </p:txBody>
-      </p:sp>
+            <a:pPr algn="ctr"/>
+            <a:r>
+              <a:rPr lang="en-US" sz="3600" kern="10">
+                <a:ln w="19050">
+                  <a:solidFill>
+                    <a:srgbClr val="99CCFF"/>
+                  </a:solidFill>
+                  <a:round/>
+                  <a:headEnd/>
+                  <a:tailEnd/>
+                </a:ln>
+                <a:solidFill>
+                  <a:srgbClr val="0066CC"/>
+                </a:solidFill>
+                <a:effectLst>
+                  <a:outerShdw dist="35921" dir="2700000" algn="ctr" rotWithShape="0">
+                    <a:srgbClr val="990000"/>
+                  </a:outerShdw>
+                </a:effectLst>
+                <a:latin typeface="Impact"/>
+              </a:rPr>
+              <a:t>DSM2 Cool Tip</a:t>
+            </a:r>
+          </a:p>
+        </p:txBody>
+      </p:sp>
+      <p:pic>
+        <p:nvPicPr>
+          <p:cNvPr id="1185803" name="Picture 11" descr="start button"/>
+          <p:cNvPicPr>
+            <a:picLocks noChangeAspect="1" noChangeArrowheads="1"/>
+          </p:cNvPicPr>
+          <p:nvPr/>
+        </p:nvPicPr>
+        <p:blipFill>
+          <a:blip r:embed="rId4" cstate="print"/>
+          <a:srcRect/>
+          <a:stretch>
+            <a:fillRect/>
+          </a:stretch>
+        </p:blipFill>
+        <p:spPr bwMode="auto">
+          <a:xfrm>
+            <a:off x="762000" y="2667000"/>
+            <a:ext cx="1123950" cy="274638"/>
+          </a:xfrm>
+          <a:prstGeom prst="rect">
+            <a:avLst/>
+          </a:prstGeom>
+          <a:noFill/>
+        </p:spPr>
+      </p:pic>
+      <p:pic>
+        <p:nvPicPr>
+          <p:cNvPr id="1185804" name="Picture 12" descr="documentation"/>
+          <p:cNvPicPr>
+            <a:picLocks noChangeAspect="1" noChangeArrowheads="1"/>
+          </p:cNvPicPr>
+          <p:nvPr/>
+        </p:nvPicPr>
+        <p:blipFill>
+          <a:blip r:embed="rId5" cstate="print"/>
+          <a:srcRect/>
+          <a:stretch>
+            <a:fillRect/>
+          </a:stretch>
+        </p:blipFill>
+        <p:spPr bwMode="auto">
+          <a:xfrm>
+            <a:off x="2319338" y="3048000"/>
+            <a:ext cx="4505325" cy="3705225"/>
+          </a:xfrm>
+          <a:prstGeom prst="rect">
+            <a:avLst/>
+          </a:prstGeom>
+          <a:noFill/>
+        </p:spPr>
+      </p:pic>
     </p:spTree>
   </p:cSld>
   <p:clrMapOvr>
@@ -7844,282 +8034,6 @@
               </a:prstClr>
             </a:outerShdw>
           </a:effectLst>
-        </p:spPr>
-      </p:pic>
-    </p:spTree>
-  </p:cSld>
-  <p:clrMapOvr>
-    <a:masterClrMapping/>
-  </p:clrMapOvr>
-  <p:timing>
-    <p:tnLst>
-      <p:par>
-        <p:cTn id="1" dur="indefinite" restart="never" nodeType="tmRoot"/>
-      </p:par>
-    </p:tnLst>
-  </p:timing>
-</p:sld>
-</file>
-
-<file path=ppt/slides/slide20.xml><?xml version="1.0" encoding="utf-8"?>
-<p:sld xmlns:a="http://schemas.openxmlformats.org/drawingml/2006/main" xmlns:r="http://schemas.openxmlformats.org/officeDocument/2006/relationships" xmlns:p="http://schemas.openxmlformats.org/presentationml/2006/main">
-  <p:cSld>
-    <p:spTree>
-      <p:nvGrpSpPr>
-        <p:cNvPr id="1" name=""/>
-        <p:cNvGrpSpPr/>
-        <p:nvPr/>
-      </p:nvGrpSpPr>
-      <p:grpSpPr>
-        <a:xfrm>
-          <a:off x="0" y="0"/>
-          <a:ext cx="0" cy="0"/>
-          <a:chOff x="0" y="0"/>
-          <a:chExt cx="0" cy="0"/>
-        </a:xfrm>
-      </p:grpSpPr>
-      <p:sp>
-        <p:nvSpPr>
-          <p:cNvPr id="1185794" name="Rectangle 2"/>
-          <p:cNvSpPr>
-            <a:spLocks noChangeArrowheads="1"/>
-          </p:cNvSpPr>
-          <p:nvPr/>
-        </p:nvSpPr>
-        <p:spPr bwMode="auto">
-          <a:xfrm>
-            <a:off x="304800" y="381000"/>
-            <a:ext cx="8382000" cy="1828800"/>
-          </a:xfrm>
-          <a:prstGeom prst="rect">
-            <a:avLst/>
-          </a:prstGeom>
-          <a:solidFill>
-            <a:schemeClr val="bg1"/>
-          </a:solidFill>
-          <a:ln w="9525" algn="ctr">
-            <a:noFill/>
-            <a:miter lim="800000"/>
-            <a:headEnd/>
-            <a:tailEnd/>
-          </a:ln>
-          <a:effectLst/>
-        </p:spPr>
-        <p:txBody>
-          <a:bodyPr wrap="none" lIns="0" tIns="0" rIns="0" bIns="0" anchor="ctr">
-            <a:spAutoFit/>
-          </a:bodyPr>
-          <a:lstStyle/>
-          <a:p>
-            <a:endParaRPr lang="en-US"/>
-          </a:p>
-        </p:txBody>
-      </p:sp>
-      <p:sp>
-        <p:nvSpPr>
-          <p:cNvPr id="1185795" name="Rectangle 3"/>
-          <p:cNvSpPr>
-            <a:spLocks noGrp="1" noChangeArrowheads="1"/>
-          </p:cNvSpPr>
-          <p:nvPr>
-            <p:ph type="body" idx="1"/>
-          </p:nvPr>
-        </p:nvSpPr>
-        <p:spPr>
-          <a:xfrm>
-            <a:off x="685800" y="2590800"/>
-            <a:ext cx="7772400" cy="457200"/>
-          </a:xfrm>
-        </p:spPr>
-        <p:txBody>
-          <a:bodyPr/>
-          <a:lstStyle/>
-          <a:p>
-            <a:pPr>
-              <a:buFontTx/>
-              <a:buNone/>
-            </a:pPr>
-            <a:r>
-              <a:rPr lang="en-US" sz="2000">
-                <a:latin typeface="Arial" charset="0"/>
-              </a:rPr>
-              <a:t>                </a:t>
-            </a:r>
-            <a:r>
-              <a:rPr lang="en-US" sz="2000">
-                <a:latin typeface="Arial" charset="0"/>
-                <a:sym typeface="Wingdings" pitchFamily="2" charset="2"/>
-              </a:rPr>
-              <a:t> All Programs  DSM2v8  DSM2_documentation</a:t>
-            </a:r>
-          </a:p>
-        </p:txBody>
-      </p:sp>
-      <p:pic>
-        <p:nvPicPr>
-          <p:cNvPr id="1185797" name="Picture 5" descr="0511-0812-0802-1129_Polar_Bear_Coaching_Young_Penguin_Soccer_Players_clipart_image"/>
-          <p:cNvPicPr>
-            <a:picLocks noChangeAspect="1" noChangeArrowheads="1"/>
-          </p:cNvPicPr>
-          <p:nvPr/>
-        </p:nvPicPr>
-        <p:blipFill>
-          <a:blip r:embed="rId3" cstate="print"/>
-          <a:srcRect/>
-          <a:stretch>
-            <a:fillRect/>
-          </a:stretch>
-        </p:blipFill>
-        <p:spPr bwMode="auto">
-          <a:xfrm>
-            <a:off x="304800" y="384175"/>
-            <a:ext cx="3244850" cy="1825625"/>
-          </a:xfrm>
-          <a:prstGeom prst="rect">
-            <a:avLst/>
-          </a:prstGeom>
-          <a:noFill/>
-        </p:spPr>
-      </p:pic>
-      <p:sp>
-        <p:nvSpPr>
-          <p:cNvPr id="1185799" name="Rectangle 7"/>
-          <p:cNvSpPr>
-            <a:spLocks noGrp="1" noChangeArrowheads="1"/>
-          </p:cNvSpPr>
-          <p:nvPr>
-            <p:ph type="title"/>
-          </p:nvPr>
-        </p:nvSpPr>
-        <p:spPr>
-          <a:xfrm>
-            <a:off x="2209800" y="1447800"/>
-            <a:ext cx="6400800" cy="533400"/>
-          </a:xfrm>
-        </p:spPr>
-        <p:txBody>
-          <a:bodyPr>
-            <a:normAutofit fontScale="90000"/>
-          </a:bodyPr>
-          <a:lstStyle/>
-          <a:p>
-            <a:pPr algn="r"/>
-            <a:r>
-              <a:rPr lang="en-US" sz="4000" b="1">
-                <a:solidFill>
-                  <a:srgbClr val="0099FF"/>
-                </a:solidFill>
-                <a:effectLst/>
-              </a:rPr>
-              <a:t>DSM2 Documentation</a:t>
-            </a:r>
-          </a:p>
-        </p:txBody>
-      </p:sp>
-      <p:sp>
-        <p:nvSpPr>
-          <p:cNvPr id="1185800" name="WordArt 8"/>
-          <p:cNvSpPr>
-            <a:spLocks noChangeArrowheads="1" noChangeShapeType="1" noTextEdit="1"/>
-          </p:cNvSpPr>
-          <p:nvPr/>
-        </p:nvSpPr>
-        <p:spPr bwMode="auto">
-          <a:xfrm>
-            <a:off x="3429000" y="457200"/>
-            <a:ext cx="4191000" cy="685800"/>
-          </a:xfrm>
-          <a:prstGeom prst="rect">
-            <a:avLst/>
-          </a:prstGeom>
-        </p:spPr>
-        <p:txBody>
-          <a:bodyPr wrap="none" fromWordArt="1">
-            <a:prstTxWarp prst="textWave1">
-              <a:avLst>
-                <a:gd name="adj1" fmla="val 13005"/>
-                <a:gd name="adj2" fmla="val 0"/>
-              </a:avLst>
-            </a:prstTxWarp>
-          </a:bodyPr>
-          <a:lstStyle/>
-          <a:p>
-            <a:pPr algn="ctr"/>
-            <a:r>
-              <a:rPr lang="en-US" sz="3600" kern="10">
-                <a:ln w="19050">
-                  <a:solidFill>
-                    <a:srgbClr val="99CCFF"/>
-                  </a:solidFill>
-                  <a:round/>
-                  <a:headEnd/>
-                  <a:tailEnd/>
-                </a:ln>
-                <a:solidFill>
-                  <a:srgbClr val="0066CC"/>
-                </a:solidFill>
-                <a:effectLst>
-                  <a:outerShdw dist="35921" dir="2700000" algn="ctr" rotWithShape="0">
-                    <a:srgbClr val="990000"/>
-                  </a:outerShdw>
-                </a:effectLst>
-                <a:latin typeface="Impact"/>
-              </a:rPr>
-              <a:t>DSM2 Cool Tip</a:t>
-            </a:r>
-          </a:p>
-        </p:txBody>
-      </p:sp>
-      <p:pic>
-        <p:nvPicPr>
-          <p:cNvPr id="1185803" name="Picture 11" descr="start button"/>
-          <p:cNvPicPr>
-            <a:picLocks noChangeAspect="1" noChangeArrowheads="1"/>
-          </p:cNvPicPr>
-          <p:nvPr/>
-        </p:nvPicPr>
-        <p:blipFill>
-          <a:blip r:embed="rId4" cstate="print"/>
-          <a:srcRect/>
-          <a:stretch>
-            <a:fillRect/>
-          </a:stretch>
-        </p:blipFill>
-        <p:spPr bwMode="auto">
-          <a:xfrm>
-            <a:off x="762000" y="2667000"/>
-            <a:ext cx="1123950" cy="274638"/>
-          </a:xfrm>
-          <a:prstGeom prst="rect">
-            <a:avLst/>
-          </a:prstGeom>
-          <a:noFill/>
-        </p:spPr>
-      </p:pic>
-      <p:pic>
-        <p:nvPicPr>
-          <p:cNvPr id="1185804" name="Picture 12" descr="documentation"/>
-          <p:cNvPicPr>
-            <a:picLocks noChangeAspect="1" noChangeArrowheads="1"/>
-          </p:cNvPicPr>
-          <p:nvPr/>
-        </p:nvPicPr>
-        <p:blipFill>
-          <a:blip r:embed="rId5" cstate="print"/>
-          <a:srcRect/>
-          <a:stretch>
-            <a:fillRect/>
-          </a:stretch>
-        </p:blipFill>
-        <p:spPr bwMode="auto">
-          <a:xfrm>
-            <a:off x="2319338" y="3048000"/>
-            <a:ext cx="4505325" cy="3705225"/>
-          </a:xfrm>
-          <a:prstGeom prst="rect">
-            <a:avLst/>
-          </a:prstGeom>
-          <a:noFill/>
         </p:spPr>
       </p:pic>
     </p:spTree>

--- a/dsm2/presentations/DSM2 Installation.pptx
+++ b/dsm2/presentations/DSM2 Installation.pptx
@@ -5,7 +5,7 @@
     <p:sldMasterId id="2147483648" r:id="rId1"/>
   </p:sldMasterIdLst>
   <p:notesMasterIdLst>
-    <p:notesMasterId r:id="rId21"/>
+    <p:notesMasterId r:id="rId18"/>
   </p:notesMasterIdLst>
   <p:sldIdLst>
     <p:sldId id="256" r:id="rId2"/>
@@ -24,9 +24,6 @@
     <p:sldId id="276" r:id="rId15"/>
     <p:sldId id="282" r:id="rId16"/>
     <p:sldId id="283" r:id="rId17"/>
-    <p:sldId id="262" r:id="rId18"/>
-    <p:sldId id="269" r:id="rId19"/>
-    <p:sldId id="281" r:id="rId20"/>
   </p:sldIdLst>
   <p:sldSz cx="9144000" cy="6858000" type="screen4x3"/>
   <p:notesSz cx="6858000" cy="9144000"/>
@@ -211,7 +208,7 @@
             <a:fld id="{542500BC-1B18-4842-B814-979EB9601F1E}" type="datetimeFigureOut">
               <a:rPr lang="en-US" smtClean="0"/>
               <a:pPr/>
-              <a:t>8/31/2009</a:t>
+              <a:t>9/9/2009</a:t>
             </a:fld>
             <a:endParaRPr lang="en-US"/>
           </a:p>
@@ -1147,7 +1144,7 @@
           </a:bodyPr>
           <a:lstStyle/>
           <a:p>
-            <a:endParaRPr lang="en-US"/>
+            <a:endParaRPr lang="en-US" dirty="0"/>
           </a:p>
         </p:txBody>
       </p:sp>
@@ -1265,453 +1262,6 @@
 </p:notes>
 </file>
 
-<file path=ppt/notesSlides/notesSlide17.xml><?xml version="1.0" encoding="utf-8"?>
-<p:notes xmlns:a="http://schemas.openxmlformats.org/drawingml/2006/main" xmlns:r="http://schemas.openxmlformats.org/officeDocument/2006/relationships" xmlns:p="http://schemas.openxmlformats.org/presentationml/2006/main">
-  <p:cSld>
-    <p:spTree>
-      <p:nvGrpSpPr>
-        <p:cNvPr id="1" name=""/>
-        <p:cNvGrpSpPr/>
-        <p:nvPr/>
-      </p:nvGrpSpPr>
-      <p:grpSpPr>
-        <a:xfrm>
-          <a:off x="0" y="0"/>
-          <a:ext cx="0" cy="0"/>
-          <a:chOff x="0" y="0"/>
-          <a:chExt cx="0" cy="0"/>
-        </a:xfrm>
-      </p:grpSpPr>
-      <p:sp>
-        <p:nvSpPr>
-          <p:cNvPr id="2" name="Slide Image Placeholder 1"/>
-          <p:cNvSpPr>
-            <a:spLocks noGrp="1" noRot="1" noChangeAspect="1"/>
-          </p:cNvSpPr>
-          <p:nvPr>
-            <p:ph type="sldImg"/>
-          </p:nvPr>
-        </p:nvSpPr>
-        <p:spPr/>
-      </p:sp>
-      <p:sp>
-        <p:nvSpPr>
-          <p:cNvPr id="3" name="Notes Placeholder 2"/>
-          <p:cNvSpPr>
-            <a:spLocks noGrp="1"/>
-          </p:cNvSpPr>
-          <p:nvPr>
-            <p:ph type="body" idx="1"/>
-          </p:nvPr>
-        </p:nvSpPr>
-        <p:spPr/>
-        <p:txBody>
-          <a:bodyPr>
-            <a:normAutofit/>
-          </a:bodyPr>
-          <a:lstStyle/>
-          <a:p>
-            <a:endParaRPr lang="en-US"/>
-          </a:p>
-        </p:txBody>
-      </p:sp>
-      <p:sp>
-        <p:nvSpPr>
-          <p:cNvPr id="4" name="Slide Number Placeholder 3"/>
-          <p:cNvSpPr>
-            <a:spLocks noGrp="1"/>
-          </p:cNvSpPr>
-          <p:nvPr>
-            <p:ph type="sldNum" sz="quarter" idx="10"/>
-          </p:nvPr>
-        </p:nvSpPr>
-        <p:spPr/>
-        <p:txBody>
-          <a:bodyPr/>
-          <a:lstStyle/>
-          <a:p>
-            <a:fld id="{2711E83A-B2A6-4A88-A3A1-5D9650D03813}" type="slidenum">
-              <a:rPr lang="en-US" smtClean="0"/>
-              <a:pPr/>
-              <a:t>17</a:t>
-            </a:fld>
-            <a:endParaRPr lang="en-US"/>
-          </a:p>
-        </p:txBody>
-      </p:sp>
-    </p:spTree>
-  </p:cSld>
-  <p:clrMapOvr>
-    <a:masterClrMapping/>
-  </p:clrMapOvr>
-</p:notes>
-</file>
-
-<file path=ppt/notesSlides/notesSlide18.xml><?xml version="1.0" encoding="utf-8"?>
-<p:notes xmlns:a="http://schemas.openxmlformats.org/drawingml/2006/main" xmlns:r="http://schemas.openxmlformats.org/officeDocument/2006/relationships" xmlns:p="http://schemas.openxmlformats.org/presentationml/2006/main">
-  <p:cSld>
-    <p:spTree>
-      <p:nvGrpSpPr>
-        <p:cNvPr id="1" name=""/>
-        <p:cNvGrpSpPr/>
-        <p:nvPr/>
-      </p:nvGrpSpPr>
-      <p:grpSpPr>
-        <a:xfrm>
-          <a:off x="0" y="0"/>
-          <a:ext cx="0" cy="0"/>
-          <a:chOff x="0" y="0"/>
-          <a:chExt cx="0" cy="0"/>
-        </a:xfrm>
-      </p:grpSpPr>
-      <p:sp>
-        <p:nvSpPr>
-          <p:cNvPr id="2" name="Slide Image Placeholder 1"/>
-          <p:cNvSpPr>
-            <a:spLocks noGrp="1" noRot="1" noChangeAspect="1"/>
-          </p:cNvSpPr>
-          <p:nvPr>
-            <p:ph type="sldImg"/>
-          </p:nvPr>
-        </p:nvSpPr>
-        <p:spPr/>
-      </p:sp>
-      <p:sp>
-        <p:nvSpPr>
-          <p:cNvPr id="3" name="Notes Placeholder 2"/>
-          <p:cNvSpPr>
-            <a:spLocks noGrp="1"/>
-          </p:cNvSpPr>
-          <p:nvPr>
-            <p:ph type="body" idx="1"/>
-          </p:nvPr>
-        </p:nvSpPr>
-        <p:spPr/>
-        <p:txBody>
-          <a:bodyPr>
-            <a:normAutofit/>
-          </a:bodyPr>
-          <a:lstStyle/>
-          <a:p>
-            <a:pPr lvl="0"/>
-            <a:r>
-              <a:rPr lang="en-US" sz="1200" kern="1200" dirty="0" smtClean="0">
-                <a:solidFill>
-                  <a:schemeClr val="tx1"/>
-                </a:solidFill>
-                <a:latin typeface="+mn-lt"/>
-                <a:ea typeface="+mn-ea"/>
-                <a:cs typeface="+mn-cs"/>
-              </a:rPr>
-              <a:t>Download Notepad++ from here: </a:t>
-            </a:r>
-          </a:p>
-          <a:p>
-            <a:r>
-              <a:rPr lang="en-US" sz="1200" u="sng" kern="1200" dirty="0" smtClean="0">
-                <a:solidFill>
-                  <a:schemeClr val="tx1"/>
-                </a:solidFill>
-                <a:latin typeface="+mn-lt"/>
-                <a:ea typeface="+mn-ea"/>
-                <a:cs typeface="+mn-cs"/>
-                <a:hlinkClick r:id="rId3"/>
-              </a:rPr>
-              <a:t>http://superb-west.dl.sourceforge.net/sourceforge/notepad-plus/npp.5.4.2.Installer.exe</a:t>
-            </a:r>
-            <a:endParaRPr lang="en-US" sz="1200" kern="1200" dirty="0" smtClean="0">
-              <a:solidFill>
-                <a:schemeClr val="tx1"/>
-              </a:solidFill>
-              <a:latin typeface="+mn-lt"/>
-              <a:ea typeface="+mn-ea"/>
-              <a:cs typeface="+mn-cs"/>
-            </a:endParaRPr>
-          </a:p>
-          <a:p>
-            <a:r>
-              <a:rPr lang="en-US" sz="1200" kern="1200" dirty="0" smtClean="0">
-                <a:solidFill>
-                  <a:schemeClr val="tx1"/>
-                </a:solidFill>
-                <a:latin typeface="+mn-lt"/>
-                <a:ea typeface="+mn-ea"/>
-                <a:cs typeface="+mn-cs"/>
-              </a:rPr>
-              <a:t> </a:t>
-            </a:r>
-          </a:p>
-          <a:p>
-            <a:pPr lvl="0"/>
-            <a:r>
-              <a:rPr lang="en-US" sz="1200" kern="1200" dirty="0" smtClean="0">
-                <a:solidFill>
-                  <a:schemeClr val="tx1"/>
-                </a:solidFill>
-                <a:latin typeface="+mn-lt"/>
-                <a:ea typeface="+mn-ea"/>
-                <a:cs typeface="+mn-cs"/>
-              </a:rPr>
-              <a:t>Install Notepad++ with the option “Don’t use %APPDATA%”.</a:t>
-            </a:r>
-          </a:p>
-          <a:p>
-            <a:pPr lvl="0"/>
-            <a:endParaRPr lang="en-US" sz="1200" kern="1200" dirty="0" smtClean="0">
-              <a:solidFill>
-                <a:schemeClr val="tx1"/>
-              </a:solidFill>
-              <a:latin typeface="+mn-lt"/>
-              <a:ea typeface="+mn-ea"/>
-              <a:cs typeface="+mn-cs"/>
-            </a:endParaRPr>
-          </a:p>
-          <a:p>
-            <a:pPr lvl="0"/>
-            <a:r>
-              <a:rPr lang="en-US" sz="1200" kern="1200" dirty="0" smtClean="0">
-                <a:solidFill>
-                  <a:schemeClr val="tx1"/>
-                </a:solidFill>
-                <a:latin typeface="+mn-lt"/>
-                <a:ea typeface="+mn-ea"/>
-                <a:cs typeface="+mn-cs"/>
-              </a:rPr>
-              <a:t>Copy the file “userDefineLang.xml” under “your dsm2_8 directory\extras\notepad++ “(e.g., “D:\delta\dsm2\extras\notepad++ “ ) to your Notepad++ installation folder (e.g., “C:\Program Files\Notepad++”).</a:t>
-            </a:r>
-          </a:p>
-          <a:p>
-            <a:pPr lvl="0"/>
-            <a:endParaRPr lang="en-US" sz="1200" kern="1200" dirty="0" smtClean="0">
-              <a:solidFill>
-                <a:schemeClr val="tx1"/>
-              </a:solidFill>
-              <a:latin typeface="+mn-lt"/>
-              <a:ea typeface="+mn-ea"/>
-              <a:cs typeface="+mn-cs"/>
-            </a:endParaRPr>
-          </a:p>
-          <a:p>
-            <a:pPr lvl="0"/>
-            <a:r>
-              <a:rPr lang="en-US" sz="1200" kern="1200" dirty="0" smtClean="0">
-                <a:solidFill>
-                  <a:schemeClr val="tx1"/>
-                </a:solidFill>
-                <a:latin typeface="+mn-lt"/>
-                <a:ea typeface="+mn-ea"/>
-                <a:cs typeface="+mn-cs"/>
-              </a:rPr>
-              <a:t>When working with tables you will want the columns to line up, so it is useful if all the characters are the same width – this is known as </a:t>
-            </a:r>
-            <a:r>
-              <a:rPr lang="en-US" sz="1200" kern="1200" dirty="0" err="1" smtClean="0">
-                <a:solidFill>
-                  <a:schemeClr val="tx1"/>
-                </a:solidFill>
-                <a:latin typeface="+mn-lt"/>
-                <a:ea typeface="+mn-ea"/>
-                <a:cs typeface="+mn-cs"/>
-              </a:rPr>
-              <a:t>monospace</a:t>
-            </a:r>
-            <a:r>
-              <a:rPr lang="en-US" sz="1200" kern="1200" dirty="0" smtClean="0">
-                <a:solidFill>
-                  <a:schemeClr val="tx1"/>
-                </a:solidFill>
-                <a:latin typeface="+mn-lt"/>
-                <a:ea typeface="+mn-ea"/>
-                <a:cs typeface="+mn-cs"/>
-              </a:rPr>
-              <a:t>. Only a few fonts are </a:t>
-            </a:r>
-            <a:r>
-              <a:rPr lang="en-US" sz="1200" kern="1200" dirty="0" err="1" smtClean="0">
-                <a:solidFill>
-                  <a:schemeClr val="tx1"/>
-                </a:solidFill>
-                <a:latin typeface="+mn-lt"/>
-                <a:ea typeface="+mn-ea"/>
-                <a:cs typeface="+mn-cs"/>
-              </a:rPr>
-              <a:t>monospace</a:t>
-            </a:r>
-            <a:r>
-              <a:rPr lang="en-US" sz="1200" kern="1200" dirty="0" smtClean="0">
-                <a:solidFill>
-                  <a:schemeClr val="tx1"/>
-                </a:solidFill>
-                <a:latin typeface="+mn-lt"/>
-                <a:ea typeface="+mn-ea"/>
-                <a:cs typeface="+mn-cs"/>
-              </a:rPr>
-              <a:t>, including Courier New and Courier. Due to a quirk of notepad++, if you want </a:t>
-            </a:r>
-            <a:r>
-              <a:rPr lang="en-US" sz="1200" kern="1200" dirty="0" err="1" smtClean="0">
-                <a:solidFill>
-                  <a:schemeClr val="tx1"/>
-                </a:solidFill>
-                <a:latin typeface="+mn-lt"/>
-                <a:ea typeface="+mn-ea"/>
-                <a:cs typeface="+mn-cs"/>
-              </a:rPr>
-              <a:t>monospace</a:t>
-            </a:r>
-            <a:r>
-              <a:rPr lang="en-US" sz="1200" kern="1200" dirty="0" smtClean="0">
-                <a:solidFill>
-                  <a:schemeClr val="tx1"/>
-                </a:solidFill>
-                <a:latin typeface="+mn-lt"/>
-                <a:ea typeface="+mn-ea"/>
-                <a:cs typeface="+mn-cs"/>
-              </a:rPr>
-              <a:t>, you need to set the global default. The way to do this is to go to Settings-&gt;Style </a:t>
-            </a:r>
-            <a:r>
-              <a:rPr lang="en-US" sz="1200" kern="1200" dirty="0" err="1" smtClean="0">
-                <a:solidFill>
-                  <a:schemeClr val="tx1"/>
-                </a:solidFill>
-                <a:latin typeface="+mn-lt"/>
-                <a:ea typeface="+mn-ea"/>
-                <a:cs typeface="+mn-cs"/>
-              </a:rPr>
-              <a:t>Configurator</a:t>
-            </a:r>
-            <a:r>
-              <a:rPr lang="en-US" sz="1200" kern="1200" dirty="0" smtClean="0">
-                <a:solidFill>
-                  <a:schemeClr val="tx1"/>
-                </a:solidFill>
-                <a:latin typeface="+mn-lt"/>
-                <a:ea typeface="+mn-ea"/>
-                <a:cs typeface="+mn-cs"/>
-              </a:rPr>
-              <a:t> and edit Global Styles font to be Courier New.</a:t>
-            </a:r>
-          </a:p>
-          <a:p>
-            <a:endParaRPr lang="en-US" dirty="0"/>
-          </a:p>
-        </p:txBody>
-      </p:sp>
-      <p:sp>
-        <p:nvSpPr>
-          <p:cNvPr id="4" name="Slide Number Placeholder 3"/>
-          <p:cNvSpPr>
-            <a:spLocks noGrp="1"/>
-          </p:cNvSpPr>
-          <p:nvPr>
-            <p:ph type="sldNum" sz="quarter" idx="10"/>
-          </p:nvPr>
-        </p:nvSpPr>
-        <p:spPr/>
-        <p:txBody>
-          <a:bodyPr/>
-          <a:lstStyle/>
-          <a:p>
-            <a:fld id="{2711E83A-B2A6-4A88-A3A1-5D9650D03813}" type="slidenum">
-              <a:rPr lang="en-US" smtClean="0"/>
-              <a:pPr/>
-              <a:t>18</a:t>
-            </a:fld>
-            <a:endParaRPr lang="en-US"/>
-          </a:p>
-        </p:txBody>
-      </p:sp>
-    </p:spTree>
-  </p:cSld>
-  <p:clrMapOvr>
-    <a:masterClrMapping/>
-  </p:clrMapOvr>
-</p:notes>
-</file>
-
-<file path=ppt/notesSlides/notesSlide19.xml><?xml version="1.0" encoding="utf-8"?>
-<p:notes xmlns:a="http://schemas.openxmlformats.org/drawingml/2006/main" xmlns:r="http://schemas.openxmlformats.org/officeDocument/2006/relationships" xmlns:p="http://schemas.openxmlformats.org/presentationml/2006/main">
-  <p:cSld>
-    <p:spTree>
-      <p:nvGrpSpPr>
-        <p:cNvPr id="1" name=""/>
-        <p:cNvGrpSpPr/>
-        <p:nvPr/>
-      </p:nvGrpSpPr>
-      <p:grpSpPr>
-        <a:xfrm>
-          <a:off x="0" y="0"/>
-          <a:ext cx="0" cy="0"/>
-          <a:chOff x="0" y="0"/>
-          <a:chExt cx="0" cy="0"/>
-        </a:xfrm>
-      </p:grpSpPr>
-      <p:sp>
-        <p:nvSpPr>
-          <p:cNvPr id="2" name="Slide Image Placeholder 1"/>
-          <p:cNvSpPr>
-            <a:spLocks noGrp="1" noRot="1" noChangeAspect="1"/>
-          </p:cNvSpPr>
-          <p:nvPr>
-            <p:ph type="sldImg"/>
-          </p:nvPr>
-        </p:nvSpPr>
-        <p:spPr/>
-      </p:sp>
-      <p:sp>
-        <p:nvSpPr>
-          <p:cNvPr id="3" name="Notes Placeholder 2"/>
-          <p:cNvSpPr>
-            <a:spLocks noGrp="1"/>
-          </p:cNvSpPr>
-          <p:nvPr>
-            <p:ph type="body" idx="1"/>
-          </p:nvPr>
-        </p:nvSpPr>
-        <p:spPr/>
-        <p:txBody>
-          <a:bodyPr>
-            <a:normAutofit/>
-          </a:bodyPr>
-          <a:lstStyle/>
-          <a:p>
-            <a:endParaRPr lang="en-US"/>
-          </a:p>
-        </p:txBody>
-      </p:sp>
-      <p:sp>
-        <p:nvSpPr>
-          <p:cNvPr id="4" name="Slide Number Placeholder 3"/>
-          <p:cNvSpPr>
-            <a:spLocks noGrp="1"/>
-          </p:cNvSpPr>
-          <p:nvPr>
-            <p:ph type="sldNum" sz="quarter" idx="10"/>
-          </p:nvPr>
-        </p:nvSpPr>
-        <p:spPr/>
-        <p:txBody>
-          <a:bodyPr/>
-          <a:lstStyle/>
-          <a:p>
-            <a:fld id="{168E8D70-E694-4C4D-B96B-C3A6E4A6D822}" type="slidenum">
-              <a:rPr lang="en-US" smtClean="0"/>
-              <a:pPr/>
-              <a:t>19</a:t>
-            </a:fld>
-            <a:endParaRPr lang="en-US"/>
-          </a:p>
-        </p:txBody>
-      </p:sp>
-    </p:spTree>
-  </p:cSld>
-  <p:clrMapOvr>
-    <a:masterClrMapping/>
-  </p:clrMapOvr>
-</p:notes>
-</file>
-
 <file path=ppt/notesSlides/notesSlide2.xml><?xml version="1.0" encoding="utf-8"?>
 <p:notes xmlns:a="http://schemas.openxmlformats.org/drawingml/2006/main" xmlns:r="http://schemas.openxmlformats.org/officeDocument/2006/relationships" xmlns:p="http://schemas.openxmlformats.org/presentationml/2006/main">
   <p:cSld>
@@ -2404,7 +1954,19 @@
           </a:bodyPr>
           <a:lstStyle/>
           <a:p>
-            <a:endParaRPr lang="en-US"/>
+            <a:r>
+              <a:rPr lang="en-US" dirty="0" smtClean="0"/>
+              <a:t>Jamie</a:t>
+            </a:r>
+            <a:r>
+              <a:rPr lang="en-US" baseline="0" dirty="0" smtClean="0"/>
+              <a:t> mentioned that this “Open Command Window Here” is a built-in feature in the newer Windows version Vista. You need to press the Shift key and then right click the folder to see this feature. You can also change the registry to make it appear by default without pressing the </a:t>
+            </a:r>
+            <a:r>
+              <a:rPr lang="en-US" baseline="0" smtClean="0"/>
+              <a:t>Shift key.</a:t>
+            </a:r>
+            <a:endParaRPr lang="en-US" dirty="0"/>
           </a:p>
         </p:txBody>
       </p:sp>
@@ -2622,7 +2184,7 @@
             <a:fld id="{99D1FB89-835D-464F-A26E-B0A973C390E0}" type="datetimeFigureOut">
               <a:rPr lang="en-US" smtClean="0"/>
               <a:pPr/>
-              <a:t>8/31/2009</a:t>
+              <a:t>9/9/2009</a:t>
             </a:fld>
             <a:endParaRPr lang="en-US"/>
           </a:p>
@@ -2789,7 +2351,7 @@
             <a:fld id="{99D1FB89-835D-464F-A26E-B0A973C390E0}" type="datetimeFigureOut">
               <a:rPr lang="en-US" smtClean="0"/>
               <a:pPr/>
-              <a:t>8/31/2009</a:t>
+              <a:t>9/9/2009</a:t>
             </a:fld>
             <a:endParaRPr lang="en-US"/>
           </a:p>
@@ -2966,7 +2528,7 @@
             <a:fld id="{99D1FB89-835D-464F-A26E-B0A973C390E0}" type="datetimeFigureOut">
               <a:rPr lang="en-US" smtClean="0"/>
               <a:pPr/>
-              <a:t>8/31/2009</a:t>
+              <a:t>9/9/2009</a:t>
             </a:fld>
             <a:endParaRPr lang="en-US"/>
           </a:p>
@@ -3133,7 +2695,7 @@
             <a:fld id="{99D1FB89-835D-464F-A26E-B0A973C390E0}" type="datetimeFigureOut">
               <a:rPr lang="en-US" smtClean="0"/>
               <a:pPr/>
-              <a:t>8/31/2009</a:t>
+              <a:t>9/9/2009</a:t>
             </a:fld>
             <a:endParaRPr lang="en-US"/>
           </a:p>
@@ -3376,7 +2938,7 @@
             <a:fld id="{99D1FB89-835D-464F-A26E-B0A973C390E0}" type="datetimeFigureOut">
               <a:rPr lang="en-US" smtClean="0"/>
               <a:pPr/>
-              <a:t>8/31/2009</a:t>
+              <a:t>9/9/2009</a:t>
             </a:fld>
             <a:endParaRPr lang="en-US"/>
           </a:p>
@@ -3661,7 +3223,7 @@
             <a:fld id="{99D1FB89-835D-464F-A26E-B0A973C390E0}" type="datetimeFigureOut">
               <a:rPr lang="en-US" smtClean="0"/>
               <a:pPr/>
-              <a:t>8/31/2009</a:t>
+              <a:t>9/9/2009</a:t>
             </a:fld>
             <a:endParaRPr lang="en-US"/>
           </a:p>
@@ -4080,7 +3642,7 @@
             <a:fld id="{99D1FB89-835D-464F-A26E-B0A973C390E0}" type="datetimeFigureOut">
               <a:rPr lang="en-US" smtClean="0"/>
               <a:pPr/>
-              <a:t>8/31/2009</a:t>
+              <a:t>9/9/2009</a:t>
             </a:fld>
             <a:endParaRPr lang="en-US"/>
           </a:p>
@@ -4195,7 +3757,7 @@
             <a:fld id="{99D1FB89-835D-464F-A26E-B0A973C390E0}" type="datetimeFigureOut">
               <a:rPr lang="en-US" smtClean="0"/>
               <a:pPr/>
-              <a:t>8/31/2009</a:t>
+              <a:t>9/9/2009</a:t>
             </a:fld>
             <a:endParaRPr lang="en-US"/>
           </a:p>
@@ -4287,7 +3849,7 @@
             <a:fld id="{99D1FB89-835D-464F-A26E-B0A973C390E0}" type="datetimeFigureOut">
               <a:rPr lang="en-US" smtClean="0"/>
               <a:pPr/>
-              <a:t>8/31/2009</a:t>
+              <a:t>9/9/2009</a:t>
             </a:fld>
             <a:endParaRPr lang="en-US"/>
           </a:p>
@@ -4561,7 +4123,7 @@
             <a:fld id="{99D1FB89-835D-464F-A26E-B0A973C390E0}" type="datetimeFigureOut">
               <a:rPr lang="en-US" smtClean="0"/>
               <a:pPr/>
-              <a:t>8/31/2009</a:t>
+              <a:t>9/9/2009</a:t>
             </a:fld>
             <a:endParaRPr lang="en-US"/>
           </a:p>
@@ -4811,7 +4373,7 @@
             <a:fld id="{99D1FB89-835D-464F-A26E-B0A973C390E0}" type="datetimeFigureOut">
               <a:rPr lang="en-US" smtClean="0"/>
               <a:pPr/>
-              <a:t>8/31/2009</a:t>
+              <a:t>9/9/2009</a:t>
             </a:fld>
             <a:endParaRPr lang="en-US"/>
           </a:p>
@@ -5021,7 +4583,7 @@
             <a:fld id="{99D1FB89-835D-464F-A26E-B0A973C390E0}" type="datetimeFigureOut">
               <a:rPr lang="en-US" smtClean="0"/>
               <a:pPr/>
-              <a:t>8/31/2009</a:t>
+              <a:t>9/9/2009</a:t>
             </a:fld>
             <a:endParaRPr lang="en-US"/>
           </a:p>
@@ -7189,7 +6751,7 @@
         <p:spPr>
           <a:xfrm>
             <a:off x="4267200" y="2209800"/>
-            <a:ext cx="3786293" cy="523220"/>
+            <a:ext cx="2558714" cy="523220"/>
           </a:xfrm>
           <a:prstGeom prst="rect">
             <a:avLst/>
@@ -7211,7 +6773,11 @@
           <a:p>
             <a:r>
               <a:rPr lang="en-US" sz="2800" dirty="0" smtClean="0"/>
-              <a:t>Google “dsm2 version 8”</a:t>
+              <a:t>Google </a:t>
+            </a:r>
+            <a:r>
+              <a:rPr lang="en-US" sz="2800" dirty="0" smtClean="0"/>
+              <a:t> “DSM2”</a:t>
             </a:r>
             <a:endParaRPr lang="en-US" sz="2800" dirty="0"/>
           </a:p>
@@ -7306,548 +6872,6 @@
 </p:sld>
 </file>
 
-<file path=ppt/slides/slide17.xml><?xml version="1.0" encoding="utf-8"?>
-<p:sld xmlns:a="http://schemas.openxmlformats.org/drawingml/2006/main" xmlns:r="http://schemas.openxmlformats.org/officeDocument/2006/relationships" xmlns:p="http://schemas.openxmlformats.org/presentationml/2006/main">
-  <p:cSld>
-    <p:spTree>
-      <p:nvGrpSpPr>
-        <p:cNvPr id="1" name=""/>
-        <p:cNvGrpSpPr/>
-        <p:nvPr/>
-      </p:nvGrpSpPr>
-      <p:grpSpPr>
-        <a:xfrm>
-          <a:off x="0" y="0"/>
-          <a:ext cx="0" cy="0"/>
-          <a:chOff x="0" y="0"/>
-          <a:chExt cx="0" cy="0"/>
-        </a:xfrm>
-      </p:grpSpPr>
-      <p:sp>
-        <p:nvSpPr>
-          <p:cNvPr id="2" name="Title 1"/>
-          <p:cNvSpPr>
-            <a:spLocks noGrp="1"/>
-          </p:cNvSpPr>
-          <p:nvPr>
-            <p:ph type="title"/>
-          </p:nvPr>
-        </p:nvSpPr>
-        <p:spPr/>
-        <p:txBody>
-          <a:bodyPr/>
-          <a:lstStyle/>
-          <a:p>
-            <a:endParaRPr lang="en-US"/>
-          </a:p>
-        </p:txBody>
-      </p:sp>
-      <p:sp>
-        <p:nvSpPr>
-          <p:cNvPr id="3" name="Content Placeholder 2"/>
-          <p:cNvSpPr>
-            <a:spLocks noGrp="1"/>
-          </p:cNvSpPr>
-          <p:nvPr>
-            <p:ph idx="1"/>
-          </p:nvPr>
-        </p:nvSpPr>
-        <p:spPr/>
-        <p:txBody>
-          <a:bodyPr/>
-          <a:lstStyle/>
-          <a:p>
-            <a:endParaRPr lang="en-US"/>
-          </a:p>
-        </p:txBody>
-      </p:sp>
-      <p:pic>
-        <p:nvPicPr>
-          <p:cNvPr id="4" name="Picture 5"/>
-          <p:cNvPicPr>
-            <a:picLocks noChangeAspect="1" noChangeArrowheads="1"/>
-          </p:cNvPicPr>
-          <p:nvPr/>
-        </p:nvPicPr>
-        <p:blipFill>
-          <a:blip r:embed="rId3" cstate="print"/>
-          <a:srcRect/>
-          <a:stretch>
-            <a:fillRect/>
-          </a:stretch>
-        </p:blipFill>
-        <p:spPr bwMode="auto">
-          <a:xfrm>
-            <a:off x="228600" y="1371600"/>
-            <a:ext cx="3508442" cy="4246268"/>
-          </a:xfrm>
-          <a:prstGeom prst="rect">
-            <a:avLst/>
-          </a:prstGeom>
-          <a:noFill/>
-          <a:ln w="9525">
-            <a:noFill/>
-            <a:miter lim="800000"/>
-            <a:headEnd/>
-            <a:tailEnd/>
-          </a:ln>
-        </p:spPr>
-      </p:pic>
-      <p:sp>
-        <p:nvSpPr>
-          <p:cNvPr id="5" name="Oval 4"/>
-          <p:cNvSpPr/>
-          <p:nvPr/>
-        </p:nvSpPr>
-        <p:spPr>
-          <a:xfrm>
-            <a:off x="152400" y="2819400"/>
-            <a:ext cx="2209800" cy="838200"/>
-          </a:xfrm>
-          <a:prstGeom prst="ellipse">
-            <a:avLst/>
-          </a:prstGeom>
-          <a:noFill/>
-          <a:ln w="57150">
-            <a:solidFill>
-              <a:srgbClr val="FF0000"/>
-            </a:solidFill>
-          </a:ln>
-        </p:spPr>
-        <p:style>
-          <a:lnRef idx="2">
-            <a:schemeClr val="accent1">
-              <a:shade val="50000"/>
-            </a:schemeClr>
-          </a:lnRef>
-          <a:fillRef idx="1">
-            <a:schemeClr val="accent1"/>
-          </a:fillRef>
-          <a:effectRef idx="0">
-            <a:schemeClr val="accent1"/>
-          </a:effectRef>
-          <a:fontRef idx="minor">
-            <a:schemeClr val="lt1"/>
-          </a:fontRef>
-        </p:style>
-        <p:txBody>
-          <a:bodyPr rtlCol="0" anchor="ctr"/>
-          <a:lstStyle/>
-          <a:p>
-            <a:pPr algn="ctr"/>
-            <a:endParaRPr lang="en-US"/>
-          </a:p>
-        </p:txBody>
-      </p:sp>
-    </p:spTree>
-  </p:cSld>
-  <p:clrMapOvr>
-    <a:masterClrMapping/>
-  </p:clrMapOvr>
-  <p:timing>
-    <p:tnLst>
-      <p:par>
-        <p:cTn id="1" dur="indefinite" restart="never" nodeType="tmRoot"/>
-      </p:par>
-    </p:tnLst>
-  </p:timing>
-</p:sld>
-</file>
-
-<file path=ppt/slides/slide18.xml><?xml version="1.0" encoding="utf-8"?>
-<p:sld xmlns:a="http://schemas.openxmlformats.org/drawingml/2006/main" xmlns:r="http://schemas.openxmlformats.org/officeDocument/2006/relationships" xmlns:p="http://schemas.openxmlformats.org/presentationml/2006/main">
-  <p:cSld>
-    <p:spTree>
-      <p:nvGrpSpPr>
-        <p:cNvPr id="1" name=""/>
-        <p:cNvGrpSpPr/>
-        <p:nvPr/>
-      </p:nvGrpSpPr>
-      <p:grpSpPr>
-        <a:xfrm>
-          <a:off x="0" y="0"/>
-          <a:ext cx="0" cy="0"/>
-          <a:chOff x="0" y="0"/>
-          <a:chExt cx="0" cy="0"/>
-        </a:xfrm>
-      </p:grpSpPr>
-      <p:sp>
-        <p:nvSpPr>
-          <p:cNvPr id="2" name="Title 1"/>
-          <p:cNvSpPr>
-            <a:spLocks noGrp="1"/>
-          </p:cNvSpPr>
-          <p:nvPr>
-            <p:ph type="title"/>
-          </p:nvPr>
-        </p:nvSpPr>
-        <p:spPr/>
-        <p:txBody>
-          <a:bodyPr/>
-          <a:lstStyle/>
-          <a:p>
-            <a:r>
-              <a:rPr lang="en-US" dirty="0" smtClean="0"/>
-              <a:t>Install Notepad++</a:t>
-            </a:r>
-            <a:endParaRPr lang="en-US" dirty="0"/>
-          </a:p>
-        </p:txBody>
-      </p:sp>
-      <p:pic>
-        <p:nvPicPr>
-          <p:cNvPr id="4" name="Content Placeholder 3"/>
-          <p:cNvPicPr>
-            <a:picLocks noGrp="1"/>
-          </p:cNvPicPr>
-          <p:nvPr>
-            <p:ph idx="1"/>
-          </p:nvPr>
-        </p:nvPicPr>
-        <p:blipFill>
-          <a:blip r:embed="rId3" cstate="print"/>
-          <a:srcRect/>
-          <a:stretch>
-            <a:fillRect/>
-          </a:stretch>
-        </p:blipFill>
-        <p:spPr bwMode="auto">
-          <a:xfrm>
-            <a:off x="2286000" y="2514600"/>
-            <a:ext cx="4790477" cy="3742857"/>
-          </a:xfrm>
-          <a:prstGeom prst="rect">
-            <a:avLst/>
-          </a:prstGeom>
-          <a:noFill/>
-          <a:ln w="9525">
-            <a:noFill/>
-            <a:miter lim="800000"/>
-            <a:headEnd/>
-            <a:tailEnd/>
-          </a:ln>
-        </p:spPr>
-      </p:pic>
-      <p:sp>
-        <p:nvSpPr>
-          <p:cNvPr id="5" name="Rectangle 4"/>
-          <p:cNvSpPr/>
-          <p:nvPr/>
-        </p:nvSpPr>
-        <p:spPr>
-          <a:xfrm>
-            <a:off x="1676400" y="1600200"/>
-            <a:ext cx="5943600" cy="369332"/>
-          </a:xfrm>
-          <a:prstGeom prst="rect">
-            <a:avLst/>
-          </a:prstGeom>
-        </p:spPr>
-        <p:txBody>
-          <a:bodyPr wrap="square">
-            <a:spAutoFit/>
-          </a:bodyPr>
-          <a:lstStyle/>
-          <a:p>
-            <a:pPr lvl="0"/>
-            <a:r>
-              <a:rPr lang="en-US" dirty="0"/>
-              <a:t>Install Notepad++ with the option “Don’t use %APPDATA%”.</a:t>
-            </a:r>
-          </a:p>
-        </p:txBody>
-      </p:sp>
-    </p:spTree>
-  </p:cSld>
-  <p:clrMapOvr>
-    <a:masterClrMapping/>
-  </p:clrMapOvr>
-  <p:timing>
-    <p:tnLst>
-      <p:par>
-        <p:cTn id="1" dur="indefinite" restart="never" nodeType="tmRoot"/>
-      </p:par>
-    </p:tnLst>
-  </p:timing>
-</p:sld>
-</file>
-
-<file path=ppt/slides/slide19.xml><?xml version="1.0" encoding="utf-8"?>
-<p:sld xmlns:a="http://schemas.openxmlformats.org/drawingml/2006/main" xmlns:r="http://schemas.openxmlformats.org/officeDocument/2006/relationships" xmlns:p="http://schemas.openxmlformats.org/presentationml/2006/main">
-  <p:cSld>
-    <p:spTree>
-      <p:nvGrpSpPr>
-        <p:cNvPr id="1" name=""/>
-        <p:cNvGrpSpPr/>
-        <p:nvPr/>
-      </p:nvGrpSpPr>
-      <p:grpSpPr>
-        <a:xfrm>
-          <a:off x="0" y="0"/>
-          <a:ext cx="0" cy="0"/>
-          <a:chOff x="0" y="0"/>
-          <a:chExt cx="0" cy="0"/>
-        </a:xfrm>
-      </p:grpSpPr>
-      <p:sp>
-        <p:nvSpPr>
-          <p:cNvPr id="1185794" name="Rectangle 2"/>
-          <p:cNvSpPr>
-            <a:spLocks noChangeArrowheads="1"/>
-          </p:cNvSpPr>
-          <p:nvPr/>
-        </p:nvSpPr>
-        <p:spPr bwMode="auto">
-          <a:xfrm>
-            <a:off x="304800" y="381000"/>
-            <a:ext cx="8382000" cy="1828800"/>
-          </a:xfrm>
-          <a:prstGeom prst="rect">
-            <a:avLst/>
-          </a:prstGeom>
-          <a:solidFill>
-            <a:schemeClr val="bg1"/>
-          </a:solidFill>
-          <a:ln w="9525" algn="ctr">
-            <a:noFill/>
-            <a:miter lim="800000"/>
-            <a:headEnd/>
-            <a:tailEnd/>
-          </a:ln>
-          <a:effectLst/>
-        </p:spPr>
-        <p:txBody>
-          <a:bodyPr wrap="none" lIns="0" tIns="0" rIns="0" bIns="0" anchor="ctr">
-            <a:spAutoFit/>
-          </a:bodyPr>
-          <a:lstStyle/>
-          <a:p>
-            <a:endParaRPr lang="en-US"/>
-          </a:p>
-        </p:txBody>
-      </p:sp>
-      <p:sp>
-        <p:nvSpPr>
-          <p:cNvPr id="1185795" name="Rectangle 3"/>
-          <p:cNvSpPr>
-            <a:spLocks noGrp="1" noChangeArrowheads="1"/>
-          </p:cNvSpPr>
-          <p:nvPr>
-            <p:ph type="body" idx="1"/>
-          </p:nvPr>
-        </p:nvSpPr>
-        <p:spPr>
-          <a:xfrm>
-            <a:off x="685800" y="2590800"/>
-            <a:ext cx="7772400" cy="457200"/>
-          </a:xfrm>
-        </p:spPr>
-        <p:txBody>
-          <a:bodyPr/>
-          <a:lstStyle/>
-          <a:p>
-            <a:pPr>
-              <a:buFontTx/>
-              <a:buNone/>
-            </a:pPr>
-            <a:r>
-              <a:rPr lang="en-US" sz="2000">
-                <a:latin typeface="Arial" charset="0"/>
-              </a:rPr>
-              <a:t>                </a:t>
-            </a:r>
-            <a:r>
-              <a:rPr lang="en-US" sz="2000">
-                <a:latin typeface="Arial" charset="0"/>
-                <a:sym typeface="Wingdings" pitchFamily="2" charset="2"/>
-              </a:rPr>
-              <a:t> All Programs  DSM2v8  DSM2_documentation</a:t>
-            </a:r>
-          </a:p>
-        </p:txBody>
-      </p:sp>
-      <p:pic>
-        <p:nvPicPr>
-          <p:cNvPr id="1185797" name="Picture 5" descr="0511-0812-0802-1129_Polar_Bear_Coaching_Young_Penguin_Soccer_Players_clipart_image"/>
-          <p:cNvPicPr>
-            <a:picLocks noChangeAspect="1" noChangeArrowheads="1"/>
-          </p:cNvPicPr>
-          <p:nvPr/>
-        </p:nvPicPr>
-        <p:blipFill>
-          <a:blip r:embed="rId3" cstate="print"/>
-          <a:srcRect/>
-          <a:stretch>
-            <a:fillRect/>
-          </a:stretch>
-        </p:blipFill>
-        <p:spPr bwMode="auto">
-          <a:xfrm>
-            <a:off x="304800" y="384175"/>
-            <a:ext cx="3244850" cy="1825625"/>
-          </a:xfrm>
-          <a:prstGeom prst="rect">
-            <a:avLst/>
-          </a:prstGeom>
-          <a:noFill/>
-        </p:spPr>
-      </p:pic>
-      <p:sp>
-        <p:nvSpPr>
-          <p:cNvPr id="1185799" name="Rectangle 7"/>
-          <p:cNvSpPr>
-            <a:spLocks noGrp="1" noChangeArrowheads="1"/>
-          </p:cNvSpPr>
-          <p:nvPr>
-            <p:ph type="title"/>
-          </p:nvPr>
-        </p:nvSpPr>
-        <p:spPr>
-          <a:xfrm>
-            <a:off x="2209800" y="1447800"/>
-            <a:ext cx="6400800" cy="533400"/>
-          </a:xfrm>
-        </p:spPr>
-        <p:txBody>
-          <a:bodyPr>
-            <a:normAutofit fontScale="90000"/>
-          </a:bodyPr>
-          <a:lstStyle/>
-          <a:p>
-            <a:pPr algn="r"/>
-            <a:r>
-              <a:rPr lang="en-US" sz="4000" b="1">
-                <a:solidFill>
-                  <a:srgbClr val="0099FF"/>
-                </a:solidFill>
-                <a:effectLst/>
-              </a:rPr>
-              <a:t>DSM2 Documentation</a:t>
-            </a:r>
-          </a:p>
-        </p:txBody>
-      </p:sp>
-      <p:sp>
-        <p:nvSpPr>
-          <p:cNvPr id="1185800" name="WordArt 8"/>
-          <p:cNvSpPr>
-            <a:spLocks noChangeArrowheads="1" noChangeShapeType="1" noTextEdit="1"/>
-          </p:cNvSpPr>
-          <p:nvPr/>
-        </p:nvSpPr>
-        <p:spPr bwMode="auto">
-          <a:xfrm>
-            <a:off x="3429000" y="457200"/>
-            <a:ext cx="4191000" cy="685800"/>
-          </a:xfrm>
-          <a:prstGeom prst="rect">
-            <a:avLst/>
-          </a:prstGeom>
-        </p:spPr>
-        <p:txBody>
-          <a:bodyPr wrap="none" fromWordArt="1">
-            <a:prstTxWarp prst="textWave1">
-              <a:avLst>
-                <a:gd name="adj1" fmla="val 13005"/>
-                <a:gd name="adj2" fmla="val 0"/>
-              </a:avLst>
-            </a:prstTxWarp>
-          </a:bodyPr>
-          <a:lstStyle/>
-          <a:p>
-            <a:pPr algn="ctr"/>
-            <a:r>
-              <a:rPr lang="en-US" sz="3600" kern="10">
-                <a:ln w="19050">
-                  <a:solidFill>
-                    <a:srgbClr val="99CCFF"/>
-                  </a:solidFill>
-                  <a:round/>
-                  <a:headEnd/>
-                  <a:tailEnd/>
-                </a:ln>
-                <a:solidFill>
-                  <a:srgbClr val="0066CC"/>
-                </a:solidFill>
-                <a:effectLst>
-                  <a:outerShdw dist="35921" dir="2700000" algn="ctr" rotWithShape="0">
-                    <a:srgbClr val="990000"/>
-                  </a:outerShdw>
-                </a:effectLst>
-                <a:latin typeface="Impact"/>
-              </a:rPr>
-              <a:t>DSM2 Cool Tip</a:t>
-            </a:r>
-          </a:p>
-        </p:txBody>
-      </p:sp>
-      <p:pic>
-        <p:nvPicPr>
-          <p:cNvPr id="1185803" name="Picture 11" descr="start button"/>
-          <p:cNvPicPr>
-            <a:picLocks noChangeAspect="1" noChangeArrowheads="1"/>
-          </p:cNvPicPr>
-          <p:nvPr/>
-        </p:nvPicPr>
-        <p:blipFill>
-          <a:blip r:embed="rId4" cstate="print"/>
-          <a:srcRect/>
-          <a:stretch>
-            <a:fillRect/>
-          </a:stretch>
-        </p:blipFill>
-        <p:spPr bwMode="auto">
-          <a:xfrm>
-            <a:off x="762000" y="2667000"/>
-            <a:ext cx="1123950" cy="274638"/>
-          </a:xfrm>
-          <a:prstGeom prst="rect">
-            <a:avLst/>
-          </a:prstGeom>
-          <a:noFill/>
-        </p:spPr>
-      </p:pic>
-      <p:pic>
-        <p:nvPicPr>
-          <p:cNvPr id="1185804" name="Picture 12" descr="documentation"/>
-          <p:cNvPicPr>
-            <a:picLocks noChangeAspect="1" noChangeArrowheads="1"/>
-          </p:cNvPicPr>
-          <p:nvPr/>
-        </p:nvPicPr>
-        <p:blipFill>
-          <a:blip r:embed="rId5" cstate="print"/>
-          <a:srcRect/>
-          <a:stretch>
-            <a:fillRect/>
-          </a:stretch>
-        </p:blipFill>
-        <p:spPr bwMode="auto">
-          <a:xfrm>
-            <a:off x="2319338" y="3048000"/>
-            <a:ext cx="4505325" cy="3705225"/>
-          </a:xfrm>
-          <a:prstGeom prst="rect">
-            <a:avLst/>
-          </a:prstGeom>
-          <a:noFill/>
-        </p:spPr>
-      </p:pic>
-    </p:spTree>
-  </p:cSld>
-  <p:clrMapOvr>
-    <a:masterClrMapping/>
-  </p:clrMapOvr>
-  <p:timing>
-    <p:tnLst>
-      <p:par>
-        <p:cTn id="1" dur="indefinite" restart="never" nodeType="tmRoot"/>
-      </p:par>
-    </p:tnLst>
-  </p:timing>
-</p:sld>
-</file>
-
 <file path=ppt/slides/slide2.xml><?xml version="1.0" encoding="utf-8"?>
 <p:sld xmlns:a="http://schemas.openxmlformats.org/drawingml/2006/main" xmlns:r="http://schemas.openxmlformats.org/officeDocument/2006/relationships" xmlns:p="http://schemas.openxmlformats.org/presentationml/2006/main">
   <p:cSld>
@@ -7967,7 +6991,7 @@
         <p:spPr>
           <a:xfrm>
             <a:off x="4267200" y="2209800"/>
-            <a:ext cx="3786293" cy="523220"/>
+            <a:ext cx="2558714" cy="523220"/>
           </a:xfrm>
           <a:prstGeom prst="rect">
             <a:avLst/>
@@ -7989,7 +7013,11 @@
           <a:p>
             <a:r>
               <a:rPr lang="en-US" sz="2800" dirty="0" smtClean="0"/>
-              <a:t>Google “dsm2 version 8”</a:t>
+              <a:t>Google </a:t>
+            </a:r>
+            <a:r>
+              <a:rPr lang="en-US" sz="2800" dirty="0" smtClean="0"/>
+              <a:t> “DSM2”</a:t>
             </a:r>
             <a:endParaRPr lang="en-US" sz="2800" dirty="0"/>
           </a:p>
@@ -8990,17 +8018,23 @@
         </p:nvSpPr>
         <p:spPr>
           <a:xfrm>
-            <a:off x="457200" y="274638"/>
-            <a:ext cx="8229600" cy="868362"/>
-          </a:xfrm>
-        </p:spPr>
-        <p:txBody>
-          <a:bodyPr/>
+            <a:off x="457200" y="152400"/>
+            <a:ext cx="8229600" cy="685800"/>
+          </a:xfrm>
+        </p:spPr>
+        <p:txBody>
+          <a:bodyPr>
+            <a:normAutofit fontScale="90000"/>
+          </a:bodyPr>
           <a:lstStyle/>
           <a:p>
             <a:r>
               <a:rPr lang="en-US" dirty="0" smtClean="0"/>
-              <a:t>Open Command Window Here</a:t>
+              <a:t>Open Command </a:t>
+            </a:r>
+            <a:r>
+              <a:rPr lang="en-US" dirty="0" smtClean="0"/>
+              <a:t>Here</a:t>
             </a:r>
             <a:endParaRPr lang="en-US" dirty="0"/>
           </a:p>
@@ -9086,6 +8120,85 @@
           </a:effectLst>
         </p:spPr>
       </p:pic>
+      <p:sp>
+        <p:nvSpPr>
+          <p:cNvPr id="6" name="TextBox 5"/>
+          <p:cNvSpPr txBox="1"/>
+          <p:nvPr/>
+        </p:nvSpPr>
+        <p:spPr>
+          <a:xfrm>
+            <a:off x="3810000" y="1905000"/>
+            <a:ext cx="5029200" cy="523220"/>
+          </a:xfrm>
+          <a:prstGeom prst="rect">
+            <a:avLst/>
+          </a:prstGeom>
+          <a:noFill/>
+        </p:spPr>
+        <p:txBody>
+          <a:bodyPr wrap="square" rtlCol="0">
+            <a:spAutoFit/>
+          </a:bodyPr>
+          <a:lstStyle/>
+          <a:p>
+            <a:r>
+              <a:rPr lang="en-US" sz="2800" dirty="0" smtClean="0"/>
+              <a:t>This is a built-in feature for VISTA</a:t>
+            </a:r>
+            <a:endParaRPr lang="en-US" sz="2800" dirty="0"/>
+          </a:p>
+        </p:txBody>
+      </p:sp>
+      <p:sp>
+        <p:nvSpPr>
+          <p:cNvPr id="7" name="Rectangle 6"/>
+          <p:cNvSpPr/>
+          <p:nvPr/>
+        </p:nvSpPr>
+        <p:spPr>
+          <a:xfrm>
+            <a:off x="4114800" y="990600"/>
+            <a:ext cx="4839210" cy="523220"/>
+          </a:xfrm>
+          <a:prstGeom prst="rect">
+            <a:avLst/>
+          </a:prstGeom>
+          <a:solidFill>
+            <a:schemeClr val="bg1"/>
+          </a:solidFill>
+          <a:ln w="50800">
+            <a:solidFill>
+              <a:srgbClr val="FF0000"/>
+            </a:solidFill>
+          </a:ln>
+        </p:spPr>
+        <p:txBody>
+          <a:bodyPr wrap="none">
+            <a:spAutoFit/>
+          </a:bodyPr>
+          <a:lstStyle/>
+          <a:p>
+            <a:r>
+              <a:rPr lang="en-US" sz="2800" dirty="0" smtClean="0"/>
+              <a:t>Google </a:t>
+            </a:r>
+            <a:r>
+              <a:rPr lang="en-US" sz="2800" dirty="0" smtClean="0"/>
+              <a:t> “Open Command </a:t>
+            </a:r>
+            <a:r>
+              <a:rPr lang="en-US" sz="2800" dirty="0" smtClean="0"/>
+              <a:t>Here</a:t>
+            </a:r>
+            <a:r>
+              <a:rPr lang="en-US" sz="2800" dirty="0" smtClean="0"/>
+              <a:t>”</a:t>
+            </a:r>
+            <a:endParaRPr lang="en-US" sz="2800" dirty="0"/>
+          </a:p>
+        </p:txBody>
+      </p:sp>
     </p:spTree>
   </p:cSld>
   <p:clrMapOvr>
